--- a/MiCa-expo-app.pptx
+++ b/MiCa-expo-app.pptx
@@ -5,14 +5,16 @@
     <p:sldMasterId id="2147483648" r:id="rId1"/>
   </p:sldMasterIdLst>
   <p:notesMasterIdLst>
-    <p:notesMasterId r:id="rId7"/>
+    <p:notesMasterId r:id="rId9"/>
   </p:notesMasterIdLst>
   <p:sldIdLst>
     <p:sldId id="256" r:id="rId2"/>
     <p:sldId id="257" r:id="rId3"/>
     <p:sldId id="261" r:id="rId4"/>
     <p:sldId id="259" r:id="rId5"/>
-    <p:sldId id="260" r:id="rId6"/>
+    <p:sldId id="262" r:id="rId6"/>
+    <p:sldId id="260" r:id="rId7"/>
+    <p:sldId id="263" r:id="rId8"/>
   </p:sldIdLst>
   <p:sldSz cx="12192000" cy="6858000"/>
   <p:notesSz cx="6858000" cy="9144000"/>
@@ -111,7 +113,2521 @@
       </a:defRPr>
     </a:lvl9pPr>
   </p:defaultTextStyle>
+  <p:extLst>
+    <p:ext uri="{EFAFB233-063F-42B5-8137-9DF3F51BA10A}">
+      <p15:sldGuideLst xmlns:p15="http://schemas.microsoft.com/office/powerpoint/2012/main"/>
+    </p:ext>
+  </p:extLst>
 </p:presentation>
+</file>
+
+<file path=ppt/diagrams/colors1.xml><?xml version="1.0" encoding="utf-8"?>
+<dgm:colorsDef xmlns:dgm="http://schemas.openxmlformats.org/drawingml/2006/diagram" xmlns:a="http://schemas.openxmlformats.org/drawingml/2006/main" uniqueId="urn:microsoft.com/office/officeart/2005/8/colors/accent1_2">
+  <dgm:title val=""/>
+  <dgm:desc val=""/>
+  <dgm:catLst>
+    <dgm:cat type="accent1" pri="11200"/>
+  </dgm:catLst>
+  <dgm:styleLbl name="node0">
+    <dgm:fillClrLst meth="repeat">
+      <a:schemeClr val="accent1"/>
+    </dgm:fillClrLst>
+    <dgm:linClrLst meth="repeat">
+      <a:schemeClr val="lt1"/>
+    </dgm:linClrLst>
+    <dgm:effectClrLst/>
+    <dgm:txLinClrLst/>
+    <dgm:txFillClrLst/>
+    <dgm:txEffectClrLst/>
+  </dgm:styleLbl>
+  <dgm:styleLbl name="alignNode1">
+    <dgm:fillClrLst meth="repeat">
+      <a:schemeClr val="accent1"/>
+    </dgm:fillClrLst>
+    <dgm:linClrLst meth="repeat">
+      <a:schemeClr val="accent1"/>
+    </dgm:linClrLst>
+    <dgm:effectClrLst/>
+    <dgm:txLinClrLst/>
+    <dgm:txFillClrLst/>
+    <dgm:txEffectClrLst/>
+  </dgm:styleLbl>
+  <dgm:styleLbl name="node1">
+    <dgm:fillClrLst meth="repeat">
+      <a:schemeClr val="accent1"/>
+    </dgm:fillClrLst>
+    <dgm:linClrLst meth="repeat">
+      <a:schemeClr val="lt1"/>
+    </dgm:linClrLst>
+    <dgm:effectClrLst/>
+    <dgm:txLinClrLst/>
+    <dgm:txFillClrLst/>
+    <dgm:txEffectClrLst/>
+  </dgm:styleLbl>
+  <dgm:styleLbl name="lnNode1">
+    <dgm:fillClrLst meth="repeat">
+      <a:schemeClr val="accent1"/>
+    </dgm:fillClrLst>
+    <dgm:linClrLst meth="repeat">
+      <a:schemeClr val="lt1"/>
+    </dgm:linClrLst>
+    <dgm:effectClrLst/>
+    <dgm:txLinClrLst/>
+    <dgm:txFillClrLst/>
+    <dgm:txEffectClrLst/>
+  </dgm:styleLbl>
+  <dgm:styleLbl name="vennNode1">
+    <dgm:fillClrLst meth="repeat">
+      <a:schemeClr val="accent1">
+        <a:alpha val="50000"/>
+      </a:schemeClr>
+    </dgm:fillClrLst>
+    <dgm:linClrLst meth="repeat">
+      <a:schemeClr val="lt1"/>
+    </dgm:linClrLst>
+    <dgm:effectClrLst/>
+    <dgm:txLinClrLst/>
+    <dgm:txFillClrLst/>
+    <dgm:txEffectClrLst/>
+  </dgm:styleLbl>
+  <dgm:styleLbl name="node2">
+    <dgm:fillClrLst meth="repeat">
+      <a:schemeClr val="accent1"/>
+    </dgm:fillClrLst>
+    <dgm:linClrLst meth="repeat">
+      <a:schemeClr val="lt1"/>
+    </dgm:linClrLst>
+    <dgm:effectClrLst/>
+    <dgm:txLinClrLst/>
+    <dgm:txFillClrLst/>
+    <dgm:txEffectClrLst/>
+  </dgm:styleLbl>
+  <dgm:styleLbl name="node3">
+    <dgm:fillClrLst meth="repeat">
+      <a:schemeClr val="accent1"/>
+    </dgm:fillClrLst>
+    <dgm:linClrLst meth="repeat">
+      <a:schemeClr val="lt1"/>
+    </dgm:linClrLst>
+    <dgm:effectClrLst/>
+    <dgm:txLinClrLst/>
+    <dgm:txFillClrLst/>
+    <dgm:txEffectClrLst/>
+  </dgm:styleLbl>
+  <dgm:styleLbl name="node4">
+    <dgm:fillClrLst meth="repeat">
+      <a:schemeClr val="accent1"/>
+    </dgm:fillClrLst>
+    <dgm:linClrLst meth="repeat">
+      <a:schemeClr val="lt1"/>
+    </dgm:linClrLst>
+    <dgm:effectClrLst/>
+    <dgm:txLinClrLst/>
+    <dgm:txFillClrLst/>
+    <dgm:txEffectClrLst/>
+  </dgm:styleLbl>
+  <dgm:styleLbl name="fgImgPlace1">
+    <dgm:fillClrLst meth="repeat">
+      <a:schemeClr val="accent1">
+        <a:tint val="50000"/>
+      </a:schemeClr>
+    </dgm:fillClrLst>
+    <dgm:linClrLst meth="repeat">
+      <a:schemeClr val="lt1"/>
+    </dgm:linClrLst>
+    <dgm:effectClrLst/>
+    <dgm:txLinClrLst/>
+    <dgm:txFillClrLst meth="repeat">
+      <a:schemeClr val="lt1"/>
+    </dgm:txFillClrLst>
+    <dgm:txEffectClrLst/>
+  </dgm:styleLbl>
+  <dgm:styleLbl name="alignImgPlace1">
+    <dgm:fillClrLst meth="repeat">
+      <a:schemeClr val="accent1">
+        <a:tint val="50000"/>
+      </a:schemeClr>
+    </dgm:fillClrLst>
+    <dgm:linClrLst meth="repeat">
+      <a:schemeClr val="lt1"/>
+    </dgm:linClrLst>
+    <dgm:effectClrLst/>
+    <dgm:txLinClrLst/>
+    <dgm:txFillClrLst meth="repeat">
+      <a:schemeClr val="lt1"/>
+    </dgm:txFillClrLst>
+    <dgm:txEffectClrLst/>
+  </dgm:styleLbl>
+  <dgm:styleLbl name="bgImgPlace1">
+    <dgm:fillClrLst meth="repeat">
+      <a:schemeClr val="accent1">
+        <a:tint val="50000"/>
+      </a:schemeClr>
+    </dgm:fillClrLst>
+    <dgm:linClrLst meth="repeat">
+      <a:schemeClr val="lt1"/>
+    </dgm:linClrLst>
+    <dgm:effectClrLst/>
+    <dgm:txLinClrLst/>
+    <dgm:txFillClrLst meth="repeat">
+      <a:schemeClr val="lt1"/>
+    </dgm:txFillClrLst>
+    <dgm:txEffectClrLst/>
+  </dgm:styleLbl>
+  <dgm:styleLbl name="sibTrans2D1">
+    <dgm:fillClrLst meth="repeat">
+      <a:schemeClr val="accent1">
+        <a:tint val="60000"/>
+      </a:schemeClr>
+    </dgm:fillClrLst>
+    <dgm:linClrLst meth="repeat">
+      <a:schemeClr val="accent1">
+        <a:tint val="60000"/>
+      </a:schemeClr>
+    </dgm:linClrLst>
+    <dgm:effectClrLst/>
+    <dgm:txLinClrLst/>
+    <dgm:txFillClrLst/>
+    <dgm:txEffectClrLst/>
+  </dgm:styleLbl>
+  <dgm:styleLbl name="fgSibTrans2D1">
+    <dgm:fillClrLst meth="repeat">
+      <a:schemeClr val="accent1">
+        <a:tint val="60000"/>
+      </a:schemeClr>
+    </dgm:fillClrLst>
+    <dgm:linClrLst meth="repeat">
+      <a:schemeClr val="accent1">
+        <a:tint val="60000"/>
+      </a:schemeClr>
+    </dgm:linClrLst>
+    <dgm:effectClrLst/>
+    <dgm:txLinClrLst/>
+    <dgm:txFillClrLst/>
+    <dgm:txEffectClrLst/>
+  </dgm:styleLbl>
+  <dgm:styleLbl name="bgSibTrans2D1">
+    <dgm:fillClrLst meth="repeat">
+      <a:schemeClr val="accent1">
+        <a:tint val="60000"/>
+      </a:schemeClr>
+    </dgm:fillClrLst>
+    <dgm:linClrLst meth="repeat">
+      <a:schemeClr val="accent1">
+        <a:tint val="60000"/>
+      </a:schemeClr>
+    </dgm:linClrLst>
+    <dgm:effectClrLst/>
+    <dgm:txLinClrLst/>
+    <dgm:txFillClrLst/>
+    <dgm:txEffectClrLst/>
+  </dgm:styleLbl>
+  <dgm:styleLbl name="sibTrans1D1">
+    <dgm:fillClrLst meth="repeat">
+      <a:schemeClr val="accent1"/>
+    </dgm:fillClrLst>
+    <dgm:linClrLst meth="repeat">
+      <a:schemeClr val="accent1"/>
+    </dgm:linClrLst>
+    <dgm:effectClrLst/>
+    <dgm:txLinClrLst/>
+    <dgm:txFillClrLst meth="repeat">
+      <a:schemeClr val="tx1"/>
+    </dgm:txFillClrLst>
+    <dgm:txEffectClrLst/>
+  </dgm:styleLbl>
+  <dgm:styleLbl name="callout">
+    <dgm:fillClrLst meth="repeat">
+      <a:schemeClr val="accent1"/>
+    </dgm:fillClrLst>
+    <dgm:linClrLst meth="repeat">
+      <a:schemeClr val="accent1">
+        <a:tint val="50000"/>
+      </a:schemeClr>
+    </dgm:linClrLst>
+    <dgm:effectClrLst/>
+    <dgm:txLinClrLst/>
+    <dgm:txFillClrLst meth="repeat">
+      <a:schemeClr val="tx1"/>
+    </dgm:txFillClrLst>
+    <dgm:txEffectClrLst/>
+  </dgm:styleLbl>
+  <dgm:styleLbl name="asst0">
+    <dgm:fillClrLst meth="repeat">
+      <a:schemeClr val="accent1"/>
+    </dgm:fillClrLst>
+    <dgm:linClrLst meth="repeat">
+      <a:schemeClr val="lt1"/>
+    </dgm:linClrLst>
+    <dgm:effectClrLst/>
+    <dgm:txLinClrLst/>
+    <dgm:txFillClrLst/>
+    <dgm:txEffectClrLst/>
+  </dgm:styleLbl>
+  <dgm:styleLbl name="asst1">
+    <dgm:fillClrLst meth="repeat">
+      <a:schemeClr val="accent1"/>
+    </dgm:fillClrLst>
+    <dgm:linClrLst meth="repeat">
+      <a:schemeClr val="lt1"/>
+    </dgm:linClrLst>
+    <dgm:effectClrLst/>
+    <dgm:txLinClrLst/>
+    <dgm:txFillClrLst/>
+    <dgm:txEffectClrLst/>
+  </dgm:styleLbl>
+  <dgm:styleLbl name="asst2">
+    <dgm:fillClrLst meth="repeat">
+      <a:schemeClr val="accent1"/>
+    </dgm:fillClrLst>
+    <dgm:linClrLst meth="repeat">
+      <a:schemeClr val="lt1"/>
+    </dgm:linClrLst>
+    <dgm:effectClrLst/>
+    <dgm:txLinClrLst/>
+    <dgm:txFillClrLst/>
+    <dgm:txEffectClrLst/>
+  </dgm:styleLbl>
+  <dgm:styleLbl name="asst3">
+    <dgm:fillClrLst meth="repeat">
+      <a:schemeClr val="accent1"/>
+    </dgm:fillClrLst>
+    <dgm:linClrLst meth="repeat">
+      <a:schemeClr val="lt1"/>
+    </dgm:linClrLst>
+    <dgm:effectClrLst/>
+    <dgm:txLinClrLst/>
+    <dgm:txFillClrLst/>
+    <dgm:txEffectClrLst/>
+  </dgm:styleLbl>
+  <dgm:styleLbl name="asst4">
+    <dgm:fillClrLst meth="repeat">
+      <a:schemeClr val="accent1"/>
+    </dgm:fillClrLst>
+    <dgm:linClrLst meth="repeat">
+      <a:schemeClr val="lt1"/>
+    </dgm:linClrLst>
+    <dgm:effectClrLst/>
+    <dgm:txLinClrLst/>
+    <dgm:txFillClrLst/>
+    <dgm:txEffectClrLst/>
+  </dgm:styleLbl>
+  <dgm:styleLbl name="parChTrans2D1">
+    <dgm:fillClrLst meth="repeat">
+      <a:schemeClr val="accent1">
+        <a:tint val="60000"/>
+      </a:schemeClr>
+    </dgm:fillClrLst>
+    <dgm:linClrLst meth="repeat">
+      <a:schemeClr val="accent1">
+        <a:tint val="60000"/>
+      </a:schemeClr>
+    </dgm:linClrLst>
+    <dgm:effectClrLst/>
+    <dgm:txLinClrLst/>
+    <dgm:txFillClrLst meth="repeat">
+      <a:schemeClr val="lt1"/>
+    </dgm:txFillClrLst>
+    <dgm:txEffectClrLst/>
+  </dgm:styleLbl>
+  <dgm:styleLbl name="parChTrans2D2">
+    <dgm:fillClrLst meth="repeat">
+      <a:schemeClr val="accent1"/>
+    </dgm:fillClrLst>
+    <dgm:linClrLst meth="repeat">
+      <a:schemeClr val="accent1"/>
+    </dgm:linClrLst>
+    <dgm:effectClrLst/>
+    <dgm:txLinClrLst/>
+    <dgm:txFillClrLst meth="repeat">
+      <a:schemeClr val="lt1"/>
+    </dgm:txFillClrLst>
+    <dgm:txEffectClrLst/>
+  </dgm:styleLbl>
+  <dgm:styleLbl name="parChTrans2D3">
+    <dgm:fillClrLst meth="repeat">
+      <a:schemeClr val="accent1"/>
+    </dgm:fillClrLst>
+    <dgm:linClrLst meth="repeat">
+      <a:schemeClr val="accent1"/>
+    </dgm:linClrLst>
+    <dgm:effectClrLst/>
+    <dgm:txLinClrLst/>
+    <dgm:txFillClrLst meth="repeat">
+      <a:schemeClr val="lt1"/>
+    </dgm:txFillClrLst>
+    <dgm:txEffectClrLst/>
+  </dgm:styleLbl>
+  <dgm:styleLbl name="parChTrans2D4">
+    <dgm:fillClrLst meth="repeat">
+      <a:schemeClr val="accent1"/>
+    </dgm:fillClrLst>
+    <dgm:linClrLst meth="repeat">
+      <a:schemeClr val="accent1"/>
+    </dgm:linClrLst>
+    <dgm:effectClrLst/>
+    <dgm:txLinClrLst/>
+    <dgm:txFillClrLst meth="repeat">
+      <a:schemeClr val="lt1"/>
+    </dgm:txFillClrLst>
+    <dgm:txEffectClrLst/>
+  </dgm:styleLbl>
+  <dgm:styleLbl name="parChTrans1D1">
+    <dgm:fillClrLst meth="repeat">
+      <a:schemeClr val="accent1"/>
+    </dgm:fillClrLst>
+    <dgm:linClrLst meth="repeat">
+      <a:schemeClr val="accent1">
+        <a:shade val="60000"/>
+      </a:schemeClr>
+    </dgm:linClrLst>
+    <dgm:effectClrLst/>
+    <dgm:txLinClrLst/>
+    <dgm:txFillClrLst meth="repeat">
+      <a:schemeClr val="tx1"/>
+    </dgm:txFillClrLst>
+    <dgm:txEffectClrLst/>
+  </dgm:styleLbl>
+  <dgm:styleLbl name="parChTrans1D2">
+    <dgm:fillClrLst meth="repeat">
+      <a:schemeClr val="accent1"/>
+    </dgm:fillClrLst>
+    <dgm:linClrLst meth="repeat">
+      <a:schemeClr val="accent1">
+        <a:shade val="60000"/>
+      </a:schemeClr>
+    </dgm:linClrLst>
+    <dgm:effectClrLst/>
+    <dgm:txLinClrLst/>
+    <dgm:txFillClrLst meth="repeat">
+      <a:schemeClr val="tx1"/>
+    </dgm:txFillClrLst>
+    <dgm:txEffectClrLst/>
+  </dgm:styleLbl>
+  <dgm:styleLbl name="parChTrans1D3">
+    <dgm:fillClrLst meth="repeat">
+      <a:schemeClr val="accent1"/>
+    </dgm:fillClrLst>
+    <dgm:linClrLst meth="repeat">
+      <a:schemeClr val="accent1">
+        <a:shade val="80000"/>
+      </a:schemeClr>
+    </dgm:linClrLst>
+    <dgm:effectClrLst/>
+    <dgm:txLinClrLst/>
+    <dgm:txFillClrLst meth="repeat">
+      <a:schemeClr val="tx1"/>
+    </dgm:txFillClrLst>
+    <dgm:txEffectClrLst/>
+  </dgm:styleLbl>
+  <dgm:styleLbl name="parChTrans1D4">
+    <dgm:fillClrLst meth="repeat">
+      <a:schemeClr val="accent1"/>
+    </dgm:fillClrLst>
+    <dgm:linClrLst meth="repeat">
+      <a:schemeClr val="accent1">
+        <a:shade val="80000"/>
+      </a:schemeClr>
+    </dgm:linClrLst>
+    <dgm:effectClrLst/>
+    <dgm:txLinClrLst/>
+    <dgm:txFillClrLst meth="repeat">
+      <a:schemeClr val="tx1"/>
+    </dgm:txFillClrLst>
+    <dgm:txEffectClrLst/>
+  </dgm:styleLbl>
+  <dgm:styleLbl name="fgAcc1">
+    <dgm:fillClrLst meth="repeat">
+      <a:schemeClr val="lt1">
+        <a:alpha val="90000"/>
+      </a:schemeClr>
+    </dgm:fillClrLst>
+    <dgm:linClrLst meth="repeat">
+      <a:schemeClr val="accent1"/>
+    </dgm:linClrLst>
+    <dgm:effectClrLst/>
+    <dgm:txLinClrLst/>
+    <dgm:txFillClrLst meth="repeat">
+      <a:schemeClr val="dk1"/>
+    </dgm:txFillClrLst>
+    <dgm:txEffectClrLst/>
+  </dgm:styleLbl>
+  <dgm:styleLbl name="conFgAcc1">
+    <dgm:fillClrLst meth="repeat">
+      <a:schemeClr val="lt1">
+        <a:alpha val="90000"/>
+      </a:schemeClr>
+    </dgm:fillClrLst>
+    <dgm:linClrLst meth="repeat">
+      <a:schemeClr val="accent1"/>
+    </dgm:linClrLst>
+    <dgm:effectClrLst/>
+    <dgm:txLinClrLst/>
+    <dgm:txFillClrLst meth="repeat">
+      <a:schemeClr val="dk1"/>
+    </dgm:txFillClrLst>
+    <dgm:txEffectClrLst/>
+  </dgm:styleLbl>
+  <dgm:styleLbl name="alignAcc1">
+    <dgm:fillClrLst meth="repeat">
+      <a:schemeClr val="lt1">
+        <a:alpha val="90000"/>
+      </a:schemeClr>
+    </dgm:fillClrLst>
+    <dgm:linClrLst meth="repeat">
+      <a:schemeClr val="accent1"/>
+    </dgm:linClrLst>
+    <dgm:effectClrLst/>
+    <dgm:txLinClrLst/>
+    <dgm:txFillClrLst meth="repeat">
+      <a:schemeClr val="dk1"/>
+    </dgm:txFillClrLst>
+    <dgm:txEffectClrLst/>
+  </dgm:styleLbl>
+  <dgm:styleLbl name="trAlignAcc1">
+    <dgm:fillClrLst meth="repeat">
+      <a:schemeClr val="lt1">
+        <a:alpha val="40000"/>
+      </a:schemeClr>
+    </dgm:fillClrLst>
+    <dgm:linClrLst meth="repeat">
+      <a:schemeClr val="accent1"/>
+    </dgm:linClrLst>
+    <dgm:effectClrLst/>
+    <dgm:txLinClrLst/>
+    <dgm:txFillClrLst meth="repeat">
+      <a:schemeClr val="dk1"/>
+    </dgm:txFillClrLst>
+    <dgm:txEffectClrLst/>
+  </dgm:styleLbl>
+  <dgm:styleLbl name="bgAcc1">
+    <dgm:fillClrLst meth="repeat">
+      <a:schemeClr val="lt1">
+        <a:alpha val="90000"/>
+      </a:schemeClr>
+    </dgm:fillClrLst>
+    <dgm:linClrLst meth="repeat">
+      <a:schemeClr val="accent1"/>
+    </dgm:linClrLst>
+    <dgm:effectClrLst/>
+    <dgm:txLinClrLst/>
+    <dgm:txFillClrLst meth="repeat">
+      <a:schemeClr val="dk1"/>
+    </dgm:txFillClrLst>
+    <dgm:txEffectClrLst/>
+  </dgm:styleLbl>
+  <dgm:styleLbl name="solidFgAcc1">
+    <dgm:fillClrLst meth="repeat">
+      <a:schemeClr val="lt1"/>
+    </dgm:fillClrLst>
+    <dgm:linClrLst meth="repeat">
+      <a:schemeClr val="accent1"/>
+    </dgm:linClrLst>
+    <dgm:effectClrLst/>
+    <dgm:txLinClrLst/>
+    <dgm:txFillClrLst meth="repeat">
+      <a:schemeClr val="dk1"/>
+    </dgm:txFillClrLst>
+    <dgm:txEffectClrLst/>
+  </dgm:styleLbl>
+  <dgm:styleLbl name="solidAlignAcc1">
+    <dgm:fillClrLst meth="repeat">
+      <a:schemeClr val="lt1"/>
+    </dgm:fillClrLst>
+    <dgm:linClrLst meth="repeat">
+      <a:schemeClr val="accent1"/>
+    </dgm:linClrLst>
+    <dgm:effectClrLst/>
+    <dgm:txLinClrLst/>
+    <dgm:txFillClrLst meth="repeat">
+      <a:schemeClr val="dk1"/>
+    </dgm:txFillClrLst>
+    <dgm:txEffectClrLst/>
+  </dgm:styleLbl>
+  <dgm:styleLbl name="solidBgAcc1">
+    <dgm:fillClrLst meth="repeat">
+      <a:schemeClr val="lt1"/>
+    </dgm:fillClrLst>
+    <dgm:linClrLst meth="repeat">
+      <a:schemeClr val="accent1"/>
+    </dgm:linClrLst>
+    <dgm:effectClrLst/>
+    <dgm:txLinClrLst/>
+    <dgm:txFillClrLst meth="repeat">
+      <a:schemeClr val="dk1"/>
+    </dgm:txFillClrLst>
+    <dgm:txEffectClrLst/>
+  </dgm:styleLbl>
+  <dgm:styleLbl name="fgAccFollowNode1">
+    <dgm:fillClrLst meth="repeat">
+      <a:schemeClr val="accent1">
+        <a:alpha val="90000"/>
+        <a:tint val="40000"/>
+      </a:schemeClr>
+    </dgm:fillClrLst>
+    <dgm:linClrLst meth="repeat">
+      <a:schemeClr val="accent1">
+        <a:alpha val="90000"/>
+        <a:tint val="40000"/>
+      </a:schemeClr>
+    </dgm:linClrLst>
+    <dgm:effectClrLst/>
+    <dgm:txLinClrLst/>
+    <dgm:txFillClrLst meth="repeat">
+      <a:schemeClr val="dk1"/>
+    </dgm:txFillClrLst>
+    <dgm:txEffectClrLst/>
+  </dgm:styleLbl>
+  <dgm:styleLbl name="alignAccFollowNode1">
+    <dgm:fillClrLst meth="repeat">
+      <a:schemeClr val="accent1">
+        <a:alpha val="90000"/>
+        <a:tint val="40000"/>
+      </a:schemeClr>
+    </dgm:fillClrLst>
+    <dgm:linClrLst meth="repeat">
+      <a:schemeClr val="accent1">
+        <a:alpha val="90000"/>
+        <a:tint val="40000"/>
+      </a:schemeClr>
+    </dgm:linClrLst>
+    <dgm:effectClrLst/>
+    <dgm:txLinClrLst/>
+    <dgm:txFillClrLst meth="repeat">
+      <a:schemeClr val="dk1"/>
+    </dgm:txFillClrLst>
+    <dgm:txEffectClrLst/>
+  </dgm:styleLbl>
+  <dgm:styleLbl name="bgAccFollowNode1">
+    <dgm:fillClrLst meth="repeat">
+      <a:schemeClr val="accent1">
+        <a:alpha val="90000"/>
+        <a:tint val="40000"/>
+      </a:schemeClr>
+    </dgm:fillClrLst>
+    <dgm:linClrLst meth="repeat">
+      <a:schemeClr val="accent1">
+        <a:alpha val="90000"/>
+        <a:tint val="40000"/>
+      </a:schemeClr>
+    </dgm:linClrLst>
+    <dgm:effectClrLst/>
+    <dgm:txLinClrLst/>
+    <dgm:txFillClrLst meth="repeat">
+      <a:schemeClr val="dk1"/>
+    </dgm:txFillClrLst>
+    <dgm:txEffectClrLst/>
+  </dgm:styleLbl>
+  <dgm:styleLbl name="fgAcc0">
+    <dgm:fillClrLst meth="repeat">
+      <a:schemeClr val="lt1">
+        <a:alpha val="90000"/>
+      </a:schemeClr>
+    </dgm:fillClrLst>
+    <dgm:linClrLst meth="repeat">
+      <a:schemeClr val="accent1"/>
+    </dgm:linClrLst>
+    <dgm:effectClrLst/>
+    <dgm:txLinClrLst/>
+    <dgm:txFillClrLst meth="repeat">
+      <a:schemeClr val="dk1"/>
+    </dgm:txFillClrLst>
+    <dgm:txEffectClrLst/>
+  </dgm:styleLbl>
+  <dgm:styleLbl name="fgAcc2">
+    <dgm:fillClrLst meth="repeat">
+      <a:schemeClr val="lt1">
+        <a:alpha val="90000"/>
+      </a:schemeClr>
+    </dgm:fillClrLst>
+    <dgm:linClrLst meth="repeat">
+      <a:schemeClr val="accent1"/>
+    </dgm:linClrLst>
+    <dgm:effectClrLst/>
+    <dgm:txLinClrLst/>
+    <dgm:txFillClrLst meth="repeat">
+      <a:schemeClr val="dk1"/>
+    </dgm:txFillClrLst>
+    <dgm:txEffectClrLst/>
+  </dgm:styleLbl>
+  <dgm:styleLbl name="fgAcc3">
+    <dgm:fillClrLst meth="repeat">
+      <a:schemeClr val="lt1">
+        <a:alpha val="90000"/>
+      </a:schemeClr>
+    </dgm:fillClrLst>
+    <dgm:linClrLst meth="repeat">
+      <a:schemeClr val="accent1"/>
+    </dgm:linClrLst>
+    <dgm:effectClrLst/>
+    <dgm:txLinClrLst/>
+    <dgm:txFillClrLst meth="repeat">
+      <a:schemeClr val="dk1"/>
+    </dgm:txFillClrLst>
+    <dgm:txEffectClrLst/>
+  </dgm:styleLbl>
+  <dgm:styleLbl name="fgAcc4">
+    <dgm:fillClrLst meth="repeat">
+      <a:schemeClr val="lt1">
+        <a:alpha val="90000"/>
+      </a:schemeClr>
+    </dgm:fillClrLst>
+    <dgm:linClrLst meth="repeat">
+      <a:schemeClr val="accent1"/>
+    </dgm:linClrLst>
+    <dgm:effectClrLst/>
+    <dgm:txLinClrLst/>
+    <dgm:txFillClrLst meth="repeat">
+      <a:schemeClr val="dk1"/>
+    </dgm:txFillClrLst>
+    <dgm:txEffectClrLst/>
+  </dgm:styleLbl>
+  <dgm:styleLbl name="bgShp">
+    <dgm:fillClrLst meth="repeat">
+      <a:schemeClr val="accent1">
+        <a:tint val="40000"/>
+      </a:schemeClr>
+    </dgm:fillClrLst>
+    <dgm:linClrLst meth="repeat">
+      <a:schemeClr val="accent1"/>
+    </dgm:linClrLst>
+    <dgm:effectClrLst/>
+    <dgm:txLinClrLst/>
+    <dgm:txFillClrLst meth="repeat">
+      <a:schemeClr val="dk1"/>
+    </dgm:txFillClrLst>
+    <dgm:txEffectClrLst/>
+  </dgm:styleLbl>
+  <dgm:styleLbl name="dkBgShp">
+    <dgm:fillClrLst meth="repeat">
+      <a:schemeClr val="accent1">
+        <a:shade val="80000"/>
+      </a:schemeClr>
+    </dgm:fillClrLst>
+    <dgm:linClrLst meth="repeat">
+      <a:schemeClr val="accent1"/>
+    </dgm:linClrLst>
+    <dgm:effectClrLst/>
+    <dgm:txLinClrLst/>
+    <dgm:txFillClrLst meth="repeat">
+      <a:schemeClr val="lt1"/>
+    </dgm:txFillClrLst>
+    <dgm:txEffectClrLst/>
+  </dgm:styleLbl>
+  <dgm:styleLbl name="trBgShp">
+    <dgm:fillClrLst meth="repeat">
+      <a:schemeClr val="accent1">
+        <a:tint val="50000"/>
+        <a:alpha val="40000"/>
+      </a:schemeClr>
+    </dgm:fillClrLst>
+    <dgm:linClrLst meth="repeat">
+      <a:schemeClr val="accent1"/>
+    </dgm:linClrLst>
+    <dgm:effectClrLst/>
+    <dgm:txLinClrLst/>
+    <dgm:txFillClrLst meth="repeat">
+      <a:schemeClr val="lt1"/>
+    </dgm:txFillClrLst>
+    <dgm:txEffectClrLst/>
+  </dgm:styleLbl>
+  <dgm:styleLbl name="fgShp">
+    <dgm:fillClrLst meth="repeat">
+      <a:schemeClr val="accent1">
+        <a:tint val="60000"/>
+      </a:schemeClr>
+    </dgm:fillClrLst>
+    <dgm:linClrLst meth="repeat">
+      <a:schemeClr val="lt1"/>
+    </dgm:linClrLst>
+    <dgm:effectClrLst/>
+    <dgm:txLinClrLst/>
+    <dgm:txFillClrLst meth="repeat">
+      <a:schemeClr val="dk1"/>
+    </dgm:txFillClrLst>
+    <dgm:txEffectClrLst/>
+  </dgm:styleLbl>
+  <dgm:styleLbl name="revTx">
+    <dgm:fillClrLst meth="repeat">
+      <a:schemeClr val="lt1">
+        <a:alpha val="0"/>
+      </a:schemeClr>
+    </dgm:fillClrLst>
+    <dgm:linClrLst meth="repeat">
+      <a:schemeClr val="dk1">
+        <a:alpha val="0"/>
+      </a:schemeClr>
+    </dgm:linClrLst>
+    <dgm:effectClrLst/>
+    <dgm:txLinClrLst/>
+    <dgm:txFillClrLst meth="repeat">
+      <a:schemeClr val="tx1"/>
+    </dgm:txFillClrLst>
+    <dgm:txEffectClrLst/>
+  </dgm:styleLbl>
+</dgm:colorsDef>
+</file>
+
+<file path=ppt/diagrams/data1.xml><?xml version="1.0" encoding="utf-8"?>
+<dgm:dataModel xmlns:dgm="http://schemas.openxmlformats.org/drawingml/2006/diagram" xmlns:a="http://schemas.openxmlformats.org/drawingml/2006/main">
+  <dgm:ptLst>
+    <dgm:pt modelId="{F82EA28B-E1C5-4B7B-9567-DEE581E618D3}" type="doc">
+      <dgm:prSet loTypeId="urn:microsoft.com/office/officeart/2005/8/layout/process1" loCatId="process" qsTypeId="urn:microsoft.com/office/officeart/2005/8/quickstyle/simple1" qsCatId="simple" csTypeId="urn:microsoft.com/office/officeart/2005/8/colors/accent1_2" csCatId="accent1" phldr="1"/>
+      <dgm:spPr/>
+      <dgm:t>
+        <a:bodyPr/>
+        <a:lstStyle/>
+        <a:p>
+          <a:endParaRPr lang="fr-FR"/>
+        </a:p>
+      </dgm:t>
+    </dgm:pt>
+    <dgm:pt modelId="{C168408D-F99A-403F-8283-4F4753E139E6}">
+      <dgm:prSet phldrT="[Texte]" phldr="0"/>
+      <dgm:spPr/>
+      <dgm:t>
+        <a:bodyPr/>
+        <a:lstStyle/>
+        <a:p>
+          <a:r>
+            <a:rPr lang="fr-FR" dirty="0"/>
+            <a:t>Split API inputs</a:t>
+          </a:r>
+        </a:p>
+      </dgm:t>
+    </dgm:pt>
+    <dgm:pt modelId="{23FEEEA1-8CC7-4BFF-ACC5-B69735C34294}" type="parTrans" cxnId="{A85B269E-74FA-4765-8CE5-5A75F1AB8686}">
+      <dgm:prSet/>
+      <dgm:spPr/>
+      <dgm:t>
+        <a:bodyPr/>
+        <a:lstStyle/>
+        <a:p>
+          <a:endParaRPr lang="fr-FR"/>
+        </a:p>
+      </dgm:t>
+    </dgm:pt>
+    <dgm:pt modelId="{AC42E2DE-B00B-41E5-9397-50911109AF43}" type="sibTrans" cxnId="{A85B269E-74FA-4765-8CE5-5A75F1AB8686}">
+      <dgm:prSet/>
+      <dgm:spPr/>
+      <dgm:t>
+        <a:bodyPr/>
+        <a:lstStyle/>
+        <a:p>
+          <a:endParaRPr lang="fr-FR"/>
+        </a:p>
+      </dgm:t>
+    </dgm:pt>
+    <dgm:pt modelId="{AE1C3363-FD9E-452A-BD56-5526163416C6}">
+      <dgm:prSet phldrT="[Texte]" phldr="1"/>
+      <dgm:spPr/>
+      <dgm:t>
+        <a:bodyPr/>
+        <a:lstStyle/>
+        <a:p>
+          <a:endParaRPr lang="fr-FR"/>
+        </a:p>
+      </dgm:t>
+    </dgm:pt>
+    <dgm:pt modelId="{BCC81BE5-15A2-4CD3-8A8D-63123FBC7BF1}" type="parTrans" cxnId="{191AB36F-3EFE-4801-8C41-02758F53403A}">
+      <dgm:prSet/>
+      <dgm:spPr/>
+      <dgm:t>
+        <a:bodyPr/>
+        <a:lstStyle/>
+        <a:p>
+          <a:endParaRPr lang="fr-FR"/>
+        </a:p>
+      </dgm:t>
+    </dgm:pt>
+    <dgm:pt modelId="{B3DF1A05-99B6-4A43-B952-B5851DFAEA13}" type="sibTrans" cxnId="{191AB36F-3EFE-4801-8C41-02758F53403A}">
+      <dgm:prSet/>
+      <dgm:spPr/>
+      <dgm:t>
+        <a:bodyPr/>
+        <a:lstStyle/>
+        <a:p>
+          <a:endParaRPr lang="fr-FR"/>
+        </a:p>
+      </dgm:t>
+    </dgm:pt>
+    <dgm:pt modelId="{71C883ED-5876-408A-A6AC-D6D273163716}">
+      <dgm:prSet phldrT="[Texte]" phldr="1"/>
+      <dgm:spPr/>
+      <dgm:t>
+        <a:bodyPr/>
+        <a:lstStyle/>
+        <a:p>
+          <a:endParaRPr lang="fr-FR"/>
+        </a:p>
+      </dgm:t>
+    </dgm:pt>
+    <dgm:pt modelId="{63360257-8E98-452B-8523-306DBDACCF45}" type="parTrans" cxnId="{43508B86-3AC3-46EF-850A-F427CF3A7276}">
+      <dgm:prSet/>
+      <dgm:spPr/>
+      <dgm:t>
+        <a:bodyPr/>
+        <a:lstStyle/>
+        <a:p>
+          <a:endParaRPr lang="fr-FR"/>
+        </a:p>
+      </dgm:t>
+    </dgm:pt>
+    <dgm:pt modelId="{373B8BFE-C4C8-4EC6-84D4-86FFD71C7035}" type="sibTrans" cxnId="{43508B86-3AC3-46EF-850A-F427CF3A7276}">
+      <dgm:prSet/>
+      <dgm:spPr/>
+      <dgm:t>
+        <a:bodyPr/>
+        <a:lstStyle/>
+        <a:p>
+          <a:endParaRPr lang="fr-FR"/>
+        </a:p>
+      </dgm:t>
+    </dgm:pt>
+    <dgm:pt modelId="{18289538-8523-447A-81B5-5737D4439D35}" type="pres">
+      <dgm:prSet presAssocID="{F82EA28B-E1C5-4B7B-9567-DEE581E618D3}" presName="Name0" presStyleCnt="0">
+        <dgm:presLayoutVars>
+          <dgm:dir/>
+          <dgm:resizeHandles val="exact"/>
+        </dgm:presLayoutVars>
+      </dgm:prSet>
+      <dgm:spPr/>
+    </dgm:pt>
+    <dgm:pt modelId="{587054B0-2809-4AC3-A8D1-E1A6A0F3492A}" type="pres">
+      <dgm:prSet presAssocID="{C168408D-F99A-403F-8283-4F4753E139E6}" presName="node" presStyleLbl="node1" presStyleIdx="0" presStyleCnt="3">
+        <dgm:presLayoutVars>
+          <dgm:bulletEnabled val="1"/>
+        </dgm:presLayoutVars>
+      </dgm:prSet>
+      <dgm:spPr/>
+    </dgm:pt>
+    <dgm:pt modelId="{E9DDB663-A194-4921-B3C0-C5B494DC5DBE}" type="pres">
+      <dgm:prSet presAssocID="{AC42E2DE-B00B-41E5-9397-50911109AF43}" presName="sibTrans" presStyleLbl="sibTrans2D1" presStyleIdx="0" presStyleCnt="2"/>
+      <dgm:spPr/>
+    </dgm:pt>
+    <dgm:pt modelId="{55FA430B-BE5A-4176-83BE-E9B4108F44E3}" type="pres">
+      <dgm:prSet presAssocID="{AC42E2DE-B00B-41E5-9397-50911109AF43}" presName="connectorText" presStyleLbl="sibTrans2D1" presStyleIdx="0" presStyleCnt="2"/>
+      <dgm:spPr/>
+    </dgm:pt>
+    <dgm:pt modelId="{5B92966F-A06B-45CD-AD4B-ADD14077C3A5}" type="pres">
+      <dgm:prSet presAssocID="{AE1C3363-FD9E-452A-BD56-5526163416C6}" presName="node" presStyleLbl="node1" presStyleIdx="1" presStyleCnt="3">
+        <dgm:presLayoutVars>
+          <dgm:bulletEnabled val="1"/>
+        </dgm:presLayoutVars>
+      </dgm:prSet>
+      <dgm:spPr/>
+    </dgm:pt>
+    <dgm:pt modelId="{3E7D6861-2F51-4567-B213-FB96FBCC2BB7}" type="pres">
+      <dgm:prSet presAssocID="{B3DF1A05-99B6-4A43-B952-B5851DFAEA13}" presName="sibTrans" presStyleLbl="sibTrans2D1" presStyleIdx="1" presStyleCnt="2"/>
+      <dgm:spPr/>
+    </dgm:pt>
+    <dgm:pt modelId="{80D2F632-6F5B-40B9-8C02-6DB5681010B6}" type="pres">
+      <dgm:prSet presAssocID="{B3DF1A05-99B6-4A43-B952-B5851DFAEA13}" presName="connectorText" presStyleLbl="sibTrans2D1" presStyleIdx="1" presStyleCnt="2"/>
+      <dgm:spPr/>
+    </dgm:pt>
+    <dgm:pt modelId="{75FF1649-CEEA-4EA9-9C74-BCD2AA9B44E7}" type="pres">
+      <dgm:prSet presAssocID="{71C883ED-5876-408A-A6AC-D6D273163716}" presName="node" presStyleLbl="node1" presStyleIdx="2" presStyleCnt="3">
+        <dgm:presLayoutVars>
+          <dgm:bulletEnabled val="1"/>
+        </dgm:presLayoutVars>
+      </dgm:prSet>
+      <dgm:spPr/>
+    </dgm:pt>
+  </dgm:ptLst>
+  <dgm:cxnLst>
+    <dgm:cxn modelId="{6BD5BF45-F4EE-4D80-851C-0C6EE64B6E24}" type="presOf" srcId="{B3DF1A05-99B6-4A43-B952-B5851DFAEA13}" destId="{80D2F632-6F5B-40B9-8C02-6DB5681010B6}" srcOrd="1" destOrd="0" presId="urn:microsoft.com/office/officeart/2005/8/layout/process1"/>
+    <dgm:cxn modelId="{A149734C-49BA-4391-B64A-6DDDDD02C83A}" type="presOf" srcId="{AC42E2DE-B00B-41E5-9397-50911109AF43}" destId="{E9DDB663-A194-4921-B3C0-C5B494DC5DBE}" srcOrd="0" destOrd="0" presId="urn:microsoft.com/office/officeart/2005/8/layout/process1"/>
+    <dgm:cxn modelId="{191AB36F-3EFE-4801-8C41-02758F53403A}" srcId="{F82EA28B-E1C5-4B7B-9567-DEE581E618D3}" destId="{AE1C3363-FD9E-452A-BD56-5526163416C6}" srcOrd="1" destOrd="0" parTransId="{BCC81BE5-15A2-4CD3-8A8D-63123FBC7BF1}" sibTransId="{B3DF1A05-99B6-4A43-B952-B5851DFAEA13}"/>
+    <dgm:cxn modelId="{A9483957-9265-4952-9C55-B2395715C517}" type="presOf" srcId="{AE1C3363-FD9E-452A-BD56-5526163416C6}" destId="{5B92966F-A06B-45CD-AD4B-ADD14077C3A5}" srcOrd="0" destOrd="0" presId="urn:microsoft.com/office/officeart/2005/8/layout/process1"/>
+    <dgm:cxn modelId="{43508B86-3AC3-46EF-850A-F427CF3A7276}" srcId="{F82EA28B-E1C5-4B7B-9567-DEE581E618D3}" destId="{71C883ED-5876-408A-A6AC-D6D273163716}" srcOrd="2" destOrd="0" parTransId="{63360257-8E98-452B-8523-306DBDACCF45}" sibTransId="{373B8BFE-C4C8-4EC6-84D4-86FFD71C7035}"/>
+    <dgm:cxn modelId="{A85B269E-74FA-4765-8CE5-5A75F1AB8686}" srcId="{F82EA28B-E1C5-4B7B-9567-DEE581E618D3}" destId="{C168408D-F99A-403F-8283-4F4753E139E6}" srcOrd="0" destOrd="0" parTransId="{23FEEEA1-8CC7-4BFF-ACC5-B69735C34294}" sibTransId="{AC42E2DE-B00B-41E5-9397-50911109AF43}"/>
+    <dgm:cxn modelId="{BE0148C9-58D1-4049-A427-6F75863B01B4}" type="presOf" srcId="{B3DF1A05-99B6-4A43-B952-B5851DFAEA13}" destId="{3E7D6861-2F51-4567-B213-FB96FBCC2BB7}" srcOrd="0" destOrd="0" presId="urn:microsoft.com/office/officeart/2005/8/layout/process1"/>
+    <dgm:cxn modelId="{DDF4CDCD-669F-4C18-88D6-6383E62DDF7F}" type="presOf" srcId="{AC42E2DE-B00B-41E5-9397-50911109AF43}" destId="{55FA430B-BE5A-4176-83BE-E9B4108F44E3}" srcOrd="1" destOrd="0" presId="urn:microsoft.com/office/officeart/2005/8/layout/process1"/>
+    <dgm:cxn modelId="{6711A1D4-9314-4B4A-A893-3A7FFBBA63DE}" type="presOf" srcId="{F82EA28B-E1C5-4B7B-9567-DEE581E618D3}" destId="{18289538-8523-447A-81B5-5737D4439D35}" srcOrd="0" destOrd="0" presId="urn:microsoft.com/office/officeart/2005/8/layout/process1"/>
+    <dgm:cxn modelId="{6108FEEA-AF01-4640-B0AF-C31642586FD7}" type="presOf" srcId="{71C883ED-5876-408A-A6AC-D6D273163716}" destId="{75FF1649-CEEA-4EA9-9C74-BCD2AA9B44E7}" srcOrd="0" destOrd="0" presId="urn:microsoft.com/office/officeart/2005/8/layout/process1"/>
+    <dgm:cxn modelId="{53354CFE-42E5-47B1-88E1-ADA27CD64073}" type="presOf" srcId="{C168408D-F99A-403F-8283-4F4753E139E6}" destId="{587054B0-2809-4AC3-A8D1-E1A6A0F3492A}" srcOrd="0" destOrd="0" presId="urn:microsoft.com/office/officeart/2005/8/layout/process1"/>
+    <dgm:cxn modelId="{272E78E4-3998-4D47-B16B-D23228E2F17F}" type="presParOf" srcId="{18289538-8523-447A-81B5-5737D4439D35}" destId="{587054B0-2809-4AC3-A8D1-E1A6A0F3492A}" srcOrd="0" destOrd="0" presId="urn:microsoft.com/office/officeart/2005/8/layout/process1"/>
+    <dgm:cxn modelId="{D5DDA85D-6C91-4E01-904B-347AF70CAE38}" type="presParOf" srcId="{18289538-8523-447A-81B5-5737D4439D35}" destId="{E9DDB663-A194-4921-B3C0-C5B494DC5DBE}" srcOrd="1" destOrd="0" presId="urn:microsoft.com/office/officeart/2005/8/layout/process1"/>
+    <dgm:cxn modelId="{E1E64269-E7A8-4E48-BB55-A0D05CAF99CD}" type="presParOf" srcId="{E9DDB663-A194-4921-B3C0-C5B494DC5DBE}" destId="{55FA430B-BE5A-4176-83BE-E9B4108F44E3}" srcOrd="0" destOrd="0" presId="urn:microsoft.com/office/officeart/2005/8/layout/process1"/>
+    <dgm:cxn modelId="{82C43649-C577-4C11-B9F7-81C229CBEFB1}" type="presParOf" srcId="{18289538-8523-447A-81B5-5737D4439D35}" destId="{5B92966F-A06B-45CD-AD4B-ADD14077C3A5}" srcOrd="2" destOrd="0" presId="urn:microsoft.com/office/officeart/2005/8/layout/process1"/>
+    <dgm:cxn modelId="{5216FF71-362C-4234-A7D0-140809859566}" type="presParOf" srcId="{18289538-8523-447A-81B5-5737D4439D35}" destId="{3E7D6861-2F51-4567-B213-FB96FBCC2BB7}" srcOrd="3" destOrd="0" presId="urn:microsoft.com/office/officeart/2005/8/layout/process1"/>
+    <dgm:cxn modelId="{109E356F-C7C2-442A-BC23-76F9E103808A}" type="presParOf" srcId="{3E7D6861-2F51-4567-B213-FB96FBCC2BB7}" destId="{80D2F632-6F5B-40B9-8C02-6DB5681010B6}" srcOrd="0" destOrd="0" presId="urn:microsoft.com/office/officeart/2005/8/layout/process1"/>
+    <dgm:cxn modelId="{5A6FF1A8-39DB-409C-AA12-CFC44868E1D9}" type="presParOf" srcId="{18289538-8523-447A-81B5-5737D4439D35}" destId="{75FF1649-CEEA-4EA9-9C74-BCD2AA9B44E7}" srcOrd="4" destOrd="0" presId="urn:microsoft.com/office/officeart/2005/8/layout/process1"/>
+  </dgm:cxnLst>
+  <dgm:bg/>
+  <dgm:whole/>
+  <dgm:extLst>
+    <a:ext uri="http://schemas.microsoft.com/office/drawing/2008/diagram">
+      <dsp:dataModelExt xmlns:dsp="http://schemas.microsoft.com/office/drawing/2008/diagram" relId="rId6" minVer="http://schemas.openxmlformats.org/drawingml/2006/diagram"/>
+    </a:ext>
+  </dgm:extLst>
+</dgm:dataModel>
+</file>
+
+<file path=ppt/diagrams/drawing1.xml><?xml version="1.0" encoding="utf-8"?>
+<dsp:drawing xmlns:dgm="http://schemas.openxmlformats.org/drawingml/2006/diagram" xmlns:dsp="http://schemas.microsoft.com/office/drawing/2008/diagram" xmlns:a="http://schemas.openxmlformats.org/drawingml/2006/main">
+  <dsp:spTree>
+    <dsp:nvGrpSpPr>
+      <dsp:cNvPr id="0" name=""/>
+      <dsp:cNvGrpSpPr/>
+    </dsp:nvGrpSpPr>
+    <dsp:grpSpPr/>
+    <dsp:sp modelId="{587054B0-2809-4AC3-A8D1-E1A6A0F3492A}">
+      <dsp:nvSpPr>
+        <dsp:cNvPr id="0" name=""/>
+        <dsp:cNvSpPr/>
+      </dsp:nvSpPr>
+      <dsp:spPr>
+        <a:xfrm>
+          <a:off x="7143" y="2068777"/>
+          <a:ext cx="2135187" cy="1281112"/>
+        </a:xfrm>
+        <a:prstGeom prst="roundRect">
+          <a:avLst>
+            <a:gd name="adj" fmla="val 10000"/>
+          </a:avLst>
+        </a:prstGeom>
+        <a:solidFill>
+          <a:schemeClr val="accent1">
+            <a:hueOff val="0"/>
+            <a:satOff val="0"/>
+            <a:lumOff val="0"/>
+            <a:alphaOff val="0"/>
+          </a:schemeClr>
+        </a:solidFill>
+        <a:ln w="19050" cap="flat" cmpd="sng" algn="ctr">
+          <a:solidFill>
+            <a:schemeClr val="lt1">
+              <a:hueOff val="0"/>
+              <a:satOff val="0"/>
+              <a:lumOff val="0"/>
+              <a:alphaOff val="0"/>
+            </a:schemeClr>
+          </a:solidFill>
+          <a:prstDash val="solid"/>
+          <a:miter lim="800000"/>
+        </a:ln>
+        <a:effectLst/>
+      </dsp:spPr>
+      <dsp:style>
+        <a:lnRef idx="2">
+          <a:scrgbClr r="0" g="0" b="0"/>
+        </a:lnRef>
+        <a:fillRef idx="1">
+          <a:scrgbClr r="0" g="0" b="0"/>
+        </a:fillRef>
+        <a:effectRef idx="0">
+          <a:scrgbClr r="0" g="0" b="0"/>
+        </a:effectRef>
+        <a:fontRef idx="minor">
+          <a:schemeClr val="lt1"/>
+        </a:fontRef>
+      </dsp:style>
+      <dsp:txBody>
+        <a:bodyPr spcFirstLastPara="0" vert="horz" wrap="square" lIns="125730" tIns="125730" rIns="125730" bIns="125730" numCol="1" spcCol="1270" anchor="ctr" anchorCtr="0">
+          <a:noAutofit/>
+        </a:bodyPr>
+        <a:lstStyle/>
+        <a:p>
+          <a:pPr marL="0" lvl="0" indent="0" algn="ctr" defTabSz="1466850">
+            <a:lnSpc>
+              <a:spcPct val="90000"/>
+            </a:lnSpc>
+            <a:spcBef>
+              <a:spcPct val="0"/>
+            </a:spcBef>
+            <a:spcAft>
+              <a:spcPct val="35000"/>
+            </a:spcAft>
+            <a:buNone/>
+          </a:pPr>
+          <a:r>
+            <a:rPr lang="fr-FR" sz="3300" kern="1200" dirty="0"/>
+            <a:t>Split API inputs</a:t>
+          </a:r>
+        </a:p>
+      </dsp:txBody>
+      <dsp:txXfrm>
+        <a:off x="44665" y="2106299"/>
+        <a:ext cx="2060143" cy="1206068"/>
+      </dsp:txXfrm>
+    </dsp:sp>
+    <dsp:sp modelId="{E9DDB663-A194-4921-B3C0-C5B494DC5DBE}">
+      <dsp:nvSpPr>
+        <dsp:cNvPr id="0" name=""/>
+        <dsp:cNvSpPr/>
+      </dsp:nvSpPr>
+      <dsp:spPr>
+        <a:xfrm>
+          <a:off x="2355850" y="2444570"/>
+          <a:ext cx="452659" cy="529526"/>
+        </a:xfrm>
+        <a:prstGeom prst="rightArrow">
+          <a:avLst>
+            <a:gd name="adj1" fmla="val 60000"/>
+            <a:gd name="adj2" fmla="val 50000"/>
+          </a:avLst>
+        </a:prstGeom>
+        <a:solidFill>
+          <a:schemeClr val="accent1">
+            <a:tint val="60000"/>
+            <a:hueOff val="0"/>
+            <a:satOff val="0"/>
+            <a:lumOff val="0"/>
+            <a:alphaOff val="0"/>
+          </a:schemeClr>
+        </a:solidFill>
+        <a:ln>
+          <a:noFill/>
+        </a:ln>
+        <a:effectLst/>
+      </dsp:spPr>
+      <dsp:style>
+        <a:lnRef idx="0">
+          <a:scrgbClr r="0" g="0" b="0"/>
+        </a:lnRef>
+        <a:fillRef idx="1">
+          <a:scrgbClr r="0" g="0" b="0"/>
+        </a:fillRef>
+        <a:effectRef idx="0">
+          <a:scrgbClr r="0" g="0" b="0"/>
+        </a:effectRef>
+        <a:fontRef idx="minor">
+          <a:schemeClr val="lt1"/>
+        </a:fontRef>
+      </dsp:style>
+      <dsp:txBody>
+        <a:bodyPr spcFirstLastPara="0" vert="horz" wrap="square" lIns="0" tIns="0" rIns="0" bIns="0" numCol="1" spcCol="1270" anchor="ctr" anchorCtr="0">
+          <a:noAutofit/>
+        </a:bodyPr>
+        <a:lstStyle/>
+        <a:p>
+          <a:pPr marL="0" lvl="0" indent="0" algn="ctr" defTabSz="977900">
+            <a:lnSpc>
+              <a:spcPct val="90000"/>
+            </a:lnSpc>
+            <a:spcBef>
+              <a:spcPct val="0"/>
+            </a:spcBef>
+            <a:spcAft>
+              <a:spcPct val="35000"/>
+            </a:spcAft>
+            <a:buNone/>
+          </a:pPr>
+          <a:endParaRPr lang="fr-FR" sz="2200" kern="1200"/>
+        </a:p>
+      </dsp:txBody>
+      <dsp:txXfrm>
+        <a:off x="2355850" y="2550475"/>
+        <a:ext cx="316861" cy="317716"/>
+      </dsp:txXfrm>
+    </dsp:sp>
+    <dsp:sp modelId="{5B92966F-A06B-45CD-AD4B-ADD14077C3A5}">
+      <dsp:nvSpPr>
+        <dsp:cNvPr id="0" name=""/>
+        <dsp:cNvSpPr/>
+      </dsp:nvSpPr>
+      <dsp:spPr>
+        <a:xfrm>
+          <a:off x="2996406" y="2068777"/>
+          <a:ext cx="2135187" cy="1281112"/>
+        </a:xfrm>
+        <a:prstGeom prst="roundRect">
+          <a:avLst>
+            <a:gd name="adj" fmla="val 10000"/>
+          </a:avLst>
+        </a:prstGeom>
+        <a:solidFill>
+          <a:schemeClr val="accent1">
+            <a:hueOff val="0"/>
+            <a:satOff val="0"/>
+            <a:lumOff val="0"/>
+            <a:alphaOff val="0"/>
+          </a:schemeClr>
+        </a:solidFill>
+        <a:ln w="19050" cap="flat" cmpd="sng" algn="ctr">
+          <a:solidFill>
+            <a:schemeClr val="lt1">
+              <a:hueOff val="0"/>
+              <a:satOff val="0"/>
+              <a:lumOff val="0"/>
+              <a:alphaOff val="0"/>
+            </a:schemeClr>
+          </a:solidFill>
+          <a:prstDash val="solid"/>
+          <a:miter lim="800000"/>
+        </a:ln>
+        <a:effectLst/>
+      </dsp:spPr>
+      <dsp:style>
+        <a:lnRef idx="2">
+          <a:scrgbClr r="0" g="0" b="0"/>
+        </a:lnRef>
+        <a:fillRef idx="1">
+          <a:scrgbClr r="0" g="0" b="0"/>
+        </a:fillRef>
+        <a:effectRef idx="0">
+          <a:scrgbClr r="0" g="0" b="0"/>
+        </a:effectRef>
+        <a:fontRef idx="minor">
+          <a:schemeClr val="lt1"/>
+        </a:fontRef>
+      </dsp:style>
+      <dsp:txBody>
+        <a:bodyPr spcFirstLastPara="0" vert="horz" wrap="square" lIns="125730" tIns="125730" rIns="125730" bIns="125730" numCol="1" spcCol="1270" anchor="ctr" anchorCtr="0">
+          <a:noAutofit/>
+        </a:bodyPr>
+        <a:lstStyle/>
+        <a:p>
+          <a:pPr marL="0" lvl="0" indent="0" algn="ctr" defTabSz="1466850">
+            <a:lnSpc>
+              <a:spcPct val="90000"/>
+            </a:lnSpc>
+            <a:spcBef>
+              <a:spcPct val="0"/>
+            </a:spcBef>
+            <a:spcAft>
+              <a:spcPct val="35000"/>
+            </a:spcAft>
+            <a:buNone/>
+          </a:pPr>
+          <a:endParaRPr lang="fr-FR" sz="3300" kern="1200"/>
+        </a:p>
+      </dsp:txBody>
+      <dsp:txXfrm>
+        <a:off x="3033928" y="2106299"/>
+        <a:ext cx="2060143" cy="1206068"/>
+      </dsp:txXfrm>
+    </dsp:sp>
+    <dsp:sp modelId="{3E7D6861-2F51-4567-B213-FB96FBCC2BB7}">
+      <dsp:nvSpPr>
+        <dsp:cNvPr id="0" name=""/>
+        <dsp:cNvSpPr/>
+      </dsp:nvSpPr>
+      <dsp:spPr>
+        <a:xfrm>
+          <a:off x="5345112" y="2444570"/>
+          <a:ext cx="452659" cy="529526"/>
+        </a:xfrm>
+        <a:prstGeom prst="rightArrow">
+          <a:avLst>
+            <a:gd name="adj1" fmla="val 60000"/>
+            <a:gd name="adj2" fmla="val 50000"/>
+          </a:avLst>
+        </a:prstGeom>
+        <a:solidFill>
+          <a:schemeClr val="accent1">
+            <a:tint val="60000"/>
+            <a:hueOff val="0"/>
+            <a:satOff val="0"/>
+            <a:lumOff val="0"/>
+            <a:alphaOff val="0"/>
+          </a:schemeClr>
+        </a:solidFill>
+        <a:ln>
+          <a:noFill/>
+        </a:ln>
+        <a:effectLst/>
+      </dsp:spPr>
+      <dsp:style>
+        <a:lnRef idx="0">
+          <a:scrgbClr r="0" g="0" b="0"/>
+        </a:lnRef>
+        <a:fillRef idx="1">
+          <a:scrgbClr r="0" g="0" b="0"/>
+        </a:fillRef>
+        <a:effectRef idx="0">
+          <a:scrgbClr r="0" g="0" b="0"/>
+        </a:effectRef>
+        <a:fontRef idx="minor">
+          <a:schemeClr val="lt1"/>
+        </a:fontRef>
+      </dsp:style>
+      <dsp:txBody>
+        <a:bodyPr spcFirstLastPara="0" vert="horz" wrap="square" lIns="0" tIns="0" rIns="0" bIns="0" numCol="1" spcCol="1270" anchor="ctr" anchorCtr="0">
+          <a:noAutofit/>
+        </a:bodyPr>
+        <a:lstStyle/>
+        <a:p>
+          <a:pPr marL="0" lvl="0" indent="0" algn="ctr" defTabSz="977900">
+            <a:lnSpc>
+              <a:spcPct val="90000"/>
+            </a:lnSpc>
+            <a:spcBef>
+              <a:spcPct val="0"/>
+            </a:spcBef>
+            <a:spcAft>
+              <a:spcPct val="35000"/>
+            </a:spcAft>
+            <a:buNone/>
+          </a:pPr>
+          <a:endParaRPr lang="fr-FR" sz="2200" kern="1200"/>
+        </a:p>
+      </dsp:txBody>
+      <dsp:txXfrm>
+        <a:off x="5345112" y="2550475"/>
+        <a:ext cx="316861" cy="317716"/>
+      </dsp:txXfrm>
+    </dsp:sp>
+    <dsp:sp modelId="{75FF1649-CEEA-4EA9-9C74-BCD2AA9B44E7}">
+      <dsp:nvSpPr>
+        <dsp:cNvPr id="0" name=""/>
+        <dsp:cNvSpPr/>
+      </dsp:nvSpPr>
+      <dsp:spPr>
+        <a:xfrm>
+          <a:off x="5985668" y="2068777"/>
+          <a:ext cx="2135187" cy="1281112"/>
+        </a:xfrm>
+        <a:prstGeom prst="roundRect">
+          <a:avLst>
+            <a:gd name="adj" fmla="val 10000"/>
+          </a:avLst>
+        </a:prstGeom>
+        <a:solidFill>
+          <a:schemeClr val="accent1">
+            <a:hueOff val="0"/>
+            <a:satOff val="0"/>
+            <a:lumOff val="0"/>
+            <a:alphaOff val="0"/>
+          </a:schemeClr>
+        </a:solidFill>
+        <a:ln w="19050" cap="flat" cmpd="sng" algn="ctr">
+          <a:solidFill>
+            <a:schemeClr val="lt1">
+              <a:hueOff val="0"/>
+              <a:satOff val="0"/>
+              <a:lumOff val="0"/>
+              <a:alphaOff val="0"/>
+            </a:schemeClr>
+          </a:solidFill>
+          <a:prstDash val="solid"/>
+          <a:miter lim="800000"/>
+        </a:ln>
+        <a:effectLst/>
+      </dsp:spPr>
+      <dsp:style>
+        <a:lnRef idx="2">
+          <a:scrgbClr r="0" g="0" b="0"/>
+        </a:lnRef>
+        <a:fillRef idx="1">
+          <a:scrgbClr r="0" g="0" b="0"/>
+        </a:fillRef>
+        <a:effectRef idx="0">
+          <a:scrgbClr r="0" g="0" b="0"/>
+        </a:effectRef>
+        <a:fontRef idx="minor">
+          <a:schemeClr val="lt1"/>
+        </a:fontRef>
+      </dsp:style>
+      <dsp:txBody>
+        <a:bodyPr spcFirstLastPara="0" vert="horz" wrap="square" lIns="125730" tIns="125730" rIns="125730" bIns="125730" numCol="1" spcCol="1270" anchor="ctr" anchorCtr="0">
+          <a:noAutofit/>
+        </a:bodyPr>
+        <a:lstStyle/>
+        <a:p>
+          <a:pPr marL="0" lvl="0" indent="0" algn="ctr" defTabSz="1466850">
+            <a:lnSpc>
+              <a:spcPct val="90000"/>
+            </a:lnSpc>
+            <a:spcBef>
+              <a:spcPct val="0"/>
+            </a:spcBef>
+            <a:spcAft>
+              <a:spcPct val="35000"/>
+            </a:spcAft>
+            <a:buNone/>
+          </a:pPr>
+          <a:endParaRPr lang="fr-FR" sz="3300" kern="1200"/>
+        </a:p>
+      </dsp:txBody>
+      <dsp:txXfrm>
+        <a:off x="6023190" y="2106299"/>
+        <a:ext cx="2060143" cy="1206068"/>
+      </dsp:txXfrm>
+    </dsp:sp>
+  </dsp:spTree>
+</dsp:drawing>
+</file>
+
+<file path=ppt/diagrams/layout1.xml><?xml version="1.0" encoding="utf-8"?>
+<dgm:layoutDef xmlns:dgm="http://schemas.openxmlformats.org/drawingml/2006/diagram" xmlns:a="http://schemas.openxmlformats.org/drawingml/2006/main" uniqueId="urn:microsoft.com/office/officeart/2005/8/layout/process1">
+  <dgm:title val=""/>
+  <dgm:desc val=""/>
+  <dgm:catLst>
+    <dgm:cat type="process" pri="1000"/>
+    <dgm:cat type="convert" pri="15000"/>
+  </dgm:catLst>
+  <dgm:sampData useDef="1">
+    <dgm:dataModel>
+      <dgm:ptLst/>
+      <dgm:bg/>
+      <dgm:whole/>
+    </dgm:dataModel>
+  </dgm:sampData>
+  <dgm:styleData>
+    <dgm:dataModel>
+      <dgm:ptLst>
+        <dgm:pt modelId="0" type="doc"/>
+        <dgm:pt modelId="1"/>
+        <dgm:pt modelId="2"/>
+      </dgm:ptLst>
+      <dgm:cxnLst>
+        <dgm:cxn modelId="3" srcId="0" destId="1" srcOrd="0" destOrd="0"/>
+        <dgm:cxn modelId="4" srcId="0" destId="2" srcOrd="1" destOrd="0"/>
+      </dgm:cxnLst>
+      <dgm:bg/>
+      <dgm:whole/>
+    </dgm:dataModel>
+  </dgm:styleData>
+  <dgm:clrData>
+    <dgm:dataModel>
+      <dgm:ptLst>
+        <dgm:pt modelId="0" type="doc"/>
+        <dgm:pt modelId="1"/>
+        <dgm:pt modelId="2"/>
+        <dgm:pt modelId="3"/>
+        <dgm:pt modelId="4"/>
+      </dgm:ptLst>
+      <dgm:cxnLst>
+        <dgm:cxn modelId="5" srcId="0" destId="1" srcOrd="0" destOrd="0"/>
+        <dgm:cxn modelId="6" srcId="0" destId="2" srcOrd="1" destOrd="0"/>
+        <dgm:cxn modelId="7" srcId="0" destId="3" srcOrd="2" destOrd="0"/>
+        <dgm:cxn modelId="8" srcId="0" destId="4" srcOrd="3" destOrd="0"/>
+      </dgm:cxnLst>
+      <dgm:bg/>
+      <dgm:whole/>
+    </dgm:dataModel>
+  </dgm:clrData>
+  <dgm:layoutNode name="Name0">
+    <dgm:varLst>
+      <dgm:dir/>
+      <dgm:resizeHandles val="exact"/>
+    </dgm:varLst>
+    <dgm:choose name="Name1">
+      <dgm:if name="Name2" func="var" arg="dir" op="equ" val="norm">
+        <dgm:alg type="lin"/>
+      </dgm:if>
+      <dgm:else name="Name3">
+        <dgm:alg type="lin">
+          <dgm:param type="linDir" val="fromR"/>
+        </dgm:alg>
+      </dgm:else>
+    </dgm:choose>
+    <dgm:shape xmlns:r="http://schemas.openxmlformats.org/officeDocument/2006/relationships" r:blip="">
+      <dgm:adjLst/>
+    </dgm:shape>
+    <dgm:presOf/>
+    <dgm:constrLst>
+      <dgm:constr type="w" for="ch" ptType="node" refType="w"/>
+      <dgm:constr type="h" for="ch" ptType="node" op="equ"/>
+      <dgm:constr type="primFontSz" for="ch" ptType="node" op="equ" val="65"/>
+      <dgm:constr type="w" for="ch" ptType="sibTrans" refType="w" refFor="ch" refPtType="node" op="equ" fact="0.4"/>
+      <dgm:constr type="h" for="ch" ptType="sibTrans" op="equ"/>
+      <dgm:constr type="primFontSz" for="des" forName="connectorText" op="equ" val="55"/>
+      <dgm:constr type="primFontSz" for="des" forName="connectorText" refType="primFontSz" refFor="ch" refPtType="node" op="lte" fact="0.8"/>
+    </dgm:constrLst>
+    <dgm:ruleLst/>
+    <dgm:forEach name="nodesForEach" axis="ch" ptType="node">
+      <dgm:layoutNode name="node">
+        <dgm:varLst>
+          <dgm:bulletEnabled val="1"/>
+        </dgm:varLst>
+        <dgm:alg type="tx"/>
+        <dgm:shape xmlns:r="http://schemas.openxmlformats.org/officeDocument/2006/relationships" type="roundRect" r:blip="">
+          <dgm:adjLst>
+            <dgm:adj idx="1" val="0.1"/>
+          </dgm:adjLst>
+        </dgm:shape>
+        <dgm:presOf axis="desOrSelf" ptType="node"/>
+        <dgm:constrLst>
+          <dgm:constr type="h" refType="w" fact="0.6"/>
+          <dgm:constr type="tMarg" refType="primFontSz" fact="0.3"/>
+          <dgm:constr type="bMarg" refType="primFontSz" fact="0.3"/>
+          <dgm:constr type="lMarg" refType="primFontSz" fact="0.3"/>
+          <dgm:constr type="rMarg" refType="primFontSz" fact="0.3"/>
+        </dgm:constrLst>
+        <dgm:ruleLst>
+          <dgm:rule type="primFontSz" val="18" fact="NaN" max="NaN"/>
+          <dgm:rule type="h" val="NaN" fact="1.5" max="NaN"/>
+          <dgm:rule type="primFontSz" val="5" fact="NaN" max="NaN"/>
+          <dgm:rule type="h" val="INF" fact="NaN" max="NaN"/>
+        </dgm:ruleLst>
+      </dgm:layoutNode>
+      <dgm:forEach name="sibTransForEach" axis="followSib" ptType="sibTrans" cnt="1">
+        <dgm:layoutNode name="sibTrans">
+          <dgm:alg type="conn">
+            <dgm:param type="begPts" val="auto"/>
+            <dgm:param type="endPts" val="auto"/>
+          </dgm:alg>
+          <dgm:shape xmlns:r="http://schemas.openxmlformats.org/officeDocument/2006/relationships" type="conn" r:blip="">
+            <dgm:adjLst/>
+          </dgm:shape>
+          <dgm:presOf axis="self"/>
+          <dgm:constrLst>
+            <dgm:constr type="h" refType="w" fact="0.62"/>
+            <dgm:constr type="connDist"/>
+            <dgm:constr type="begPad" refType="connDist" fact="0.25"/>
+            <dgm:constr type="endPad" refType="connDist" fact="0.22"/>
+          </dgm:constrLst>
+          <dgm:ruleLst/>
+          <dgm:layoutNode name="connectorText">
+            <dgm:alg type="tx">
+              <dgm:param type="autoTxRot" val="grav"/>
+            </dgm:alg>
+            <dgm:shape xmlns:r="http://schemas.openxmlformats.org/officeDocument/2006/relationships" type="conn" r:blip="" hideGeom="1">
+              <dgm:adjLst/>
+            </dgm:shape>
+            <dgm:presOf axis="self"/>
+            <dgm:constrLst>
+              <dgm:constr type="lMarg"/>
+              <dgm:constr type="rMarg"/>
+              <dgm:constr type="tMarg"/>
+              <dgm:constr type="bMarg"/>
+            </dgm:constrLst>
+            <dgm:ruleLst>
+              <dgm:rule type="primFontSz" val="5" fact="NaN" max="NaN"/>
+            </dgm:ruleLst>
+          </dgm:layoutNode>
+        </dgm:layoutNode>
+      </dgm:forEach>
+    </dgm:forEach>
+  </dgm:layoutNode>
+</dgm:layoutDef>
+</file>
+
+<file path=ppt/diagrams/quickStyle1.xml><?xml version="1.0" encoding="utf-8"?>
+<dgm:styleDef xmlns:dgm="http://schemas.openxmlformats.org/drawingml/2006/diagram" xmlns:a="http://schemas.openxmlformats.org/drawingml/2006/main" uniqueId="urn:microsoft.com/office/officeart/2005/8/quickstyle/simple1">
+  <dgm:title val=""/>
+  <dgm:desc val=""/>
+  <dgm:catLst>
+    <dgm:cat type="simple" pri="10100"/>
+  </dgm:catLst>
+  <dgm:scene3d>
+    <a:camera prst="orthographicFront"/>
+    <a:lightRig rig="threePt" dir="t"/>
+  </dgm:scene3d>
+  <dgm:styleLbl name="node0">
+    <dgm:scene3d>
+      <a:camera prst="orthographicFront"/>
+      <a:lightRig rig="threePt" dir="t"/>
+    </dgm:scene3d>
+    <dgm:sp3d/>
+    <dgm:txPr/>
+    <dgm:style>
+      <a:lnRef idx="2">
+        <a:scrgbClr r="0" g="0" b="0"/>
+      </a:lnRef>
+      <a:fillRef idx="1">
+        <a:scrgbClr r="0" g="0" b="0"/>
+      </a:fillRef>
+      <a:effectRef idx="0">
+        <a:scrgbClr r="0" g="0" b="0"/>
+      </a:effectRef>
+      <a:fontRef idx="minor">
+        <a:schemeClr val="lt1"/>
+      </a:fontRef>
+    </dgm:style>
+  </dgm:styleLbl>
+  <dgm:styleLbl name="lnNode1">
+    <dgm:scene3d>
+      <a:camera prst="orthographicFront"/>
+      <a:lightRig rig="threePt" dir="t"/>
+    </dgm:scene3d>
+    <dgm:sp3d/>
+    <dgm:txPr/>
+    <dgm:style>
+      <a:lnRef idx="2">
+        <a:scrgbClr r="0" g="0" b="0"/>
+      </a:lnRef>
+      <a:fillRef idx="1">
+        <a:scrgbClr r="0" g="0" b="0"/>
+      </a:fillRef>
+      <a:effectRef idx="0">
+        <a:scrgbClr r="0" g="0" b="0"/>
+      </a:effectRef>
+      <a:fontRef idx="minor">
+        <a:schemeClr val="lt1"/>
+      </a:fontRef>
+    </dgm:style>
+  </dgm:styleLbl>
+  <dgm:styleLbl name="vennNode1">
+    <dgm:scene3d>
+      <a:camera prst="orthographicFront"/>
+      <a:lightRig rig="threePt" dir="t"/>
+    </dgm:scene3d>
+    <dgm:sp3d/>
+    <dgm:txPr/>
+    <dgm:style>
+      <a:lnRef idx="2">
+        <a:scrgbClr r="0" g="0" b="0"/>
+      </a:lnRef>
+      <a:fillRef idx="1">
+        <a:scrgbClr r="0" g="0" b="0"/>
+      </a:fillRef>
+      <a:effectRef idx="0">
+        <a:scrgbClr r="0" g="0" b="0"/>
+      </a:effectRef>
+      <a:fontRef idx="minor">
+        <a:schemeClr val="tx1"/>
+      </a:fontRef>
+    </dgm:style>
+  </dgm:styleLbl>
+  <dgm:styleLbl name="alignNode1">
+    <dgm:scene3d>
+      <a:camera prst="orthographicFront"/>
+      <a:lightRig rig="threePt" dir="t"/>
+    </dgm:scene3d>
+    <dgm:sp3d/>
+    <dgm:txPr/>
+    <dgm:style>
+      <a:lnRef idx="2">
+        <a:scrgbClr r="0" g="0" b="0"/>
+      </a:lnRef>
+      <a:fillRef idx="1">
+        <a:scrgbClr r="0" g="0" b="0"/>
+      </a:fillRef>
+      <a:effectRef idx="0">
+        <a:scrgbClr r="0" g="0" b="0"/>
+      </a:effectRef>
+      <a:fontRef idx="minor">
+        <a:schemeClr val="lt1"/>
+      </a:fontRef>
+    </dgm:style>
+  </dgm:styleLbl>
+  <dgm:styleLbl name="node1">
+    <dgm:scene3d>
+      <a:camera prst="orthographicFront"/>
+      <a:lightRig rig="threePt" dir="t"/>
+    </dgm:scene3d>
+    <dgm:sp3d/>
+    <dgm:txPr/>
+    <dgm:style>
+      <a:lnRef idx="2">
+        <a:scrgbClr r="0" g="0" b="0"/>
+      </a:lnRef>
+      <a:fillRef idx="1">
+        <a:scrgbClr r="0" g="0" b="0"/>
+      </a:fillRef>
+      <a:effectRef idx="0">
+        <a:scrgbClr r="0" g="0" b="0"/>
+      </a:effectRef>
+      <a:fontRef idx="minor">
+        <a:schemeClr val="lt1"/>
+      </a:fontRef>
+    </dgm:style>
+  </dgm:styleLbl>
+  <dgm:styleLbl name="node2">
+    <dgm:scene3d>
+      <a:camera prst="orthographicFront"/>
+      <a:lightRig rig="threePt" dir="t"/>
+    </dgm:scene3d>
+    <dgm:sp3d/>
+    <dgm:txPr/>
+    <dgm:style>
+      <a:lnRef idx="2">
+        <a:scrgbClr r="0" g="0" b="0"/>
+      </a:lnRef>
+      <a:fillRef idx="1">
+        <a:scrgbClr r="0" g="0" b="0"/>
+      </a:fillRef>
+      <a:effectRef idx="0">
+        <a:scrgbClr r="0" g="0" b="0"/>
+      </a:effectRef>
+      <a:fontRef idx="minor">
+        <a:schemeClr val="lt1"/>
+      </a:fontRef>
+    </dgm:style>
+  </dgm:styleLbl>
+  <dgm:styleLbl name="node3">
+    <dgm:scene3d>
+      <a:camera prst="orthographicFront"/>
+      <a:lightRig rig="threePt" dir="t"/>
+    </dgm:scene3d>
+    <dgm:sp3d/>
+    <dgm:txPr/>
+    <dgm:style>
+      <a:lnRef idx="2">
+        <a:scrgbClr r="0" g="0" b="0"/>
+      </a:lnRef>
+      <a:fillRef idx="1">
+        <a:scrgbClr r="0" g="0" b="0"/>
+      </a:fillRef>
+      <a:effectRef idx="0">
+        <a:scrgbClr r="0" g="0" b="0"/>
+      </a:effectRef>
+      <a:fontRef idx="minor">
+        <a:schemeClr val="lt1"/>
+      </a:fontRef>
+    </dgm:style>
+  </dgm:styleLbl>
+  <dgm:styleLbl name="node4">
+    <dgm:scene3d>
+      <a:camera prst="orthographicFront"/>
+      <a:lightRig rig="threePt" dir="t"/>
+    </dgm:scene3d>
+    <dgm:sp3d/>
+    <dgm:txPr/>
+    <dgm:style>
+      <a:lnRef idx="2">
+        <a:scrgbClr r="0" g="0" b="0"/>
+      </a:lnRef>
+      <a:fillRef idx="1">
+        <a:scrgbClr r="0" g="0" b="0"/>
+      </a:fillRef>
+      <a:effectRef idx="0">
+        <a:scrgbClr r="0" g="0" b="0"/>
+      </a:effectRef>
+      <a:fontRef idx="minor">
+        <a:schemeClr val="lt1"/>
+      </a:fontRef>
+    </dgm:style>
+  </dgm:styleLbl>
+  <dgm:styleLbl name="fgImgPlace1">
+    <dgm:scene3d>
+      <a:camera prst="orthographicFront"/>
+      <a:lightRig rig="threePt" dir="t"/>
+    </dgm:scene3d>
+    <dgm:sp3d/>
+    <dgm:txPr/>
+    <dgm:style>
+      <a:lnRef idx="2">
+        <a:scrgbClr r="0" g="0" b="0"/>
+      </a:lnRef>
+      <a:fillRef idx="1">
+        <a:scrgbClr r="0" g="0" b="0"/>
+      </a:fillRef>
+      <a:effectRef idx="0">
+        <a:scrgbClr r="0" g="0" b="0"/>
+      </a:effectRef>
+      <a:fontRef idx="minor"/>
+    </dgm:style>
+  </dgm:styleLbl>
+  <dgm:styleLbl name="alignImgPlace1">
+    <dgm:scene3d>
+      <a:camera prst="orthographicFront"/>
+      <a:lightRig rig="threePt" dir="t"/>
+    </dgm:scene3d>
+    <dgm:sp3d/>
+    <dgm:txPr/>
+    <dgm:style>
+      <a:lnRef idx="2">
+        <a:scrgbClr r="0" g="0" b="0"/>
+      </a:lnRef>
+      <a:fillRef idx="1">
+        <a:scrgbClr r="0" g="0" b="0"/>
+      </a:fillRef>
+      <a:effectRef idx="0">
+        <a:scrgbClr r="0" g="0" b="0"/>
+      </a:effectRef>
+      <a:fontRef idx="minor"/>
+    </dgm:style>
+  </dgm:styleLbl>
+  <dgm:styleLbl name="bgImgPlace1">
+    <dgm:scene3d>
+      <a:camera prst="orthographicFront"/>
+      <a:lightRig rig="threePt" dir="t"/>
+    </dgm:scene3d>
+    <dgm:sp3d/>
+    <dgm:txPr/>
+    <dgm:style>
+      <a:lnRef idx="2">
+        <a:scrgbClr r="0" g="0" b="0"/>
+      </a:lnRef>
+      <a:fillRef idx="1">
+        <a:scrgbClr r="0" g="0" b="0"/>
+      </a:fillRef>
+      <a:effectRef idx="0">
+        <a:scrgbClr r="0" g="0" b="0"/>
+      </a:effectRef>
+      <a:fontRef idx="minor"/>
+    </dgm:style>
+  </dgm:styleLbl>
+  <dgm:styleLbl name="sibTrans2D1">
+    <dgm:scene3d>
+      <a:camera prst="orthographicFront"/>
+      <a:lightRig rig="threePt" dir="t"/>
+    </dgm:scene3d>
+    <dgm:sp3d/>
+    <dgm:txPr/>
+    <dgm:style>
+      <a:lnRef idx="0">
+        <a:scrgbClr r="0" g="0" b="0"/>
+      </a:lnRef>
+      <a:fillRef idx="1">
+        <a:scrgbClr r="0" g="0" b="0"/>
+      </a:fillRef>
+      <a:effectRef idx="0">
+        <a:scrgbClr r="0" g="0" b="0"/>
+      </a:effectRef>
+      <a:fontRef idx="minor">
+        <a:schemeClr val="lt1"/>
+      </a:fontRef>
+    </dgm:style>
+  </dgm:styleLbl>
+  <dgm:styleLbl name="fgSibTrans2D1">
+    <dgm:scene3d>
+      <a:camera prst="orthographicFront"/>
+      <a:lightRig rig="threePt" dir="t"/>
+    </dgm:scene3d>
+    <dgm:sp3d/>
+    <dgm:txPr/>
+    <dgm:style>
+      <a:lnRef idx="0">
+        <a:scrgbClr r="0" g="0" b="0"/>
+      </a:lnRef>
+      <a:fillRef idx="1">
+        <a:scrgbClr r="0" g="0" b="0"/>
+      </a:fillRef>
+      <a:effectRef idx="0">
+        <a:scrgbClr r="0" g="0" b="0"/>
+      </a:effectRef>
+      <a:fontRef idx="minor">
+        <a:schemeClr val="lt1"/>
+      </a:fontRef>
+    </dgm:style>
+  </dgm:styleLbl>
+  <dgm:styleLbl name="bgSibTrans2D1">
+    <dgm:scene3d>
+      <a:camera prst="orthographicFront"/>
+      <a:lightRig rig="threePt" dir="t"/>
+    </dgm:scene3d>
+    <dgm:sp3d/>
+    <dgm:txPr/>
+    <dgm:style>
+      <a:lnRef idx="0">
+        <a:scrgbClr r="0" g="0" b="0"/>
+      </a:lnRef>
+      <a:fillRef idx="1">
+        <a:scrgbClr r="0" g="0" b="0"/>
+      </a:fillRef>
+      <a:effectRef idx="0">
+        <a:scrgbClr r="0" g="0" b="0"/>
+      </a:effectRef>
+      <a:fontRef idx="minor">
+        <a:schemeClr val="lt1"/>
+      </a:fontRef>
+    </dgm:style>
+  </dgm:styleLbl>
+  <dgm:styleLbl name="sibTrans1D1">
+    <dgm:scene3d>
+      <a:camera prst="orthographicFront"/>
+      <a:lightRig rig="threePt" dir="t"/>
+    </dgm:scene3d>
+    <dgm:sp3d/>
+    <dgm:txPr/>
+    <dgm:style>
+      <a:lnRef idx="1">
+        <a:scrgbClr r="0" g="0" b="0"/>
+      </a:lnRef>
+      <a:fillRef idx="0">
+        <a:scrgbClr r="0" g="0" b="0"/>
+      </a:fillRef>
+      <a:effectRef idx="0">
+        <a:scrgbClr r="0" g="0" b="0"/>
+      </a:effectRef>
+      <a:fontRef idx="minor"/>
+    </dgm:style>
+  </dgm:styleLbl>
+  <dgm:styleLbl name="callout">
+    <dgm:scene3d>
+      <a:camera prst="orthographicFront"/>
+      <a:lightRig rig="threePt" dir="t"/>
+    </dgm:scene3d>
+    <dgm:sp3d/>
+    <dgm:txPr/>
+    <dgm:style>
+      <a:lnRef idx="2">
+        <a:scrgbClr r="0" g="0" b="0"/>
+      </a:lnRef>
+      <a:fillRef idx="1">
+        <a:scrgbClr r="0" g="0" b="0"/>
+      </a:fillRef>
+      <a:effectRef idx="0">
+        <a:scrgbClr r="0" g="0" b="0"/>
+      </a:effectRef>
+      <a:fontRef idx="minor"/>
+    </dgm:style>
+  </dgm:styleLbl>
+  <dgm:styleLbl name="asst0">
+    <dgm:scene3d>
+      <a:camera prst="orthographicFront"/>
+      <a:lightRig rig="threePt" dir="t"/>
+    </dgm:scene3d>
+    <dgm:sp3d/>
+    <dgm:txPr/>
+    <dgm:style>
+      <a:lnRef idx="2">
+        <a:scrgbClr r="0" g="0" b="0"/>
+      </a:lnRef>
+      <a:fillRef idx="1">
+        <a:scrgbClr r="0" g="0" b="0"/>
+      </a:fillRef>
+      <a:effectRef idx="0">
+        <a:scrgbClr r="0" g="0" b="0"/>
+      </a:effectRef>
+      <a:fontRef idx="minor">
+        <a:schemeClr val="lt1"/>
+      </a:fontRef>
+    </dgm:style>
+  </dgm:styleLbl>
+  <dgm:styleLbl name="asst1">
+    <dgm:scene3d>
+      <a:camera prst="orthographicFront"/>
+      <a:lightRig rig="threePt" dir="t"/>
+    </dgm:scene3d>
+    <dgm:sp3d/>
+    <dgm:txPr/>
+    <dgm:style>
+      <a:lnRef idx="2">
+        <a:scrgbClr r="0" g="0" b="0"/>
+      </a:lnRef>
+      <a:fillRef idx="1">
+        <a:scrgbClr r="0" g="0" b="0"/>
+      </a:fillRef>
+      <a:effectRef idx="0">
+        <a:scrgbClr r="0" g="0" b="0"/>
+      </a:effectRef>
+      <a:fontRef idx="minor">
+        <a:schemeClr val="lt1"/>
+      </a:fontRef>
+    </dgm:style>
+  </dgm:styleLbl>
+  <dgm:styleLbl name="asst2">
+    <dgm:scene3d>
+      <a:camera prst="orthographicFront"/>
+      <a:lightRig rig="threePt" dir="t"/>
+    </dgm:scene3d>
+    <dgm:sp3d/>
+    <dgm:txPr/>
+    <dgm:style>
+      <a:lnRef idx="2">
+        <a:scrgbClr r="0" g="0" b="0"/>
+      </a:lnRef>
+      <a:fillRef idx="1">
+        <a:scrgbClr r="0" g="0" b="0"/>
+      </a:fillRef>
+      <a:effectRef idx="0">
+        <a:scrgbClr r="0" g="0" b="0"/>
+      </a:effectRef>
+      <a:fontRef idx="minor">
+        <a:schemeClr val="lt1"/>
+      </a:fontRef>
+    </dgm:style>
+  </dgm:styleLbl>
+  <dgm:styleLbl name="asst3">
+    <dgm:scene3d>
+      <a:camera prst="orthographicFront"/>
+      <a:lightRig rig="threePt" dir="t"/>
+    </dgm:scene3d>
+    <dgm:sp3d/>
+    <dgm:txPr/>
+    <dgm:style>
+      <a:lnRef idx="2">
+        <a:scrgbClr r="0" g="0" b="0"/>
+      </a:lnRef>
+      <a:fillRef idx="1">
+        <a:scrgbClr r="0" g="0" b="0"/>
+      </a:fillRef>
+      <a:effectRef idx="0">
+        <a:scrgbClr r="0" g="0" b="0"/>
+      </a:effectRef>
+      <a:fontRef idx="minor">
+        <a:schemeClr val="lt1"/>
+      </a:fontRef>
+    </dgm:style>
+  </dgm:styleLbl>
+  <dgm:styleLbl name="asst4">
+    <dgm:scene3d>
+      <a:camera prst="orthographicFront"/>
+      <a:lightRig rig="threePt" dir="t"/>
+    </dgm:scene3d>
+    <dgm:sp3d/>
+    <dgm:txPr/>
+    <dgm:style>
+      <a:lnRef idx="2">
+        <a:scrgbClr r="0" g="0" b="0"/>
+      </a:lnRef>
+      <a:fillRef idx="1">
+        <a:scrgbClr r="0" g="0" b="0"/>
+      </a:fillRef>
+      <a:effectRef idx="0">
+        <a:scrgbClr r="0" g="0" b="0"/>
+      </a:effectRef>
+      <a:fontRef idx="minor">
+        <a:schemeClr val="lt1"/>
+      </a:fontRef>
+    </dgm:style>
+  </dgm:styleLbl>
+  <dgm:styleLbl name="parChTrans2D1">
+    <dgm:scene3d>
+      <a:camera prst="orthographicFront"/>
+      <a:lightRig rig="threePt" dir="t"/>
+    </dgm:scene3d>
+    <dgm:sp3d/>
+    <dgm:txPr/>
+    <dgm:style>
+      <a:lnRef idx="2">
+        <a:scrgbClr r="0" g="0" b="0"/>
+      </a:lnRef>
+      <a:fillRef idx="1">
+        <a:scrgbClr r="0" g="0" b="0"/>
+      </a:fillRef>
+      <a:effectRef idx="0">
+        <a:scrgbClr r="0" g="0" b="0"/>
+      </a:effectRef>
+      <a:fontRef idx="minor">
+        <a:schemeClr val="lt1"/>
+      </a:fontRef>
+    </dgm:style>
+  </dgm:styleLbl>
+  <dgm:styleLbl name="parChTrans2D2">
+    <dgm:scene3d>
+      <a:camera prst="orthographicFront"/>
+      <a:lightRig rig="threePt" dir="t"/>
+    </dgm:scene3d>
+    <dgm:sp3d/>
+    <dgm:txPr/>
+    <dgm:style>
+      <a:lnRef idx="2">
+        <a:scrgbClr r="0" g="0" b="0"/>
+      </a:lnRef>
+      <a:fillRef idx="1">
+        <a:scrgbClr r="0" g="0" b="0"/>
+      </a:fillRef>
+      <a:effectRef idx="0">
+        <a:scrgbClr r="0" g="0" b="0"/>
+      </a:effectRef>
+      <a:fontRef idx="minor">
+        <a:schemeClr val="lt1"/>
+      </a:fontRef>
+    </dgm:style>
+  </dgm:styleLbl>
+  <dgm:styleLbl name="parChTrans2D3">
+    <dgm:scene3d>
+      <a:camera prst="orthographicFront"/>
+      <a:lightRig rig="threePt" dir="t"/>
+    </dgm:scene3d>
+    <dgm:sp3d/>
+    <dgm:txPr/>
+    <dgm:style>
+      <a:lnRef idx="2">
+        <a:scrgbClr r="0" g="0" b="0"/>
+      </a:lnRef>
+      <a:fillRef idx="1">
+        <a:scrgbClr r="0" g="0" b="0"/>
+      </a:fillRef>
+      <a:effectRef idx="0">
+        <a:scrgbClr r="0" g="0" b="0"/>
+      </a:effectRef>
+      <a:fontRef idx="minor">
+        <a:schemeClr val="lt1"/>
+      </a:fontRef>
+    </dgm:style>
+  </dgm:styleLbl>
+  <dgm:styleLbl name="parChTrans2D4">
+    <dgm:scene3d>
+      <a:camera prst="orthographicFront"/>
+      <a:lightRig rig="threePt" dir="t"/>
+    </dgm:scene3d>
+    <dgm:sp3d/>
+    <dgm:txPr/>
+    <dgm:style>
+      <a:lnRef idx="2">
+        <a:scrgbClr r="0" g="0" b="0"/>
+      </a:lnRef>
+      <a:fillRef idx="1">
+        <a:scrgbClr r="0" g="0" b="0"/>
+      </a:fillRef>
+      <a:effectRef idx="0">
+        <a:scrgbClr r="0" g="0" b="0"/>
+      </a:effectRef>
+      <a:fontRef idx="minor">
+        <a:schemeClr val="lt1"/>
+      </a:fontRef>
+    </dgm:style>
+  </dgm:styleLbl>
+  <dgm:styleLbl name="parChTrans1D1">
+    <dgm:scene3d>
+      <a:camera prst="orthographicFront"/>
+      <a:lightRig rig="threePt" dir="t"/>
+    </dgm:scene3d>
+    <dgm:sp3d/>
+    <dgm:txPr/>
+    <dgm:style>
+      <a:lnRef idx="2">
+        <a:scrgbClr r="0" g="0" b="0"/>
+      </a:lnRef>
+      <a:fillRef idx="0">
+        <a:scrgbClr r="0" g="0" b="0"/>
+      </a:fillRef>
+      <a:effectRef idx="0">
+        <a:scrgbClr r="0" g="0" b="0"/>
+      </a:effectRef>
+      <a:fontRef idx="minor"/>
+    </dgm:style>
+  </dgm:styleLbl>
+  <dgm:styleLbl name="parChTrans1D2">
+    <dgm:scene3d>
+      <a:camera prst="orthographicFront"/>
+      <a:lightRig rig="threePt" dir="t"/>
+    </dgm:scene3d>
+    <dgm:sp3d/>
+    <dgm:txPr/>
+    <dgm:style>
+      <a:lnRef idx="2">
+        <a:scrgbClr r="0" g="0" b="0"/>
+      </a:lnRef>
+      <a:fillRef idx="0">
+        <a:scrgbClr r="0" g="0" b="0"/>
+      </a:fillRef>
+      <a:effectRef idx="0">
+        <a:scrgbClr r="0" g="0" b="0"/>
+      </a:effectRef>
+      <a:fontRef idx="minor"/>
+    </dgm:style>
+  </dgm:styleLbl>
+  <dgm:styleLbl name="parChTrans1D3">
+    <dgm:scene3d>
+      <a:camera prst="orthographicFront"/>
+      <a:lightRig rig="threePt" dir="t"/>
+    </dgm:scene3d>
+    <dgm:sp3d/>
+    <dgm:txPr/>
+    <dgm:style>
+      <a:lnRef idx="2">
+        <a:scrgbClr r="0" g="0" b="0"/>
+      </a:lnRef>
+      <a:fillRef idx="0">
+        <a:scrgbClr r="0" g="0" b="0"/>
+      </a:fillRef>
+      <a:effectRef idx="0">
+        <a:scrgbClr r="0" g="0" b="0"/>
+      </a:effectRef>
+      <a:fontRef idx="minor"/>
+    </dgm:style>
+  </dgm:styleLbl>
+  <dgm:styleLbl name="parChTrans1D4">
+    <dgm:scene3d>
+      <a:camera prst="orthographicFront"/>
+      <a:lightRig rig="threePt" dir="t"/>
+    </dgm:scene3d>
+    <dgm:sp3d/>
+    <dgm:txPr/>
+    <dgm:style>
+      <a:lnRef idx="2">
+        <a:scrgbClr r="0" g="0" b="0"/>
+      </a:lnRef>
+      <a:fillRef idx="0">
+        <a:scrgbClr r="0" g="0" b="0"/>
+      </a:fillRef>
+      <a:effectRef idx="0">
+        <a:scrgbClr r="0" g="0" b="0"/>
+      </a:effectRef>
+      <a:fontRef idx="minor"/>
+    </dgm:style>
+  </dgm:styleLbl>
+  <dgm:styleLbl name="fgAcc1">
+    <dgm:scene3d>
+      <a:camera prst="orthographicFront"/>
+      <a:lightRig rig="threePt" dir="t"/>
+    </dgm:scene3d>
+    <dgm:sp3d/>
+    <dgm:txPr/>
+    <dgm:style>
+      <a:lnRef idx="2">
+        <a:scrgbClr r="0" g="0" b="0"/>
+      </a:lnRef>
+      <a:fillRef idx="1">
+        <a:scrgbClr r="0" g="0" b="0"/>
+      </a:fillRef>
+      <a:effectRef idx="0">
+        <a:scrgbClr r="0" g="0" b="0"/>
+      </a:effectRef>
+      <a:fontRef idx="minor"/>
+    </dgm:style>
+  </dgm:styleLbl>
+  <dgm:styleLbl name="conFgAcc1">
+    <dgm:scene3d>
+      <a:camera prst="orthographicFront"/>
+      <a:lightRig rig="threePt" dir="t"/>
+    </dgm:scene3d>
+    <dgm:sp3d/>
+    <dgm:txPr/>
+    <dgm:style>
+      <a:lnRef idx="2">
+        <a:scrgbClr r="0" g="0" b="0"/>
+      </a:lnRef>
+      <a:fillRef idx="1">
+        <a:scrgbClr r="0" g="0" b="0"/>
+      </a:fillRef>
+      <a:effectRef idx="0">
+        <a:scrgbClr r="0" g="0" b="0"/>
+      </a:effectRef>
+      <a:fontRef idx="minor"/>
+    </dgm:style>
+  </dgm:styleLbl>
+  <dgm:styleLbl name="alignAcc1">
+    <dgm:scene3d>
+      <a:camera prst="orthographicFront"/>
+      <a:lightRig rig="threePt" dir="t"/>
+    </dgm:scene3d>
+    <dgm:sp3d/>
+    <dgm:txPr/>
+    <dgm:style>
+      <a:lnRef idx="2">
+        <a:scrgbClr r="0" g="0" b="0"/>
+      </a:lnRef>
+      <a:fillRef idx="1">
+        <a:scrgbClr r="0" g="0" b="0"/>
+      </a:fillRef>
+      <a:effectRef idx="0">
+        <a:scrgbClr r="0" g="0" b="0"/>
+      </a:effectRef>
+      <a:fontRef idx="minor"/>
+    </dgm:style>
+  </dgm:styleLbl>
+  <dgm:styleLbl name="trAlignAcc1">
+    <dgm:scene3d>
+      <a:camera prst="orthographicFront"/>
+      <a:lightRig rig="threePt" dir="t"/>
+    </dgm:scene3d>
+    <dgm:sp3d/>
+    <dgm:txPr/>
+    <dgm:style>
+      <a:lnRef idx="1">
+        <a:scrgbClr r="0" g="0" b="0"/>
+      </a:lnRef>
+      <a:fillRef idx="1">
+        <a:scrgbClr r="0" g="0" b="0"/>
+      </a:fillRef>
+      <a:effectRef idx="0">
+        <a:scrgbClr r="0" g="0" b="0"/>
+      </a:effectRef>
+      <a:fontRef idx="minor"/>
+    </dgm:style>
+  </dgm:styleLbl>
+  <dgm:styleLbl name="bgAcc1">
+    <dgm:scene3d>
+      <a:camera prst="orthographicFront"/>
+      <a:lightRig rig="threePt" dir="t"/>
+    </dgm:scene3d>
+    <dgm:sp3d/>
+    <dgm:txPr/>
+    <dgm:style>
+      <a:lnRef idx="2">
+        <a:scrgbClr r="0" g="0" b="0"/>
+      </a:lnRef>
+      <a:fillRef idx="1">
+        <a:scrgbClr r="0" g="0" b="0"/>
+      </a:fillRef>
+      <a:effectRef idx="0">
+        <a:scrgbClr r="0" g="0" b="0"/>
+      </a:effectRef>
+      <a:fontRef idx="minor"/>
+    </dgm:style>
+  </dgm:styleLbl>
+  <dgm:styleLbl name="solidFgAcc1">
+    <dgm:scene3d>
+      <a:camera prst="orthographicFront"/>
+      <a:lightRig rig="threePt" dir="t"/>
+    </dgm:scene3d>
+    <dgm:sp3d/>
+    <dgm:txPr/>
+    <dgm:style>
+      <a:lnRef idx="2">
+        <a:scrgbClr r="0" g="0" b="0"/>
+      </a:lnRef>
+      <a:fillRef idx="1">
+        <a:scrgbClr r="0" g="0" b="0"/>
+      </a:fillRef>
+      <a:effectRef idx="0">
+        <a:scrgbClr r="0" g="0" b="0"/>
+      </a:effectRef>
+      <a:fontRef idx="minor"/>
+    </dgm:style>
+  </dgm:styleLbl>
+  <dgm:styleLbl name="solidAlignAcc1">
+    <dgm:scene3d>
+      <a:camera prst="orthographicFront"/>
+      <a:lightRig rig="threePt" dir="t"/>
+    </dgm:scene3d>
+    <dgm:sp3d/>
+    <dgm:txPr/>
+    <dgm:style>
+      <a:lnRef idx="2">
+        <a:scrgbClr r="0" g="0" b="0"/>
+      </a:lnRef>
+      <a:fillRef idx="1">
+        <a:scrgbClr r="0" g="0" b="0"/>
+      </a:fillRef>
+      <a:effectRef idx="0">
+        <a:scrgbClr r="0" g="0" b="0"/>
+      </a:effectRef>
+      <a:fontRef idx="minor"/>
+    </dgm:style>
+  </dgm:styleLbl>
+  <dgm:styleLbl name="solidBgAcc1">
+    <dgm:scene3d>
+      <a:camera prst="orthographicFront"/>
+      <a:lightRig rig="threePt" dir="t"/>
+    </dgm:scene3d>
+    <dgm:sp3d/>
+    <dgm:txPr/>
+    <dgm:style>
+      <a:lnRef idx="2">
+        <a:scrgbClr r="0" g="0" b="0"/>
+      </a:lnRef>
+      <a:fillRef idx="1">
+        <a:scrgbClr r="0" g="0" b="0"/>
+      </a:fillRef>
+      <a:effectRef idx="0">
+        <a:scrgbClr r="0" g="0" b="0"/>
+      </a:effectRef>
+      <a:fontRef idx="minor"/>
+    </dgm:style>
+  </dgm:styleLbl>
+  <dgm:styleLbl name="fgAccFollowNode1">
+    <dgm:scene3d>
+      <a:camera prst="orthographicFront"/>
+      <a:lightRig rig="threePt" dir="t"/>
+    </dgm:scene3d>
+    <dgm:sp3d/>
+    <dgm:txPr/>
+    <dgm:style>
+      <a:lnRef idx="2">
+        <a:scrgbClr r="0" g="0" b="0"/>
+      </a:lnRef>
+      <a:fillRef idx="1">
+        <a:scrgbClr r="0" g="0" b="0"/>
+      </a:fillRef>
+      <a:effectRef idx="0">
+        <a:scrgbClr r="0" g="0" b="0"/>
+      </a:effectRef>
+      <a:fontRef idx="minor"/>
+    </dgm:style>
+  </dgm:styleLbl>
+  <dgm:styleLbl name="alignAccFollowNode1">
+    <dgm:scene3d>
+      <a:camera prst="orthographicFront"/>
+      <a:lightRig rig="threePt" dir="t"/>
+    </dgm:scene3d>
+    <dgm:sp3d/>
+    <dgm:txPr/>
+    <dgm:style>
+      <a:lnRef idx="2">
+        <a:scrgbClr r="0" g="0" b="0"/>
+      </a:lnRef>
+      <a:fillRef idx="1">
+        <a:scrgbClr r="0" g="0" b="0"/>
+      </a:fillRef>
+      <a:effectRef idx="0">
+        <a:scrgbClr r="0" g="0" b="0"/>
+      </a:effectRef>
+      <a:fontRef idx="minor"/>
+    </dgm:style>
+  </dgm:styleLbl>
+  <dgm:styleLbl name="bgAccFollowNode1">
+    <dgm:scene3d>
+      <a:camera prst="orthographicFront"/>
+      <a:lightRig rig="threePt" dir="t"/>
+    </dgm:scene3d>
+    <dgm:sp3d/>
+    <dgm:txPr/>
+    <dgm:style>
+      <a:lnRef idx="2">
+        <a:scrgbClr r="0" g="0" b="0"/>
+      </a:lnRef>
+      <a:fillRef idx="1">
+        <a:scrgbClr r="0" g="0" b="0"/>
+      </a:fillRef>
+      <a:effectRef idx="0">
+        <a:scrgbClr r="0" g="0" b="0"/>
+      </a:effectRef>
+      <a:fontRef idx="minor"/>
+    </dgm:style>
+  </dgm:styleLbl>
+  <dgm:styleLbl name="fgAcc0">
+    <dgm:scene3d>
+      <a:camera prst="orthographicFront"/>
+      <a:lightRig rig="threePt" dir="t"/>
+    </dgm:scene3d>
+    <dgm:sp3d/>
+    <dgm:txPr/>
+    <dgm:style>
+      <a:lnRef idx="2">
+        <a:scrgbClr r="0" g="0" b="0"/>
+      </a:lnRef>
+      <a:fillRef idx="1">
+        <a:scrgbClr r="0" g="0" b="0"/>
+      </a:fillRef>
+      <a:effectRef idx="0">
+        <a:scrgbClr r="0" g="0" b="0"/>
+      </a:effectRef>
+      <a:fontRef idx="minor"/>
+    </dgm:style>
+  </dgm:styleLbl>
+  <dgm:styleLbl name="fgAcc2">
+    <dgm:scene3d>
+      <a:camera prst="orthographicFront"/>
+      <a:lightRig rig="threePt" dir="t"/>
+    </dgm:scene3d>
+    <dgm:sp3d/>
+    <dgm:txPr/>
+    <dgm:style>
+      <a:lnRef idx="2">
+        <a:scrgbClr r="0" g="0" b="0"/>
+      </a:lnRef>
+      <a:fillRef idx="1">
+        <a:scrgbClr r="0" g="0" b="0"/>
+      </a:fillRef>
+      <a:effectRef idx="0">
+        <a:scrgbClr r="0" g="0" b="0"/>
+      </a:effectRef>
+      <a:fontRef idx="minor"/>
+    </dgm:style>
+  </dgm:styleLbl>
+  <dgm:styleLbl name="fgAcc3">
+    <dgm:scene3d>
+      <a:camera prst="orthographicFront"/>
+      <a:lightRig rig="threePt" dir="t"/>
+    </dgm:scene3d>
+    <dgm:sp3d/>
+    <dgm:txPr/>
+    <dgm:style>
+      <a:lnRef idx="2">
+        <a:scrgbClr r="0" g="0" b="0"/>
+      </a:lnRef>
+      <a:fillRef idx="1">
+        <a:scrgbClr r="0" g="0" b="0"/>
+      </a:fillRef>
+      <a:effectRef idx="0">
+        <a:scrgbClr r="0" g="0" b="0"/>
+      </a:effectRef>
+      <a:fontRef idx="minor"/>
+    </dgm:style>
+  </dgm:styleLbl>
+  <dgm:styleLbl name="fgAcc4">
+    <dgm:scene3d>
+      <a:camera prst="orthographicFront"/>
+      <a:lightRig rig="threePt" dir="t"/>
+    </dgm:scene3d>
+    <dgm:sp3d/>
+    <dgm:txPr/>
+    <dgm:style>
+      <a:lnRef idx="2">
+        <a:scrgbClr r="0" g="0" b="0"/>
+      </a:lnRef>
+      <a:fillRef idx="1">
+        <a:scrgbClr r="0" g="0" b="0"/>
+      </a:fillRef>
+      <a:effectRef idx="0">
+        <a:scrgbClr r="0" g="0" b="0"/>
+      </a:effectRef>
+      <a:fontRef idx="minor"/>
+    </dgm:style>
+  </dgm:styleLbl>
+  <dgm:styleLbl name="bgShp">
+    <dgm:scene3d>
+      <a:camera prst="orthographicFront"/>
+      <a:lightRig rig="threePt" dir="t"/>
+    </dgm:scene3d>
+    <dgm:sp3d/>
+    <dgm:txPr/>
+    <dgm:style>
+      <a:lnRef idx="0">
+        <a:scrgbClr r="0" g="0" b="0"/>
+      </a:lnRef>
+      <a:fillRef idx="1">
+        <a:scrgbClr r="0" g="0" b="0"/>
+      </a:fillRef>
+      <a:effectRef idx="0">
+        <a:scrgbClr r="0" g="0" b="0"/>
+      </a:effectRef>
+      <a:fontRef idx="minor"/>
+    </dgm:style>
+  </dgm:styleLbl>
+  <dgm:styleLbl name="dkBgShp">
+    <dgm:scene3d>
+      <a:camera prst="orthographicFront"/>
+      <a:lightRig rig="threePt" dir="t"/>
+    </dgm:scene3d>
+    <dgm:sp3d/>
+    <dgm:txPr/>
+    <dgm:style>
+      <a:lnRef idx="0">
+        <a:scrgbClr r="0" g="0" b="0"/>
+      </a:lnRef>
+      <a:fillRef idx="1">
+        <a:scrgbClr r="0" g="0" b="0"/>
+      </a:fillRef>
+      <a:effectRef idx="0">
+        <a:scrgbClr r="0" g="0" b="0"/>
+      </a:effectRef>
+      <a:fontRef idx="minor"/>
+    </dgm:style>
+  </dgm:styleLbl>
+  <dgm:styleLbl name="trBgShp">
+    <dgm:scene3d>
+      <a:camera prst="orthographicFront"/>
+      <a:lightRig rig="threePt" dir="t"/>
+    </dgm:scene3d>
+    <dgm:sp3d/>
+    <dgm:txPr/>
+    <dgm:style>
+      <a:lnRef idx="0">
+        <a:scrgbClr r="0" g="0" b="0"/>
+      </a:lnRef>
+      <a:fillRef idx="1">
+        <a:scrgbClr r="0" g="0" b="0"/>
+      </a:fillRef>
+      <a:effectRef idx="0">
+        <a:scrgbClr r="0" g="0" b="0"/>
+      </a:effectRef>
+      <a:fontRef idx="minor"/>
+    </dgm:style>
+  </dgm:styleLbl>
+  <dgm:styleLbl name="fgShp">
+    <dgm:scene3d>
+      <a:camera prst="orthographicFront"/>
+      <a:lightRig rig="threePt" dir="t"/>
+    </dgm:scene3d>
+    <dgm:sp3d/>
+    <dgm:txPr/>
+    <dgm:style>
+      <a:lnRef idx="2">
+        <a:scrgbClr r="0" g="0" b="0"/>
+      </a:lnRef>
+      <a:fillRef idx="1">
+        <a:scrgbClr r="0" g="0" b="0"/>
+      </a:fillRef>
+      <a:effectRef idx="0">
+        <a:scrgbClr r="0" g="0" b="0"/>
+      </a:effectRef>
+      <a:fontRef idx="minor"/>
+    </dgm:style>
+  </dgm:styleLbl>
+  <dgm:styleLbl name="revTx">
+    <dgm:scene3d>
+      <a:camera prst="orthographicFront"/>
+      <a:lightRig rig="threePt" dir="t"/>
+    </dgm:scene3d>
+    <dgm:sp3d/>
+    <dgm:txPr/>
+    <dgm:style>
+      <a:lnRef idx="0">
+        <a:scrgbClr r="0" g="0" b="0"/>
+      </a:lnRef>
+      <a:fillRef idx="0">
+        <a:scrgbClr r="0" g="0" b="0"/>
+      </a:fillRef>
+      <a:effectRef idx="0">
+        <a:scrgbClr r="0" g="0" b="0"/>
+      </a:effectRef>
+      <a:fontRef idx="minor"/>
+    </dgm:style>
+  </dgm:styleLbl>
+</dgm:styleDef>
 </file>
 
 <file path=ppt/notesMasters/notesMaster1.xml><?xml version="1.0" encoding="utf-8"?>
@@ -196,7 +2712,7 @@
           <a:p>
             <a:fld id="{32A3BFE3-4062-4AF1-ABFC-DCD65D5FEDDC}" type="datetimeFigureOut">
               <a:rPr lang="fr-FR" smtClean="0"/>
-              <a:t>23/12/2025</a:t>
+              <a:t>24/12/2025</a:t>
             </a:fld>
             <a:endParaRPr lang="fr-FR"/>
           </a:p>
@@ -610,7 +3126,7 @@
           <a:p>
             <a:fld id="{E17A879C-0A64-469E-B8A2-BF5BD165327D}" type="datetime1">
               <a:rPr lang="fr-FR" smtClean="0"/>
-              <a:t>23/12/2025</a:t>
+              <a:t>24/12/2025</a:t>
             </a:fld>
             <a:endParaRPr lang="fr-FR"/>
           </a:p>
@@ -808,7 +3324,7 @@
           <a:p>
             <a:fld id="{8E5A5641-7E66-483F-B0F2-069C9F76BD77}" type="datetime1">
               <a:rPr lang="fr-FR" smtClean="0"/>
-              <a:t>23/12/2025</a:t>
+              <a:t>24/12/2025</a:t>
             </a:fld>
             <a:endParaRPr lang="fr-FR"/>
           </a:p>
@@ -1016,7 +3532,7 @@
           <a:p>
             <a:fld id="{17124552-7DE6-47BF-985F-BA179E876D16}" type="datetime1">
               <a:rPr lang="fr-FR" smtClean="0"/>
-              <a:t>23/12/2025</a:t>
+              <a:t>24/12/2025</a:t>
             </a:fld>
             <a:endParaRPr lang="fr-FR"/>
           </a:p>
@@ -1214,7 +3730,7 @@
           <a:p>
             <a:fld id="{1A68892B-77F5-4CCA-9591-F24D93FDE34B}" type="datetime1">
               <a:rPr lang="fr-FR" smtClean="0"/>
-              <a:t>23/12/2025</a:t>
+              <a:t>24/12/2025</a:t>
             </a:fld>
             <a:endParaRPr lang="fr-FR"/>
           </a:p>
@@ -1489,7 +4005,7 @@
           <a:p>
             <a:fld id="{26018E9A-1945-4557-AEB5-4F18FF624DDF}" type="datetime1">
               <a:rPr lang="fr-FR" smtClean="0"/>
-              <a:t>23/12/2025</a:t>
+              <a:t>24/12/2025</a:t>
             </a:fld>
             <a:endParaRPr lang="fr-FR"/>
           </a:p>
@@ -1754,7 +4270,7 @@
           <a:p>
             <a:fld id="{A2165A06-8B1B-4E56-A989-A836DCD313FB}" type="datetime1">
               <a:rPr lang="fr-FR" smtClean="0"/>
-              <a:t>23/12/2025</a:t>
+              <a:t>24/12/2025</a:t>
             </a:fld>
             <a:endParaRPr lang="fr-FR"/>
           </a:p>
@@ -2166,7 +4682,7 @@
           <a:p>
             <a:fld id="{A10BF9B0-6586-4FA1-AD3E-0405E600628A}" type="datetime1">
               <a:rPr lang="fr-FR" smtClean="0"/>
-              <a:t>23/12/2025</a:t>
+              <a:t>24/12/2025</a:t>
             </a:fld>
             <a:endParaRPr lang="fr-FR"/>
           </a:p>
@@ -2307,7 +4823,7 @@
           <a:p>
             <a:fld id="{5AC7FDFF-27F4-416C-AAA5-054C421B7E35}" type="datetime1">
               <a:rPr lang="fr-FR" smtClean="0"/>
-              <a:t>23/12/2025</a:t>
+              <a:t>24/12/2025</a:t>
             </a:fld>
             <a:endParaRPr lang="fr-FR"/>
           </a:p>
@@ -2420,7 +4936,7 @@
           <a:p>
             <a:fld id="{FFD1D1DD-9E54-4704-9474-D58B50ABEC96}" type="datetime1">
               <a:rPr lang="fr-FR" smtClean="0"/>
-              <a:t>23/12/2025</a:t>
+              <a:t>24/12/2025</a:t>
             </a:fld>
             <a:endParaRPr lang="fr-FR"/>
           </a:p>
@@ -2731,7 +5247,7 @@
           <a:p>
             <a:fld id="{1A05297F-3CAB-463D-92DC-DBAC52BC76D8}" type="datetime1">
               <a:rPr lang="fr-FR" smtClean="0"/>
-              <a:t>23/12/2025</a:t>
+              <a:t>24/12/2025</a:t>
             </a:fld>
             <a:endParaRPr lang="fr-FR"/>
           </a:p>
@@ -3019,7 +5535,7 @@
           <a:p>
             <a:fld id="{78A6C159-C286-4F72-8EC5-4597CF01607E}" type="datetime1">
               <a:rPr lang="fr-FR" smtClean="0"/>
-              <a:t>23/12/2025</a:t>
+              <a:t>24/12/2025</a:t>
             </a:fld>
             <a:endParaRPr lang="fr-FR"/>
           </a:p>
@@ -3260,7 +5776,7 @@
           <a:p>
             <a:fld id="{04EAD4E5-CEC9-481A-97C7-CE2D7FC2BFAC}" type="datetime1">
               <a:rPr lang="fr-FR" smtClean="0"/>
-              <a:t>23/12/2025</a:t>
+              <a:t>24/12/2025</a:t>
             </a:fld>
             <a:endParaRPr lang="fr-FR"/>
           </a:p>
@@ -4700,6 +7216,715 @@
   <p:cSld>
     <p:spTree>
       <p:nvGrpSpPr>
+        <p:cNvPr id="1" name="">
+          <a:extLst>
+            <a:ext uri="{FF2B5EF4-FFF2-40B4-BE49-F238E27FC236}">
+              <a16:creationId xmlns:a16="http://schemas.microsoft.com/office/drawing/2014/main" id="{C65DABC7-65F1-5814-C3CD-96027E8F621B}"/>
+            </a:ext>
+          </a:extLst>
+        </p:cNvPr>
+        <p:cNvGrpSpPr/>
+        <p:nvPr/>
+      </p:nvGrpSpPr>
+      <p:grpSpPr>
+        <a:xfrm>
+          <a:off x="0" y="0"/>
+          <a:ext cx="0" cy="0"/>
+          <a:chOff x="0" y="0"/>
+          <a:chExt cx="0" cy="0"/>
+        </a:xfrm>
+      </p:grpSpPr>
+      <p:sp>
+        <p:nvSpPr>
+          <p:cNvPr id="2" name="Titre 1">
+            <a:extLst>
+              <a:ext uri="{FF2B5EF4-FFF2-40B4-BE49-F238E27FC236}">
+                <a16:creationId xmlns:a16="http://schemas.microsoft.com/office/drawing/2014/main" id="{4B91BFAE-D11B-19C7-4E4C-46C7B223C2B1}"/>
+              </a:ext>
+            </a:extLst>
+          </p:cNvPr>
+          <p:cNvSpPr>
+            <a:spLocks noGrp="1"/>
+          </p:cNvSpPr>
+          <p:nvPr>
+            <p:ph type="title"/>
+          </p:nvPr>
+        </p:nvSpPr>
+        <p:spPr/>
+        <p:txBody>
+          <a:bodyPr>
+            <a:normAutofit/>
+          </a:bodyPr>
+          <a:lstStyle/>
+          <a:p>
+            <a:r>
+              <a:rPr lang="fr-FR" dirty="0">
+                <a:latin typeface="Daytona" panose="020B0604030500040204" pitchFamily="34" charset="0"/>
+              </a:rPr>
+              <a:t>Data model</a:t>
+            </a:r>
+            <a:br>
+              <a:rPr lang="fr-FR" dirty="0">
+                <a:latin typeface="Daytona" panose="020B0604030500040204" pitchFamily="34" charset="0"/>
+              </a:rPr>
+            </a:br>
+            <a:r>
+              <a:rPr lang="fr-FR" dirty="0">
+                <a:latin typeface="Daytona" panose="020B0604030500040204" pitchFamily="34" charset="0"/>
+              </a:rPr>
+              <a:t>V0.01</a:t>
+            </a:r>
+          </a:p>
+        </p:txBody>
+      </p:sp>
+      <p:graphicFrame>
+        <p:nvGraphicFramePr>
+          <p:cNvPr id="8" name="Tableau 7">
+            <a:extLst>
+              <a:ext uri="{FF2B5EF4-FFF2-40B4-BE49-F238E27FC236}">
+                <a16:creationId xmlns:a16="http://schemas.microsoft.com/office/drawing/2014/main" id="{1EE81099-F8D5-7443-2D76-BEB8A0C17CEE}"/>
+              </a:ext>
+            </a:extLst>
+          </p:cNvPr>
+          <p:cNvGraphicFramePr>
+            <a:graphicFrameLocks noGrp="1"/>
+          </p:cNvGraphicFramePr>
+          <p:nvPr>
+            <p:extLst>
+              <p:ext uri="{D42A27DB-BD31-4B8C-83A1-F6EECF244321}">
+                <p14:modId xmlns:p14="http://schemas.microsoft.com/office/powerpoint/2010/main" val="1883320910"/>
+              </p:ext>
+            </p:extLst>
+          </p:nvPr>
+        </p:nvGraphicFramePr>
+        <p:xfrm>
+          <a:off x="2551974" y="2296295"/>
+          <a:ext cx="2042160" cy="3200400"/>
+        </p:xfrm>
+        <a:graphic>
+          <a:graphicData uri="http://schemas.openxmlformats.org/drawingml/2006/table">
+            <a:tbl>
+              <a:tblPr firstRow="1" bandRow="1">
+                <a:tableStyleId>{5C22544A-7EE6-4342-B048-85BDC9FD1C3A}</a:tableStyleId>
+              </a:tblPr>
+              <a:tblGrid>
+                <a:gridCol w="2042160">
+                  <a:extLst>
+                    <a:ext uri="{9D8B030D-6E8A-4147-A177-3AD203B41FA5}">
+                      <a16:colId xmlns:a16="http://schemas.microsoft.com/office/drawing/2014/main" val="1516608136"/>
+                    </a:ext>
+                  </a:extLst>
+                </a:gridCol>
+              </a:tblGrid>
+              <a:tr h="330812">
+                <a:tc>
+                  <a:txBody>
+                    <a:bodyPr/>
+                    <a:lstStyle/>
+                    <a:p>
+                      <a:pPr algn="ctr"/>
+                      <a:r>
+                        <a:rPr lang="fr-FR" dirty="0"/>
+                        <a:t>Events</a:t>
+                      </a:r>
+                    </a:p>
+                  </a:txBody>
+                  <a:tcPr>
+                    <a:solidFill>
+                      <a:srgbClr val="0070C0"/>
+                    </a:solidFill>
+                  </a:tcPr>
+                </a:tc>
+                <a:extLst>
+                  <a:ext uri="{0D108BD9-81ED-4DB2-BD59-A6C34878D82A}">
+                    <a16:rowId xmlns:a16="http://schemas.microsoft.com/office/drawing/2014/main" val="1200805338"/>
+                  </a:ext>
+                </a:extLst>
+              </a:tr>
+              <a:tr h="370840">
+                <a:tc>
+                  <a:txBody>
+                    <a:bodyPr/>
+                    <a:lstStyle/>
+                    <a:p>
+                      <a:pPr algn="ctr"/>
+                      <a:r>
+                        <a:rPr lang="fr-FR" dirty="0" err="1"/>
+                        <a:t>Event_id</a:t>
+                      </a:r>
+                      <a:endParaRPr lang="fr-FR" dirty="0"/>
+                    </a:p>
+                    <a:p>
+                      <a:pPr algn="ctr"/>
+                      <a:r>
+                        <a:rPr lang="fr-FR" dirty="0"/>
+                        <a:t>url</a:t>
+                      </a:r>
+                    </a:p>
+                    <a:p>
+                      <a:pPr algn="ctr"/>
+                      <a:r>
+                        <a:rPr lang="fr-FR" dirty="0" err="1"/>
+                        <a:t>Title</a:t>
+                      </a:r>
+                      <a:endParaRPr lang="fr-FR" dirty="0"/>
+                    </a:p>
+                    <a:p>
+                      <a:pPr algn="ctr"/>
+                      <a:r>
+                        <a:rPr lang="fr-FR" dirty="0"/>
+                        <a:t>Description</a:t>
+                      </a:r>
+                    </a:p>
+                    <a:p>
+                      <a:pPr algn="ctr"/>
+                      <a:r>
+                        <a:rPr lang="fr-FR" dirty="0" err="1"/>
+                        <a:t>Date_start</a:t>
+                      </a:r>
+                      <a:endParaRPr lang="fr-FR" dirty="0"/>
+                    </a:p>
+                    <a:p>
+                      <a:pPr algn="ctr"/>
+                      <a:r>
+                        <a:rPr lang="fr-FR" dirty="0" err="1"/>
+                        <a:t>Date_end</a:t>
+                      </a:r>
+                      <a:endParaRPr lang="fr-FR" dirty="0"/>
+                    </a:p>
+                    <a:p>
+                      <a:pPr algn="ctr"/>
+                      <a:r>
+                        <a:rPr lang="fr-FR" dirty="0" err="1"/>
+                        <a:t>Updated_at</a:t>
+                      </a:r>
+                      <a:endParaRPr lang="fr-FR" dirty="0"/>
+                    </a:p>
+                    <a:p>
+                      <a:pPr algn="ctr"/>
+                      <a:r>
+                        <a:rPr lang="fr-FR" dirty="0" err="1"/>
+                        <a:t>Location_id</a:t>
+                      </a:r>
+                      <a:endParaRPr lang="fr-FR" dirty="0"/>
+                    </a:p>
+                    <a:p>
+                      <a:pPr algn="ctr"/>
+                      <a:r>
+                        <a:rPr lang="fr-FR" sz="1800" b="0" kern="1200" dirty="0" err="1">
+                          <a:solidFill>
+                            <a:schemeClr val="dk1"/>
+                          </a:solidFill>
+                          <a:effectLst/>
+                          <a:latin typeface="+mn-lt"/>
+                          <a:ea typeface="+mn-ea"/>
+                          <a:cs typeface="+mn-cs"/>
+                        </a:rPr>
+                        <a:t>flag_interest</a:t>
+                      </a:r>
+                      <a:endParaRPr lang="fr-FR" sz="1800" b="0" kern="1200" dirty="0">
+                        <a:solidFill>
+                          <a:schemeClr val="dk1"/>
+                        </a:solidFill>
+                        <a:effectLst/>
+                        <a:latin typeface="+mn-lt"/>
+                        <a:ea typeface="+mn-ea"/>
+                        <a:cs typeface="+mn-cs"/>
+                      </a:endParaRPr>
+                    </a:p>
+                    <a:p>
+                      <a:pPr algn="ctr"/>
+                      <a:r>
+                        <a:rPr lang="fr-FR" sz="1800" b="0" kern="1200" dirty="0" err="1">
+                          <a:solidFill>
+                            <a:schemeClr val="dk1"/>
+                          </a:solidFill>
+                          <a:effectLst/>
+                          <a:latin typeface="+mn-lt"/>
+                          <a:ea typeface="+mn-ea"/>
+                          <a:cs typeface="+mn-cs"/>
+                        </a:rPr>
+                        <a:t>flag_new</a:t>
+                      </a:r>
+                      <a:endParaRPr lang="fr-FR" sz="1800" b="0" kern="1200" dirty="0">
+                        <a:solidFill>
+                          <a:schemeClr val="dk1"/>
+                        </a:solidFill>
+                        <a:effectLst/>
+                        <a:latin typeface="+mn-lt"/>
+                        <a:ea typeface="+mn-ea"/>
+                        <a:cs typeface="+mn-cs"/>
+                      </a:endParaRPr>
+                    </a:p>
+                  </a:txBody>
+                  <a:tcPr/>
+                </a:tc>
+                <a:extLst>
+                  <a:ext uri="{0D108BD9-81ED-4DB2-BD59-A6C34878D82A}">
+                    <a16:rowId xmlns:a16="http://schemas.microsoft.com/office/drawing/2014/main" val="2098980139"/>
+                  </a:ext>
+                </a:extLst>
+              </a:tr>
+            </a:tbl>
+          </a:graphicData>
+        </a:graphic>
+      </p:graphicFrame>
+      <p:graphicFrame>
+        <p:nvGraphicFramePr>
+          <p:cNvPr id="10" name="Tableau 9">
+            <a:extLst>
+              <a:ext uri="{FF2B5EF4-FFF2-40B4-BE49-F238E27FC236}">
+                <a16:creationId xmlns:a16="http://schemas.microsoft.com/office/drawing/2014/main" id="{0E904F2D-7220-7E16-6FD8-2B8C5DAE9924}"/>
+              </a:ext>
+            </a:extLst>
+          </p:cNvPr>
+          <p:cNvGraphicFramePr>
+            <a:graphicFrameLocks noGrp="1"/>
+          </p:cNvGraphicFramePr>
+          <p:nvPr>
+            <p:extLst>
+              <p:ext uri="{D42A27DB-BD31-4B8C-83A1-F6EECF244321}">
+                <p14:modId xmlns:p14="http://schemas.microsoft.com/office/powerpoint/2010/main" val="1661362018"/>
+              </p:ext>
+            </p:extLst>
+          </p:nvPr>
+        </p:nvGraphicFramePr>
+        <p:xfrm>
+          <a:off x="7932202" y="2844935"/>
+          <a:ext cx="2265680" cy="2103120"/>
+        </p:xfrm>
+        <a:graphic>
+          <a:graphicData uri="http://schemas.openxmlformats.org/drawingml/2006/table">
+            <a:tbl>
+              <a:tblPr firstRow="1" bandRow="1">
+                <a:tableStyleId>{5C22544A-7EE6-4342-B048-85BDC9FD1C3A}</a:tableStyleId>
+              </a:tblPr>
+              <a:tblGrid>
+                <a:gridCol w="2265680">
+                  <a:extLst>
+                    <a:ext uri="{9D8B030D-6E8A-4147-A177-3AD203B41FA5}">
+                      <a16:colId xmlns:a16="http://schemas.microsoft.com/office/drawing/2014/main" val="1516608136"/>
+                    </a:ext>
+                  </a:extLst>
+                </a:gridCol>
+              </a:tblGrid>
+              <a:tr h="0">
+                <a:tc>
+                  <a:txBody>
+                    <a:bodyPr/>
+                    <a:lstStyle/>
+                    <a:p>
+                      <a:pPr algn="ctr"/>
+                      <a:r>
+                        <a:rPr lang="fr-FR" dirty="0"/>
+                        <a:t>Location </a:t>
+                      </a:r>
+                    </a:p>
+                  </a:txBody>
+                  <a:tcPr>
+                    <a:solidFill>
+                      <a:srgbClr val="FF0000"/>
+                    </a:solidFill>
+                  </a:tcPr>
+                </a:tc>
+                <a:extLst>
+                  <a:ext uri="{0D108BD9-81ED-4DB2-BD59-A6C34878D82A}">
+                    <a16:rowId xmlns:a16="http://schemas.microsoft.com/office/drawing/2014/main" val="1200805338"/>
+                  </a:ext>
+                </a:extLst>
+              </a:tr>
+              <a:tr h="370840">
+                <a:tc>
+                  <a:txBody>
+                    <a:bodyPr/>
+                    <a:lstStyle/>
+                    <a:p>
+                      <a:pPr algn="ctr"/>
+                      <a:r>
+                        <a:rPr lang="fr-FR" dirty="0"/>
+                        <a:t> </a:t>
+                      </a:r>
+                      <a:r>
+                        <a:rPr lang="fr-FR" dirty="0" err="1"/>
+                        <a:t>Location_id</a:t>
+                      </a:r>
+                      <a:endParaRPr lang="fr-FR" dirty="0"/>
+                    </a:p>
+                    <a:p>
+                      <a:pPr algn="ctr"/>
+                      <a:r>
+                        <a:rPr lang="fr-FR" dirty="0" err="1"/>
+                        <a:t>Address_name</a:t>
+                      </a:r>
+                      <a:endParaRPr lang="fr-FR" dirty="0"/>
+                    </a:p>
+                    <a:p>
+                      <a:pPr algn="ctr"/>
+                      <a:r>
+                        <a:rPr lang="fr-FR" dirty="0" err="1"/>
+                        <a:t>Address_city</a:t>
+                      </a:r>
+                      <a:endParaRPr lang="fr-FR" dirty="0"/>
+                    </a:p>
+                    <a:p>
+                      <a:pPr algn="ctr"/>
+                      <a:r>
+                        <a:rPr lang="fr-FR" dirty="0" err="1"/>
+                        <a:t>Address_zipcode</a:t>
+                      </a:r>
+                      <a:endParaRPr lang="fr-FR" dirty="0"/>
+                    </a:p>
+                    <a:p>
+                      <a:pPr algn="ctr"/>
+                      <a:r>
+                        <a:rPr lang="fr-FR" dirty="0" err="1"/>
+                        <a:t>Lat_long</a:t>
+                      </a:r>
+                      <a:endParaRPr lang="fr-FR" dirty="0"/>
+                    </a:p>
+                    <a:p>
+                      <a:pPr algn="ctr"/>
+                      <a:r>
+                        <a:rPr lang="fr-FR" dirty="0" err="1"/>
+                        <a:t>fcard</a:t>
+                      </a:r>
+                      <a:endParaRPr lang="fr-FR" dirty="0"/>
+                    </a:p>
+                  </a:txBody>
+                  <a:tcPr/>
+                </a:tc>
+                <a:extLst>
+                  <a:ext uri="{0D108BD9-81ED-4DB2-BD59-A6C34878D82A}">
+                    <a16:rowId xmlns:a16="http://schemas.microsoft.com/office/drawing/2014/main" val="2098980139"/>
+                  </a:ext>
+                </a:extLst>
+              </a:tr>
+            </a:tbl>
+          </a:graphicData>
+        </a:graphic>
+      </p:graphicFrame>
+      <p:sp>
+        <p:nvSpPr>
+          <p:cNvPr id="12" name="Espace réservé du numéro de diapositive 11">
+            <a:extLst>
+              <a:ext uri="{FF2B5EF4-FFF2-40B4-BE49-F238E27FC236}">
+                <a16:creationId xmlns:a16="http://schemas.microsoft.com/office/drawing/2014/main" id="{94398441-D567-B6C0-22E3-109CAFD8989F}"/>
+              </a:ext>
+            </a:extLst>
+          </p:cNvPr>
+          <p:cNvSpPr>
+            <a:spLocks noGrp="1"/>
+          </p:cNvSpPr>
+          <p:nvPr>
+            <p:ph type="sldNum" sz="quarter" idx="12"/>
+          </p:nvPr>
+        </p:nvSpPr>
+        <p:spPr/>
+        <p:txBody>
+          <a:bodyPr/>
+          <a:lstStyle/>
+          <a:p>
+            <a:fld id="{6997B004-CFCE-48D1-9298-DADD64B1EF73}" type="slidenum">
+              <a:rPr lang="fr-FR" smtClean="0"/>
+              <a:t>5</a:t>
+            </a:fld>
+            <a:endParaRPr lang="fr-FR"/>
+          </a:p>
+        </p:txBody>
+      </p:sp>
+      <p:cxnSp>
+        <p:nvCxnSpPr>
+          <p:cNvPr id="15" name="Connecteur droit 14">
+            <a:extLst>
+              <a:ext uri="{FF2B5EF4-FFF2-40B4-BE49-F238E27FC236}">
+                <a16:creationId xmlns:a16="http://schemas.microsoft.com/office/drawing/2014/main" id="{1B5B493A-0702-B02B-D209-236C6EB59760}"/>
+              </a:ext>
+            </a:extLst>
+          </p:cNvPr>
+          <p:cNvCxnSpPr>
+            <a:cxnSpLocks/>
+            <a:stCxn id="10" idx="1"/>
+            <a:endCxn id="8" idx="3"/>
+          </p:cNvCxnSpPr>
+          <p:nvPr/>
+        </p:nvCxnSpPr>
+        <p:spPr>
+          <a:xfrm flipH="1">
+            <a:off x="4594134" y="3896495"/>
+            <a:ext cx="3338068" cy="0"/>
+          </a:xfrm>
+          <a:prstGeom prst="line">
+            <a:avLst/>
+          </a:prstGeom>
+        </p:spPr>
+        <p:style>
+          <a:lnRef idx="2">
+            <a:schemeClr val="accent1"/>
+          </a:lnRef>
+          <a:fillRef idx="0">
+            <a:schemeClr val="accent1"/>
+          </a:fillRef>
+          <a:effectRef idx="1">
+            <a:schemeClr val="accent1"/>
+          </a:effectRef>
+          <a:fontRef idx="minor">
+            <a:schemeClr val="tx1"/>
+          </a:fontRef>
+        </p:style>
+      </p:cxnSp>
+      <p:pic>
+        <p:nvPicPr>
+          <p:cNvPr id="74" name="Image 73" descr="Une image contenant Graphique, symbole, Police, graphisme&#10;&#10;Le contenu généré par l’IA peut être incorrect.">
+            <a:extLst>
+              <a:ext uri="{FF2B5EF4-FFF2-40B4-BE49-F238E27FC236}">
+                <a16:creationId xmlns:a16="http://schemas.microsoft.com/office/drawing/2014/main" id="{6F272B34-1324-47B6-2868-EF1BCD0062BF}"/>
+              </a:ext>
+            </a:extLst>
+          </p:cNvPr>
+          <p:cNvPicPr>
+            <a:picLocks noChangeAspect="1"/>
+          </p:cNvPicPr>
+          <p:nvPr/>
+        </p:nvPicPr>
+        <p:blipFill>
+          <a:blip r:embed="rId2">
+            <a:extLst>
+              <a:ext uri="{28A0092B-C50C-407E-A947-70E740481C1C}">
+                <a14:useLocalDpi xmlns:a14="http://schemas.microsoft.com/office/drawing/2010/main" val="0"/>
+              </a:ext>
+            </a:extLst>
+          </a:blip>
+          <a:stretch>
+            <a:fillRect/>
+          </a:stretch>
+        </p:blipFill>
+        <p:spPr>
+          <a:xfrm rot="3830787">
+            <a:off x="9300373" y="-106001"/>
+            <a:ext cx="767628" cy="767628"/>
+          </a:xfrm>
+          <a:prstGeom prst="rect">
+            <a:avLst/>
+          </a:prstGeom>
+        </p:spPr>
+      </p:pic>
+      <p:pic>
+        <p:nvPicPr>
+          <p:cNvPr id="76" name="Image 75" descr="Une image contenant logo, symbole, Graphique, Police&#10;&#10;Le contenu généré par l’IA peut être incorrect.">
+            <a:extLst>
+              <a:ext uri="{FF2B5EF4-FFF2-40B4-BE49-F238E27FC236}">
+                <a16:creationId xmlns:a16="http://schemas.microsoft.com/office/drawing/2014/main" id="{3FA05A07-364B-7D9F-5F86-7F72DB39CCCB}"/>
+              </a:ext>
+            </a:extLst>
+          </p:cNvPr>
+          <p:cNvPicPr>
+            <a:picLocks noChangeAspect="1"/>
+          </p:cNvPicPr>
+          <p:nvPr/>
+        </p:nvPicPr>
+        <p:blipFill>
+          <a:blip r:embed="rId3">
+            <a:extLst>
+              <a:ext uri="{28A0092B-C50C-407E-A947-70E740481C1C}">
+                <a14:useLocalDpi xmlns:a14="http://schemas.microsoft.com/office/drawing/2010/main" val="0"/>
+              </a:ext>
+            </a:extLst>
+          </a:blip>
+          <a:stretch>
+            <a:fillRect/>
+          </a:stretch>
+        </p:blipFill>
+        <p:spPr>
+          <a:xfrm rot="18961946" flipH="1">
+            <a:off x="8010952" y="-151956"/>
+            <a:ext cx="859536" cy="859536"/>
+          </a:xfrm>
+          <a:prstGeom prst="rect">
+            <a:avLst/>
+          </a:prstGeom>
+        </p:spPr>
+      </p:pic>
+      <p:sp>
+        <p:nvSpPr>
+          <p:cNvPr id="77" name="ZoneTexte 76">
+            <a:extLst>
+              <a:ext uri="{FF2B5EF4-FFF2-40B4-BE49-F238E27FC236}">
+                <a16:creationId xmlns:a16="http://schemas.microsoft.com/office/drawing/2014/main" id="{1CA8B2FD-2D10-09DA-4B1F-3055FA22C7EA}"/>
+              </a:ext>
+            </a:extLst>
+          </p:cNvPr>
+          <p:cNvSpPr txBox="1"/>
+          <p:nvPr/>
+        </p:nvSpPr>
+        <p:spPr>
+          <a:xfrm>
+            <a:off x="7833036" y="523256"/>
+            <a:ext cx="3116396" cy="307777"/>
+          </a:xfrm>
+          <a:prstGeom prst="rect">
+            <a:avLst/>
+          </a:prstGeom>
+          <a:noFill/>
+        </p:spPr>
+        <p:txBody>
+          <a:bodyPr wrap="square" rtlCol="0">
+            <a:spAutoFit/>
+          </a:bodyPr>
+          <a:lstStyle/>
+          <a:p>
+            <a:r>
+              <a:rPr lang="fr-FR" sz="1400" dirty="0" err="1">
+                <a:latin typeface="Daytona" panose="020B0604030500040204" pitchFamily="34" charset="0"/>
+              </a:rPr>
+              <a:t>Primary</a:t>
+            </a:r>
+            <a:r>
+              <a:rPr lang="fr-FR" sz="1400" dirty="0">
+                <a:latin typeface="Daytona" panose="020B0604030500040204" pitchFamily="34" charset="0"/>
+              </a:rPr>
+              <a:t> key       </a:t>
+            </a:r>
+            <a:r>
+              <a:rPr lang="fr-FR" sz="1400" dirty="0" err="1">
+                <a:latin typeface="Daytona" panose="020B0604030500040204" pitchFamily="34" charset="0"/>
+              </a:rPr>
+              <a:t>Foreign</a:t>
+            </a:r>
+            <a:r>
+              <a:rPr lang="fr-FR" sz="1400" dirty="0">
+                <a:latin typeface="Daytona" panose="020B0604030500040204" pitchFamily="34" charset="0"/>
+              </a:rPr>
+              <a:t> key</a:t>
+            </a:r>
+          </a:p>
+        </p:txBody>
+      </p:sp>
+      <p:pic>
+        <p:nvPicPr>
+          <p:cNvPr id="79" name="Image 78" descr="Une image contenant logo, symbole, Graphique, Police&#10;&#10;Le contenu généré par l’IA peut être incorrect.">
+            <a:extLst>
+              <a:ext uri="{FF2B5EF4-FFF2-40B4-BE49-F238E27FC236}">
+                <a16:creationId xmlns:a16="http://schemas.microsoft.com/office/drawing/2014/main" id="{57D60CC9-B481-3138-20AF-D1F88FBC2AB6}"/>
+              </a:ext>
+            </a:extLst>
+          </p:cNvPr>
+          <p:cNvPicPr>
+            <a:picLocks noChangeAspect="1"/>
+          </p:cNvPicPr>
+          <p:nvPr/>
+        </p:nvPicPr>
+        <p:blipFill>
+          <a:blip r:embed="rId3">
+            <a:extLst>
+              <a:ext uri="{28A0092B-C50C-407E-A947-70E740481C1C}">
+                <a14:useLocalDpi xmlns:a14="http://schemas.microsoft.com/office/drawing/2010/main" val="0"/>
+              </a:ext>
+            </a:extLst>
+          </a:blip>
+          <a:stretch>
+            <a:fillRect/>
+          </a:stretch>
+        </p:blipFill>
+        <p:spPr>
+          <a:xfrm rot="18961946" flipH="1">
+            <a:off x="4103141" y="2647549"/>
+            <a:ext cx="504282" cy="504282"/>
+          </a:xfrm>
+          <a:prstGeom prst="rect">
+            <a:avLst/>
+          </a:prstGeom>
+        </p:spPr>
+      </p:pic>
+      <p:pic>
+        <p:nvPicPr>
+          <p:cNvPr id="80" name="Image 79" descr="Une image contenant logo, symbole, Graphique, Police&#10;&#10;Le contenu généré par l’IA peut être incorrect.">
+            <a:extLst>
+              <a:ext uri="{FF2B5EF4-FFF2-40B4-BE49-F238E27FC236}">
+                <a16:creationId xmlns:a16="http://schemas.microsoft.com/office/drawing/2014/main" id="{ACD6873D-B653-003D-5F27-230A1B852764}"/>
+              </a:ext>
+            </a:extLst>
+          </p:cNvPr>
+          <p:cNvPicPr>
+            <a:picLocks noChangeAspect="1"/>
+          </p:cNvPicPr>
+          <p:nvPr/>
+        </p:nvPicPr>
+        <p:blipFill>
+          <a:blip r:embed="rId3">
+            <a:extLst>
+              <a:ext uri="{28A0092B-C50C-407E-A947-70E740481C1C}">
+                <a14:useLocalDpi xmlns:a14="http://schemas.microsoft.com/office/drawing/2010/main" val="0"/>
+              </a:ext>
+            </a:extLst>
+          </a:blip>
+          <a:stretch>
+            <a:fillRect/>
+          </a:stretch>
+        </p:blipFill>
+        <p:spPr>
+          <a:xfrm rot="18961946" flipH="1">
+            <a:off x="9589218" y="3712674"/>
+            <a:ext cx="504282" cy="504282"/>
+          </a:xfrm>
+          <a:prstGeom prst="rect">
+            <a:avLst/>
+          </a:prstGeom>
+        </p:spPr>
+      </p:pic>
+      <p:pic>
+        <p:nvPicPr>
+          <p:cNvPr id="83" name="Image 82" descr="Une image contenant Graphique, symbole, Police, graphisme&#10;&#10;Le contenu généré par l’IA peut être incorrect.">
+            <a:extLst>
+              <a:ext uri="{FF2B5EF4-FFF2-40B4-BE49-F238E27FC236}">
+                <a16:creationId xmlns:a16="http://schemas.microsoft.com/office/drawing/2014/main" id="{1369E4F6-DA2F-6E14-347F-A3B81D22669F}"/>
+              </a:ext>
+            </a:extLst>
+          </p:cNvPr>
+          <p:cNvPicPr>
+            <a:picLocks noChangeAspect="1"/>
+          </p:cNvPicPr>
+          <p:nvPr/>
+        </p:nvPicPr>
+        <p:blipFill>
+          <a:blip r:embed="rId2">
+            <a:extLst>
+              <a:ext uri="{28A0092B-C50C-407E-A947-70E740481C1C}">
+                <a14:useLocalDpi xmlns:a14="http://schemas.microsoft.com/office/drawing/2010/main" val="0"/>
+              </a:ext>
+            </a:extLst>
+          </a:blip>
+          <a:stretch>
+            <a:fillRect/>
+          </a:stretch>
+        </p:blipFill>
+        <p:spPr>
+          <a:xfrm rot="3830787">
+            <a:off x="4116792" y="4555513"/>
+            <a:ext cx="472096" cy="472096"/>
+          </a:xfrm>
+          <a:prstGeom prst="rect">
+            <a:avLst/>
+          </a:prstGeom>
+        </p:spPr>
+      </p:pic>
+    </p:spTree>
+    <p:extLst>
+      <p:ext uri="{BB962C8B-B14F-4D97-AF65-F5344CB8AC3E}">
+        <p14:creationId xmlns:p14="http://schemas.microsoft.com/office/powerpoint/2010/main" val="2629751167"/>
+      </p:ext>
+    </p:extLst>
+  </p:cSld>
+  <p:clrMapOvr>
+    <a:masterClrMapping/>
+  </p:clrMapOvr>
+</p:sld>
+</file>
+
+<file path=ppt/slides/slide6.xml><?xml version="1.0" encoding="utf-8"?>
+<p:sld xmlns:a="http://schemas.openxmlformats.org/drawingml/2006/main" xmlns:r="http://schemas.openxmlformats.org/officeDocument/2006/relationships" xmlns:p="http://schemas.openxmlformats.org/presentationml/2006/main">
+  <p:cSld>
+    <p:spTree>
+      <p:nvGrpSpPr>
         <p:cNvPr id="1" name=""/>
         <p:cNvGrpSpPr/>
         <p:nvPr/>
@@ -5015,7 +8240,7 @@
           <p:nvPr>
             <p:extLst>
               <p:ext uri="{D42A27DB-BD31-4B8C-83A1-F6EECF244321}">
-                <p14:modId xmlns:p14="http://schemas.microsoft.com/office/powerpoint/2010/main" val="3804198302"/>
+                <p14:modId xmlns:p14="http://schemas.microsoft.com/office/powerpoint/2010/main" val="2623937906"/>
               </p:ext>
             </p:extLst>
           </p:nvPr>
@@ -5077,7 +8302,7 @@
                       </a:r>
                       <a:r>
                         <a:rPr lang="fr-FR" dirty="0" err="1"/>
-                        <a:t>Locations_id</a:t>
+                        <a:t>Location_id</a:t>
                       </a:r>
                       <a:endParaRPr lang="fr-FR" dirty="0"/>
                     </a:p>
@@ -5256,7 +8481,7 @@
           <a:p>
             <a:fld id="{6997B004-CFCE-48D1-9298-DADD64B1EF73}" type="slidenum">
               <a:rPr lang="fr-FR" smtClean="0"/>
-              <a:t>5</a:t>
+              <a:t>6</a:t>
             </a:fld>
             <a:endParaRPr lang="fr-FR"/>
           </a:p>
@@ -6231,6 +9456,155 @@
     <p:extLst>
       <p:ext uri="{BB962C8B-B14F-4D97-AF65-F5344CB8AC3E}">
         <p14:creationId xmlns:p14="http://schemas.microsoft.com/office/powerpoint/2010/main" val="2293294775"/>
+      </p:ext>
+    </p:extLst>
+  </p:cSld>
+  <p:clrMapOvr>
+    <a:masterClrMapping/>
+  </p:clrMapOvr>
+</p:sld>
+</file>
+
+<file path=ppt/slides/slide7.xml><?xml version="1.0" encoding="utf-8"?>
+<p:sld xmlns:a="http://schemas.openxmlformats.org/drawingml/2006/main" xmlns:r="http://schemas.openxmlformats.org/officeDocument/2006/relationships" xmlns:p="http://schemas.openxmlformats.org/presentationml/2006/main">
+  <p:cSld>
+    <p:spTree>
+      <p:nvGrpSpPr>
+        <p:cNvPr id="1" name="">
+          <a:extLst>
+            <a:ext uri="{FF2B5EF4-FFF2-40B4-BE49-F238E27FC236}">
+              <a16:creationId xmlns:a16="http://schemas.microsoft.com/office/drawing/2014/main" id="{4EEAB5E7-C3EA-4C4C-E8BD-E538BDC6A947}"/>
+            </a:ext>
+          </a:extLst>
+        </p:cNvPr>
+        <p:cNvGrpSpPr/>
+        <p:nvPr/>
+      </p:nvGrpSpPr>
+      <p:grpSpPr>
+        <a:xfrm>
+          <a:off x="0" y="0"/>
+          <a:ext cx="0" cy="0"/>
+          <a:chOff x="0" y="0"/>
+          <a:chExt cx="0" cy="0"/>
+        </a:xfrm>
+      </p:grpSpPr>
+      <p:sp>
+        <p:nvSpPr>
+          <p:cNvPr id="2" name="Titre 1">
+            <a:extLst>
+              <a:ext uri="{FF2B5EF4-FFF2-40B4-BE49-F238E27FC236}">
+                <a16:creationId xmlns:a16="http://schemas.microsoft.com/office/drawing/2014/main" id="{C57629D2-3683-9002-8C83-15FE9D74768F}"/>
+              </a:ext>
+            </a:extLst>
+          </p:cNvPr>
+          <p:cNvSpPr>
+            <a:spLocks noGrp="1"/>
+          </p:cNvSpPr>
+          <p:nvPr>
+            <p:ph type="title"/>
+          </p:nvPr>
+        </p:nvSpPr>
+        <p:spPr/>
+        <p:txBody>
+          <a:bodyPr>
+            <a:normAutofit/>
+          </a:bodyPr>
+          <a:lstStyle/>
+          <a:p>
+            <a:r>
+              <a:rPr lang="fr-FR" dirty="0">
+                <a:latin typeface="Daytona" panose="020B0604030500040204" pitchFamily="34" charset="0"/>
+              </a:rPr>
+              <a:t>New </a:t>
+            </a:r>
+            <a:r>
+              <a:rPr lang="fr-FR" dirty="0" err="1">
+                <a:latin typeface="Daytona" panose="020B0604030500040204" pitchFamily="34" charset="0"/>
+              </a:rPr>
+              <a:t>event</a:t>
+            </a:r>
+            <a:r>
+              <a:rPr lang="fr-FR" dirty="0">
+                <a:latin typeface="Daytona" panose="020B0604030500040204" pitchFamily="34" charset="0"/>
+              </a:rPr>
+              <a:t> </a:t>
+            </a:r>
+            <a:r>
+              <a:rPr lang="fr-FR" dirty="0" err="1">
+                <a:latin typeface="Daytona" panose="020B0604030500040204" pitchFamily="34" charset="0"/>
+              </a:rPr>
+              <a:t>incoming</a:t>
+            </a:r>
+            <a:r>
+              <a:rPr lang="fr-FR" dirty="0">
+                <a:latin typeface="Daytona" panose="020B0604030500040204" pitchFamily="34" charset="0"/>
+              </a:rPr>
+              <a:t> ? </a:t>
+            </a:r>
+          </a:p>
+        </p:txBody>
+      </p:sp>
+      <p:sp>
+        <p:nvSpPr>
+          <p:cNvPr id="12" name="Espace réservé du numéro de diapositive 11">
+            <a:extLst>
+              <a:ext uri="{FF2B5EF4-FFF2-40B4-BE49-F238E27FC236}">
+                <a16:creationId xmlns:a16="http://schemas.microsoft.com/office/drawing/2014/main" id="{F0786BB1-467A-3C0C-CE31-EC225AA41F57}"/>
+              </a:ext>
+            </a:extLst>
+          </p:cNvPr>
+          <p:cNvSpPr>
+            <a:spLocks noGrp="1"/>
+          </p:cNvSpPr>
+          <p:nvPr>
+            <p:ph type="sldNum" sz="quarter" idx="12"/>
+          </p:nvPr>
+        </p:nvSpPr>
+        <p:spPr/>
+        <p:txBody>
+          <a:bodyPr/>
+          <a:lstStyle/>
+          <a:p>
+            <a:fld id="{6997B004-CFCE-48D1-9298-DADD64B1EF73}" type="slidenum">
+              <a:rPr lang="fr-FR" smtClean="0"/>
+              <a:t>7</a:t>
+            </a:fld>
+            <a:endParaRPr lang="fr-FR"/>
+          </a:p>
+        </p:txBody>
+      </p:sp>
+      <p:graphicFrame>
+        <p:nvGraphicFramePr>
+          <p:cNvPr id="3" name="Diagramme 2">
+            <a:extLst>
+              <a:ext uri="{FF2B5EF4-FFF2-40B4-BE49-F238E27FC236}">
+                <a16:creationId xmlns:a16="http://schemas.microsoft.com/office/drawing/2014/main" id="{5F0A7F54-DD9B-76D1-E741-15B9E542462A}"/>
+              </a:ext>
+            </a:extLst>
+          </p:cNvPr>
+          <p:cNvGraphicFramePr/>
+          <p:nvPr>
+            <p:extLst>
+              <p:ext uri="{D42A27DB-BD31-4B8C-83A1-F6EECF244321}">
+                <p14:modId xmlns:p14="http://schemas.microsoft.com/office/powerpoint/2010/main" val="1961492512"/>
+              </p:ext>
+            </p:extLst>
+          </p:nvPr>
+        </p:nvGraphicFramePr>
+        <p:xfrm>
+          <a:off x="2032000" y="719666"/>
+          <a:ext cx="8128000" cy="5418667"/>
+        </p:xfrm>
+        <a:graphic>
+          <a:graphicData uri="http://schemas.openxmlformats.org/drawingml/2006/diagram">
+            <dgm:relIds xmlns:dgm="http://schemas.openxmlformats.org/drawingml/2006/diagram" xmlns:r="http://schemas.openxmlformats.org/officeDocument/2006/relationships" r:dm="rId2" r:lo="rId3" r:qs="rId4" r:cs="rId5"/>
+          </a:graphicData>
+        </a:graphic>
+      </p:graphicFrame>
+    </p:spTree>
+    <p:extLst>
+      <p:ext uri="{BB962C8B-B14F-4D97-AF65-F5344CB8AC3E}">
+        <p14:creationId xmlns:p14="http://schemas.microsoft.com/office/powerpoint/2010/main" val="3648777401"/>
       </p:ext>
     </p:extLst>
   </p:cSld>

--- a/MiCa-expo-app.pptx
+++ b/MiCa-expo-app.pptx
@@ -5,7 +5,7 @@
     <p:sldMasterId id="2147483648" r:id="rId1"/>
   </p:sldMasterIdLst>
   <p:notesMasterIdLst>
-    <p:notesMasterId r:id="rId9"/>
+    <p:notesMasterId r:id="rId10"/>
   </p:notesMasterIdLst>
   <p:sldIdLst>
     <p:sldId id="256" r:id="rId2"/>
@@ -13,8 +13,9 @@
     <p:sldId id="261" r:id="rId4"/>
     <p:sldId id="259" r:id="rId5"/>
     <p:sldId id="262" r:id="rId6"/>
-    <p:sldId id="260" r:id="rId7"/>
-    <p:sldId id="263" r:id="rId8"/>
+    <p:sldId id="264" r:id="rId7"/>
+    <p:sldId id="260" r:id="rId8"/>
+    <p:sldId id="263" r:id="rId9"/>
   </p:sldIdLst>
   <p:sldSz cx="12192000" cy="6858000"/>
   <p:notesSz cx="6858000" cy="9144000"/>
@@ -868,7 +869,1326 @@
 </dgm:colorsDef>
 </file>
 
+<file path=ppt/diagrams/colors2.xml><?xml version="1.0" encoding="utf-8"?>
+<dgm:colorsDef xmlns:dgm="http://schemas.openxmlformats.org/drawingml/2006/diagram" xmlns:a="http://schemas.openxmlformats.org/drawingml/2006/main" uniqueId="urn:microsoft.com/office/officeart/2005/8/colors/accent1_2">
+  <dgm:title val=""/>
+  <dgm:desc val=""/>
+  <dgm:catLst>
+    <dgm:cat type="accent1" pri="11200"/>
+  </dgm:catLst>
+  <dgm:styleLbl name="node0">
+    <dgm:fillClrLst meth="repeat">
+      <a:schemeClr val="accent1"/>
+    </dgm:fillClrLst>
+    <dgm:linClrLst meth="repeat">
+      <a:schemeClr val="lt1"/>
+    </dgm:linClrLst>
+    <dgm:effectClrLst/>
+    <dgm:txLinClrLst/>
+    <dgm:txFillClrLst/>
+    <dgm:txEffectClrLst/>
+  </dgm:styleLbl>
+  <dgm:styleLbl name="alignNode1">
+    <dgm:fillClrLst meth="repeat">
+      <a:schemeClr val="accent1"/>
+    </dgm:fillClrLst>
+    <dgm:linClrLst meth="repeat">
+      <a:schemeClr val="accent1"/>
+    </dgm:linClrLst>
+    <dgm:effectClrLst/>
+    <dgm:txLinClrLst/>
+    <dgm:txFillClrLst/>
+    <dgm:txEffectClrLst/>
+  </dgm:styleLbl>
+  <dgm:styleLbl name="node1">
+    <dgm:fillClrLst meth="repeat">
+      <a:schemeClr val="accent1"/>
+    </dgm:fillClrLst>
+    <dgm:linClrLst meth="repeat">
+      <a:schemeClr val="lt1"/>
+    </dgm:linClrLst>
+    <dgm:effectClrLst/>
+    <dgm:txLinClrLst/>
+    <dgm:txFillClrLst/>
+    <dgm:txEffectClrLst/>
+  </dgm:styleLbl>
+  <dgm:styleLbl name="lnNode1">
+    <dgm:fillClrLst meth="repeat">
+      <a:schemeClr val="accent1"/>
+    </dgm:fillClrLst>
+    <dgm:linClrLst meth="repeat">
+      <a:schemeClr val="lt1"/>
+    </dgm:linClrLst>
+    <dgm:effectClrLst/>
+    <dgm:txLinClrLst/>
+    <dgm:txFillClrLst/>
+    <dgm:txEffectClrLst/>
+  </dgm:styleLbl>
+  <dgm:styleLbl name="vennNode1">
+    <dgm:fillClrLst meth="repeat">
+      <a:schemeClr val="accent1">
+        <a:alpha val="50000"/>
+      </a:schemeClr>
+    </dgm:fillClrLst>
+    <dgm:linClrLst meth="repeat">
+      <a:schemeClr val="lt1"/>
+    </dgm:linClrLst>
+    <dgm:effectClrLst/>
+    <dgm:txLinClrLst/>
+    <dgm:txFillClrLst/>
+    <dgm:txEffectClrLst/>
+  </dgm:styleLbl>
+  <dgm:styleLbl name="node2">
+    <dgm:fillClrLst meth="repeat">
+      <a:schemeClr val="accent1"/>
+    </dgm:fillClrLst>
+    <dgm:linClrLst meth="repeat">
+      <a:schemeClr val="lt1"/>
+    </dgm:linClrLst>
+    <dgm:effectClrLst/>
+    <dgm:txLinClrLst/>
+    <dgm:txFillClrLst/>
+    <dgm:txEffectClrLst/>
+  </dgm:styleLbl>
+  <dgm:styleLbl name="node3">
+    <dgm:fillClrLst meth="repeat">
+      <a:schemeClr val="accent1"/>
+    </dgm:fillClrLst>
+    <dgm:linClrLst meth="repeat">
+      <a:schemeClr val="lt1"/>
+    </dgm:linClrLst>
+    <dgm:effectClrLst/>
+    <dgm:txLinClrLst/>
+    <dgm:txFillClrLst/>
+    <dgm:txEffectClrLst/>
+  </dgm:styleLbl>
+  <dgm:styleLbl name="node4">
+    <dgm:fillClrLst meth="repeat">
+      <a:schemeClr val="accent1"/>
+    </dgm:fillClrLst>
+    <dgm:linClrLst meth="repeat">
+      <a:schemeClr val="lt1"/>
+    </dgm:linClrLst>
+    <dgm:effectClrLst/>
+    <dgm:txLinClrLst/>
+    <dgm:txFillClrLst/>
+    <dgm:txEffectClrLst/>
+  </dgm:styleLbl>
+  <dgm:styleLbl name="fgImgPlace1">
+    <dgm:fillClrLst meth="repeat">
+      <a:schemeClr val="accent1">
+        <a:tint val="50000"/>
+      </a:schemeClr>
+    </dgm:fillClrLst>
+    <dgm:linClrLst meth="repeat">
+      <a:schemeClr val="lt1"/>
+    </dgm:linClrLst>
+    <dgm:effectClrLst/>
+    <dgm:txLinClrLst/>
+    <dgm:txFillClrLst meth="repeat">
+      <a:schemeClr val="lt1"/>
+    </dgm:txFillClrLst>
+    <dgm:txEffectClrLst/>
+  </dgm:styleLbl>
+  <dgm:styleLbl name="alignImgPlace1">
+    <dgm:fillClrLst meth="repeat">
+      <a:schemeClr val="accent1">
+        <a:tint val="50000"/>
+      </a:schemeClr>
+    </dgm:fillClrLst>
+    <dgm:linClrLst meth="repeat">
+      <a:schemeClr val="lt1"/>
+    </dgm:linClrLst>
+    <dgm:effectClrLst/>
+    <dgm:txLinClrLst/>
+    <dgm:txFillClrLst meth="repeat">
+      <a:schemeClr val="lt1"/>
+    </dgm:txFillClrLst>
+    <dgm:txEffectClrLst/>
+  </dgm:styleLbl>
+  <dgm:styleLbl name="bgImgPlace1">
+    <dgm:fillClrLst meth="repeat">
+      <a:schemeClr val="accent1">
+        <a:tint val="50000"/>
+      </a:schemeClr>
+    </dgm:fillClrLst>
+    <dgm:linClrLst meth="repeat">
+      <a:schemeClr val="lt1"/>
+    </dgm:linClrLst>
+    <dgm:effectClrLst/>
+    <dgm:txLinClrLst/>
+    <dgm:txFillClrLst meth="repeat">
+      <a:schemeClr val="lt1"/>
+    </dgm:txFillClrLst>
+    <dgm:txEffectClrLst/>
+  </dgm:styleLbl>
+  <dgm:styleLbl name="sibTrans2D1">
+    <dgm:fillClrLst meth="repeat">
+      <a:schemeClr val="accent1">
+        <a:tint val="60000"/>
+      </a:schemeClr>
+    </dgm:fillClrLst>
+    <dgm:linClrLst meth="repeat">
+      <a:schemeClr val="accent1">
+        <a:tint val="60000"/>
+      </a:schemeClr>
+    </dgm:linClrLst>
+    <dgm:effectClrLst/>
+    <dgm:txLinClrLst/>
+    <dgm:txFillClrLst/>
+    <dgm:txEffectClrLst/>
+  </dgm:styleLbl>
+  <dgm:styleLbl name="fgSibTrans2D1">
+    <dgm:fillClrLst meth="repeat">
+      <a:schemeClr val="accent1">
+        <a:tint val="60000"/>
+      </a:schemeClr>
+    </dgm:fillClrLst>
+    <dgm:linClrLst meth="repeat">
+      <a:schemeClr val="accent1">
+        <a:tint val="60000"/>
+      </a:schemeClr>
+    </dgm:linClrLst>
+    <dgm:effectClrLst/>
+    <dgm:txLinClrLst/>
+    <dgm:txFillClrLst/>
+    <dgm:txEffectClrLst/>
+  </dgm:styleLbl>
+  <dgm:styleLbl name="bgSibTrans2D1">
+    <dgm:fillClrLst meth="repeat">
+      <a:schemeClr val="accent1">
+        <a:tint val="60000"/>
+      </a:schemeClr>
+    </dgm:fillClrLst>
+    <dgm:linClrLst meth="repeat">
+      <a:schemeClr val="accent1">
+        <a:tint val="60000"/>
+      </a:schemeClr>
+    </dgm:linClrLst>
+    <dgm:effectClrLst/>
+    <dgm:txLinClrLst/>
+    <dgm:txFillClrLst/>
+    <dgm:txEffectClrLst/>
+  </dgm:styleLbl>
+  <dgm:styleLbl name="sibTrans1D1">
+    <dgm:fillClrLst meth="repeat">
+      <a:schemeClr val="accent1"/>
+    </dgm:fillClrLst>
+    <dgm:linClrLst meth="repeat">
+      <a:schemeClr val="accent1"/>
+    </dgm:linClrLst>
+    <dgm:effectClrLst/>
+    <dgm:txLinClrLst/>
+    <dgm:txFillClrLst meth="repeat">
+      <a:schemeClr val="tx1"/>
+    </dgm:txFillClrLst>
+    <dgm:txEffectClrLst/>
+  </dgm:styleLbl>
+  <dgm:styleLbl name="callout">
+    <dgm:fillClrLst meth="repeat">
+      <a:schemeClr val="accent1"/>
+    </dgm:fillClrLst>
+    <dgm:linClrLst meth="repeat">
+      <a:schemeClr val="accent1">
+        <a:tint val="50000"/>
+      </a:schemeClr>
+    </dgm:linClrLst>
+    <dgm:effectClrLst/>
+    <dgm:txLinClrLst/>
+    <dgm:txFillClrLst meth="repeat">
+      <a:schemeClr val="tx1"/>
+    </dgm:txFillClrLst>
+    <dgm:txEffectClrLst/>
+  </dgm:styleLbl>
+  <dgm:styleLbl name="asst0">
+    <dgm:fillClrLst meth="repeat">
+      <a:schemeClr val="accent1"/>
+    </dgm:fillClrLst>
+    <dgm:linClrLst meth="repeat">
+      <a:schemeClr val="lt1"/>
+    </dgm:linClrLst>
+    <dgm:effectClrLst/>
+    <dgm:txLinClrLst/>
+    <dgm:txFillClrLst/>
+    <dgm:txEffectClrLst/>
+  </dgm:styleLbl>
+  <dgm:styleLbl name="asst1">
+    <dgm:fillClrLst meth="repeat">
+      <a:schemeClr val="accent1"/>
+    </dgm:fillClrLst>
+    <dgm:linClrLst meth="repeat">
+      <a:schemeClr val="lt1"/>
+    </dgm:linClrLst>
+    <dgm:effectClrLst/>
+    <dgm:txLinClrLst/>
+    <dgm:txFillClrLst/>
+    <dgm:txEffectClrLst/>
+  </dgm:styleLbl>
+  <dgm:styleLbl name="asst2">
+    <dgm:fillClrLst meth="repeat">
+      <a:schemeClr val="accent1"/>
+    </dgm:fillClrLst>
+    <dgm:linClrLst meth="repeat">
+      <a:schemeClr val="lt1"/>
+    </dgm:linClrLst>
+    <dgm:effectClrLst/>
+    <dgm:txLinClrLst/>
+    <dgm:txFillClrLst/>
+    <dgm:txEffectClrLst/>
+  </dgm:styleLbl>
+  <dgm:styleLbl name="asst3">
+    <dgm:fillClrLst meth="repeat">
+      <a:schemeClr val="accent1"/>
+    </dgm:fillClrLst>
+    <dgm:linClrLst meth="repeat">
+      <a:schemeClr val="lt1"/>
+    </dgm:linClrLst>
+    <dgm:effectClrLst/>
+    <dgm:txLinClrLst/>
+    <dgm:txFillClrLst/>
+    <dgm:txEffectClrLst/>
+  </dgm:styleLbl>
+  <dgm:styleLbl name="asst4">
+    <dgm:fillClrLst meth="repeat">
+      <a:schemeClr val="accent1"/>
+    </dgm:fillClrLst>
+    <dgm:linClrLst meth="repeat">
+      <a:schemeClr val="lt1"/>
+    </dgm:linClrLst>
+    <dgm:effectClrLst/>
+    <dgm:txLinClrLst/>
+    <dgm:txFillClrLst/>
+    <dgm:txEffectClrLst/>
+  </dgm:styleLbl>
+  <dgm:styleLbl name="parChTrans2D1">
+    <dgm:fillClrLst meth="repeat">
+      <a:schemeClr val="accent1">
+        <a:tint val="60000"/>
+      </a:schemeClr>
+    </dgm:fillClrLst>
+    <dgm:linClrLst meth="repeat">
+      <a:schemeClr val="accent1">
+        <a:tint val="60000"/>
+      </a:schemeClr>
+    </dgm:linClrLst>
+    <dgm:effectClrLst/>
+    <dgm:txLinClrLst/>
+    <dgm:txFillClrLst meth="repeat">
+      <a:schemeClr val="lt1"/>
+    </dgm:txFillClrLst>
+    <dgm:txEffectClrLst/>
+  </dgm:styleLbl>
+  <dgm:styleLbl name="parChTrans2D2">
+    <dgm:fillClrLst meth="repeat">
+      <a:schemeClr val="accent1"/>
+    </dgm:fillClrLst>
+    <dgm:linClrLst meth="repeat">
+      <a:schemeClr val="accent1"/>
+    </dgm:linClrLst>
+    <dgm:effectClrLst/>
+    <dgm:txLinClrLst/>
+    <dgm:txFillClrLst meth="repeat">
+      <a:schemeClr val="lt1"/>
+    </dgm:txFillClrLst>
+    <dgm:txEffectClrLst/>
+  </dgm:styleLbl>
+  <dgm:styleLbl name="parChTrans2D3">
+    <dgm:fillClrLst meth="repeat">
+      <a:schemeClr val="accent1"/>
+    </dgm:fillClrLst>
+    <dgm:linClrLst meth="repeat">
+      <a:schemeClr val="accent1"/>
+    </dgm:linClrLst>
+    <dgm:effectClrLst/>
+    <dgm:txLinClrLst/>
+    <dgm:txFillClrLst meth="repeat">
+      <a:schemeClr val="lt1"/>
+    </dgm:txFillClrLst>
+    <dgm:txEffectClrLst/>
+  </dgm:styleLbl>
+  <dgm:styleLbl name="parChTrans2D4">
+    <dgm:fillClrLst meth="repeat">
+      <a:schemeClr val="accent1"/>
+    </dgm:fillClrLst>
+    <dgm:linClrLst meth="repeat">
+      <a:schemeClr val="accent1"/>
+    </dgm:linClrLst>
+    <dgm:effectClrLst/>
+    <dgm:txLinClrLst/>
+    <dgm:txFillClrLst meth="repeat">
+      <a:schemeClr val="lt1"/>
+    </dgm:txFillClrLst>
+    <dgm:txEffectClrLst/>
+  </dgm:styleLbl>
+  <dgm:styleLbl name="parChTrans1D1">
+    <dgm:fillClrLst meth="repeat">
+      <a:schemeClr val="accent1"/>
+    </dgm:fillClrLst>
+    <dgm:linClrLst meth="repeat">
+      <a:schemeClr val="accent1">
+        <a:shade val="60000"/>
+      </a:schemeClr>
+    </dgm:linClrLst>
+    <dgm:effectClrLst/>
+    <dgm:txLinClrLst/>
+    <dgm:txFillClrLst meth="repeat">
+      <a:schemeClr val="tx1"/>
+    </dgm:txFillClrLst>
+    <dgm:txEffectClrLst/>
+  </dgm:styleLbl>
+  <dgm:styleLbl name="parChTrans1D2">
+    <dgm:fillClrLst meth="repeat">
+      <a:schemeClr val="accent1"/>
+    </dgm:fillClrLst>
+    <dgm:linClrLst meth="repeat">
+      <a:schemeClr val="accent1">
+        <a:shade val="60000"/>
+      </a:schemeClr>
+    </dgm:linClrLst>
+    <dgm:effectClrLst/>
+    <dgm:txLinClrLst/>
+    <dgm:txFillClrLst meth="repeat">
+      <a:schemeClr val="tx1"/>
+    </dgm:txFillClrLst>
+    <dgm:txEffectClrLst/>
+  </dgm:styleLbl>
+  <dgm:styleLbl name="parChTrans1D3">
+    <dgm:fillClrLst meth="repeat">
+      <a:schemeClr val="accent1"/>
+    </dgm:fillClrLst>
+    <dgm:linClrLst meth="repeat">
+      <a:schemeClr val="accent1">
+        <a:shade val="80000"/>
+      </a:schemeClr>
+    </dgm:linClrLst>
+    <dgm:effectClrLst/>
+    <dgm:txLinClrLst/>
+    <dgm:txFillClrLst meth="repeat">
+      <a:schemeClr val="tx1"/>
+    </dgm:txFillClrLst>
+    <dgm:txEffectClrLst/>
+  </dgm:styleLbl>
+  <dgm:styleLbl name="parChTrans1D4">
+    <dgm:fillClrLst meth="repeat">
+      <a:schemeClr val="accent1"/>
+    </dgm:fillClrLst>
+    <dgm:linClrLst meth="repeat">
+      <a:schemeClr val="accent1">
+        <a:shade val="80000"/>
+      </a:schemeClr>
+    </dgm:linClrLst>
+    <dgm:effectClrLst/>
+    <dgm:txLinClrLst/>
+    <dgm:txFillClrLst meth="repeat">
+      <a:schemeClr val="tx1"/>
+    </dgm:txFillClrLst>
+    <dgm:txEffectClrLst/>
+  </dgm:styleLbl>
+  <dgm:styleLbl name="fgAcc1">
+    <dgm:fillClrLst meth="repeat">
+      <a:schemeClr val="lt1">
+        <a:alpha val="90000"/>
+      </a:schemeClr>
+    </dgm:fillClrLst>
+    <dgm:linClrLst meth="repeat">
+      <a:schemeClr val="accent1"/>
+    </dgm:linClrLst>
+    <dgm:effectClrLst/>
+    <dgm:txLinClrLst/>
+    <dgm:txFillClrLst meth="repeat">
+      <a:schemeClr val="dk1"/>
+    </dgm:txFillClrLst>
+    <dgm:txEffectClrLst/>
+  </dgm:styleLbl>
+  <dgm:styleLbl name="conFgAcc1">
+    <dgm:fillClrLst meth="repeat">
+      <a:schemeClr val="lt1">
+        <a:alpha val="90000"/>
+      </a:schemeClr>
+    </dgm:fillClrLst>
+    <dgm:linClrLst meth="repeat">
+      <a:schemeClr val="accent1"/>
+    </dgm:linClrLst>
+    <dgm:effectClrLst/>
+    <dgm:txLinClrLst/>
+    <dgm:txFillClrLst meth="repeat">
+      <a:schemeClr val="dk1"/>
+    </dgm:txFillClrLst>
+    <dgm:txEffectClrLst/>
+  </dgm:styleLbl>
+  <dgm:styleLbl name="alignAcc1">
+    <dgm:fillClrLst meth="repeat">
+      <a:schemeClr val="lt1">
+        <a:alpha val="90000"/>
+      </a:schemeClr>
+    </dgm:fillClrLst>
+    <dgm:linClrLst meth="repeat">
+      <a:schemeClr val="accent1"/>
+    </dgm:linClrLst>
+    <dgm:effectClrLst/>
+    <dgm:txLinClrLst/>
+    <dgm:txFillClrLst meth="repeat">
+      <a:schemeClr val="dk1"/>
+    </dgm:txFillClrLst>
+    <dgm:txEffectClrLst/>
+  </dgm:styleLbl>
+  <dgm:styleLbl name="trAlignAcc1">
+    <dgm:fillClrLst meth="repeat">
+      <a:schemeClr val="lt1">
+        <a:alpha val="40000"/>
+      </a:schemeClr>
+    </dgm:fillClrLst>
+    <dgm:linClrLst meth="repeat">
+      <a:schemeClr val="accent1"/>
+    </dgm:linClrLst>
+    <dgm:effectClrLst/>
+    <dgm:txLinClrLst/>
+    <dgm:txFillClrLst meth="repeat">
+      <a:schemeClr val="dk1"/>
+    </dgm:txFillClrLst>
+    <dgm:txEffectClrLst/>
+  </dgm:styleLbl>
+  <dgm:styleLbl name="bgAcc1">
+    <dgm:fillClrLst meth="repeat">
+      <a:schemeClr val="lt1">
+        <a:alpha val="90000"/>
+      </a:schemeClr>
+    </dgm:fillClrLst>
+    <dgm:linClrLst meth="repeat">
+      <a:schemeClr val="accent1"/>
+    </dgm:linClrLst>
+    <dgm:effectClrLst/>
+    <dgm:txLinClrLst/>
+    <dgm:txFillClrLst meth="repeat">
+      <a:schemeClr val="dk1"/>
+    </dgm:txFillClrLst>
+    <dgm:txEffectClrLst/>
+  </dgm:styleLbl>
+  <dgm:styleLbl name="solidFgAcc1">
+    <dgm:fillClrLst meth="repeat">
+      <a:schemeClr val="lt1"/>
+    </dgm:fillClrLst>
+    <dgm:linClrLst meth="repeat">
+      <a:schemeClr val="accent1"/>
+    </dgm:linClrLst>
+    <dgm:effectClrLst/>
+    <dgm:txLinClrLst/>
+    <dgm:txFillClrLst meth="repeat">
+      <a:schemeClr val="dk1"/>
+    </dgm:txFillClrLst>
+    <dgm:txEffectClrLst/>
+  </dgm:styleLbl>
+  <dgm:styleLbl name="solidAlignAcc1">
+    <dgm:fillClrLst meth="repeat">
+      <a:schemeClr val="lt1"/>
+    </dgm:fillClrLst>
+    <dgm:linClrLst meth="repeat">
+      <a:schemeClr val="accent1"/>
+    </dgm:linClrLst>
+    <dgm:effectClrLst/>
+    <dgm:txLinClrLst/>
+    <dgm:txFillClrLst meth="repeat">
+      <a:schemeClr val="dk1"/>
+    </dgm:txFillClrLst>
+    <dgm:txEffectClrLst/>
+  </dgm:styleLbl>
+  <dgm:styleLbl name="solidBgAcc1">
+    <dgm:fillClrLst meth="repeat">
+      <a:schemeClr val="lt1"/>
+    </dgm:fillClrLst>
+    <dgm:linClrLst meth="repeat">
+      <a:schemeClr val="accent1"/>
+    </dgm:linClrLst>
+    <dgm:effectClrLst/>
+    <dgm:txLinClrLst/>
+    <dgm:txFillClrLst meth="repeat">
+      <a:schemeClr val="dk1"/>
+    </dgm:txFillClrLst>
+    <dgm:txEffectClrLst/>
+  </dgm:styleLbl>
+  <dgm:styleLbl name="fgAccFollowNode1">
+    <dgm:fillClrLst meth="repeat">
+      <a:schemeClr val="accent1">
+        <a:alpha val="90000"/>
+        <a:tint val="40000"/>
+      </a:schemeClr>
+    </dgm:fillClrLst>
+    <dgm:linClrLst meth="repeat">
+      <a:schemeClr val="accent1">
+        <a:alpha val="90000"/>
+        <a:tint val="40000"/>
+      </a:schemeClr>
+    </dgm:linClrLst>
+    <dgm:effectClrLst/>
+    <dgm:txLinClrLst/>
+    <dgm:txFillClrLst meth="repeat">
+      <a:schemeClr val="dk1"/>
+    </dgm:txFillClrLst>
+    <dgm:txEffectClrLst/>
+  </dgm:styleLbl>
+  <dgm:styleLbl name="alignAccFollowNode1">
+    <dgm:fillClrLst meth="repeat">
+      <a:schemeClr val="accent1">
+        <a:alpha val="90000"/>
+        <a:tint val="40000"/>
+      </a:schemeClr>
+    </dgm:fillClrLst>
+    <dgm:linClrLst meth="repeat">
+      <a:schemeClr val="accent1">
+        <a:alpha val="90000"/>
+        <a:tint val="40000"/>
+      </a:schemeClr>
+    </dgm:linClrLst>
+    <dgm:effectClrLst/>
+    <dgm:txLinClrLst/>
+    <dgm:txFillClrLst meth="repeat">
+      <a:schemeClr val="dk1"/>
+    </dgm:txFillClrLst>
+    <dgm:txEffectClrLst/>
+  </dgm:styleLbl>
+  <dgm:styleLbl name="bgAccFollowNode1">
+    <dgm:fillClrLst meth="repeat">
+      <a:schemeClr val="accent1">
+        <a:alpha val="90000"/>
+        <a:tint val="40000"/>
+      </a:schemeClr>
+    </dgm:fillClrLst>
+    <dgm:linClrLst meth="repeat">
+      <a:schemeClr val="accent1">
+        <a:alpha val="90000"/>
+        <a:tint val="40000"/>
+      </a:schemeClr>
+    </dgm:linClrLst>
+    <dgm:effectClrLst/>
+    <dgm:txLinClrLst/>
+    <dgm:txFillClrLst meth="repeat">
+      <a:schemeClr val="dk1"/>
+    </dgm:txFillClrLst>
+    <dgm:txEffectClrLst/>
+  </dgm:styleLbl>
+  <dgm:styleLbl name="fgAcc0">
+    <dgm:fillClrLst meth="repeat">
+      <a:schemeClr val="lt1">
+        <a:alpha val="90000"/>
+      </a:schemeClr>
+    </dgm:fillClrLst>
+    <dgm:linClrLst meth="repeat">
+      <a:schemeClr val="accent1"/>
+    </dgm:linClrLst>
+    <dgm:effectClrLst/>
+    <dgm:txLinClrLst/>
+    <dgm:txFillClrLst meth="repeat">
+      <a:schemeClr val="dk1"/>
+    </dgm:txFillClrLst>
+    <dgm:txEffectClrLst/>
+  </dgm:styleLbl>
+  <dgm:styleLbl name="fgAcc2">
+    <dgm:fillClrLst meth="repeat">
+      <a:schemeClr val="lt1">
+        <a:alpha val="90000"/>
+      </a:schemeClr>
+    </dgm:fillClrLst>
+    <dgm:linClrLst meth="repeat">
+      <a:schemeClr val="accent1"/>
+    </dgm:linClrLst>
+    <dgm:effectClrLst/>
+    <dgm:txLinClrLst/>
+    <dgm:txFillClrLst meth="repeat">
+      <a:schemeClr val="dk1"/>
+    </dgm:txFillClrLst>
+    <dgm:txEffectClrLst/>
+  </dgm:styleLbl>
+  <dgm:styleLbl name="fgAcc3">
+    <dgm:fillClrLst meth="repeat">
+      <a:schemeClr val="lt1">
+        <a:alpha val="90000"/>
+      </a:schemeClr>
+    </dgm:fillClrLst>
+    <dgm:linClrLst meth="repeat">
+      <a:schemeClr val="accent1"/>
+    </dgm:linClrLst>
+    <dgm:effectClrLst/>
+    <dgm:txLinClrLst/>
+    <dgm:txFillClrLst meth="repeat">
+      <a:schemeClr val="dk1"/>
+    </dgm:txFillClrLst>
+    <dgm:txEffectClrLst/>
+  </dgm:styleLbl>
+  <dgm:styleLbl name="fgAcc4">
+    <dgm:fillClrLst meth="repeat">
+      <a:schemeClr val="lt1">
+        <a:alpha val="90000"/>
+      </a:schemeClr>
+    </dgm:fillClrLst>
+    <dgm:linClrLst meth="repeat">
+      <a:schemeClr val="accent1"/>
+    </dgm:linClrLst>
+    <dgm:effectClrLst/>
+    <dgm:txLinClrLst/>
+    <dgm:txFillClrLst meth="repeat">
+      <a:schemeClr val="dk1"/>
+    </dgm:txFillClrLst>
+    <dgm:txEffectClrLst/>
+  </dgm:styleLbl>
+  <dgm:styleLbl name="bgShp">
+    <dgm:fillClrLst meth="repeat">
+      <a:schemeClr val="accent1">
+        <a:tint val="40000"/>
+      </a:schemeClr>
+    </dgm:fillClrLst>
+    <dgm:linClrLst meth="repeat">
+      <a:schemeClr val="accent1"/>
+    </dgm:linClrLst>
+    <dgm:effectClrLst/>
+    <dgm:txLinClrLst/>
+    <dgm:txFillClrLst meth="repeat">
+      <a:schemeClr val="dk1"/>
+    </dgm:txFillClrLst>
+    <dgm:txEffectClrLst/>
+  </dgm:styleLbl>
+  <dgm:styleLbl name="dkBgShp">
+    <dgm:fillClrLst meth="repeat">
+      <a:schemeClr val="accent1">
+        <a:shade val="80000"/>
+      </a:schemeClr>
+    </dgm:fillClrLst>
+    <dgm:linClrLst meth="repeat">
+      <a:schemeClr val="accent1"/>
+    </dgm:linClrLst>
+    <dgm:effectClrLst/>
+    <dgm:txLinClrLst/>
+    <dgm:txFillClrLst meth="repeat">
+      <a:schemeClr val="lt1"/>
+    </dgm:txFillClrLst>
+    <dgm:txEffectClrLst/>
+  </dgm:styleLbl>
+  <dgm:styleLbl name="trBgShp">
+    <dgm:fillClrLst meth="repeat">
+      <a:schemeClr val="accent1">
+        <a:tint val="50000"/>
+        <a:alpha val="40000"/>
+      </a:schemeClr>
+    </dgm:fillClrLst>
+    <dgm:linClrLst meth="repeat">
+      <a:schemeClr val="accent1"/>
+    </dgm:linClrLst>
+    <dgm:effectClrLst/>
+    <dgm:txLinClrLst/>
+    <dgm:txFillClrLst meth="repeat">
+      <a:schemeClr val="lt1"/>
+    </dgm:txFillClrLst>
+    <dgm:txEffectClrLst/>
+  </dgm:styleLbl>
+  <dgm:styleLbl name="fgShp">
+    <dgm:fillClrLst meth="repeat">
+      <a:schemeClr val="accent1">
+        <a:tint val="60000"/>
+      </a:schemeClr>
+    </dgm:fillClrLst>
+    <dgm:linClrLst meth="repeat">
+      <a:schemeClr val="lt1"/>
+    </dgm:linClrLst>
+    <dgm:effectClrLst/>
+    <dgm:txLinClrLst/>
+    <dgm:txFillClrLst meth="repeat">
+      <a:schemeClr val="dk1"/>
+    </dgm:txFillClrLst>
+    <dgm:txEffectClrLst/>
+  </dgm:styleLbl>
+  <dgm:styleLbl name="revTx">
+    <dgm:fillClrLst meth="repeat">
+      <a:schemeClr val="lt1">
+        <a:alpha val="0"/>
+      </a:schemeClr>
+    </dgm:fillClrLst>
+    <dgm:linClrLst meth="repeat">
+      <a:schemeClr val="dk1">
+        <a:alpha val="0"/>
+      </a:schemeClr>
+    </dgm:linClrLst>
+    <dgm:effectClrLst/>
+    <dgm:txLinClrLst/>
+    <dgm:txFillClrLst meth="repeat">
+      <a:schemeClr val="tx1"/>
+    </dgm:txFillClrLst>
+    <dgm:txEffectClrLst/>
+  </dgm:styleLbl>
+</dgm:colorsDef>
+</file>
+
 <file path=ppt/diagrams/data1.xml><?xml version="1.0" encoding="utf-8"?>
+<dgm:dataModel xmlns:dgm="http://schemas.openxmlformats.org/drawingml/2006/diagram" xmlns:a="http://schemas.openxmlformats.org/drawingml/2006/main">
+  <dgm:ptLst>
+    <dgm:pt modelId="{47F64D35-7D1A-4CE8-899A-3D63BB117E02}" type="doc">
+      <dgm:prSet loTypeId="urn:microsoft.com/office/officeart/2005/8/layout/hierarchy2" loCatId="hierarchy" qsTypeId="urn:microsoft.com/office/officeart/2005/8/quickstyle/simple1" qsCatId="simple" csTypeId="urn:microsoft.com/office/officeart/2005/8/colors/accent1_2" csCatId="accent1" phldr="1"/>
+      <dgm:spPr/>
+      <dgm:t>
+        <a:bodyPr/>
+        <a:lstStyle/>
+        <a:p>
+          <a:endParaRPr lang="fr-FR"/>
+        </a:p>
+      </dgm:t>
+    </dgm:pt>
+    <dgm:pt modelId="{8BE06A60-CE81-41E1-925A-F6AFBD63F271}">
+      <dgm:prSet phldrT="[Texte]" phldr="0"/>
+      <dgm:spPr/>
+      <dgm:t>
+        <a:bodyPr/>
+        <a:lstStyle/>
+        <a:p>
+          <a:r>
+            <a:rPr lang="fr-FR" dirty="0" err="1"/>
+            <a:t>event_id</a:t>
+          </a:r>
+          <a:r>
+            <a:rPr lang="fr-FR" dirty="0"/>
+            <a:t> </a:t>
+          </a:r>
+          <a:r>
+            <a:rPr lang="fr-FR" dirty="0" err="1"/>
+            <a:t>exists</a:t>
+          </a:r>
+          <a:endParaRPr lang="fr-FR" dirty="0"/>
+        </a:p>
+      </dgm:t>
+    </dgm:pt>
+    <dgm:pt modelId="{79065B10-3B1C-477E-9146-AA2CBC968310}" type="parTrans" cxnId="{BA213A3D-73C2-47FA-89C5-D24B5A66C63F}">
+      <dgm:prSet/>
+      <dgm:spPr/>
+      <dgm:t>
+        <a:bodyPr/>
+        <a:lstStyle/>
+        <a:p>
+          <a:endParaRPr lang="fr-FR"/>
+        </a:p>
+      </dgm:t>
+    </dgm:pt>
+    <dgm:pt modelId="{78E44D09-5ACF-44CF-91B5-8A269BAF3F31}" type="sibTrans" cxnId="{BA213A3D-73C2-47FA-89C5-D24B5A66C63F}">
+      <dgm:prSet/>
+      <dgm:spPr/>
+      <dgm:t>
+        <a:bodyPr/>
+        <a:lstStyle/>
+        <a:p>
+          <a:endParaRPr lang="fr-FR"/>
+        </a:p>
+      </dgm:t>
+    </dgm:pt>
+    <dgm:pt modelId="{A6920D66-2DCC-4169-8475-484C9BAACE83}">
+      <dgm:prSet phldrT="[Texte]" phldr="0"/>
+      <dgm:spPr/>
+      <dgm:t>
+        <a:bodyPr/>
+        <a:lstStyle/>
+        <a:p>
+          <a:r>
+            <a:rPr lang="fr-FR" b="1" u="sng" dirty="0"/>
+            <a:t>Update </a:t>
+          </a:r>
+          <a:r>
+            <a:rPr lang="fr-FR" b="1" u="sng" dirty="0" err="1"/>
+            <a:t>event</a:t>
+          </a:r>
+          <a:endParaRPr lang="fr-FR" b="1" u="sng" dirty="0"/>
+        </a:p>
+        <a:p>
+          <a:r>
+            <a:rPr lang="fr-FR" dirty="0"/>
+            <a:t>Location </a:t>
+          </a:r>
+          <a:r>
+            <a:rPr lang="fr-FR" dirty="0" err="1"/>
+            <a:t>exists</a:t>
+          </a:r>
+          <a:endParaRPr lang="fr-FR" dirty="0"/>
+        </a:p>
+      </dgm:t>
+    </dgm:pt>
+    <dgm:pt modelId="{3A613535-3E22-4E1A-AEBD-647E48E6F381}" type="parTrans" cxnId="{CFB68D59-88C0-4D27-BF76-BAA6FBA71E14}">
+      <dgm:prSet/>
+      <dgm:spPr/>
+      <dgm:t>
+        <a:bodyPr/>
+        <a:lstStyle/>
+        <a:p>
+          <a:endParaRPr lang="fr-FR"/>
+        </a:p>
+      </dgm:t>
+    </dgm:pt>
+    <dgm:pt modelId="{34297F43-55A0-47FB-B2F0-1ACE02D706D4}" type="sibTrans" cxnId="{CFB68D59-88C0-4D27-BF76-BAA6FBA71E14}">
+      <dgm:prSet/>
+      <dgm:spPr/>
+      <dgm:t>
+        <a:bodyPr/>
+        <a:lstStyle/>
+        <a:p>
+          <a:endParaRPr lang="fr-FR"/>
+        </a:p>
+      </dgm:t>
+    </dgm:pt>
+    <dgm:pt modelId="{AE9533FE-22CE-47DF-9756-4509B9D58652}">
+      <dgm:prSet phldrT="[Texte]" phldr="0"/>
+      <dgm:spPr/>
+      <dgm:t>
+        <a:bodyPr/>
+        <a:lstStyle/>
+        <a:p>
+          <a:r>
+            <a:rPr lang="fr-FR" dirty="0"/>
+            <a:t>set </a:t>
+          </a:r>
+          <a:r>
+            <a:rPr lang="fr-FR" dirty="0" err="1"/>
+            <a:t>id_location</a:t>
+          </a:r>
+          <a:endParaRPr lang="fr-FR" dirty="0"/>
+        </a:p>
+      </dgm:t>
+    </dgm:pt>
+    <dgm:pt modelId="{FB119D64-00FA-48E5-8E6F-1ADB72912CA7}" type="parTrans" cxnId="{833F69DB-81CD-4636-ADF4-D6A433769537}">
+      <dgm:prSet/>
+      <dgm:spPr/>
+      <dgm:t>
+        <a:bodyPr/>
+        <a:lstStyle/>
+        <a:p>
+          <a:endParaRPr lang="fr-FR"/>
+        </a:p>
+      </dgm:t>
+    </dgm:pt>
+    <dgm:pt modelId="{90F6475D-4DF6-4F58-BB67-32C3B48E5760}" type="sibTrans" cxnId="{833F69DB-81CD-4636-ADF4-D6A433769537}">
+      <dgm:prSet/>
+      <dgm:spPr/>
+      <dgm:t>
+        <a:bodyPr/>
+        <a:lstStyle/>
+        <a:p>
+          <a:endParaRPr lang="fr-FR"/>
+        </a:p>
+      </dgm:t>
+    </dgm:pt>
+    <dgm:pt modelId="{DBD1B7E0-5432-4528-9168-AA0048D30B07}">
+      <dgm:prSet phldrT="[Texte]" phldr="0"/>
+      <dgm:spPr/>
+      <dgm:t>
+        <a:bodyPr/>
+        <a:lstStyle/>
+        <a:p>
+          <a:r>
+            <a:rPr lang="fr-FR" dirty="0" err="1"/>
+            <a:t>Create</a:t>
+          </a:r>
+          <a:r>
+            <a:rPr lang="fr-FR" dirty="0"/>
+            <a:t> &amp; set id location </a:t>
+          </a:r>
+        </a:p>
+      </dgm:t>
+    </dgm:pt>
+    <dgm:pt modelId="{DB754B24-E119-492D-94E7-223B2BC29FBF}" type="parTrans" cxnId="{6EBC75CF-E66D-4842-AFD9-0F869C160762}">
+      <dgm:prSet/>
+      <dgm:spPr/>
+      <dgm:t>
+        <a:bodyPr/>
+        <a:lstStyle/>
+        <a:p>
+          <a:endParaRPr lang="fr-FR"/>
+        </a:p>
+      </dgm:t>
+    </dgm:pt>
+    <dgm:pt modelId="{784B4605-5503-499F-B445-699F32C2095A}" type="sibTrans" cxnId="{6EBC75CF-E66D-4842-AFD9-0F869C160762}">
+      <dgm:prSet/>
+      <dgm:spPr/>
+      <dgm:t>
+        <a:bodyPr/>
+        <a:lstStyle/>
+        <a:p>
+          <a:endParaRPr lang="fr-FR"/>
+        </a:p>
+      </dgm:t>
+    </dgm:pt>
+    <dgm:pt modelId="{67ABBE54-2D32-4E95-929C-63AB9376DDE2}">
+      <dgm:prSet phldrT="[Texte]" phldr="0"/>
+      <dgm:spPr/>
+      <dgm:t>
+        <a:bodyPr/>
+        <a:lstStyle/>
+        <a:p>
+          <a:r>
+            <a:rPr lang="fr-FR" b="1" u="sng" dirty="0"/>
+            <a:t>Insert </a:t>
+          </a:r>
+          <a:r>
+            <a:rPr lang="fr-FR" b="1" u="sng" dirty="0" err="1"/>
+            <a:t>event</a:t>
+          </a:r>
+          <a:endParaRPr lang="fr-FR" b="1" u="sng" dirty="0"/>
+        </a:p>
+        <a:p>
+          <a:r>
+            <a:rPr lang="fr-FR" b="0" u="none" dirty="0"/>
+            <a:t>Locations </a:t>
+          </a:r>
+          <a:r>
+            <a:rPr lang="fr-FR" b="0" u="none" dirty="0" err="1"/>
+            <a:t>exists</a:t>
+          </a:r>
+          <a:endParaRPr lang="fr-FR" b="0" u="none" dirty="0"/>
+        </a:p>
+      </dgm:t>
+    </dgm:pt>
+    <dgm:pt modelId="{A468D70A-5FA6-4003-B36E-22F87F3E501E}" type="parTrans" cxnId="{CCBD7033-D255-4850-BAC7-ECAD942FBA00}">
+      <dgm:prSet/>
+      <dgm:spPr/>
+      <dgm:t>
+        <a:bodyPr/>
+        <a:lstStyle/>
+        <a:p>
+          <a:endParaRPr lang="fr-FR"/>
+        </a:p>
+      </dgm:t>
+    </dgm:pt>
+    <dgm:pt modelId="{015A5D2C-28D0-4346-B363-CAF8C775AF3A}" type="sibTrans" cxnId="{CCBD7033-D255-4850-BAC7-ECAD942FBA00}">
+      <dgm:prSet/>
+      <dgm:spPr/>
+      <dgm:t>
+        <a:bodyPr/>
+        <a:lstStyle/>
+        <a:p>
+          <a:endParaRPr lang="fr-FR"/>
+        </a:p>
+      </dgm:t>
+    </dgm:pt>
+    <dgm:pt modelId="{651630F3-2933-4ED2-A80D-304E3026C848}">
+      <dgm:prSet phldrT="[Texte]" phldr="0"/>
+      <dgm:spPr/>
+      <dgm:t>
+        <a:bodyPr/>
+        <a:lstStyle/>
+        <a:p>
+          <a:r>
+            <a:rPr lang="fr-FR" dirty="0"/>
+            <a:t>set </a:t>
+          </a:r>
+          <a:r>
+            <a:rPr lang="fr-FR" dirty="0" err="1"/>
+            <a:t>id_location</a:t>
+          </a:r>
+          <a:endParaRPr lang="fr-FR" dirty="0"/>
+        </a:p>
+      </dgm:t>
+    </dgm:pt>
+    <dgm:pt modelId="{1C83406D-1EFF-4ECA-9C85-C1178343344B}" type="parTrans" cxnId="{D90FC066-FCE8-41D8-BF8C-CA9578899326}">
+      <dgm:prSet/>
+      <dgm:spPr/>
+      <dgm:t>
+        <a:bodyPr/>
+        <a:lstStyle/>
+        <a:p>
+          <a:endParaRPr lang="fr-FR"/>
+        </a:p>
+      </dgm:t>
+    </dgm:pt>
+    <dgm:pt modelId="{F3B21878-08E5-4AB0-BCF5-5AF88D41FC28}" type="sibTrans" cxnId="{D90FC066-FCE8-41D8-BF8C-CA9578899326}">
+      <dgm:prSet/>
+      <dgm:spPr/>
+      <dgm:t>
+        <a:bodyPr/>
+        <a:lstStyle/>
+        <a:p>
+          <a:endParaRPr lang="fr-FR"/>
+        </a:p>
+      </dgm:t>
+    </dgm:pt>
+    <dgm:pt modelId="{65E836FD-9A0E-4B79-AB6B-9106B5E891DB}">
+      <dgm:prSet phldrT="[Texte]" phldr="0"/>
+      <dgm:spPr/>
+      <dgm:t>
+        <a:bodyPr/>
+        <a:lstStyle/>
+        <a:p>
+          <a:r>
+            <a:rPr lang="fr-FR" dirty="0" err="1"/>
+            <a:t>Create</a:t>
+          </a:r>
+          <a:r>
+            <a:rPr lang="fr-FR" dirty="0"/>
+            <a:t> &amp; set id location </a:t>
+          </a:r>
+        </a:p>
+      </dgm:t>
+    </dgm:pt>
+    <dgm:pt modelId="{2250ECDE-543B-45D1-A631-83E6D9328227}" type="parTrans" cxnId="{7703A5D9-2C9C-409E-916C-5758590AA722}">
+      <dgm:prSet/>
+      <dgm:spPr/>
+      <dgm:t>
+        <a:bodyPr/>
+        <a:lstStyle/>
+        <a:p>
+          <a:endParaRPr lang="fr-FR"/>
+        </a:p>
+      </dgm:t>
+    </dgm:pt>
+    <dgm:pt modelId="{09208068-77D2-4275-AFD1-BC3B36624D2D}" type="sibTrans" cxnId="{7703A5D9-2C9C-409E-916C-5758590AA722}">
+      <dgm:prSet/>
+      <dgm:spPr/>
+      <dgm:t>
+        <a:bodyPr/>
+        <a:lstStyle/>
+        <a:p>
+          <a:endParaRPr lang="fr-FR"/>
+        </a:p>
+      </dgm:t>
+    </dgm:pt>
+    <dgm:pt modelId="{C0249208-8751-4E39-B42C-CC9289A2D15A}" type="pres">
+      <dgm:prSet presAssocID="{47F64D35-7D1A-4CE8-899A-3D63BB117E02}" presName="diagram" presStyleCnt="0">
+        <dgm:presLayoutVars>
+          <dgm:chPref val="1"/>
+          <dgm:dir/>
+          <dgm:animOne val="branch"/>
+          <dgm:animLvl val="lvl"/>
+          <dgm:resizeHandles val="exact"/>
+        </dgm:presLayoutVars>
+      </dgm:prSet>
+      <dgm:spPr/>
+    </dgm:pt>
+    <dgm:pt modelId="{FF8BBA35-B2C0-4D06-AB70-9E2BF00A3BDB}" type="pres">
+      <dgm:prSet presAssocID="{8BE06A60-CE81-41E1-925A-F6AFBD63F271}" presName="root1" presStyleCnt="0"/>
+      <dgm:spPr/>
+    </dgm:pt>
+    <dgm:pt modelId="{EAAB3F83-CAC7-462D-BE5A-8D77A85D01F8}" type="pres">
+      <dgm:prSet presAssocID="{8BE06A60-CE81-41E1-925A-F6AFBD63F271}" presName="LevelOneTextNode" presStyleLbl="node0" presStyleIdx="0" presStyleCnt="1">
+        <dgm:presLayoutVars>
+          <dgm:chPref val="3"/>
+        </dgm:presLayoutVars>
+      </dgm:prSet>
+      <dgm:spPr/>
+    </dgm:pt>
+    <dgm:pt modelId="{034190F8-2A40-4590-8465-6DFAF6214D59}" type="pres">
+      <dgm:prSet presAssocID="{8BE06A60-CE81-41E1-925A-F6AFBD63F271}" presName="level2hierChild" presStyleCnt="0"/>
+      <dgm:spPr/>
+    </dgm:pt>
+    <dgm:pt modelId="{8836677F-8501-43DB-A11E-EEE7F3CEB3BA}" type="pres">
+      <dgm:prSet presAssocID="{3A613535-3E22-4E1A-AEBD-647E48E6F381}" presName="conn2-1" presStyleLbl="parChTrans1D2" presStyleIdx="0" presStyleCnt="2"/>
+      <dgm:spPr/>
+    </dgm:pt>
+    <dgm:pt modelId="{E0541BB4-21CE-4F09-955F-B70E7B561D5F}" type="pres">
+      <dgm:prSet presAssocID="{3A613535-3E22-4E1A-AEBD-647E48E6F381}" presName="connTx" presStyleLbl="parChTrans1D2" presStyleIdx="0" presStyleCnt="2"/>
+      <dgm:spPr/>
+    </dgm:pt>
+    <dgm:pt modelId="{29342F2F-27EA-4833-8E27-8859059A9F0B}" type="pres">
+      <dgm:prSet presAssocID="{A6920D66-2DCC-4169-8475-484C9BAACE83}" presName="root2" presStyleCnt="0"/>
+      <dgm:spPr/>
+    </dgm:pt>
+    <dgm:pt modelId="{EA989423-B13C-437B-8CF9-806145F4BB4E}" type="pres">
+      <dgm:prSet presAssocID="{A6920D66-2DCC-4169-8475-484C9BAACE83}" presName="LevelTwoTextNode" presStyleLbl="node2" presStyleIdx="0" presStyleCnt="2">
+        <dgm:presLayoutVars>
+          <dgm:chPref val="3"/>
+        </dgm:presLayoutVars>
+      </dgm:prSet>
+      <dgm:spPr/>
+    </dgm:pt>
+    <dgm:pt modelId="{691DC8ED-8114-41E4-89C6-D1C9694F49D4}" type="pres">
+      <dgm:prSet presAssocID="{A6920D66-2DCC-4169-8475-484C9BAACE83}" presName="level3hierChild" presStyleCnt="0"/>
+      <dgm:spPr/>
+    </dgm:pt>
+    <dgm:pt modelId="{0A8AC4B7-2301-4E7E-A0E0-C9508AA0AAD7}" type="pres">
+      <dgm:prSet presAssocID="{FB119D64-00FA-48E5-8E6F-1ADB72912CA7}" presName="conn2-1" presStyleLbl="parChTrans1D3" presStyleIdx="0" presStyleCnt="4"/>
+      <dgm:spPr/>
+    </dgm:pt>
+    <dgm:pt modelId="{8D14AA9A-D89A-4DDC-B877-3B3B09F34864}" type="pres">
+      <dgm:prSet presAssocID="{FB119D64-00FA-48E5-8E6F-1ADB72912CA7}" presName="connTx" presStyleLbl="parChTrans1D3" presStyleIdx="0" presStyleCnt="4"/>
+      <dgm:spPr/>
+    </dgm:pt>
+    <dgm:pt modelId="{2F2EB584-FB7E-426E-BB61-B09457332656}" type="pres">
+      <dgm:prSet presAssocID="{AE9533FE-22CE-47DF-9756-4509B9D58652}" presName="root2" presStyleCnt="0"/>
+      <dgm:spPr/>
+    </dgm:pt>
+    <dgm:pt modelId="{3B342A01-07CB-4197-A2E9-749D0AF17D75}" type="pres">
+      <dgm:prSet presAssocID="{AE9533FE-22CE-47DF-9756-4509B9D58652}" presName="LevelTwoTextNode" presStyleLbl="node3" presStyleIdx="0" presStyleCnt="4">
+        <dgm:presLayoutVars>
+          <dgm:chPref val="3"/>
+        </dgm:presLayoutVars>
+      </dgm:prSet>
+      <dgm:spPr/>
+    </dgm:pt>
+    <dgm:pt modelId="{323667BD-186F-47A2-AA49-F426CF02F80B}" type="pres">
+      <dgm:prSet presAssocID="{AE9533FE-22CE-47DF-9756-4509B9D58652}" presName="level3hierChild" presStyleCnt="0"/>
+      <dgm:spPr/>
+    </dgm:pt>
+    <dgm:pt modelId="{FFF2F3C4-97E2-4470-AC5F-40B80692C001}" type="pres">
+      <dgm:prSet presAssocID="{DB754B24-E119-492D-94E7-223B2BC29FBF}" presName="conn2-1" presStyleLbl="parChTrans1D3" presStyleIdx="1" presStyleCnt="4"/>
+      <dgm:spPr/>
+    </dgm:pt>
+    <dgm:pt modelId="{ED42B06B-07F5-466E-87B1-8C105C5106C9}" type="pres">
+      <dgm:prSet presAssocID="{DB754B24-E119-492D-94E7-223B2BC29FBF}" presName="connTx" presStyleLbl="parChTrans1D3" presStyleIdx="1" presStyleCnt="4"/>
+      <dgm:spPr/>
+    </dgm:pt>
+    <dgm:pt modelId="{930D2C87-302B-4903-851A-0F42F84A8B24}" type="pres">
+      <dgm:prSet presAssocID="{DBD1B7E0-5432-4528-9168-AA0048D30B07}" presName="root2" presStyleCnt="0"/>
+      <dgm:spPr/>
+    </dgm:pt>
+    <dgm:pt modelId="{1EDCD79A-E9ED-46CB-887D-B3733EEF834C}" type="pres">
+      <dgm:prSet presAssocID="{DBD1B7E0-5432-4528-9168-AA0048D30B07}" presName="LevelTwoTextNode" presStyleLbl="node3" presStyleIdx="1" presStyleCnt="4">
+        <dgm:presLayoutVars>
+          <dgm:chPref val="3"/>
+        </dgm:presLayoutVars>
+      </dgm:prSet>
+      <dgm:spPr/>
+    </dgm:pt>
+    <dgm:pt modelId="{9B6D3BCF-0A81-4D6B-8013-FE8726CE3623}" type="pres">
+      <dgm:prSet presAssocID="{DBD1B7E0-5432-4528-9168-AA0048D30B07}" presName="level3hierChild" presStyleCnt="0"/>
+      <dgm:spPr/>
+    </dgm:pt>
+    <dgm:pt modelId="{E82A200A-3A4D-4DDF-851D-E8791A8FD470}" type="pres">
+      <dgm:prSet presAssocID="{A468D70A-5FA6-4003-B36E-22F87F3E501E}" presName="conn2-1" presStyleLbl="parChTrans1D2" presStyleIdx="1" presStyleCnt="2"/>
+      <dgm:spPr/>
+    </dgm:pt>
+    <dgm:pt modelId="{440A976B-62B6-4630-88B1-45003D5E702C}" type="pres">
+      <dgm:prSet presAssocID="{A468D70A-5FA6-4003-B36E-22F87F3E501E}" presName="connTx" presStyleLbl="parChTrans1D2" presStyleIdx="1" presStyleCnt="2"/>
+      <dgm:spPr/>
+    </dgm:pt>
+    <dgm:pt modelId="{5248D61C-28E0-4ED1-83BD-29F9FC898D82}" type="pres">
+      <dgm:prSet presAssocID="{67ABBE54-2D32-4E95-929C-63AB9376DDE2}" presName="root2" presStyleCnt="0"/>
+      <dgm:spPr/>
+    </dgm:pt>
+    <dgm:pt modelId="{7A822BF9-E4E6-4A76-9DC7-1ED2B6624AA1}" type="pres">
+      <dgm:prSet presAssocID="{67ABBE54-2D32-4E95-929C-63AB9376DDE2}" presName="LevelTwoTextNode" presStyleLbl="node2" presStyleIdx="1" presStyleCnt="2">
+        <dgm:presLayoutVars>
+          <dgm:chPref val="3"/>
+        </dgm:presLayoutVars>
+      </dgm:prSet>
+      <dgm:spPr/>
+    </dgm:pt>
+    <dgm:pt modelId="{8720B189-57FB-4589-B080-D479A554A635}" type="pres">
+      <dgm:prSet presAssocID="{67ABBE54-2D32-4E95-929C-63AB9376DDE2}" presName="level3hierChild" presStyleCnt="0"/>
+      <dgm:spPr/>
+    </dgm:pt>
+    <dgm:pt modelId="{6EDD9011-AEAC-49B4-A0B2-48C13E1945EE}" type="pres">
+      <dgm:prSet presAssocID="{1C83406D-1EFF-4ECA-9C85-C1178343344B}" presName="conn2-1" presStyleLbl="parChTrans1D3" presStyleIdx="2" presStyleCnt="4"/>
+      <dgm:spPr/>
+    </dgm:pt>
+    <dgm:pt modelId="{E6847185-60E4-4773-9FE9-41DA8B6468EF}" type="pres">
+      <dgm:prSet presAssocID="{1C83406D-1EFF-4ECA-9C85-C1178343344B}" presName="connTx" presStyleLbl="parChTrans1D3" presStyleIdx="2" presStyleCnt="4"/>
+      <dgm:spPr/>
+    </dgm:pt>
+    <dgm:pt modelId="{933C5768-2523-4FE2-A57C-F20F30025D3D}" type="pres">
+      <dgm:prSet presAssocID="{651630F3-2933-4ED2-A80D-304E3026C848}" presName="root2" presStyleCnt="0"/>
+      <dgm:spPr/>
+    </dgm:pt>
+    <dgm:pt modelId="{2216DCC3-D99D-4230-9EE6-2B93D30A33A5}" type="pres">
+      <dgm:prSet presAssocID="{651630F3-2933-4ED2-A80D-304E3026C848}" presName="LevelTwoTextNode" presStyleLbl="node3" presStyleIdx="2" presStyleCnt="4">
+        <dgm:presLayoutVars>
+          <dgm:chPref val="3"/>
+        </dgm:presLayoutVars>
+      </dgm:prSet>
+      <dgm:spPr/>
+    </dgm:pt>
+    <dgm:pt modelId="{6EBFDE12-FF39-4F55-8BEE-78B7E35CBC41}" type="pres">
+      <dgm:prSet presAssocID="{651630F3-2933-4ED2-A80D-304E3026C848}" presName="level3hierChild" presStyleCnt="0"/>
+      <dgm:spPr/>
+    </dgm:pt>
+    <dgm:pt modelId="{0809080D-0F24-43C4-B8D7-D359D404E399}" type="pres">
+      <dgm:prSet presAssocID="{2250ECDE-543B-45D1-A631-83E6D9328227}" presName="conn2-1" presStyleLbl="parChTrans1D3" presStyleIdx="3" presStyleCnt="4"/>
+      <dgm:spPr/>
+    </dgm:pt>
+    <dgm:pt modelId="{61FBF63F-2DBB-45A4-9211-E4661E206D47}" type="pres">
+      <dgm:prSet presAssocID="{2250ECDE-543B-45D1-A631-83E6D9328227}" presName="connTx" presStyleLbl="parChTrans1D3" presStyleIdx="3" presStyleCnt="4"/>
+      <dgm:spPr/>
+    </dgm:pt>
+    <dgm:pt modelId="{71DD6721-CA92-46A2-A73E-A5EDF1B7D1F3}" type="pres">
+      <dgm:prSet presAssocID="{65E836FD-9A0E-4B79-AB6B-9106B5E891DB}" presName="root2" presStyleCnt="0"/>
+      <dgm:spPr/>
+    </dgm:pt>
+    <dgm:pt modelId="{95448BBA-02D6-4147-8384-49EDF8DD7DE6}" type="pres">
+      <dgm:prSet presAssocID="{65E836FD-9A0E-4B79-AB6B-9106B5E891DB}" presName="LevelTwoTextNode" presStyleLbl="node3" presStyleIdx="3" presStyleCnt="4">
+        <dgm:presLayoutVars>
+          <dgm:chPref val="3"/>
+        </dgm:presLayoutVars>
+      </dgm:prSet>
+      <dgm:spPr/>
+    </dgm:pt>
+    <dgm:pt modelId="{51C16B8D-9208-4F14-A222-A16BC1FEF2EC}" type="pres">
+      <dgm:prSet presAssocID="{65E836FD-9A0E-4B79-AB6B-9106B5E891DB}" presName="level3hierChild" presStyleCnt="0"/>
+      <dgm:spPr/>
+    </dgm:pt>
+  </dgm:ptLst>
+  <dgm:cxnLst>
+    <dgm:cxn modelId="{753B2F08-0A99-47C5-B8C6-BB46B51A0837}" type="presOf" srcId="{1C83406D-1EFF-4ECA-9C85-C1178343344B}" destId="{6EDD9011-AEAC-49B4-A0B2-48C13E1945EE}" srcOrd="0" destOrd="0" presId="urn:microsoft.com/office/officeart/2005/8/layout/hierarchy2"/>
+    <dgm:cxn modelId="{74B85708-B51F-45D2-BBF1-D831008AF60E}" type="presOf" srcId="{AE9533FE-22CE-47DF-9756-4509B9D58652}" destId="{3B342A01-07CB-4197-A2E9-749D0AF17D75}" srcOrd="0" destOrd="0" presId="urn:microsoft.com/office/officeart/2005/8/layout/hierarchy2"/>
+    <dgm:cxn modelId="{ADE91D0F-1C84-44C1-A7C1-B83D9A57602E}" type="presOf" srcId="{DB754B24-E119-492D-94E7-223B2BC29FBF}" destId="{ED42B06B-07F5-466E-87B1-8C105C5106C9}" srcOrd="1" destOrd="0" presId="urn:microsoft.com/office/officeart/2005/8/layout/hierarchy2"/>
+    <dgm:cxn modelId="{F5025C11-DDEA-4EC7-BCE3-20C1A2F7896C}" type="presOf" srcId="{A6920D66-2DCC-4169-8475-484C9BAACE83}" destId="{EA989423-B13C-437B-8CF9-806145F4BB4E}" srcOrd="0" destOrd="0" presId="urn:microsoft.com/office/officeart/2005/8/layout/hierarchy2"/>
+    <dgm:cxn modelId="{F3BF3113-CD2A-43B3-B16C-9C10CEF52390}" type="presOf" srcId="{A468D70A-5FA6-4003-B36E-22F87F3E501E}" destId="{E82A200A-3A4D-4DDF-851D-E8791A8FD470}" srcOrd="0" destOrd="0" presId="urn:microsoft.com/office/officeart/2005/8/layout/hierarchy2"/>
+    <dgm:cxn modelId="{8E431C16-6650-415B-8611-52E8BA7DA4A7}" type="presOf" srcId="{1C83406D-1EFF-4ECA-9C85-C1178343344B}" destId="{E6847185-60E4-4773-9FE9-41DA8B6468EF}" srcOrd="1" destOrd="0" presId="urn:microsoft.com/office/officeart/2005/8/layout/hierarchy2"/>
+    <dgm:cxn modelId="{CCBD7033-D255-4850-BAC7-ECAD942FBA00}" srcId="{8BE06A60-CE81-41E1-925A-F6AFBD63F271}" destId="{67ABBE54-2D32-4E95-929C-63AB9376DDE2}" srcOrd="1" destOrd="0" parTransId="{A468D70A-5FA6-4003-B36E-22F87F3E501E}" sibTransId="{015A5D2C-28D0-4346-B363-CAF8C775AF3A}"/>
+    <dgm:cxn modelId="{E5804B39-8BA8-482E-B8AC-C7FF480459A8}" type="presOf" srcId="{A468D70A-5FA6-4003-B36E-22F87F3E501E}" destId="{440A976B-62B6-4630-88B1-45003D5E702C}" srcOrd="1" destOrd="0" presId="urn:microsoft.com/office/officeart/2005/8/layout/hierarchy2"/>
+    <dgm:cxn modelId="{17B27B3B-67FC-4522-B8AC-183B7676F58F}" type="presOf" srcId="{8BE06A60-CE81-41E1-925A-F6AFBD63F271}" destId="{EAAB3F83-CAC7-462D-BE5A-8D77A85D01F8}" srcOrd="0" destOrd="0" presId="urn:microsoft.com/office/officeart/2005/8/layout/hierarchy2"/>
+    <dgm:cxn modelId="{BA213A3D-73C2-47FA-89C5-D24B5A66C63F}" srcId="{47F64D35-7D1A-4CE8-899A-3D63BB117E02}" destId="{8BE06A60-CE81-41E1-925A-F6AFBD63F271}" srcOrd="0" destOrd="0" parTransId="{79065B10-3B1C-477E-9146-AA2CBC968310}" sibTransId="{78E44D09-5ACF-44CF-91B5-8A269BAF3F31}"/>
+    <dgm:cxn modelId="{54E9DD5B-76B1-483C-B8C3-7AF06D6601F8}" type="presOf" srcId="{3A613535-3E22-4E1A-AEBD-647E48E6F381}" destId="{E0541BB4-21CE-4F09-955F-B70E7B561D5F}" srcOrd="1" destOrd="0" presId="urn:microsoft.com/office/officeart/2005/8/layout/hierarchy2"/>
+    <dgm:cxn modelId="{D90FC066-FCE8-41D8-BF8C-CA9578899326}" srcId="{67ABBE54-2D32-4E95-929C-63AB9376DDE2}" destId="{651630F3-2933-4ED2-A80D-304E3026C848}" srcOrd="0" destOrd="0" parTransId="{1C83406D-1EFF-4ECA-9C85-C1178343344B}" sibTransId="{F3B21878-08E5-4AB0-BCF5-5AF88D41FC28}"/>
+    <dgm:cxn modelId="{D3FD5267-E4AA-4A0A-AEB4-7387466E39C6}" type="presOf" srcId="{DBD1B7E0-5432-4528-9168-AA0048D30B07}" destId="{1EDCD79A-E9ED-46CB-887D-B3733EEF834C}" srcOrd="0" destOrd="0" presId="urn:microsoft.com/office/officeart/2005/8/layout/hierarchy2"/>
+    <dgm:cxn modelId="{0E47E867-50FA-4E43-BBE5-36ACE8BF4900}" type="presOf" srcId="{FB119D64-00FA-48E5-8E6F-1ADB72912CA7}" destId="{0A8AC4B7-2301-4E7E-A0E0-C9508AA0AAD7}" srcOrd="0" destOrd="0" presId="urn:microsoft.com/office/officeart/2005/8/layout/hierarchy2"/>
+    <dgm:cxn modelId="{788FA358-E16E-4D3B-908B-4288003A0765}" type="presOf" srcId="{67ABBE54-2D32-4E95-929C-63AB9376DDE2}" destId="{7A822BF9-E4E6-4A76-9DC7-1ED2B6624AA1}" srcOrd="0" destOrd="0" presId="urn:microsoft.com/office/officeart/2005/8/layout/hierarchy2"/>
+    <dgm:cxn modelId="{1BD4EC58-DBAD-4E0B-A927-EE8758ED7438}" type="presOf" srcId="{65E836FD-9A0E-4B79-AB6B-9106B5E891DB}" destId="{95448BBA-02D6-4147-8384-49EDF8DD7DE6}" srcOrd="0" destOrd="0" presId="urn:microsoft.com/office/officeart/2005/8/layout/hierarchy2"/>
+    <dgm:cxn modelId="{CFB68D59-88C0-4D27-BF76-BAA6FBA71E14}" srcId="{8BE06A60-CE81-41E1-925A-F6AFBD63F271}" destId="{A6920D66-2DCC-4169-8475-484C9BAACE83}" srcOrd="0" destOrd="0" parTransId="{3A613535-3E22-4E1A-AEBD-647E48E6F381}" sibTransId="{34297F43-55A0-47FB-B2F0-1ACE02D706D4}"/>
+    <dgm:cxn modelId="{A7011B8A-BF19-4B05-AFAB-5656D8C807CC}" type="presOf" srcId="{651630F3-2933-4ED2-A80D-304E3026C848}" destId="{2216DCC3-D99D-4230-9EE6-2B93D30A33A5}" srcOrd="0" destOrd="0" presId="urn:microsoft.com/office/officeart/2005/8/layout/hierarchy2"/>
+    <dgm:cxn modelId="{74489998-17F3-4F29-A048-D962E7A3ABF7}" type="presOf" srcId="{3A613535-3E22-4E1A-AEBD-647E48E6F381}" destId="{8836677F-8501-43DB-A11E-EEE7F3CEB3BA}" srcOrd="0" destOrd="0" presId="urn:microsoft.com/office/officeart/2005/8/layout/hierarchy2"/>
+    <dgm:cxn modelId="{47A9C6BD-2611-4C85-B70C-9D081550F781}" type="presOf" srcId="{FB119D64-00FA-48E5-8E6F-1ADB72912CA7}" destId="{8D14AA9A-D89A-4DDC-B877-3B3B09F34864}" srcOrd="1" destOrd="0" presId="urn:microsoft.com/office/officeart/2005/8/layout/hierarchy2"/>
+    <dgm:cxn modelId="{059E45CA-39FF-419E-8327-7724898EFF30}" type="presOf" srcId="{2250ECDE-543B-45D1-A631-83E6D9328227}" destId="{61FBF63F-2DBB-45A4-9211-E4661E206D47}" srcOrd="1" destOrd="0" presId="urn:microsoft.com/office/officeart/2005/8/layout/hierarchy2"/>
+    <dgm:cxn modelId="{6EBC75CF-E66D-4842-AFD9-0F869C160762}" srcId="{A6920D66-2DCC-4169-8475-484C9BAACE83}" destId="{DBD1B7E0-5432-4528-9168-AA0048D30B07}" srcOrd="1" destOrd="0" parTransId="{DB754B24-E119-492D-94E7-223B2BC29FBF}" sibTransId="{784B4605-5503-499F-B445-699F32C2095A}"/>
+    <dgm:cxn modelId="{3A8841D0-6816-4B95-84E1-ABC8F477D216}" type="presOf" srcId="{47F64D35-7D1A-4CE8-899A-3D63BB117E02}" destId="{C0249208-8751-4E39-B42C-CC9289A2D15A}" srcOrd="0" destOrd="0" presId="urn:microsoft.com/office/officeart/2005/8/layout/hierarchy2"/>
+    <dgm:cxn modelId="{733911D7-7AE5-4BD4-AEAF-60CBE4E36566}" type="presOf" srcId="{2250ECDE-543B-45D1-A631-83E6D9328227}" destId="{0809080D-0F24-43C4-B8D7-D359D404E399}" srcOrd="0" destOrd="0" presId="urn:microsoft.com/office/officeart/2005/8/layout/hierarchy2"/>
+    <dgm:cxn modelId="{7703A5D9-2C9C-409E-916C-5758590AA722}" srcId="{67ABBE54-2D32-4E95-929C-63AB9376DDE2}" destId="{65E836FD-9A0E-4B79-AB6B-9106B5E891DB}" srcOrd="1" destOrd="0" parTransId="{2250ECDE-543B-45D1-A631-83E6D9328227}" sibTransId="{09208068-77D2-4275-AFD1-BC3B36624D2D}"/>
+    <dgm:cxn modelId="{833F69DB-81CD-4636-ADF4-D6A433769537}" srcId="{A6920D66-2DCC-4169-8475-484C9BAACE83}" destId="{AE9533FE-22CE-47DF-9756-4509B9D58652}" srcOrd="0" destOrd="0" parTransId="{FB119D64-00FA-48E5-8E6F-1ADB72912CA7}" sibTransId="{90F6475D-4DF6-4F58-BB67-32C3B48E5760}"/>
+    <dgm:cxn modelId="{EBA211F0-D6F6-442F-BA5A-86A1BB9603FA}" type="presOf" srcId="{DB754B24-E119-492D-94E7-223B2BC29FBF}" destId="{FFF2F3C4-97E2-4470-AC5F-40B80692C001}" srcOrd="0" destOrd="0" presId="urn:microsoft.com/office/officeart/2005/8/layout/hierarchy2"/>
+    <dgm:cxn modelId="{A223A994-D771-4DA5-B747-880E140076E6}" type="presParOf" srcId="{C0249208-8751-4E39-B42C-CC9289A2D15A}" destId="{FF8BBA35-B2C0-4D06-AB70-9E2BF00A3BDB}" srcOrd="0" destOrd="0" presId="urn:microsoft.com/office/officeart/2005/8/layout/hierarchy2"/>
+    <dgm:cxn modelId="{D3896157-4B56-400A-8A5E-1D260472DDAF}" type="presParOf" srcId="{FF8BBA35-B2C0-4D06-AB70-9E2BF00A3BDB}" destId="{EAAB3F83-CAC7-462D-BE5A-8D77A85D01F8}" srcOrd="0" destOrd="0" presId="urn:microsoft.com/office/officeart/2005/8/layout/hierarchy2"/>
+    <dgm:cxn modelId="{0F5EC513-CBD3-4CB5-9B76-58670C89E609}" type="presParOf" srcId="{FF8BBA35-B2C0-4D06-AB70-9E2BF00A3BDB}" destId="{034190F8-2A40-4590-8465-6DFAF6214D59}" srcOrd="1" destOrd="0" presId="urn:microsoft.com/office/officeart/2005/8/layout/hierarchy2"/>
+    <dgm:cxn modelId="{40CB3698-C365-4BAA-A25A-7CCE19DBBD35}" type="presParOf" srcId="{034190F8-2A40-4590-8465-6DFAF6214D59}" destId="{8836677F-8501-43DB-A11E-EEE7F3CEB3BA}" srcOrd="0" destOrd="0" presId="urn:microsoft.com/office/officeart/2005/8/layout/hierarchy2"/>
+    <dgm:cxn modelId="{A0B923DA-9105-41BE-98C8-D1ED207856D9}" type="presParOf" srcId="{8836677F-8501-43DB-A11E-EEE7F3CEB3BA}" destId="{E0541BB4-21CE-4F09-955F-B70E7B561D5F}" srcOrd="0" destOrd="0" presId="urn:microsoft.com/office/officeart/2005/8/layout/hierarchy2"/>
+    <dgm:cxn modelId="{37F8C54B-138F-428E-8AA7-3D3E1164C294}" type="presParOf" srcId="{034190F8-2A40-4590-8465-6DFAF6214D59}" destId="{29342F2F-27EA-4833-8E27-8859059A9F0B}" srcOrd="1" destOrd="0" presId="urn:microsoft.com/office/officeart/2005/8/layout/hierarchy2"/>
+    <dgm:cxn modelId="{AE278A34-D422-4DB1-B86C-55CD03D4C882}" type="presParOf" srcId="{29342F2F-27EA-4833-8E27-8859059A9F0B}" destId="{EA989423-B13C-437B-8CF9-806145F4BB4E}" srcOrd="0" destOrd="0" presId="urn:microsoft.com/office/officeart/2005/8/layout/hierarchy2"/>
+    <dgm:cxn modelId="{6F16E3FD-406F-47CC-8AE7-7F7D30F301EF}" type="presParOf" srcId="{29342F2F-27EA-4833-8E27-8859059A9F0B}" destId="{691DC8ED-8114-41E4-89C6-D1C9694F49D4}" srcOrd="1" destOrd="0" presId="urn:microsoft.com/office/officeart/2005/8/layout/hierarchy2"/>
+    <dgm:cxn modelId="{C1A034C1-FA63-45E7-935B-56548F002CF6}" type="presParOf" srcId="{691DC8ED-8114-41E4-89C6-D1C9694F49D4}" destId="{0A8AC4B7-2301-4E7E-A0E0-C9508AA0AAD7}" srcOrd="0" destOrd="0" presId="urn:microsoft.com/office/officeart/2005/8/layout/hierarchy2"/>
+    <dgm:cxn modelId="{7D52BA7B-862B-4346-A46A-CE19199D02E0}" type="presParOf" srcId="{0A8AC4B7-2301-4E7E-A0E0-C9508AA0AAD7}" destId="{8D14AA9A-D89A-4DDC-B877-3B3B09F34864}" srcOrd="0" destOrd="0" presId="urn:microsoft.com/office/officeart/2005/8/layout/hierarchy2"/>
+    <dgm:cxn modelId="{0148A3D9-C376-4AEA-9541-5B6996E96687}" type="presParOf" srcId="{691DC8ED-8114-41E4-89C6-D1C9694F49D4}" destId="{2F2EB584-FB7E-426E-BB61-B09457332656}" srcOrd="1" destOrd="0" presId="urn:microsoft.com/office/officeart/2005/8/layout/hierarchy2"/>
+    <dgm:cxn modelId="{924E513C-A6EC-480C-96C4-938196EBD9E6}" type="presParOf" srcId="{2F2EB584-FB7E-426E-BB61-B09457332656}" destId="{3B342A01-07CB-4197-A2E9-749D0AF17D75}" srcOrd="0" destOrd="0" presId="urn:microsoft.com/office/officeart/2005/8/layout/hierarchy2"/>
+    <dgm:cxn modelId="{0276FEC4-33FD-4687-86CC-CCA5B6A11886}" type="presParOf" srcId="{2F2EB584-FB7E-426E-BB61-B09457332656}" destId="{323667BD-186F-47A2-AA49-F426CF02F80B}" srcOrd="1" destOrd="0" presId="urn:microsoft.com/office/officeart/2005/8/layout/hierarchy2"/>
+    <dgm:cxn modelId="{4EE956C3-4D98-4713-ACA9-F5BCF560436C}" type="presParOf" srcId="{691DC8ED-8114-41E4-89C6-D1C9694F49D4}" destId="{FFF2F3C4-97E2-4470-AC5F-40B80692C001}" srcOrd="2" destOrd="0" presId="urn:microsoft.com/office/officeart/2005/8/layout/hierarchy2"/>
+    <dgm:cxn modelId="{CB790048-6E5A-4D41-AD6E-83FB82BA7180}" type="presParOf" srcId="{FFF2F3C4-97E2-4470-AC5F-40B80692C001}" destId="{ED42B06B-07F5-466E-87B1-8C105C5106C9}" srcOrd="0" destOrd="0" presId="urn:microsoft.com/office/officeart/2005/8/layout/hierarchy2"/>
+    <dgm:cxn modelId="{EA1AB495-F41E-45BC-9910-0739117D2844}" type="presParOf" srcId="{691DC8ED-8114-41E4-89C6-D1C9694F49D4}" destId="{930D2C87-302B-4903-851A-0F42F84A8B24}" srcOrd="3" destOrd="0" presId="urn:microsoft.com/office/officeart/2005/8/layout/hierarchy2"/>
+    <dgm:cxn modelId="{F4A0C144-0340-4ED9-ADC6-000AD2A9E27F}" type="presParOf" srcId="{930D2C87-302B-4903-851A-0F42F84A8B24}" destId="{1EDCD79A-E9ED-46CB-887D-B3733EEF834C}" srcOrd="0" destOrd="0" presId="urn:microsoft.com/office/officeart/2005/8/layout/hierarchy2"/>
+    <dgm:cxn modelId="{EC1990CC-8C4E-456D-A029-A7566CCB4060}" type="presParOf" srcId="{930D2C87-302B-4903-851A-0F42F84A8B24}" destId="{9B6D3BCF-0A81-4D6B-8013-FE8726CE3623}" srcOrd="1" destOrd="0" presId="urn:microsoft.com/office/officeart/2005/8/layout/hierarchy2"/>
+    <dgm:cxn modelId="{E075CDD5-1FF5-47A6-AF53-D4291968E82D}" type="presParOf" srcId="{034190F8-2A40-4590-8465-6DFAF6214D59}" destId="{E82A200A-3A4D-4DDF-851D-E8791A8FD470}" srcOrd="2" destOrd="0" presId="urn:microsoft.com/office/officeart/2005/8/layout/hierarchy2"/>
+    <dgm:cxn modelId="{2BB644D7-41FD-4A98-84CD-C7B00902BF67}" type="presParOf" srcId="{E82A200A-3A4D-4DDF-851D-E8791A8FD470}" destId="{440A976B-62B6-4630-88B1-45003D5E702C}" srcOrd="0" destOrd="0" presId="urn:microsoft.com/office/officeart/2005/8/layout/hierarchy2"/>
+    <dgm:cxn modelId="{AFFB3AFB-6778-4147-BEEB-26D519D91535}" type="presParOf" srcId="{034190F8-2A40-4590-8465-6DFAF6214D59}" destId="{5248D61C-28E0-4ED1-83BD-29F9FC898D82}" srcOrd="3" destOrd="0" presId="urn:microsoft.com/office/officeart/2005/8/layout/hierarchy2"/>
+    <dgm:cxn modelId="{F65D2DED-9BC9-484C-8AB2-E4D853D39084}" type="presParOf" srcId="{5248D61C-28E0-4ED1-83BD-29F9FC898D82}" destId="{7A822BF9-E4E6-4A76-9DC7-1ED2B6624AA1}" srcOrd="0" destOrd="0" presId="urn:microsoft.com/office/officeart/2005/8/layout/hierarchy2"/>
+    <dgm:cxn modelId="{F50EC80A-2AB2-4D9C-938E-8C68D26374D1}" type="presParOf" srcId="{5248D61C-28E0-4ED1-83BD-29F9FC898D82}" destId="{8720B189-57FB-4589-B080-D479A554A635}" srcOrd="1" destOrd="0" presId="urn:microsoft.com/office/officeart/2005/8/layout/hierarchy2"/>
+    <dgm:cxn modelId="{AD672D75-9716-49CB-88E7-53052F6B0030}" type="presParOf" srcId="{8720B189-57FB-4589-B080-D479A554A635}" destId="{6EDD9011-AEAC-49B4-A0B2-48C13E1945EE}" srcOrd="0" destOrd="0" presId="urn:microsoft.com/office/officeart/2005/8/layout/hierarchy2"/>
+    <dgm:cxn modelId="{C89BEF2E-7DE0-45DE-AF14-85596D8E1403}" type="presParOf" srcId="{6EDD9011-AEAC-49B4-A0B2-48C13E1945EE}" destId="{E6847185-60E4-4773-9FE9-41DA8B6468EF}" srcOrd="0" destOrd="0" presId="urn:microsoft.com/office/officeart/2005/8/layout/hierarchy2"/>
+    <dgm:cxn modelId="{F72A3F46-4CBD-4E58-928A-9155CE534223}" type="presParOf" srcId="{8720B189-57FB-4589-B080-D479A554A635}" destId="{933C5768-2523-4FE2-A57C-F20F30025D3D}" srcOrd="1" destOrd="0" presId="urn:microsoft.com/office/officeart/2005/8/layout/hierarchy2"/>
+    <dgm:cxn modelId="{D69B5789-8608-4AF2-81E4-2060FCF73341}" type="presParOf" srcId="{933C5768-2523-4FE2-A57C-F20F30025D3D}" destId="{2216DCC3-D99D-4230-9EE6-2B93D30A33A5}" srcOrd="0" destOrd="0" presId="urn:microsoft.com/office/officeart/2005/8/layout/hierarchy2"/>
+    <dgm:cxn modelId="{1AE8A984-766B-4E5D-8E8D-C9DE624FB3F3}" type="presParOf" srcId="{933C5768-2523-4FE2-A57C-F20F30025D3D}" destId="{6EBFDE12-FF39-4F55-8BEE-78B7E35CBC41}" srcOrd="1" destOrd="0" presId="urn:microsoft.com/office/officeart/2005/8/layout/hierarchy2"/>
+    <dgm:cxn modelId="{35F195CB-5EC3-413D-B540-F18F2885FDA8}" type="presParOf" srcId="{8720B189-57FB-4589-B080-D479A554A635}" destId="{0809080D-0F24-43C4-B8D7-D359D404E399}" srcOrd="2" destOrd="0" presId="urn:microsoft.com/office/officeart/2005/8/layout/hierarchy2"/>
+    <dgm:cxn modelId="{4AB7592F-68B6-4B75-B1D1-92B469F42312}" type="presParOf" srcId="{0809080D-0F24-43C4-B8D7-D359D404E399}" destId="{61FBF63F-2DBB-45A4-9211-E4661E206D47}" srcOrd="0" destOrd="0" presId="urn:microsoft.com/office/officeart/2005/8/layout/hierarchy2"/>
+    <dgm:cxn modelId="{E8612BD5-E45C-4D39-A0D6-9DD66D629A27}" type="presParOf" srcId="{8720B189-57FB-4589-B080-D479A554A635}" destId="{71DD6721-CA92-46A2-A73E-A5EDF1B7D1F3}" srcOrd="3" destOrd="0" presId="urn:microsoft.com/office/officeart/2005/8/layout/hierarchy2"/>
+    <dgm:cxn modelId="{E348789C-79D8-4DBB-BDEE-63C9A5DDD78E}" type="presParOf" srcId="{71DD6721-CA92-46A2-A73E-A5EDF1B7D1F3}" destId="{95448BBA-02D6-4147-8384-49EDF8DD7DE6}" srcOrd="0" destOrd="0" presId="urn:microsoft.com/office/officeart/2005/8/layout/hierarchy2"/>
+    <dgm:cxn modelId="{ADAA2446-D7A3-4F85-AD7B-2AD49514A40F}" type="presParOf" srcId="{71DD6721-CA92-46A2-A73E-A5EDF1B7D1F3}" destId="{51C16B8D-9208-4F14-A222-A16BC1FEF2EC}" srcOrd="1" destOrd="0" presId="urn:microsoft.com/office/officeart/2005/8/layout/hierarchy2"/>
+  </dgm:cxnLst>
+  <dgm:bg>
+    <a:noFill/>
+  </dgm:bg>
+  <dgm:whole/>
+  <dgm:extLst>
+    <a:ext uri="http://schemas.microsoft.com/office/drawing/2008/diagram">
+      <dsp:dataModelExt xmlns:dsp="http://schemas.microsoft.com/office/drawing/2008/diagram" relId="rId6" minVer="http://schemas.openxmlformats.org/drawingml/2006/diagram"/>
+    </a:ext>
+  </dgm:extLst>
+</dgm:dataModel>
+</file>
+
+<file path=ppt/diagrams/data2.xml><?xml version="1.0" encoding="utf-8"?>
 <dgm:dataModel xmlns:dgm="http://schemas.openxmlformats.org/drawingml/2006/diagram" xmlns:a="http://schemas.openxmlformats.org/drawingml/2006/main">
   <dgm:ptLst>
     <dgm:pt modelId="{F82EA28B-E1C5-4B7B-9567-DEE581E618D3}" type="doc">
@@ -1065,6 +2385,1147 @@
 </file>
 
 <file path=ppt/diagrams/drawing1.xml><?xml version="1.0" encoding="utf-8"?>
+<dsp:drawing xmlns:dgm="http://schemas.openxmlformats.org/drawingml/2006/diagram" xmlns:dsp="http://schemas.microsoft.com/office/drawing/2008/diagram" xmlns:a="http://schemas.openxmlformats.org/drawingml/2006/main">
+  <dsp:spTree>
+    <dsp:nvGrpSpPr>
+      <dsp:cNvPr id="0" name=""/>
+      <dsp:cNvGrpSpPr/>
+    </dsp:nvGrpSpPr>
+    <dsp:grpSpPr/>
+    <dsp:sp modelId="{EAAB3F83-CAC7-462D-BE5A-8D77A85D01F8}">
+      <dsp:nvSpPr>
+        <dsp:cNvPr id="0" name=""/>
+        <dsp:cNvSpPr/>
+      </dsp:nvSpPr>
+      <dsp:spPr>
+        <a:xfrm>
+          <a:off x="2780039" y="1144474"/>
+          <a:ext cx="1326091" cy="663045"/>
+        </a:xfrm>
+        <a:prstGeom prst="roundRect">
+          <a:avLst>
+            <a:gd name="adj" fmla="val 10000"/>
+          </a:avLst>
+        </a:prstGeom>
+        <a:solidFill>
+          <a:schemeClr val="accent1">
+            <a:hueOff val="0"/>
+            <a:satOff val="0"/>
+            <a:lumOff val="0"/>
+            <a:alphaOff val="0"/>
+          </a:schemeClr>
+        </a:solidFill>
+        <a:ln w="19050" cap="flat" cmpd="sng" algn="ctr">
+          <a:solidFill>
+            <a:schemeClr val="lt1">
+              <a:hueOff val="0"/>
+              <a:satOff val="0"/>
+              <a:lumOff val="0"/>
+              <a:alphaOff val="0"/>
+            </a:schemeClr>
+          </a:solidFill>
+          <a:prstDash val="solid"/>
+          <a:miter lim="800000"/>
+        </a:ln>
+        <a:effectLst/>
+      </dsp:spPr>
+      <dsp:style>
+        <a:lnRef idx="2">
+          <a:scrgbClr r="0" g="0" b="0"/>
+        </a:lnRef>
+        <a:fillRef idx="1">
+          <a:scrgbClr r="0" g="0" b="0"/>
+        </a:fillRef>
+        <a:effectRef idx="0">
+          <a:scrgbClr r="0" g="0" b="0"/>
+        </a:effectRef>
+        <a:fontRef idx="minor">
+          <a:schemeClr val="lt1"/>
+        </a:fontRef>
+      </dsp:style>
+      <dsp:txBody>
+        <a:bodyPr spcFirstLastPara="0" vert="horz" wrap="square" lIns="8890" tIns="8890" rIns="8890" bIns="8890" numCol="1" spcCol="1270" anchor="ctr" anchorCtr="0">
+          <a:noAutofit/>
+        </a:bodyPr>
+        <a:lstStyle/>
+        <a:p>
+          <a:pPr marL="0" lvl="0" indent="0" algn="ctr" defTabSz="622300">
+            <a:lnSpc>
+              <a:spcPct val="90000"/>
+            </a:lnSpc>
+            <a:spcBef>
+              <a:spcPct val="0"/>
+            </a:spcBef>
+            <a:spcAft>
+              <a:spcPct val="35000"/>
+            </a:spcAft>
+            <a:buNone/>
+          </a:pPr>
+          <a:r>
+            <a:rPr lang="fr-FR" sz="1400" kern="1200" dirty="0" err="1"/>
+            <a:t>event_id</a:t>
+          </a:r>
+          <a:r>
+            <a:rPr lang="fr-FR" sz="1400" kern="1200" dirty="0"/>
+            <a:t> </a:t>
+          </a:r>
+          <a:r>
+            <a:rPr lang="fr-FR" sz="1400" kern="1200" dirty="0" err="1"/>
+            <a:t>exists</a:t>
+          </a:r>
+          <a:endParaRPr lang="fr-FR" sz="1400" kern="1200" dirty="0"/>
+        </a:p>
+      </dsp:txBody>
+      <dsp:txXfrm>
+        <a:off x="2799459" y="1163894"/>
+        <a:ext cx="1287251" cy="624205"/>
+      </dsp:txXfrm>
+    </dsp:sp>
+    <dsp:sp modelId="{8836677F-8501-43DB-A11E-EEE7F3CEB3BA}">
+      <dsp:nvSpPr>
+        <dsp:cNvPr id="0" name=""/>
+        <dsp:cNvSpPr/>
+      </dsp:nvSpPr>
+      <dsp:spPr>
+        <a:xfrm rot="18289469">
+          <a:off x="3906920" y="1074530"/>
+          <a:ext cx="928855" cy="40429"/>
+        </a:xfrm>
+        <a:custGeom>
+          <a:avLst/>
+          <a:gdLst/>
+          <a:ahLst/>
+          <a:cxnLst/>
+          <a:rect l="0" t="0" r="0" b="0"/>
+          <a:pathLst>
+            <a:path>
+              <a:moveTo>
+                <a:pt x="0" y="20214"/>
+              </a:moveTo>
+              <a:lnTo>
+                <a:pt x="928855" y="20214"/>
+              </a:lnTo>
+            </a:path>
+          </a:pathLst>
+        </a:custGeom>
+        <a:noFill/>
+        <a:ln w="19050" cap="flat" cmpd="sng" algn="ctr">
+          <a:solidFill>
+            <a:schemeClr val="accent1">
+              <a:shade val="60000"/>
+              <a:hueOff val="0"/>
+              <a:satOff val="0"/>
+              <a:lumOff val="0"/>
+              <a:alphaOff val="0"/>
+            </a:schemeClr>
+          </a:solidFill>
+          <a:prstDash val="solid"/>
+          <a:miter lim="800000"/>
+        </a:ln>
+        <a:effectLst/>
+      </dsp:spPr>
+      <dsp:style>
+        <a:lnRef idx="2">
+          <a:scrgbClr r="0" g="0" b="0"/>
+        </a:lnRef>
+        <a:fillRef idx="0">
+          <a:scrgbClr r="0" g="0" b="0"/>
+        </a:fillRef>
+        <a:effectRef idx="0">
+          <a:scrgbClr r="0" g="0" b="0"/>
+        </a:effectRef>
+        <a:fontRef idx="minor"/>
+      </dsp:style>
+      <dsp:txBody>
+        <a:bodyPr spcFirstLastPara="0" vert="horz" wrap="square" lIns="12700" tIns="0" rIns="12700" bIns="0" numCol="1" spcCol="1270" anchor="ctr" anchorCtr="0">
+          <a:noAutofit/>
+        </a:bodyPr>
+        <a:lstStyle/>
+        <a:p>
+          <a:pPr marL="0" lvl="0" indent="0" algn="ctr" defTabSz="222250">
+            <a:lnSpc>
+              <a:spcPct val="90000"/>
+            </a:lnSpc>
+            <a:spcBef>
+              <a:spcPct val="0"/>
+            </a:spcBef>
+            <a:spcAft>
+              <a:spcPct val="35000"/>
+            </a:spcAft>
+            <a:buNone/>
+          </a:pPr>
+          <a:endParaRPr lang="fr-FR" sz="500" kern="1200"/>
+        </a:p>
+      </dsp:txBody>
+      <dsp:txXfrm>
+        <a:off x="4348127" y="1071524"/>
+        <a:ext cx="46442" cy="46442"/>
+      </dsp:txXfrm>
+    </dsp:sp>
+    <dsp:sp modelId="{EA989423-B13C-437B-8CF9-806145F4BB4E}">
+      <dsp:nvSpPr>
+        <dsp:cNvPr id="0" name=""/>
+        <dsp:cNvSpPr/>
+      </dsp:nvSpPr>
+      <dsp:spPr>
+        <a:xfrm>
+          <a:off x="4636566" y="381971"/>
+          <a:ext cx="1326091" cy="663045"/>
+        </a:xfrm>
+        <a:prstGeom prst="roundRect">
+          <a:avLst>
+            <a:gd name="adj" fmla="val 10000"/>
+          </a:avLst>
+        </a:prstGeom>
+        <a:solidFill>
+          <a:schemeClr val="accent1">
+            <a:hueOff val="0"/>
+            <a:satOff val="0"/>
+            <a:lumOff val="0"/>
+            <a:alphaOff val="0"/>
+          </a:schemeClr>
+        </a:solidFill>
+        <a:ln w="19050" cap="flat" cmpd="sng" algn="ctr">
+          <a:solidFill>
+            <a:schemeClr val="lt1">
+              <a:hueOff val="0"/>
+              <a:satOff val="0"/>
+              <a:lumOff val="0"/>
+              <a:alphaOff val="0"/>
+            </a:schemeClr>
+          </a:solidFill>
+          <a:prstDash val="solid"/>
+          <a:miter lim="800000"/>
+        </a:ln>
+        <a:effectLst/>
+      </dsp:spPr>
+      <dsp:style>
+        <a:lnRef idx="2">
+          <a:scrgbClr r="0" g="0" b="0"/>
+        </a:lnRef>
+        <a:fillRef idx="1">
+          <a:scrgbClr r="0" g="0" b="0"/>
+        </a:fillRef>
+        <a:effectRef idx="0">
+          <a:scrgbClr r="0" g="0" b="0"/>
+        </a:effectRef>
+        <a:fontRef idx="minor">
+          <a:schemeClr val="lt1"/>
+        </a:fontRef>
+      </dsp:style>
+      <dsp:txBody>
+        <a:bodyPr spcFirstLastPara="0" vert="horz" wrap="square" lIns="8890" tIns="8890" rIns="8890" bIns="8890" numCol="1" spcCol="1270" anchor="ctr" anchorCtr="0">
+          <a:noAutofit/>
+        </a:bodyPr>
+        <a:lstStyle/>
+        <a:p>
+          <a:pPr marL="0" lvl="0" indent="0" algn="ctr" defTabSz="622300">
+            <a:lnSpc>
+              <a:spcPct val="90000"/>
+            </a:lnSpc>
+            <a:spcBef>
+              <a:spcPct val="0"/>
+            </a:spcBef>
+            <a:spcAft>
+              <a:spcPct val="35000"/>
+            </a:spcAft>
+            <a:buNone/>
+          </a:pPr>
+          <a:r>
+            <a:rPr lang="fr-FR" sz="1400" b="1" u="sng" kern="1200" dirty="0"/>
+            <a:t>Update </a:t>
+          </a:r>
+          <a:r>
+            <a:rPr lang="fr-FR" sz="1400" b="1" u="sng" kern="1200" dirty="0" err="1"/>
+            <a:t>event</a:t>
+          </a:r>
+          <a:endParaRPr lang="fr-FR" sz="1400" b="1" u="sng" kern="1200" dirty="0"/>
+        </a:p>
+        <a:p>
+          <a:pPr marL="0" lvl="0" indent="0" algn="ctr" defTabSz="622300">
+            <a:lnSpc>
+              <a:spcPct val="90000"/>
+            </a:lnSpc>
+            <a:spcBef>
+              <a:spcPct val="0"/>
+            </a:spcBef>
+            <a:spcAft>
+              <a:spcPct val="35000"/>
+            </a:spcAft>
+            <a:buNone/>
+          </a:pPr>
+          <a:r>
+            <a:rPr lang="fr-FR" sz="1400" kern="1200" dirty="0"/>
+            <a:t>Location </a:t>
+          </a:r>
+          <a:r>
+            <a:rPr lang="fr-FR" sz="1400" kern="1200" dirty="0" err="1"/>
+            <a:t>exists</a:t>
+          </a:r>
+          <a:endParaRPr lang="fr-FR" sz="1400" kern="1200" dirty="0"/>
+        </a:p>
+      </dsp:txBody>
+      <dsp:txXfrm>
+        <a:off x="4655986" y="401391"/>
+        <a:ext cx="1287251" cy="624205"/>
+      </dsp:txXfrm>
+    </dsp:sp>
+    <dsp:sp modelId="{0A8AC4B7-2301-4E7E-A0E0-C9508AA0AAD7}">
+      <dsp:nvSpPr>
+        <dsp:cNvPr id="0" name=""/>
+        <dsp:cNvSpPr/>
+      </dsp:nvSpPr>
+      <dsp:spPr>
+        <a:xfrm rot="19457599">
+          <a:off x="5901259" y="502654"/>
+          <a:ext cx="653234" cy="40429"/>
+        </a:xfrm>
+        <a:custGeom>
+          <a:avLst/>
+          <a:gdLst/>
+          <a:ahLst/>
+          <a:cxnLst/>
+          <a:rect l="0" t="0" r="0" b="0"/>
+          <a:pathLst>
+            <a:path>
+              <a:moveTo>
+                <a:pt x="0" y="20214"/>
+              </a:moveTo>
+              <a:lnTo>
+                <a:pt x="653234" y="20214"/>
+              </a:lnTo>
+            </a:path>
+          </a:pathLst>
+        </a:custGeom>
+        <a:noFill/>
+        <a:ln w="19050" cap="flat" cmpd="sng" algn="ctr">
+          <a:solidFill>
+            <a:schemeClr val="accent1">
+              <a:shade val="80000"/>
+              <a:hueOff val="0"/>
+              <a:satOff val="0"/>
+              <a:lumOff val="0"/>
+              <a:alphaOff val="0"/>
+            </a:schemeClr>
+          </a:solidFill>
+          <a:prstDash val="solid"/>
+          <a:miter lim="800000"/>
+        </a:ln>
+        <a:effectLst/>
+      </dsp:spPr>
+      <dsp:style>
+        <a:lnRef idx="2">
+          <a:scrgbClr r="0" g="0" b="0"/>
+        </a:lnRef>
+        <a:fillRef idx="0">
+          <a:scrgbClr r="0" g="0" b="0"/>
+        </a:fillRef>
+        <a:effectRef idx="0">
+          <a:scrgbClr r="0" g="0" b="0"/>
+        </a:effectRef>
+        <a:fontRef idx="minor"/>
+      </dsp:style>
+      <dsp:txBody>
+        <a:bodyPr spcFirstLastPara="0" vert="horz" wrap="square" lIns="12700" tIns="0" rIns="12700" bIns="0" numCol="1" spcCol="1270" anchor="ctr" anchorCtr="0">
+          <a:noAutofit/>
+        </a:bodyPr>
+        <a:lstStyle/>
+        <a:p>
+          <a:pPr marL="0" lvl="0" indent="0" algn="ctr" defTabSz="222250">
+            <a:lnSpc>
+              <a:spcPct val="90000"/>
+            </a:lnSpc>
+            <a:spcBef>
+              <a:spcPct val="0"/>
+            </a:spcBef>
+            <a:spcAft>
+              <a:spcPct val="35000"/>
+            </a:spcAft>
+            <a:buNone/>
+          </a:pPr>
+          <a:endParaRPr lang="fr-FR" sz="500" kern="1200"/>
+        </a:p>
+      </dsp:txBody>
+      <dsp:txXfrm>
+        <a:off x="6211545" y="506538"/>
+        <a:ext cx="32661" cy="32661"/>
+      </dsp:txXfrm>
+    </dsp:sp>
+    <dsp:sp modelId="{3B342A01-07CB-4197-A2E9-749D0AF17D75}">
+      <dsp:nvSpPr>
+        <dsp:cNvPr id="0" name=""/>
+        <dsp:cNvSpPr/>
+      </dsp:nvSpPr>
+      <dsp:spPr>
+        <a:xfrm>
+          <a:off x="6493094" y="720"/>
+          <a:ext cx="1326091" cy="663045"/>
+        </a:xfrm>
+        <a:prstGeom prst="roundRect">
+          <a:avLst>
+            <a:gd name="adj" fmla="val 10000"/>
+          </a:avLst>
+        </a:prstGeom>
+        <a:solidFill>
+          <a:schemeClr val="accent1">
+            <a:hueOff val="0"/>
+            <a:satOff val="0"/>
+            <a:lumOff val="0"/>
+            <a:alphaOff val="0"/>
+          </a:schemeClr>
+        </a:solidFill>
+        <a:ln w="19050" cap="flat" cmpd="sng" algn="ctr">
+          <a:solidFill>
+            <a:schemeClr val="lt1">
+              <a:hueOff val="0"/>
+              <a:satOff val="0"/>
+              <a:lumOff val="0"/>
+              <a:alphaOff val="0"/>
+            </a:schemeClr>
+          </a:solidFill>
+          <a:prstDash val="solid"/>
+          <a:miter lim="800000"/>
+        </a:ln>
+        <a:effectLst/>
+      </dsp:spPr>
+      <dsp:style>
+        <a:lnRef idx="2">
+          <a:scrgbClr r="0" g="0" b="0"/>
+        </a:lnRef>
+        <a:fillRef idx="1">
+          <a:scrgbClr r="0" g="0" b="0"/>
+        </a:fillRef>
+        <a:effectRef idx="0">
+          <a:scrgbClr r="0" g="0" b="0"/>
+        </a:effectRef>
+        <a:fontRef idx="minor">
+          <a:schemeClr val="lt1"/>
+        </a:fontRef>
+      </dsp:style>
+      <dsp:txBody>
+        <a:bodyPr spcFirstLastPara="0" vert="horz" wrap="square" lIns="8890" tIns="8890" rIns="8890" bIns="8890" numCol="1" spcCol="1270" anchor="ctr" anchorCtr="0">
+          <a:noAutofit/>
+        </a:bodyPr>
+        <a:lstStyle/>
+        <a:p>
+          <a:pPr marL="0" lvl="0" indent="0" algn="ctr" defTabSz="622300">
+            <a:lnSpc>
+              <a:spcPct val="90000"/>
+            </a:lnSpc>
+            <a:spcBef>
+              <a:spcPct val="0"/>
+            </a:spcBef>
+            <a:spcAft>
+              <a:spcPct val="35000"/>
+            </a:spcAft>
+            <a:buNone/>
+          </a:pPr>
+          <a:r>
+            <a:rPr lang="fr-FR" sz="1400" kern="1200" dirty="0"/>
+            <a:t>set </a:t>
+          </a:r>
+          <a:r>
+            <a:rPr lang="fr-FR" sz="1400" kern="1200" dirty="0" err="1"/>
+            <a:t>id_location</a:t>
+          </a:r>
+          <a:endParaRPr lang="fr-FR" sz="1400" kern="1200" dirty="0"/>
+        </a:p>
+      </dsp:txBody>
+      <dsp:txXfrm>
+        <a:off x="6512514" y="20140"/>
+        <a:ext cx="1287251" cy="624205"/>
+      </dsp:txXfrm>
+    </dsp:sp>
+    <dsp:sp modelId="{FFF2F3C4-97E2-4470-AC5F-40B80692C001}">
+      <dsp:nvSpPr>
+        <dsp:cNvPr id="0" name=""/>
+        <dsp:cNvSpPr/>
+      </dsp:nvSpPr>
+      <dsp:spPr>
+        <a:xfrm rot="2142401">
+          <a:off x="5901259" y="883905"/>
+          <a:ext cx="653234" cy="40429"/>
+        </a:xfrm>
+        <a:custGeom>
+          <a:avLst/>
+          <a:gdLst/>
+          <a:ahLst/>
+          <a:cxnLst/>
+          <a:rect l="0" t="0" r="0" b="0"/>
+          <a:pathLst>
+            <a:path>
+              <a:moveTo>
+                <a:pt x="0" y="20214"/>
+              </a:moveTo>
+              <a:lnTo>
+                <a:pt x="653234" y="20214"/>
+              </a:lnTo>
+            </a:path>
+          </a:pathLst>
+        </a:custGeom>
+        <a:noFill/>
+        <a:ln w="19050" cap="flat" cmpd="sng" algn="ctr">
+          <a:solidFill>
+            <a:schemeClr val="accent1">
+              <a:shade val="80000"/>
+              <a:hueOff val="0"/>
+              <a:satOff val="0"/>
+              <a:lumOff val="0"/>
+              <a:alphaOff val="0"/>
+            </a:schemeClr>
+          </a:solidFill>
+          <a:prstDash val="solid"/>
+          <a:miter lim="800000"/>
+        </a:ln>
+        <a:effectLst/>
+      </dsp:spPr>
+      <dsp:style>
+        <a:lnRef idx="2">
+          <a:scrgbClr r="0" g="0" b="0"/>
+        </a:lnRef>
+        <a:fillRef idx="0">
+          <a:scrgbClr r="0" g="0" b="0"/>
+        </a:fillRef>
+        <a:effectRef idx="0">
+          <a:scrgbClr r="0" g="0" b="0"/>
+        </a:effectRef>
+        <a:fontRef idx="minor"/>
+      </dsp:style>
+      <dsp:txBody>
+        <a:bodyPr spcFirstLastPara="0" vert="horz" wrap="square" lIns="12700" tIns="0" rIns="12700" bIns="0" numCol="1" spcCol="1270" anchor="ctr" anchorCtr="0">
+          <a:noAutofit/>
+        </a:bodyPr>
+        <a:lstStyle/>
+        <a:p>
+          <a:pPr marL="0" lvl="0" indent="0" algn="ctr" defTabSz="222250">
+            <a:lnSpc>
+              <a:spcPct val="90000"/>
+            </a:lnSpc>
+            <a:spcBef>
+              <a:spcPct val="0"/>
+            </a:spcBef>
+            <a:spcAft>
+              <a:spcPct val="35000"/>
+            </a:spcAft>
+            <a:buNone/>
+          </a:pPr>
+          <a:endParaRPr lang="fr-FR" sz="500" kern="1200"/>
+        </a:p>
+      </dsp:txBody>
+      <dsp:txXfrm>
+        <a:off x="6211545" y="887789"/>
+        <a:ext cx="32661" cy="32661"/>
+      </dsp:txXfrm>
+    </dsp:sp>
+    <dsp:sp modelId="{1EDCD79A-E9ED-46CB-887D-B3733EEF834C}">
+      <dsp:nvSpPr>
+        <dsp:cNvPr id="0" name=""/>
+        <dsp:cNvSpPr/>
+      </dsp:nvSpPr>
+      <dsp:spPr>
+        <a:xfrm>
+          <a:off x="6493094" y="763223"/>
+          <a:ext cx="1326091" cy="663045"/>
+        </a:xfrm>
+        <a:prstGeom prst="roundRect">
+          <a:avLst>
+            <a:gd name="adj" fmla="val 10000"/>
+          </a:avLst>
+        </a:prstGeom>
+        <a:solidFill>
+          <a:schemeClr val="accent1">
+            <a:hueOff val="0"/>
+            <a:satOff val="0"/>
+            <a:lumOff val="0"/>
+            <a:alphaOff val="0"/>
+          </a:schemeClr>
+        </a:solidFill>
+        <a:ln w="19050" cap="flat" cmpd="sng" algn="ctr">
+          <a:solidFill>
+            <a:schemeClr val="lt1">
+              <a:hueOff val="0"/>
+              <a:satOff val="0"/>
+              <a:lumOff val="0"/>
+              <a:alphaOff val="0"/>
+            </a:schemeClr>
+          </a:solidFill>
+          <a:prstDash val="solid"/>
+          <a:miter lim="800000"/>
+        </a:ln>
+        <a:effectLst/>
+      </dsp:spPr>
+      <dsp:style>
+        <a:lnRef idx="2">
+          <a:scrgbClr r="0" g="0" b="0"/>
+        </a:lnRef>
+        <a:fillRef idx="1">
+          <a:scrgbClr r="0" g="0" b="0"/>
+        </a:fillRef>
+        <a:effectRef idx="0">
+          <a:scrgbClr r="0" g="0" b="0"/>
+        </a:effectRef>
+        <a:fontRef idx="minor">
+          <a:schemeClr val="lt1"/>
+        </a:fontRef>
+      </dsp:style>
+      <dsp:txBody>
+        <a:bodyPr spcFirstLastPara="0" vert="horz" wrap="square" lIns="8890" tIns="8890" rIns="8890" bIns="8890" numCol="1" spcCol="1270" anchor="ctr" anchorCtr="0">
+          <a:noAutofit/>
+        </a:bodyPr>
+        <a:lstStyle/>
+        <a:p>
+          <a:pPr marL="0" lvl="0" indent="0" algn="ctr" defTabSz="622300">
+            <a:lnSpc>
+              <a:spcPct val="90000"/>
+            </a:lnSpc>
+            <a:spcBef>
+              <a:spcPct val="0"/>
+            </a:spcBef>
+            <a:spcAft>
+              <a:spcPct val="35000"/>
+            </a:spcAft>
+            <a:buNone/>
+          </a:pPr>
+          <a:r>
+            <a:rPr lang="fr-FR" sz="1400" kern="1200" dirty="0" err="1"/>
+            <a:t>Create</a:t>
+          </a:r>
+          <a:r>
+            <a:rPr lang="fr-FR" sz="1400" kern="1200" dirty="0"/>
+            <a:t> &amp; set id location </a:t>
+          </a:r>
+        </a:p>
+      </dsp:txBody>
+      <dsp:txXfrm>
+        <a:off x="6512514" y="782643"/>
+        <a:ext cx="1287251" cy="624205"/>
+      </dsp:txXfrm>
+    </dsp:sp>
+    <dsp:sp modelId="{E82A200A-3A4D-4DDF-851D-E8791A8FD470}">
+      <dsp:nvSpPr>
+        <dsp:cNvPr id="0" name=""/>
+        <dsp:cNvSpPr/>
+      </dsp:nvSpPr>
+      <dsp:spPr>
+        <a:xfrm rot="3310531">
+          <a:off x="3906920" y="1837033"/>
+          <a:ext cx="928855" cy="40429"/>
+        </a:xfrm>
+        <a:custGeom>
+          <a:avLst/>
+          <a:gdLst/>
+          <a:ahLst/>
+          <a:cxnLst/>
+          <a:rect l="0" t="0" r="0" b="0"/>
+          <a:pathLst>
+            <a:path>
+              <a:moveTo>
+                <a:pt x="0" y="20214"/>
+              </a:moveTo>
+              <a:lnTo>
+                <a:pt x="928855" y="20214"/>
+              </a:lnTo>
+            </a:path>
+          </a:pathLst>
+        </a:custGeom>
+        <a:noFill/>
+        <a:ln w="19050" cap="flat" cmpd="sng" algn="ctr">
+          <a:solidFill>
+            <a:schemeClr val="accent1">
+              <a:shade val="60000"/>
+              <a:hueOff val="0"/>
+              <a:satOff val="0"/>
+              <a:lumOff val="0"/>
+              <a:alphaOff val="0"/>
+            </a:schemeClr>
+          </a:solidFill>
+          <a:prstDash val="solid"/>
+          <a:miter lim="800000"/>
+        </a:ln>
+        <a:effectLst/>
+      </dsp:spPr>
+      <dsp:style>
+        <a:lnRef idx="2">
+          <a:scrgbClr r="0" g="0" b="0"/>
+        </a:lnRef>
+        <a:fillRef idx="0">
+          <a:scrgbClr r="0" g="0" b="0"/>
+        </a:fillRef>
+        <a:effectRef idx="0">
+          <a:scrgbClr r="0" g="0" b="0"/>
+        </a:effectRef>
+        <a:fontRef idx="minor"/>
+      </dsp:style>
+      <dsp:txBody>
+        <a:bodyPr spcFirstLastPara="0" vert="horz" wrap="square" lIns="12700" tIns="0" rIns="12700" bIns="0" numCol="1" spcCol="1270" anchor="ctr" anchorCtr="0">
+          <a:noAutofit/>
+        </a:bodyPr>
+        <a:lstStyle/>
+        <a:p>
+          <a:pPr marL="0" lvl="0" indent="0" algn="ctr" defTabSz="222250">
+            <a:lnSpc>
+              <a:spcPct val="90000"/>
+            </a:lnSpc>
+            <a:spcBef>
+              <a:spcPct val="0"/>
+            </a:spcBef>
+            <a:spcAft>
+              <a:spcPct val="35000"/>
+            </a:spcAft>
+            <a:buNone/>
+          </a:pPr>
+          <a:endParaRPr lang="fr-FR" sz="500" kern="1200"/>
+        </a:p>
+      </dsp:txBody>
+      <dsp:txXfrm>
+        <a:off x="4348127" y="1834026"/>
+        <a:ext cx="46442" cy="46442"/>
+      </dsp:txXfrm>
+    </dsp:sp>
+    <dsp:sp modelId="{7A822BF9-E4E6-4A76-9DC7-1ED2B6624AA1}">
+      <dsp:nvSpPr>
+        <dsp:cNvPr id="0" name=""/>
+        <dsp:cNvSpPr/>
+      </dsp:nvSpPr>
+      <dsp:spPr>
+        <a:xfrm>
+          <a:off x="4636566" y="1906976"/>
+          <a:ext cx="1326091" cy="663045"/>
+        </a:xfrm>
+        <a:prstGeom prst="roundRect">
+          <a:avLst>
+            <a:gd name="adj" fmla="val 10000"/>
+          </a:avLst>
+        </a:prstGeom>
+        <a:solidFill>
+          <a:schemeClr val="accent1">
+            <a:hueOff val="0"/>
+            <a:satOff val="0"/>
+            <a:lumOff val="0"/>
+            <a:alphaOff val="0"/>
+          </a:schemeClr>
+        </a:solidFill>
+        <a:ln w="19050" cap="flat" cmpd="sng" algn="ctr">
+          <a:solidFill>
+            <a:schemeClr val="lt1">
+              <a:hueOff val="0"/>
+              <a:satOff val="0"/>
+              <a:lumOff val="0"/>
+              <a:alphaOff val="0"/>
+            </a:schemeClr>
+          </a:solidFill>
+          <a:prstDash val="solid"/>
+          <a:miter lim="800000"/>
+        </a:ln>
+        <a:effectLst/>
+      </dsp:spPr>
+      <dsp:style>
+        <a:lnRef idx="2">
+          <a:scrgbClr r="0" g="0" b="0"/>
+        </a:lnRef>
+        <a:fillRef idx="1">
+          <a:scrgbClr r="0" g="0" b="0"/>
+        </a:fillRef>
+        <a:effectRef idx="0">
+          <a:scrgbClr r="0" g="0" b="0"/>
+        </a:effectRef>
+        <a:fontRef idx="minor">
+          <a:schemeClr val="lt1"/>
+        </a:fontRef>
+      </dsp:style>
+      <dsp:txBody>
+        <a:bodyPr spcFirstLastPara="0" vert="horz" wrap="square" lIns="8890" tIns="8890" rIns="8890" bIns="8890" numCol="1" spcCol="1270" anchor="ctr" anchorCtr="0">
+          <a:noAutofit/>
+        </a:bodyPr>
+        <a:lstStyle/>
+        <a:p>
+          <a:pPr marL="0" lvl="0" indent="0" algn="ctr" defTabSz="622300">
+            <a:lnSpc>
+              <a:spcPct val="90000"/>
+            </a:lnSpc>
+            <a:spcBef>
+              <a:spcPct val="0"/>
+            </a:spcBef>
+            <a:spcAft>
+              <a:spcPct val="35000"/>
+            </a:spcAft>
+            <a:buNone/>
+          </a:pPr>
+          <a:r>
+            <a:rPr lang="fr-FR" sz="1400" b="1" u="sng" kern="1200" dirty="0"/>
+            <a:t>Insert </a:t>
+          </a:r>
+          <a:r>
+            <a:rPr lang="fr-FR" sz="1400" b="1" u="sng" kern="1200" dirty="0" err="1"/>
+            <a:t>event</a:t>
+          </a:r>
+          <a:endParaRPr lang="fr-FR" sz="1400" b="1" u="sng" kern="1200" dirty="0"/>
+        </a:p>
+        <a:p>
+          <a:pPr marL="0" lvl="0" indent="0" algn="ctr" defTabSz="622300">
+            <a:lnSpc>
+              <a:spcPct val="90000"/>
+            </a:lnSpc>
+            <a:spcBef>
+              <a:spcPct val="0"/>
+            </a:spcBef>
+            <a:spcAft>
+              <a:spcPct val="35000"/>
+            </a:spcAft>
+            <a:buNone/>
+          </a:pPr>
+          <a:r>
+            <a:rPr lang="fr-FR" sz="1400" b="0" u="none" kern="1200" dirty="0"/>
+            <a:t>Locations </a:t>
+          </a:r>
+          <a:r>
+            <a:rPr lang="fr-FR" sz="1400" b="0" u="none" kern="1200" dirty="0" err="1"/>
+            <a:t>exists</a:t>
+          </a:r>
+          <a:endParaRPr lang="fr-FR" sz="1400" b="0" u="none" kern="1200" dirty="0"/>
+        </a:p>
+      </dsp:txBody>
+      <dsp:txXfrm>
+        <a:off x="4655986" y="1926396"/>
+        <a:ext cx="1287251" cy="624205"/>
+      </dsp:txXfrm>
+    </dsp:sp>
+    <dsp:sp modelId="{6EDD9011-AEAC-49B4-A0B2-48C13E1945EE}">
+      <dsp:nvSpPr>
+        <dsp:cNvPr id="0" name=""/>
+        <dsp:cNvSpPr/>
+      </dsp:nvSpPr>
+      <dsp:spPr>
+        <a:xfrm rot="19457599">
+          <a:off x="5901259" y="2027658"/>
+          <a:ext cx="653234" cy="40429"/>
+        </a:xfrm>
+        <a:custGeom>
+          <a:avLst/>
+          <a:gdLst/>
+          <a:ahLst/>
+          <a:cxnLst/>
+          <a:rect l="0" t="0" r="0" b="0"/>
+          <a:pathLst>
+            <a:path>
+              <a:moveTo>
+                <a:pt x="0" y="20214"/>
+              </a:moveTo>
+              <a:lnTo>
+                <a:pt x="653234" y="20214"/>
+              </a:lnTo>
+            </a:path>
+          </a:pathLst>
+        </a:custGeom>
+        <a:noFill/>
+        <a:ln w="19050" cap="flat" cmpd="sng" algn="ctr">
+          <a:solidFill>
+            <a:schemeClr val="accent1">
+              <a:shade val="80000"/>
+              <a:hueOff val="0"/>
+              <a:satOff val="0"/>
+              <a:lumOff val="0"/>
+              <a:alphaOff val="0"/>
+            </a:schemeClr>
+          </a:solidFill>
+          <a:prstDash val="solid"/>
+          <a:miter lim="800000"/>
+        </a:ln>
+        <a:effectLst/>
+      </dsp:spPr>
+      <dsp:style>
+        <a:lnRef idx="2">
+          <a:scrgbClr r="0" g="0" b="0"/>
+        </a:lnRef>
+        <a:fillRef idx="0">
+          <a:scrgbClr r="0" g="0" b="0"/>
+        </a:fillRef>
+        <a:effectRef idx="0">
+          <a:scrgbClr r="0" g="0" b="0"/>
+        </a:effectRef>
+        <a:fontRef idx="minor"/>
+      </dsp:style>
+      <dsp:txBody>
+        <a:bodyPr spcFirstLastPara="0" vert="horz" wrap="square" lIns="12700" tIns="0" rIns="12700" bIns="0" numCol="1" spcCol="1270" anchor="ctr" anchorCtr="0">
+          <a:noAutofit/>
+        </a:bodyPr>
+        <a:lstStyle/>
+        <a:p>
+          <a:pPr marL="0" lvl="0" indent="0" algn="ctr" defTabSz="222250">
+            <a:lnSpc>
+              <a:spcPct val="90000"/>
+            </a:lnSpc>
+            <a:spcBef>
+              <a:spcPct val="0"/>
+            </a:spcBef>
+            <a:spcAft>
+              <a:spcPct val="35000"/>
+            </a:spcAft>
+            <a:buNone/>
+          </a:pPr>
+          <a:endParaRPr lang="fr-FR" sz="500" kern="1200"/>
+        </a:p>
+      </dsp:txBody>
+      <dsp:txXfrm>
+        <a:off x="6211545" y="2031542"/>
+        <a:ext cx="32661" cy="32661"/>
+      </dsp:txXfrm>
+    </dsp:sp>
+    <dsp:sp modelId="{2216DCC3-D99D-4230-9EE6-2B93D30A33A5}">
+      <dsp:nvSpPr>
+        <dsp:cNvPr id="0" name=""/>
+        <dsp:cNvSpPr/>
+      </dsp:nvSpPr>
+      <dsp:spPr>
+        <a:xfrm>
+          <a:off x="6493094" y="1525725"/>
+          <a:ext cx="1326091" cy="663045"/>
+        </a:xfrm>
+        <a:prstGeom prst="roundRect">
+          <a:avLst>
+            <a:gd name="adj" fmla="val 10000"/>
+          </a:avLst>
+        </a:prstGeom>
+        <a:solidFill>
+          <a:schemeClr val="accent1">
+            <a:hueOff val="0"/>
+            <a:satOff val="0"/>
+            <a:lumOff val="0"/>
+            <a:alphaOff val="0"/>
+          </a:schemeClr>
+        </a:solidFill>
+        <a:ln w="19050" cap="flat" cmpd="sng" algn="ctr">
+          <a:solidFill>
+            <a:schemeClr val="lt1">
+              <a:hueOff val="0"/>
+              <a:satOff val="0"/>
+              <a:lumOff val="0"/>
+              <a:alphaOff val="0"/>
+            </a:schemeClr>
+          </a:solidFill>
+          <a:prstDash val="solid"/>
+          <a:miter lim="800000"/>
+        </a:ln>
+        <a:effectLst/>
+      </dsp:spPr>
+      <dsp:style>
+        <a:lnRef idx="2">
+          <a:scrgbClr r="0" g="0" b="0"/>
+        </a:lnRef>
+        <a:fillRef idx="1">
+          <a:scrgbClr r="0" g="0" b="0"/>
+        </a:fillRef>
+        <a:effectRef idx="0">
+          <a:scrgbClr r="0" g="0" b="0"/>
+        </a:effectRef>
+        <a:fontRef idx="minor">
+          <a:schemeClr val="lt1"/>
+        </a:fontRef>
+      </dsp:style>
+      <dsp:txBody>
+        <a:bodyPr spcFirstLastPara="0" vert="horz" wrap="square" lIns="8890" tIns="8890" rIns="8890" bIns="8890" numCol="1" spcCol="1270" anchor="ctr" anchorCtr="0">
+          <a:noAutofit/>
+        </a:bodyPr>
+        <a:lstStyle/>
+        <a:p>
+          <a:pPr marL="0" lvl="0" indent="0" algn="ctr" defTabSz="622300">
+            <a:lnSpc>
+              <a:spcPct val="90000"/>
+            </a:lnSpc>
+            <a:spcBef>
+              <a:spcPct val="0"/>
+            </a:spcBef>
+            <a:spcAft>
+              <a:spcPct val="35000"/>
+            </a:spcAft>
+            <a:buNone/>
+          </a:pPr>
+          <a:r>
+            <a:rPr lang="fr-FR" sz="1400" kern="1200" dirty="0"/>
+            <a:t>set </a:t>
+          </a:r>
+          <a:r>
+            <a:rPr lang="fr-FR" sz="1400" kern="1200" dirty="0" err="1"/>
+            <a:t>id_location</a:t>
+          </a:r>
+          <a:endParaRPr lang="fr-FR" sz="1400" kern="1200" dirty="0"/>
+        </a:p>
+      </dsp:txBody>
+      <dsp:txXfrm>
+        <a:off x="6512514" y="1545145"/>
+        <a:ext cx="1287251" cy="624205"/>
+      </dsp:txXfrm>
+    </dsp:sp>
+    <dsp:sp modelId="{0809080D-0F24-43C4-B8D7-D359D404E399}">
+      <dsp:nvSpPr>
+        <dsp:cNvPr id="0" name=""/>
+        <dsp:cNvSpPr/>
+      </dsp:nvSpPr>
+      <dsp:spPr>
+        <a:xfrm rot="2142401">
+          <a:off x="5901259" y="2408910"/>
+          <a:ext cx="653234" cy="40429"/>
+        </a:xfrm>
+        <a:custGeom>
+          <a:avLst/>
+          <a:gdLst/>
+          <a:ahLst/>
+          <a:cxnLst/>
+          <a:rect l="0" t="0" r="0" b="0"/>
+          <a:pathLst>
+            <a:path>
+              <a:moveTo>
+                <a:pt x="0" y="20214"/>
+              </a:moveTo>
+              <a:lnTo>
+                <a:pt x="653234" y="20214"/>
+              </a:lnTo>
+            </a:path>
+          </a:pathLst>
+        </a:custGeom>
+        <a:noFill/>
+        <a:ln w="19050" cap="flat" cmpd="sng" algn="ctr">
+          <a:solidFill>
+            <a:schemeClr val="accent1">
+              <a:shade val="80000"/>
+              <a:hueOff val="0"/>
+              <a:satOff val="0"/>
+              <a:lumOff val="0"/>
+              <a:alphaOff val="0"/>
+            </a:schemeClr>
+          </a:solidFill>
+          <a:prstDash val="solid"/>
+          <a:miter lim="800000"/>
+        </a:ln>
+        <a:effectLst/>
+      </dsp:spPr>
+      <dsp:style>
+        <a:lnRef idx="2">
+          <a:scrgbClr r="0" g="0" b="0"/>
+        </a:lnRef>
+        <a:fillRef idx="0">
+          <a:scrgbClr r="0" g="0" b="0"/>
+        </a:fillRef>
+        <a:effectRef idx="0">
+          <a:scrgbClr r="0" g="0" b="0"/>
+        </a:effectRef>
+        <a:fontRef idx="minor"/>
+      </dsp:style>
+      <dsp:txBody>
+        <a:bodyPr spcFirstLastPara="0" vert="horz" wrap="square" lIns="12700" tIns="0" rIns="12700" bIns="0" numCol="1" spcCol="1270" anchor="ctr" anchorCtr="0">
+          <a:noAutofit/>
+        </a:bodyPr>
+        <a:lstStyle/>
+        <a:p>
+          <a:pPr marL="0" lvl="0" indent="0" algn="ctr" defTabSz="222250">
+            <a:lnSpc>
+              <a:spcPct val="90000"/>
+            </a:lnSpc>
+            <a:spcBef>
+              <a:spcPct val="0"/>
+            </a:spcBef>
+            <a:spcAft>
+              <a:spcPct val="35000"/>
+            </a:spcAft>
+            <a:buNone/>
+          </a:pPr>
+          <a:endParaRPr lang="fr-FR" sz="500" kern="1200"/>
+        </a:p>
+      </dsp:txBody>
+      <dsp:txXfrm>
+        <a:off x="6211545" y="2412794"/>
+        <a:ext cx="32661" cy="32661"/>
+      </dsp:txXfrm>
+    </dsp:sp>
+    <dsp:sp modelId="{95448BBA-02D6-4147-8384-49EDF8DD7DE6}">
+      <dsp:nvSpPr>
+        <dsp:cNvPr id="0" name=""/>
+        <dsp:cNvSpPr/>
+      </dsp:nvSpPr>
+      <dsp:spPr>
+        <a:xfrm>
+          <a:off x="6493094" y="2288227"/>
+          <a:ext cx="1326091" cy="663045"/>
+        </a:xfrm>
+        <a:prstGeom prst="roundRect">
+          <a:avLst>
+            <a:gd name="adj" fmla="val 10000"/>
+          </a:avLst>
+        </a:prstGeom>
+        <a:solidFill>
+          <a:schemeClr val="accent1">
+            <a:hueOff val="0"/>
+            <a:satOff val="0"/>
+            <a:lumOff val="0"/>
+            <a:alphaOff val="0"/>
+          </a:schemeClr>
+        </a:solidFill>
+        <a:ln w="19050" cap="flat" cmpd="sng" algn="ctr">
+          <a:solidFill>
+            <a:schemeClr val="lt1">
+              <a:hueOff val="0"/>
+              <a:satOff val="0"/>
+              <a:lumOff val="0"/>
+              <a:alphaOff val="0"/>
+            </a:schemeClr>
+          </a:solidFill>
+          <a:prstDash val="solid"/>
+          <a:miter lim="800000"/>
+        </a:ln>
+        <a:effectLst/>
+      </dsp:spPr>
+      <dsp:style>
+        <a:lnRef idx="2">
+          <a:scrgbClr r="0" g="0" b="0"/>
+        </a:lnRef>
+        <a:fillRef idx="1">
+          <a:scrgbClr r="0" g="0" b="0"/>
+        </a:fillRef>
+        <a:effectRef idx="0">
+          <a:scrgbClr r="0" g="0" b="0"/>
+        </a:effectRef>
+        <a:fontRef idx="minor">
+          <a:schemeClr val="lt1"/>
+        </a:fontRef>
+      </dsp:style>
+      <dsp:txBody>
+        <a:bodyPr spcFirstLastPara="0" vert="horz" wrap="square" lIns="8890" tIns="8890" rIns="8890" bIns="8890" numCol="1" spcCol="1270" anchor="ctr" anchorCtr="0">
+          <a:noAutofit/>
+        </a:bodyPr>
+        <a:lstStyle/>
+        <a:p>
+          <a:pPr marL="0" lvl="0" indent="0" algn="ctr" defTabSz="622300">
+            <a:lnSpc>
+              <a:spcPct val="90000"/>
+            </a:lnSpc>
+            <a:spcBef>
+              <a:spcPct val="0"/>
+            </a:spcBef>
+            <a:spcAft>
+              <a:spcPct val="35000"/>
+            </a:spcAft>
+            <a:buNone/>
+          </a:pPr>
+          <a:r>
+            <a:rPr lang="fr-FR" sz="1400" kern="1200" dirty="0" err="1"/>
+            <a:t>Create</a:t>
+          </a:r>
+          <a:r>
+            <a:rPr lang="fr-FR" sz="1400" kern="1200" dirty="0"/>
+            <a:t> &amp; set id location </a:t>
+          </a:r>
+        </a:p>
+      </dsp:txBody>
+      <dsp:txXfrm>
+        <a:off x="6512514" y="2307647"/>
+        <a:ext cx="1287251" cy="624205"/>
+      </dsp:txXfrm>
+    </dsp:sp>
+  </dsp:spTree>
+</dsp:drawing>
+</file>
+
+<file path=ppt/diagrams/drawing2.xml><?xml version="1.0" encoding="utf-8"?>
 <dsp:drawing xmlns:dgm="http://schemas.openxmlformats.org/drawingml/2006/diagram" xmlns:dsp="http://schemas.microsoft.com/office/drawing/2008/diagram" xmlns:a="http://schemas.openxmlformats.org/drawingml/2006/main">
   <dsp:spTree>
     <dsp:nvGrpSpPr>
@@ -1451,6 +3912,326 @@
 </file>
 
 <file path=ppt/diagrams/layout1.xml><?xml version="1.0" encoding="utf-8"?>
+<dgm:layoutDef xmlns:dgm="http://schemas.openxmlformats.org/drawingml/2006/diagram" xmlns:a="http://schemas.openxmlformats.org/drawingml/2006/main" uniqueId="urn:microsoft.com/office/officeart/2005/8/layout/hierarchy2">
+  <dgm:title val=""/>
+  <dgm:desc val=""/>
+  <dgm:catLst>
+    <dgm:cat type="hierarchy" pri="5000"/>
+  </dgm:catLst>
+  <dgm:sampData>
+    <dgm:dataModel>
+      <dgm:ptLst>
+        <dgm:pt modelId="0" type="doc"/>
+        <dgm:pt modelId="1">
+          <dgm:prSet phldr="1"/>
+        </dgm:pt>
+        <dgm:pt modelId="2">
+          <dgm:prSet phldr="1"/>
+        </dgm:pt>
+        <dgm:pt modelId="21">
+          <dgm:prSet phldr="1"/>
+        </dgm:pt>
+        <dgm:pt modelId="22">
+          <dgm:prSet phldr="1"/>
+        </dgm:pt>
+        <dgm:pt modelId="3">
+          <dgm:prSet phldr="1"/>
+        </dgm:pt>
+        <dgm:pt modelId="31">
+          <dgm:prSet phldr="1"/>
+        </dgm:pt>
+      </dgm:ptLst>
+      <dgm:cxnLst>
+        <dgm:cxn modelId="4" srcId="0" destId="1" srcOrd="0" destOrd="0"/>
+        <dgm:cxn modelId="5" srcId="1" destId="2" srcOrd="0" destOrd="0"/>
+        <dgm:cxn modelId="6" srcId="1" destId="3" srcOrd="1" destOrd="0"/>
+        <dgm:cxn modelId="23" srcId="2" destId="21" srcOrd="0" destOrd="0"/>
+        <dgm:cxn modelId="24" srcId="2" destId="22" srcOrd="1" destOrd="0"/>
+        <dgm:cxn modelId="33" srcId="3" destId="31" srcOrd="0" destOrd="0"/>
+      </dgm:cxnLst>
+      <dgm:bg/>
+      <dgm:whole/>
+    </dgm:dataModel>
+  </dgm:sampData>
+  <dgm:styleData>
+    <dgm:dataModel>
+      <dgm:ptLst>
+        <dgm:pt modelId="0" type="doc"/>
+        <dgm:pt modelId="1"/>
+        <dgm:pt modelId="11"/>
+        <dgm:pt modelId="12"/>
+      </dgm:ptLst>
+      <dgm:cxnLst>
+        <dgm:cxn modelId="2" srcId="0" destId="1" srcOrd="0" destOrd="0"/>
+        <dgm:cxn modelId="13" srcId="1" destId="11" srcOrd="0" destOrd="0"/>
+        <dgm:cxn modelId="14" srcId="1" destId="12" srcOrd="1" destOrd="0"/>
+      </dgm:cxnLst>
+      <dgm:bg/>
+      <dgm:whole/>
+    </dgm:dataModel>
+  </dgm:styleData>
+  <dgm:clrData>
+    <dgm:dataModel>
+      <dgm:ptLst>
+        <dgm:pt modelId="0" type="doc"/>
+        <dgm:pt modelId="1"/>
+        <dgm:pt modelId="2"/>
+        <dgm:pt modelId="21"/>
+        <dgm:pt modelId="211"/>
+        <dgm:pt modelId="3"/>
+        <dgm:pt modelId="31"/>
+        <dgm:pt modelId="311"/>
+      </dgm:ptLst>
+      <dgm:cxnLst>
+        <dgm:cxn modelId="4" srcId="0" destId="1" srcOrd="0" destOrd="0"/>
+        <dgm:cxn modelId="5" srcId="1" destId="2" srcOrd="0" destOrd="0"/>
+        <dgm:cxn modelId="6" srcId="1" destId="3" srcOrd="1" destOrd="0"/>
+        <dgm:cxn modelId="23" srcId="2" destId="21" srcOrd="0" destOrd="0"/>
+        <dgm:cxn modelId="24" srcId="21" destId="211" srcOrd="0" destOrd="0"/>
+        <dgm:cxn modelId="33" srcId="3" destId="31" srcOrd="0" destOrd="0"/>
+        <dgm:cxn modelId="34" srcId="31" destId="311" srcOrd="0" destOrd="0"/>
+      </dgm:cxnLst>
+      <dgm:bg/>
+      <dgm:whole/>
+    </dgm:dataModel>
+  </dgm:clrData>
+  <dgm:layoutNode name="diagram">
+    <dgm:varLst>
+      <dgm:chPref val="1"/>
+      <dgm:dir/>
+      <dgm:animOne val="branch"/>
+      <dgm:animLvl val="lvl"/>
+      <dgm:resizeHandles val="exact"/>
+    </dgm:varLst>
+    <dgm:choose name="Name0">
+      <dgm:if name="Name1" func="var" arg="dir" op="equ" val="norm">
+        <dgm:alg type="hierChild">
+          <dgm:param type="linDir" val="fromT"/>
+          <dgm:param type="chAlign" val="l"/>
+        </dgm:alg>
+      </dgm:if>
+      <dgm:else name="Name2">
+        <dgm:alg type="hierChild">
+          <dgm:param type="linDir" val="fromT"/>
+          <dgm:param type="chAlign" val="r"/>
+        </dgm:alg>
+      </dgm:else>
+    </dgm:choose>
+    <dgm:shape xmlns:r="http://schemas.openxmlformats.org/officeDocument/2006/relationships" r:blip="">
+      <dgm:adjLst/>
+    </dgm:shape>
+    <dgm:presOf/>
+    <dgm:constrLst>
+      <dgm:constr type="h" for="des" ptType="node" refType="h"/>
+      <dgm:constr type="w" for="des" ptType="node" refType="h" refFor="des" refPtType="node" fact="2"/>
+      <dgm:constr type="sibSp" refType="h" refFor="des" refPtType="node" op="equ" fact="0.15"/>
+      <dgm:constr type="sibSp" for="des" forName="level2hierChild" refType="h" refFor="des" refPtType="node" op="equ" fact="0.15"/>
+      <dgm:constr type="sibSp" for="des" forName="level3hierChild" refType="h" refFor="des" refPtType="node" op="equ" fact="0.15"/>
+      <dgm:constr type="sp" for="des" forName="root1" refType="w" refFor="des" refPtType="node" fact="0.4"/>
+      <dgm:constr type="sp" for="des" forName="root2" refType="sp" refFor="des" refForName="root1" op="equ"/>
+      <dgm:constr type="primFontSz" for="des" ptType="node" op="equ" val="65"/>
+      <dgm:constr type="primFontSz" for="des" forName="connTx" op="equ" val="55"/>
+      <dgm:constr type="primFontSz" for="des" forName="connTx" refType="primFontSz" refFor="des" refPtType="node" op="lte" fact="0.8"/>
+    </dgm:constrLst>
+    <dgm:ruleLst/>
+    <dgm:forEach name="Name3" axis="ch">
+      <dgm:forEach name="Name4" axis="self" ptType="node">
+        <dgm:layoutNode name="root1">
+          <dgm:choose name="Name5">
+            <dgm:if name="Name6" func="var" arg="dir" op="equ" val="norm">
+              <dgm:alg type="hierRoot">
+                <dgm:param type="hierAlign" val="lCtrCh"/>
+              </dgm:alg>
+            </dgm:if>
+            <dgm:else name="Name7">
+              <dgm:alg type="hierRoot">
+                <dgm:param type="hierAlign" val="rCtrCh"/>
+              </dgm:alg>
+            </dgm:else>
+          </dgm:choose>
+          <dgm:shape xmlns:r="http://schemas.openxmlformats.org/officeDocument/2006/relationships" r:blip="">
+            <dgm:adjLst/>
+          </dgm:shape>
+          <dgm:presOf/>
+          <dgm:constrLst/>
+          <dgm:ruleLst/>
+          <dgm:layoutNode name="LevelOneTextNode" styleLbl="node0">
+            <dgm:varLst>
+              <dgm:chPref val="3"/>
+            </dgm:varLst>
+            <dgm:alg type="tx"/>
+            <dgm:shape xmlns:r="http://schemas.openxmlformats.org/officeDocument/2006/relationships" type="roundRect" r:blip="">
+              <dgm:adjLst>
+                <dgm:adj idx="1" val="0.1"/>
+              </dgm:adjLst>
+            </dgm:shape>
+            <dgm:presOf axis="self"/>
+            <dgm:constrLst>
+              <dgm:constr type="tMarg" refType="primFontSz" fact="0.05"/>
+              <dgm:constr type="bMarg" refType="primFontSz" fact="0.05"/>
+              <dgm:constr type="lMarg" refType="primFontSz" fact="0.05"/>
+              <dgm:constr type="rMarg" refType="primFontSz" fact="0.05"/>
+            </dgm:constrLst>
+            <dgm:ruleLst>
+              <dgm:rule type="primFontSz" val="5" fact="NaN" max="NaN"/>
+            </dgm:ruleLst>
+          </dgm:layoutNode>
+          <dgm:layoutNode name="level2hierChild">
+            <dgm:choose name="Name8">
+              <dgm:if name="Name9" func="var" arg="dir" op="equ" val="norm">
+                <dgm:alg type="hierChild">
+                  <dgm:param type="linDir" val="fromT"/>
+                  <dgm:param type="chAlign" val="l"/>
+                </dgm:alg>
+              </dgm:if>
+              <dgm:else name="Name10">
+                <dgm:alg type="hierChild">
+                  <dgm:param type="linDir" val="fromT"/>
+                  <dgm:param type="chAlign" val="r"/>
+                </dgm:alg>
+              </dgm:else>
+            </dgm:choose>
+            <dgm:shape xmlns:r="http://schemas.openxmlformats.org/officeDocument/2006/relationships" r:blip="">
+              <dgm:adjLst/>
+            </dgm:shape>
+            <dgm:presOf/>
+            <dgm:constrLst/>
+            <dgm:ruleLst/>
+            <dgm:forEach name="repeat" axis="ch">
+              <dgm:forEach name="Name11" axis="self" ptType="parTrans" cnt="1">
+                <dgm:layoutNode name="conn2-1">
+                  <dgm:choose name="Name12">
+                    <dgm:if name="Name13" func="var" arg="dir" op="equ" val="norm">
+                      <dgm:alg type="conn">
+                        <dgm:param type="dim" val="1D"/>
+                        <dgm:param type="begPts" val="midR"/>
+                        <dgm:param type="endPts" val="midL"/>
+                        <dgm:param type="endSty" val="noArr"/>
+                      </dgm:alg>
+                    </dgm:if>
+                    <dgm:else name="Name14">
+                      <dgm:alg type="conn">
+                        <dgm:param type="dim" val="1D"/>
+                        <dgm:param type="begPts" val="midL"/>
+                        <dgm:param type="endPts" val="midR"/>
+                        <dgm:param type="endSty" val="noArr"/>
+                      </dgm:alg>
+                    </dgm:else>
+                  </dgm:choose>
+                  <dgm:shape xmlns:r="http://schemas.openxmlformats.org/officeDocument/2006/relationships" type="conn" r:blip="">
+                    <dgm:adjLst/>
+                  </dgm:shape>
+                  <dgm:presOf axis="self"/>
+                  <dgm:constrLst>
+                    <dgm:constr type="w" val="1"/>
+                    <dgm:constr type="h" val="5"/>
+                    <dgm:constr type="connDist"/>
+                    <dgm:constr type="begPad"/>
+                    <dgm:constr type="endPad"/>
+                    <dgm:constr type="userA" for="ch" refType="connDist"/>
+                  </dgm:constrLst>
+                  <dgm:ruleLst/>
+                  <dgm:layoutNode name="connTx">
+                    <dgm:alg type="tx">
+                      <dgm:param type="autoTxRot" val="grav"/>
+                    </dgm:alg>
+                    <dgm:shape xmlns:r="http://schemas.openxmlformats.org/officeDocument/2006/relationships" type="rect" r:blip="" hideGeom="1">
+                      <dgm:adjLst/>
+                    </dgm:shape>
+                    <dgm:presOf axis="self"/>
+                    <dgm:constrLst>
+                      <dgm:constr type="userA"/>
+                      <dgm:constr type="w" refType="userA" fact="0.05"/>
+                      <dgm:constr type="h" refType="userA" fact="0.05"/>
+                      <dgm:constr type="lMarg" val="1"/>
+                      <dgm:constr type="rMarg" val="1"/>
+                      <dgm:constr type="tMarg"/>
+                      <dgm:constr type="bMarg"/>
+                    </dgm:constrLst>
+                    <dgm:ruleLst>
+                      <dgm:rule type="h" val="NaN" fact="0.25" max="NaN"/>
+                      <dgm:rule type="w" val="NaN" fact="0.8" max="NaN"/>
+                      <dgm:rule type="primFontSz" val="5" fact="NaN" max="NaN"/>
+                    </dgm:ruleLst>
+                  </dgm:layoutNode>
+                </dgm:layoutNode>
+              </dgm:forEach>
+              <dgm:forEach name="Name15" axis="self" ptType="node">
+                <dgm:layoutNode name="root2">
+                  <dgm:choose name="Name16">
+                    <dgm:if name="Name17" func="var" arg="dir" op="equ" val="norm">
+                      <dgm:alg type="hierRoot">
+                        <dgm:param type="hierAlign" val="lCtrCh"/>
+                      </dgm:alg>
+                    </dgm:if>
+                    <dgm:else name="Name18">
+                      <dgm:alg type="hierRoot">
+                        <dgm:param type="hierAlign" val="rCtrCh"/>
+                      </dgm:alg>
+                    </dgm:else>
+                  </dgm:choose>
+                  <dgm:shape xmlns:r="http://schemas.openxmlformats.org/officeDocument/2006/relationships" r:blip="">
+                    <dgm:adjLst/>
+                  </dgm:shape>
+                  <dgm:presOf/>
+                  <dgm:constrLst/>
+                  <dgm:ruleLst/>
+                  <dgm:layoutNode name="LevelTwoTextNode">
+                    <dgm:varLst>
+                      <dgm:chPref val="3"/>
+                    </dgm:varLst>
+                    <dgm:alg type="tx"/>
+                    <dgm:shape xmlns:r="http://schemas.openxmlformats.org/officeDocument/2006/relationships" type="roundRect" r:blip="">
+                      <dgm:adjLst>
+                        <dgm:adj idx="1" val="0.1"/>
+                      </dgm:adjLst>
+                    </dgm:shape>
+                    <dgm:presOf axis="self"/>
+                    <dgm:constrLst>
+                      <dgm:constr type="tMarg" refType="primFontSz" fact="0.05"/>
+                      <dgm:constr type="bMarg" refType="primFontSz" fact="0.05"/>
+                      <dgm:constr type="lMarg" refType="primFontSz" fact="0.05"/>
+                      <dgm:constr type="rMarg" refType="primFontSz" fact="0.05"/>
+                    </dgm:constrLst>
+                    <dgm:ruleLst>
+                      <dgm:rule type="primFontSz" val="5" fact="NaN" max="NaN"/>
+                    </dgm:ruleLst>
+                  </dgm:layoutNode>
+                  <dgm:layoutNode name="level3hierChild">
+                    <dgm:choose name="Name19">
+                      <dgm:if name="Name20" func="var" arg="dir" op="equ" val="norm">
+                        <dgm:alg type="hierChild">
+                          <dgm:param type="linDir" val="fromT"/>
+                          <dgm:param type="chAlign" val="l"/>
+                        </dgm:alg>
+                      </dgm:if>
+                      <dgm:else name="Name21">
+                        <dgm:alg type="hierChild">
+                          <dgm:param type="linDir" val="fromT"/>
+                          <dgm:param type="chAlign" val="r"/>
+                        </dgm:alg>
+                      </dgm:else>
+                    </dgm:choose>
+                    <dgm:shape xmlns:r="http://schemas.openxmlformats.org/officeDocument/2006/relationships" r:blip="">
+                      <dgm:adjLst/>
+                    </dgm:shape>
+                    <dgm:presOf/>
+                    <dgm:constrLst/>
+                    <dgm:ruleLst/>
+                    <dgm:forEach name="Name22" ref="repeat"/>
+                  </dgm:layoutNode>
+                </dgm:layoutNode>
+              </dgm:forEach>
+            </dgm:forEach>
+          </dgm:layoutNode>
+        </dgm:layoutNode>
+      </dgm:forEach>
+    </dgm:forEach>
+  </dgm:layoutNode>
+</dgm:layoutDef>
+</file>
+
+<file path=ppt/diagrams/layout2.xml><?xml version="1.0" encoding="utf-8"?>
 <dgm:layoutDef xmlns:dgm="http://schemas.openxmlformats.org/drawingml/2006/diagram" xmlns:a="http://schemas.openxmlformats.org/drawingml/2006/main" uniqueId="urn:microsoft.com/office/officeart/2005/8/layout/process1">
   <dgm:title val=""/>
   <dgm:desc val=""/>
@@ -2630,6 +5411,1040 @@
 </dgm:styleDef>
 </file>
 
+<file path=ppt/diagrams/quickStyle2.xml><?xml version="1.0" encoding="utf-8"?>
+<dgm:styleDef xmlns:dgm="http://schemas.openxmlformats.org/drawingml/2006/diagram" xmlns:a="http://schemas.openxmlformats.org/drawingml/2006/main" uniqueId="urn:microsoft.com/office/officeart/2005/8/quickstyle/simple1">
+  <dgm:title val=""/>
+  <dgm:desc val=""/>
+  <dgm:catLst>
+    <dgm:cat type="simple" pri="10100"/>
+  </dgm:catLst>
+  <dgm:scene3d>
+    <a:camera prst="orthographicFront"/>
+    <a:lightRig rig="threePt" dir="t"/>
+  </dgm:scene3d>
+  <dgm:styleLbl name="node0">
+    <dgm:scene3d>
+      <a:camera prst="orthographicFront"/>
+      <a:lightRig rig="threePt" dir="t"/>
+    </dgm:scene3d>
+    <dgm:sp3d/>
+    <dgm:txPr/>
+    <dgm:style>
+      <a:lnRef idx="2">
+        <a:scrgbClr r="0" g="0" b="0"/>
+      </a:lnRef>
+      <a:fillRef idx="1">
+        <a:scrgbClr r="0" g="0" b="0"/>
+      </a:fillRef>
+      <a:effectRef idx="0">
+        <a:scrgbClr r="0" g="0" b="0"/>
+      </a:effectRef>
+      <a:fontRef idx="minor">
+        <a:schemeClr val="lt1"/>
+      </a:fontRef>
+    </dgm:style>
+  </dgm:styleLbl>
+  <dgm:styleLbl name="lnNode1">
+    <dgm:scene3d>
+      <a:camera prst="orthographicFront"/>
+      <a:lightRig rig="threePt" dir="t"/>
+    </dgm:scene3d>
+    <dgm:sp3d/>
+    <dgm:txPr/>
+    <dgm:style>
+      <a:lnRef idx="2">
+        <a:scrgbClr r="0" g="0" b="0"/>
+      </a:lnRef>
+      <a:fillRef idx="1">
+        <a:scrgbClr r="0" g="0" b="0"/>
+      </a:fillRef>
+      <a:effectRef idx="0">
+        <a:scrgbClr r="0" g="0" b="0"/>
+      </a:effectRef>
+      <a:fontRef idx="minor">
+        <a:schemeClr val="lt1"/>
+      </a:fontRef>
+    </dgm:style>
+  </dgm:styleLbl>
+  <dgm:styleLbl name="vennNode1">
+    <dgm:scene3d>
+      <a:camera prst="orthographicFront"/>
+      <a:lightRig rig="threePt" dir="t"/>
+    </dgm:scene3d>
+    <dgm:sp3d/>
+    <dgm:txPr/>
+    <dgm:style>
+      <a:lnRef idx="2">
+        <a:scrgbClr r="0" g="0" b="0"/>
+      </a:lnRef>
+      <a:fillRef idx="1">
+        <a:scrgbClr r="0" g="0" b="0"/>
+      </a:fillRef>
+      <a:effectRef idx="0">
+        <a:scrgbClr r="0" g="0" b="0"/>
+      </a:effectRef>
+      <a:fontRef idx="minor">
+        <a:schemeClr val="tx1"/>
+      </a:fontRef>
+    </dgm:style>
+  </dgm:styleLbl>
+  <dgm:styleLbl name="alignNode1">
+    <dgm:scene3d>
+      <a:camera prst="orthographicFront"/>
+      <a:lightRig rig="threePt" dir="t"/>
+    </dgm:scene3d>
+    <dgm:sp3d/>
+    <dgm:txPr/>
+    <dgm:style>
+      <a:lnRef idx="2">
+        <a:scrgbClr r="0" g="0" b="0"/>
+      </a:lnRef>
+      <a:fillRef idx="1">
+        <a:scrgbClr r="0" g="0" b="0"/>
+      </a:fillRef>
+      <a:effectRef idx="0">
+        <a:scrgbClr r="0" g="0" b="0"/>
+      </a:effectRef>
+      <a:fontRef idx="minor">
+        <a:schemeClr val="lt1"/>
+      </a:fontRef>
+    </dgm:style>
+  </dgm:styleLbl>
+  <dgm:styleLbl name="node1">
+    <dgm:scene3d>
+      <a:camera prst="orthographicFront"/>
+      <a:lightRig rig="threePt" dir="t"/>
+    </dgm:scene3d>
+    <dgm:sp3d/>
+    <dgm:txPr/>
+    <dgm:style>
+      <a:lnRef idx="2">
+        <a:scrgbClr r="0" g="0" b="0"/>
+      </a:lnRef>
+      <a:fillRef idx="1">
+        <a:scrgbClr r="0" g="0" b="0"/>
+      </a:fillRef>
+      <a:effectRef idx="0">
+        <a:scrgbClr r="0" g="0" b="0"/>
+      </a:effectRef>
+      <a:fontRef idx="minor">
+        <a:schemeClr val="lt1"/>
+      </a:fontRef>
+    </dgm:style>
+  </dgm:styleLbl>
+  <dgm:styleLbl name="node2">
+    <dgm:scene3d>
+      <a:camera prst="orthographicFront"/>
+      <a:lightRig rig="threePt" dir="t"/>
+    </dgm:scene3d>
+    <dgm:sp3d/>
+    <dgm:txPr/>
+    <dgm:style>
+      <a:lnRef idx="2">
+        <a:scrgbClr r="0" g="0" b="0"/>
+      </a:lnRef>
+      <a:fillRef idx="1">
+        <a:scrgbClr r="0" g="0" b="0"/>
+      </a:fillRef>
+      <a:effectRef idx="0">
+        <a:scrgbClr r="0" g="0" b="0"/>
+      </a:effectRef>
+      <a:fontRef idx="minor">
+        <a:schemeClr val="lt1"/>
+      </a:fontRef>
+    </dgm:style>
+  </dgm:styleLbl>
+  <dgm:styleLbl name="node3">
+    <dgm:scene3d>
+      <a:camera prst="orthographicFront"/>
+      <a:lightRig rig="threePt" dir="t"/>
+    </dgm:scene3d>
+    <dgm:sp3d/>
+    <dgm:txPr/>
+    <dgm:style>
+      <a:lnRef idx="2">
+        <a:scrgbClr r="0" g="0" b="0"/>
+      </a:lnRef>
+      <a:fillRef idx="1">
+        <a:scrgbClr r="0" g="0" b="0"/>
+      </a:fillRef>
+      <a:effectRef idx="0">
+        <a:scrgbClr r="0" g="0" b="0"/>
+      </a:effectRef>
+      <a:fontRef idx="minor">
+        <a:schemeClr val="lt1"/>
+      </a:fontRef>
+    </dgm:style>
+  </dgm:styleLbl>
+  <dgm:styleLbl name="node4">
+    <dgm:scene3d>
+      <a:camera prst="orthographicFront"/>
+      <a:lightRig rig="threePt" dir="t"/>
+    </dgm:scene3d>
+    <dgm:sp3d/>
+    <dgm:txPr/>
+    <dgm:style>
+      <a:lnRef idx="2">
+        <a:scrgbClr r="0" g="0" b="0"/>
+      </a:lnRef>
+      <a:fillRef idx="1">
+        <a:scrgbClr r="0" g="0" b="0"/>
+      </a:fillRef>
+      <a:effectRef idx="0">
+        <a:scrgbClr r="0" g="0" b="0"/>
+      </a:effectRef>
+      <a:fontRef idx="minor">
+        <a:schemeClr val="lt1"/>
+      </a:fontRef>
+    </dgm:style>
+  </dgm:styleLbl>
+  <dgm:styleLbl name="fgImgPlace1">
+    <dgm:scene3d>
+      <a:camera prst="orthographicFront"/>
+      <a:lightRig rig="threePt" dir="t"/>
+    </dgm:scene3d>
+    <dgm:sp3d/>
+    <dgm:txPr/>
+    <dgm:style>
+      <a:lnRef idx="2">
+        <a:scrgbClr r="0" g="0" b="0"/>
+      </a:lnRef>
+      <a:fillRef idx="1">
+        <a:scrgbClr r="0" g="0" b="0"/>
+      </a:fillRef>
+      <a:effectRef idx="0">
+        <a:scrgbClr r="0" g="0" b="0"/>
+      </a:effectRef>
+      <a:fontRef idx="minor"/>
+    </dgm:style>
+  </dgm:styleLbl>
+  <dgm:styleLbl name="alignImgPlace1">
+    <dgm:scene3d>
+      <a:camera prst="orthographicFront"/>
+      <a:lightRig rig="threePt" dir="t"/>
+    </dgm:scene3d>
+    <dgm:sp3d/>
+    <dgm:txPr/>
+    <dgm:style>
+      <a:lnRef idx="2">
+        <a:scrgbClr r="0" g="0" b="0"/>
+      </a:lnRef>
+      <a:fillRef idx="1">
+        <a:scrgbClr r="0" g="0" b="0"/>
+      </a:fillRef>
+      <a:effectRef idx="0">
+        <a:scrgbClr r="0" g="0" b="0"/>
+      </a:effectRef>
+      <a:fontRef idx="minor"/>
+    </dgm:style>
+  </dgm:styleLbl>
+  <dgm:styleLbl name="bgImgPlace1">
+    <dgm:scene3d>
+      <a:camera prst="orthographicFront"/>
+      <a:lightRig rig="threePt" dir="t"/>
+    </dgm:scene3d>
+    <dgm:sp3d/>
+    <dgm:txPr/>
+    <dgm:style>
+      <a:lnRef idx="2">
+        <a:scrgbClr r="0" g="0" b="0"/>
+      </a:lnRef>
+      <a:fillRef idx="1">
+        <a:scrgbClr r="0" g="0" b="0"/>
+      </a:fillRef>
+      <a:effectRef idx="0">
+        <a:scrgbClr r="0" g="0" b="0"/>
+      </a:effectRef>
+      <a:fontRef idx="minor"/>
+    </dgm:style>
+  </dgm:styleLbl>
+  <dgm:styleLbl name="sibTrans2D1">
+    <dgm:scene3d>
+      <a:camera prst="orthographicFront"/>
+      <a:lightRig rig="threePt" dir="t"/>
+    </dgm:scene3d>
+    <dgm:sp3d/>
+    <dgm:txPr/>
+    <dgm:style>
+      <a:lnRef idx="0">
+        <a:scrgbClr r="0" g="0" b="0"/>
+      </a:lnRef>
+      <a:fillRef idx="1">
+        <a:scrgbClr r="0" g="0" b="0"/>
+      </a:fillRef>
+      <a:effectRef idx="0">
+        <a:scrgbClr r="0" g="0" b="0"/>
+      </a:effectRef>
+      <a:fontRef idx="minor">
+        <a:schemeClr val="lt1"/>
+      </a:fontRef>
+    </dgm:style>
+  </dgm:styleLbl>
+  <dgm:styleLbl name="fgSibTrans2D1">
+    <dgm:scene3d>
+      <a:camera prst="orthographicFront"/>
+      <a:lightRig rig="threePt" dir="t"/>
+    </dgm:scene3d>
+    <dgm:sp3d/>
+    <dgm:txPr/>
+    <dgm:style>
+      <a:lnRef idx="0">
+        <a:scrgbClr r="0" g="0" b="0"/>
+      </a:lnRef>
+      <a:fillRef idx="1">
+        <a:scrgbClr r="0" g="0" b="0"/>
+      </a:fillRef>
+      <a:effectRef idx="0">
+        <a:scrgbClr r="0" g="0" b="0"/>
+      </a:effectRef>
+      <a:fontRef idx="minor">
+        <a:schemeClr val="lt1"/>
+      </a:fontRef>
+    </dgm:style>
+  </dgm:styleLbl>
+  <dgm:styleLbl name="bgSibTrans2D1">
+    <dgm:scene3d>
+      <a:camera prst="orthographicFront"/>
+      <a:lightRig rig="threePt" dir="t"/>
+    </dgm:scene3d>
+    <dgm:sp3d/>
+    <dgm:txPr/>
+    <dgm:style>
+      <a:lnRef idx="0">
+        <a:scrgbClr r="0" g="0" b="0"/>
+      </a:lnRef>
+      <a:fillRef idx="1">
+        <a:scrgbClr r="0" g="0" b="0"/>
+      </a:fillRef>
+      <a:effectRef idx="0">
+        <a:scrgbClr r="0" g="0" b="0"/>
+      </a:effectRef>
+      <a:fontRef idx="minor">
+        <a:schemeClr val="lt1"/>
+      </a:fontRef>
+    </dgm:style>
+  </dgm:styleLbl>
+  <dgm:styleLbl name="sibTrans1D1">
+    <dgm:scene3d>
+      <a:camera prst="orthographicFront"/>
+      <a:lightRig rig="threePt" dir="t"/>
+    </dgm:scene3d>
+    <dgm:sp3d/>
+    <dgm:txPr/>
+    <dgm:style>
+      <a:lnRef idx="1">
+        <a:scrgbClr r="0" g="0" b="0"/>
+      </a:lnRef>
+      <a:fillRef idx="0">
+        <a:scrgbClr r="0" g="0" b="0"/>
+      </a:fillRef>
+      <a:effectRef idx="0">
+        <a:scrgbClr r="0" g="0" b="0"/>
+      </a:effectRef>
+      <a:fontRef idx="minor"/>
+    </dgm:style>
+  </dgm:styleLbl>
+  <dgm:styleLbl name="callout">
+    <dgm:scene3d>
+      <a:camera prst="orthographicFront"/>
+      <a:lightRig rig="threePt" dir="t"/>
+    </dgm:scene3d>
+    <dgm:sp3d/>
+    <dgm:txPr/>
+    <dgm:style>
+      <a:lnRef idx="2">
+        <a:scrgbClr r="0" g="0" b="0"/>
+      </a:lnRef>
+      <a:fillRef idx="1">
+        <a:scrgbClr r="0" g="0" b="0"/>
+      </a:fillRef>
+      <a:effectRef idx="0">
+        <a:scrgbClr r="0" g="0" b="0"/>
+      </a:effectRef>
+      <a:fontRef idx="minor"/>
+    </dgm:style>
+  </dgm:styleLbl>
+  <dgm:styleLbl name="asst0">
+    <dgm:scene3d>
+      <a:camera prst="orthographicFront"/>
+      <a:lightRig rig="threePt" dir="t"/>
+    </dgm:scene3d>
+    <dgm:sp3d/>
+    <dgm:txPr/>
+    <dgm:style>
+      <a:lnRef idx="2">
+        <a:scrgbClr r="0" g="0" b="0"/>
+      </a:lnRef>
+      <a:fillRef idx="1">
+        <a:scrgbClr r="0" g="0" b="0"/>
+      </a:fillRef>
+      <a:effectRef idx="0">
+        <a:scrgbClr r="0" g="0" b="0"/>
+      </a:effectRef>
+      <a:fontRef idx="minor">
+        <a:schemeClr val="lt1"/>
+      </a:fontRef>
+    </dgm:style>
+  </dgm:styleLbl>
+  <dgm:styleLbl name="asst1">
+    <dgm:scene3d>
+      <a:camera prst="orthographicFront"/>
+      <a:lightRig rig="threePt" dir="t"/>
+    </dgm:scene3d>
+    <dgm:sp3d/>
+    <dgm:txPr/>
+    <dgm:style>
+      <a:lnRef idx="2">
+        <a:scrgbClr r="0" g="0" b="0"/>
+      </a:lnRef>
+      <a:fillRef idx="1">
+        <a:scrgbClr r="0" g="0" b="0"/>
+      </a:fillRef>
+      <a:effectRef idx="0">
+        <a:scrgbClr r="0" g="0" b="0"/>
+      </a:effectRef>
+      <a:fontRef idx="minor">
+        <a:schemeClr val="lt1"/>
+      </a:fontRef>
+    </dgm:style>
+  </dgm:styleLbl>
+  <dgm:styleLbl name="asst2">
+    <dgm:scene3d>
+      <a:camera prst="orthographicFront"/>
+      <a:lightRig rig="threePt" dir="t"/>
+    </dgm:scene3d>
+    <dgm:sp3d/>
+    <dgm:txPr/>
+    <dgm:style>
+      <a:lnRef idx="2">
+        <a:scrgbClr r="0" g="0" b="0"/>
+      </a:lnRef>
+      <a:fillRef idx="1">
+        <a:scrgbClr r="0" g="0" b="0"/>
+      </a:fillRef>
+      <a:effectRef idx="0">
+        <a:scrgbClr r="0" g="0" b="0"/>
+      </a:effectRef>
+      <a:fontRef idx="minor">
+        <a:schemeClr val="lt1"/>
+      </a:fontRef>
+    </dgm:style>
+  </dgm:styleLbl>
+  <dgm:styleLbl name="asst3">
+    <dgm:scene3d>
+      <a:camera prst="orthographicFront"/>
+      <a:lightRig rig="threePt" dir="t"/>
+    </dgm:scene3d>
+    <dgm:sp3d/>
+    <dgm:txPr/>
+    <dgm:style>
+      <a:lnRef idx="2">
+        <a:scrgbClr r="0" g="0" b="0"/>
+      </a:lnRef>
+      <a:fillRef idx="1">
+        <a:scrgbClr r="0" g="0" b="0"/>
+      </a:fillRef>
+      <a:effectRef idx="0">
+        <a:scrgbClr r="0" g="0" b="0"/>
+      </a:effectRef>
+      <a:fontRef idx="minor">
+        <a:schemeClr val="lt1"/>
+      </a:fontRef>
+    </dgm:style>
+  </dgm:styleLbl>
+  <dgm:styleLbl name="asst4">
+    <dgm:scene3d>
+      <a:camera prst="orthographicFront"/>
+      <a:lightRig rig="threePt" dir="t"/>
+    </dgm:scene3d>
+    <dgm:sp3d/>
+    <dgm:txPr/>
+    <dgm:style>
+      <a:lnRef idx="2">
+        <a:scrgbClr r="0" g="0" b="0"/>
+      </a:lnRef>
+      <a:fillRef idx="1">
+        <a:scrgbClr r="0" g="0" b="0"/>
+      </a:fillRef>
+      <a:effectRef idx="0">
+        <a:scrgbClr r="0" g="0" b="0"/>
+      </a:effectRef>
+      <a:fontRef idx="minor">
+        <a:schemeClr val="lt1"/>
+      </a:fontRef>
+    </dgm:style>
+  </dgm:styleLbl>
+  <dgm:styleLbl name="parChTrans2D1">
+    <dgm:scene3d>
+      <a:camera prst="orthographicFront"/>
+      <a:lightRig rig="threePt" dir="t"/>
+    </dgm:scene3d>
+    <dgm:sp3d/>
+    <dgm:txPr/>
+    <dgm:style>
+      <a:lnRef idx="2">
+        <a:scrgbClr r="0" g="0" b="0"/>
+      </a:lnRef>
+      <a:fillRef idx="1">
+        <a:scrgbClr r="0" g="0" b="0"/>
+      </a:fillRef>
+      <a:effectRef idx="0">
+        <a:scrgbClr r="0" g="0" b="0"/>
+      </a:effectRef>
+      <a:fontRef idx="minor">
+        <a:schemeClr val="lt1"/>
+      </a:fontRef>
+    </dgm:style>
+  </dgm:styleLbl>
+  <dgm:styleLbl name="parChTrans2D2">
+    <dgm:scene3d>
+      <a:camera prst="orthographicFront"/>
+      <a:lightRig rig="threePt" dir="t"/>
+    </dgm:scene3d>
+    <dgm:sp3d/>
+    <dgm:txPr/>
+    <dgm:style>
+      <a:lnRef idx="2">
+        <a:scrgbClr r="0" g="0" b="0"/>
+      </a:lnRef>
+      <a:fillRef idx="1">
+        <a:scrgbClr r="0" g="0" b="0"/>
+      </a:fillRef>
+      <a:effectRef idx="0">
+        <a:scrgbClr r="0" g="0" b="0"/>
+      </a:effectRef>
+      <a:fontRef idx="minor">
+        <a:schemeClr val="lt1"/>
+      </a:fontRef>
+    </dgm:style>
+  </dgm:styleLbl>
+  <dgm:styleLbl name="parChTrans2D3">
+    <dgm:scene3d>
+      <a:camera prst="orthographicFront"/>
+      <a:lightRig rig="threePt" dir="t"/>
+    </dgm:scene3d>
+    <dgm:sp3d/>
+    <dgm:txPr/>
+    <dgm:style>
+      <a:lnRef idx="2">
+        <a:scrgbClr r="0" g="0" b="0"/>
+      </a:lnRef>
+      <a:fillRef idx="1">
+        <a:scrgbClr r="0" g="0" b="0"/>
+      </a:fillRef>
+      <a:effectRef idx="0">
+        <a:scrgbClr r="0" g="0" b="0"/>
+      </a:effectRef>
+      <a:fontRef idx="minor">
+        <a:schemeClr val="lt1"/>
+      </a:fontRef>
+    </dgm:style>
+  </dgm:styleLbl>
+  <dgm:styleLbl name="parChTrans2D4">
+    <dgm:scene3d>
+      <a:camera prst="orthographicFront"/>
+      <a:lightRig rig="threePt" dir="t"/>
+    </dgm:scene3d>
+    <dgm:sp3d/>
+    <dgm:txPr/>
+    <dgm:style>
+      <a:lnRef idx="2">
+        <a:scrgbClr r="0" g="0" b="0"/>
+      </a:lnRef>
+      <a:fillRef idx="1">
+        <a:scrgbClr r="0" g="0" b="0"/>
+      </a:fillRef>
+      <a:effectRef idx="0">
+        <a:scrgbClr r="0" g="0" b="0"/>
+      </a:effectRef>
+      <a:fontRef idx="minor">
+        <a:schemeClr val="lt1"/>
+      </a:fontRef>
+    </dgm:style>
+  </dgm:styleLbl>
+  <dgm:styleLbl name="parChTrans1D1">
+    <dgm:scene3d>
+      <a:camera prst="orthographicFront"/>
+      <a:lightRig rig="threePt" dir="t"/>
+    </dgm:scene3d>
+    <dgm:sp3d/>
+    <dgm:txPr/>
+    <dgm:style>
+      <a:lnRef idx="2">
+        <a:scrgbClr r="0" g="0" b="0"/>
+      </a:lnRef>
+      <a:fillRef idx="0">
+        <a:scrgbClr r="0" g="0" b="0"/>
+      </a:fillRef>
+      <a:effectRef idx="0">
+        <a:scrgbClr r="0" g="0" b="0"/>
+      </a:effectRef>
+      <a:fontRef idx="minor"/>
+    </dgm:style>
+  </dgm:styleLbl>
+  <dgm:styleLbl name="parChTrans1D2">
+    <dgm:scene3d>
+      <a:camera prst="orthographicFront"/>
+      <a:lightRig rig="threePt" dir="t"/>
+    </dgm:scene3d>
+    <dgm:sp3d/>
+    <dgm:txPr/>
+    <dgm:style>
+      <a:lnRef idx="2">
+        <a:scrgbClr r="0" g="0" b="0"/>
+      </a:lnRef>
+      <a:fillRef idx="0">
+        <a:scrgbClr r="0" g="0" b="0"/>
+      </a:fillRef>
+      <a:effectRef idx="0">
+        <a:scrgbClr r="0" g="0" b="0"/>
+      </a:effectRef>
+      <a:fontRef idx="minor"/>
+    </dgm:style>
+  </dgm:styleLbl>
+  <dgm:styleLbl name="parChTrans1D3">
+    <dgm:scene3d>
+      <a:camera prst="orthographicFront"/>
+      <a:lightRig rig="threePt" dir="t"/>
+    </dgm:scene3d>
+    <dgm:sp3d/>
+    <dgm:txPr/>
+    <dgm:style>
+      <a:lnRef idx="2">
+        <a:scrgbClr r="0" g="0" b="0"/>
+      </a:lnRef>
+      <a:fillRef idx="0">
+        <a:scrgbClr r="0" g="0" b="0"/>
+      </a:fillRef>
+      <a:effectRef idx="0">
+        <a:scrgbClr r="0" g="0" b="0"/>
+      </a:effectRef>
+      <a:fontRef idx="minor"/>
+    </dgm:style>
+  </dgm:styleLbl>
+  <dgm:styleLbl name="parChTrans1D4">
+    <dgm:scene3d>
+      <a:camera prst="orthographicFront"/>
+      <a:lightRig rig="threePt" dir="t"/>
+    </dgm:scene3d>
+    <dgm:sp3d/>
+    <dgm:txPr/>
+    <dgm:style>
+      <a:lnRef idx="2">
+        <a:scrgbClr r="0" g="0" b="0"/>
+      </a:lnRef>
+      <a:fillRef idx="0">
+        <a:scrgbClr r="0" g="0" b="0"/>
+      </a:fillRef>
+      <a:effectRef idx="0">
+        <a:scrgbClr r="0" g="0" b="0"/>
+      </a:effectRef>
+      <a:fontRef idx="minor"/>
+    </dgm:style>
+  </dgm:styleLbl>
+  <dgm:styleLbl name="fgAcc1">
+    <dgm:scene3d>
+      <a:camera prst="orthographicFront"/>
+      <a:lightRig rig="threePt" dir="t"/>
+    </dgm:scene3d>
+    <dgm:sp3d/>
+    <dgm:txPr/>
+    <dgm:style>
+      <a:lnRef idx="2">
+        <a:scrgbClr r="0" g="0" b="0"/>
+      </a:lnRef>
+      <a:fillRef idx="1">
+        <a:scrgbClr r="0" g="0" b="0"/>
+      </a:fillRef>
+      <a:effectRef idx="0">
+        <a:scrgbClr r="0" g="0" b="0"/>
+      </a:effectRef>
+      <a:fontRef idx="minor"/>
+    </dgm:style>
+  </dgm:styleLbl>
+  <dgm:styleLbl name="conFgAcc1">
+    <dgm:scene3d>
+      <a:camera prst="orthographicFront"/>
+      <a:lightRig rig="threePt" dir="t"/>
+    </dgm:scene3d>
+    <dgm:sp3d/>
+    <dgm:txPr/>
+    <dgm:style>
+      <a:lnRef idx="2">
+        <a:scrgbClr r="0" g="0" b="0"/>
+      </a:lnRef>
+      <a:fillRef idx="1">
+        <a:scrgbClr r="0" g="0" b="0"/>
+      </a:fillRef>
+      <a:effectRef idx="0">
+        <a:scrgbClr r="0" g="0" b="0"/>
+      </a:effectRef>
+      <a:fontRef idx="minor"/>
+    </dgm:style>
+  </dgm:styleLbl>
+  <dgm:styleLbl name="alignAcc1">
+    <dgm:scene3d>
+      <a:camera prst="orthographicFront"/>
+      <a:lightRig rig="threePt" dir="t"/>
+    </dgm:scene3d>
+    <dgm:sp3d/>
+    <dgm:txPr/>
+    <dgm:style>
+      <a:lnRef idx="2">
+        <a:scrgbClr r="0" g="0" b="0"/>
+      </a:lnRef>
+      <a:fillRef idx="1">
+        <a:scrgbClr r="0" g="0" b="0"/>
+      </a:fillRef>
+      <a:effectRef idx="0">
+        <a:scrgbClr r="0" g="0" b="0"/>
+      </a:effectRef>
+      <a:fontRef idx="minor"/>
+    </dgm:style>
+  </dgm:styleLbl>
+  <dgm:styleLbl name="trAlignAcc1">
+    <dgm:scene3d>
+      <a:camera prst="orthographicFront"/>
+      <a:lightRig rig="threePt" dir="t"/>
+    </dgm:scene3d>
+    <dgm:sp3d/>
+    <dgm:txPr/>
+    <dgm:style>
+      <a:lnRef idx="1">
+        <a:scrgbClr r="0" g="0" b="0"/>
+      </a:lnRef>
+      <a:fillRef idx="1">
+        <a:scrgbClr r="0" g="0" b="0"/>
+      </a:fillRef>
+      <a:effectRef idx="0">
+        <a:scrgbClr r="0" g="0" b="0"/>
+      </a:effectRef>
+      <a:fontRef idx="minor"/>
+    </dgm:style>
+  </dgm:styleLbl>
+  <dgm:styleLbl name="bgAcc1">
+    <dgm:scene3d>
+      <a:camera prst="orthographicFront"/>
+      <a:lightRig rig="threePt" dir="t"/>
+    </dgm:scene3d>
+    <dgm:sp3d/>
+    <dgm:txPr/>
+    <dgm:style>
+      <a:lnRef idx="2">
+        <a:scrgbClr r="0" g="0" b="0"/>
+      </a:lnRef>
+      <a:fillRef idx="1">
+        <a:scrgbClr r="0" g="0" b="0"/>
+      </a:fillRef>
+      <a:effectRef idx="0">
+        <a:scrgbClr r="0" g="0" b="0"/>
+      </a:effectRef>
+      <a:fontRef idx="minor"/>
+    </dgm:style>
+  </dgm:styleLbl>
+  <dgm:styleLbl name="solidFgAcc1">
+    <dgm:scene3d>
+      <a:camera prst="orthographicFront"/>
+      <a:lightRig rig="threePt" dir="t"/>
+    </dgm:scene3d>
+    <dgm:sp3d/>
+    <dgm:txPr/>
+    <dgm:style>
+      <a:lnRef idx="2">
+        <a:scrgbClr r="0" g="0" b="0"/>
+      </a:lnRef>
+      <a:fillRef idx="1">
+        <a:scrgbClr r="0" g="0" b="0"/>
+      </a:fillRef>
+      <a:effectRef idx="0">
+        <a:scrgbClr r="0" g="0" b="0"/>
+      </a:effectRef>
+      <a:fontRef idx="minor"/>
+    </dgm:style>
+  </dgm:styleLbl>
+  <dgm:styleLbl name="solidAlignAcc1">
+    <dgm:scene3d>
+      <a:camera prst="orthographicFront"/>
+      <a:lightRig rig="threePt" dir="t"/>
+    </dgm:scene3d>
+    <dgm:sp3d/>
+    <dgm:txPr/>
+    <dgm:style>
+      <a:lnRef idx="2">
+        <a:scrgbClr r="0" g="0" b="0"/>
+      </a:lnRef>
+      <a:fillRef idx="1">
+        <a:scrgbClr r="0" g="0" b="0"/>
+      </a:fillRef>
+      <a:effectRef idx="0">
+        <a:scrgbClr r="0" g="0" b="0"/>
+      </a:effectRef>
+      <a:fontRef idx="minor"/>
+    </dgm:style>
+  </dgm:styleLbl>
+  <dgm:styleLbl name="solidBgAcc1">
+    <dgm:scene3d>
+      <a:camera prst="orthographicFront"/>
+      <a:lightRig rig="threePt" dir="t"/>
+    </dgm:scene3d>
+    <dgm:sp3d/>
+    <dgm:txPr/>
+    <dgm:style>
+      <a:lnRef idx="2">
+        <a:scrgbClr r="0" g="0" b="0"/>
+      </a:lnRef>
+      <a:fillRef idx="1">
+        <a:scrgbClr r="0" g="0" b="0"/>
+      </a:fillRef>
+      <a:effectRef idx="0">
+        <a:scrgbClr r="0" g="0" b="0"/>
+      </a:effectRef>
+      <a:fontRef idx="minor"/>
+    </dgm:style>
+  </dgm:styleLbl>
+  <dgm:styleLbl name="fgAccFollowNode1">
+    <dgm:scene3d>
+      <a:camera prst="orthographicFront"/>
+      <a:lightRig rig="threePt" dir="t"/>
+    </dgm:scene3d>
+    <dgm:sp3d/>
+    <dgm:txPr/>
+    <dgm:style>
+      <a:lnRef idx="2">
+        <a:scrgbClr r="0" g="0" b="0"/>
+      </a:lnRef>
+      <a:fillRef idx="1">
+        <a:scrgbClr r="0" g="0" b="0"/>
+      </a:fillRef>
+      <a:effectRef idx="0">
+        <a:scrgbClr r="0" g="0" b="0"/>
+      </a:effectRef>
+      <a:fontRef idx="minor"/>
+    </dgm:style>
+  </dgm:styleLbl>
+  <dgm:styleLbl name="alignAccFollowNode1">
+    <dgm:scene3d>
+      <a:camera prst="orthographicFront"/>
+      <a:lightRig rig="threePt" dir="t"/>
+    </dgm:scene3d>
+    <dgm:sp3d/>
+    <dgm:txPr/>
+    <dgm:style>
+      <a:lnRef idx="2">
+        <a:scrgbClr r="0" g="0" b="0"/>
+      </a:lnRef>
+      <a:fillRef idx="1">
+        <a:scrgbClr r="0" g="0" b="0"/>
+      </a:fillRef>
+      <a:effectRef idx="0">
+        <a:scrgbClr r="0" g="0" b="0"/>
+      </a:effectRef>
+      <a:fontRef idx="minor"/>
+    </dgm:style>
+  </dgm:styleLbl>
+  <dgm:styleLbl name="bgAccFollowNode1">
+    <dgm:scene3d>
+      <a:camera prst="orthographicFront"/>
+      <a:lightRig rig="threePt" dir="t"/>
+    </dgm:scene3d>
+    <dgm:sp3d/>
+    <dgm:txPr/>
+    <dgm:style>
+      <a:lnRef idx="2">
+        <a:scrgbClr r="0" g="0" b="0"/>
+      </a:lnRef>
+      <a:fillRef idx="1">
+        <a:scrgbClr r="0" g="0" b="0"/>
+      </a:fillRef>
+      <a:effectRef idx="0">
+        <a:scrgbClr r="0" g="0" b="0"/>
+      </a:effectRef>
+      <a:fontRef idx="minor"/>
+    </dgm:style>
+  </dgm:styleLbl>
+  <dgm:styleLbl name="fgAcc0">
+    <dgm:scene3d>
+      <a:camera prst="orthographicFront"/>
+      <a:lightRig rig="threePt" dir="t"/>
+    </dgm:scene3d>
+    <dgm:sp3d/>
+    <dgm:txPr/>
+    <dgm:style>
+      <a:lnRef idx="2">
+        <a:scrgbClr r="0" g="0" b="0"/>
+      </a:lnRef>
+      <a:fillRef idx="1">
+        <a:scrgbClr r="0" g="0" b="0"/>
+      </a:fillRef>
+      <a:effectRef idx="0">
+        <a:scrgbClr r="0" g="0" b="0"/>
+      </a:effectRef>
+      <a:fontRef idx="minor"/>
+    </dgm:style>
+  </dgm:styleLbl>
+  <dgm:styleLbl name="fgAcc2">
+    <dgm:scene3d>
+      <a:camera prst="orthographicFront"/>
+      <a:lightRig rig="threePt" dir="t"/>
+    </dgm:scene3d>
+    <dgm:sp3d/>
+    <dgm:txPr/>
+    <dgm:style>
+      <a:lnRef idx="2">
+        <a:scrgbClr r="0" g="0" b="0"/>
+      </a:lnRef>
+      <a:fillRef idx="1">
+        <a:scrgbClr r="0" g="0" b="0"/>
+      </a:fillRef>
+      <a:effectRef idx="0">
+        <a:scrgbClr r="0" g="0" b="0"/>
+      </a:effectRef>
+      <a:fontRef idx="minor"/>
+    </dgm:style>
+  </dgm:styleLbl>
+  <dgm:styleLbl name="fgAcc3">
+    <dgm:scene3d>
+      <a:camera prst="orthographicFront"/>
+      <a:lightRig rig="threePt" dir="t"/>
+    </dgm:scene3d>
+    <dgm:sp3d/>
+    <dgm:txPr/>
+    <dgm:style>
+      <a:lnRef idx="2">
+        <a:scrgbClr r="0" g="0" b="0"/>
+      </a:lnRef>
+      <a:fillRef idx="1">
+        <a:scrgbClr r="0" g="0" b="0"/>
+      </a:fillRef>
+      <a:effectRef idx="0">
+        <a:scrgbClr r="0" g="0" b="0"/>
+      </a:effectRef>
+      <a:fontRef idx="minor"/>
+    </dgm:style>
+  </dgm:styleLbl>
+  <dgm:styleLbl name="fgAcc4">
+    <dgm:scene3d>
+      <a:camera prst="orthographicFront"/>
+      <a:lightRig rig="threePt" dir="t"/>
+    </dgm:scene3d>
+    <dgm:sp3d/>
+    <dgm:txPr/>
+    <dgm:style>
+      <a:lnRef idx="2">
+        <a:scrgbClr r="0" g="0" b="0"/>
+      </a:lnRef>
+      <a:fillRef idx="1">
+        <a:scrgbClr r="0" g="0" b="0"/>
+      </a:fillRef>
+      <a:effectRef idx="0">
+        <a:scrgbClr r="0" g="0" b="0"/>
+      </a:effectRef>
+      <a:fontRef idx="minor"/>
+    </dgm:style>
+  </dgm:styleLbl>
+  <dgm:styleLbl name="bgShp">
+    <dgm:scene3d>
+      <a:camera prst="orthographicFront"/>
+      <a:lightRig rig="threePt" dir="t"/>
+    </dgm:scene3d>
+    <dgm:sp3d/>
+    <dgm:txPr/>
+    <dgm:style>
+      <a:lnRef idx="0">
+        <a:scrgbClr r="0" g="0" b="0"/>
+      </a:lnRef>
+      <a:fillRef idx="1">
+        <a:scrgbClr r="0" g="0" b="0"/>
+      </a:fillRef>
+      <a:effectRef idx="0">
+        <a:scrgbClr r="0" g="0" b="0"/>
+      </a:effectRef>
+      <a:fontRef idx="minor"/>
+    </dgm:style>
+  </dgm:styleLbl>
+  <dgm:styleLbl name="dkBgShp">
+    <dgm:scene3d>
+      <a:camera prst="orthographicFront"/>
+      <a:lightRig rig="threePt" dir="t"/>
+    </dgm:scene3d>
+    <dgm:sp3d/>
+    <dgm:txPr/>
+    <dgm:style>
+      <a:lnRef idx="0">
+        <a:scrgbClr r="0" g="0" b="0"/>
+      </a:lnRef>
+      <a:fillRef idx="1">
+        <a:scrgbClr r="0" g="0" b="0"/>
+      </a:fillRef>
+      <a:effectRef idx="0">
+        <a:scrgbClr r="0" g="0" b="0"/>
+      </a:effectRef>
+      <a:fontRef idx="minor"/>
+    </dgm:style>
+  </dgm:styleLbl>
+  <dgm:styleLbl name="trBgShp">
+    <dgm:scene3d>
+      <a:camera prst="orthographicFront"/>
+      <a:lightRig rig="threePt" dir="t"/>
+    </dgm:scene3d>
+    <dgm:sp3d/>
+    <dgm:txPr/>
+    <dgm:style>
+      <a:lnRef idx="0">
+        <a:scrgbClr r="0" g="0" b="0"/>
+      </a:lnRef>
+      <a:fillRef idx="1">
+        <a:scrgbClr r="0" g="0" b="0"/>
+      </a:fillRef>
+      <a:effectRef idx="0">
+        <a:scrgbClr r="0" g="0" b="0"/>
+      </a:effectRef>
+      <a:fontRef idx="minor"/>
+    </dgm:style>
+  </dgm:styleLbl>
+  <dgm:styleLbl name="fgShp">
+    <dgm:scene3d>
+      <a:camera prst="orthographicFront"/>
+      <a:lightRig rig="threePt" dir="t"/>
+    </dgm:scene3d>
+    <dgm:sp3d/>
+    <dgm:txPr/>
+    <dgm:style>
+      <a:lnRef idx="2">
+        <a:scrgbClr r="0" g="0" b="0"/>
+      </a:lnRef>
+      <a:fillRef idx="1">
+        <a:scrgbClr r="0" g="0" b="0"/>
+      </a:fillRef>
+      <a:effectRef idx="0">
+        <a:scrgbClr r="0" g="0" b="0"/>
+      </a:effectRef>
+      <a:fontRef idx="minor"/>
+    </dgm:style>
+  </dgm:styleLbl>
+  <dgm:styleLbl name="revTx">
+    <dgm:scene3d>
+      <a:camera prst="orthographicFront"/>
+      <a:lightRig rig="threePt" dir="t"/>
+    </dgm:scene3d>
+    <dgm:sp3d/>
+    <dgm:txPr/>
+    <dgm:style>
+      <a:lnRef idx="0">
+        <a:scrgbClr r="0" g="0" b="0"/>
+      </a:lnRef>
+      <a:fillRef idx="0">
+        <a:scrgbClr r="0" g="0" b="0"/>
+      </a:fillRef>
+      <a:effectRef idx="0">
+        <a:scrgbClr r="0" g="0" b="0"/>
+      </a:effectRef>
+      <a:fontRef idx="minor"/>
+    </dgm:style>
+  </dgm:styleLbl>
+</dgm:styleDef>
+</file>
+
 <file path=ppt/notesMasters/notesMaster1.xml><?xml version="1.0" encoding="utf-8"?>
 <p:notesMaster xmlns:a="http://schemas.openxmlformats.org/drawingml/2006/main" xmlns:r="http://schemas.openxmlformats.org/officeDocument/2006/relationships" xmlns:p="http://schemas.openxmlformats.org/presentationml/2006/main">
   <p:cSld>
@@ -2712,7 +6527,7 @@
           <a:p>
             <a:fld id="{32A3BFE3-4062-4AF1-ABFC-DCD65D5FEDDC}" type="datetimeFigureOut">
               <a:rPr lang="fr-FR" smtClean="0"/>
-              <a:t>24/12/2025</a:t>
+              <a:t>07/01/2026</a:t>
             </a:fld>
             <a:endParaRPr lang="fr-FR"/>
           </a:p>
@@ -3126,7 +6941,7 @@
           <a:p>
             <a:fld id="{E17A879C-0A64-469E-B8A2-BF5BD165327D}" type="datetime1">
               <a:rPr lang="fr-FR" smtClean="0"/>
-              <a:t>24/12/2025</a:t>
+              <a:t>07/01/2026</a:t>
             </a:fld>
             <a:endParaRPr lang="fr-FR"/>
           </a:p>
@@ -3324,7 +7139,7 @@
           <a:p>
             <a:fld id="{8E5A5641-7E66-483F-B0F2-069C9F76BD77}" type="datetime1">
               <a:rPr lang="fr-FR" smtClean="0"/>
-              <a:t>24/12/2025</a:t>
+              <a:t>07/01/2026</a:t>
             </a:fld>
             <a:endParaRPr lang="fr-FR"/>
           </a:p>
@@ -3532,7 +7347,7 @@
           <a:p>
             <a:fld id="{17124552-7DE6-47BF-985F-BA179E876D16}" type="datetime1">
               <a:rPr lang="fr-FR" smtClean="0"/>
-              <a:t>24/12/2025</a:t>
+              <a:t>07/01/2026</a:t>
             </a:fld>
             <a:endParaRPr lang="fr-FR"/>
           </a:p>
@@ -3730,7 +7545,7 @@
           <a:p>
             <a:fld id="{1A68892B-77F5-4CCA-9591-F24D93FDE34B}" type="datetime1">
               <a:rPr lang="fr-FR" smtClean="0"/>
-              <a:t>24/12/2025</a:t>
+              <a:t>07/01/2026</a:t>
             </a:fld>
             <a:endParaRPr lang="fr-FR"/>
           </a:p>
@@ -4005,7 +7820,7 @@
           <a:p>
             <a:fld id="{26018E9A-1945-4557-AEB5-4F18FF624DDF}" type="datetime1">
               <a:rPr lang="fr-FR" smtClean="0"/>
-              <a:t>24/12/2025</a:t>
+              <a:t>07/01/2026</a:t>
             </a:fld>
             <a:endParaRPr lang="fr-FR"/>
           </a:p>
@@ -4270,7 +8085,7 @@
           <a:p>
             <a:fld id="{A2165A06-8B1B-4E56-A989-A836DCD313FB}" type="datetime1">
               <a:rPr lang="fr-FR" smtClean="0"/>
-              <a:t>24/12/2025</a:t>
+              <a:t>07/01/2026</a:t>
             </a:fld>
             <a:endParaRPr lang="fr-FR"/>
           </a:p>
@@ -4682,7 +8497,7 @@
           <a:p>
             <a:fld id="{A10BF9B0-6586-4FA1-AD3E-0405E600628A}" type="datetime1">
               <a:rPr lang="fr-FR" smtClean="0"/>
-              <a:t>24/12/2025</a:t>
+              <a:t>07/01/2026</a:t>
             </a:fld>
             <a:endParaRPr lang="fr-FR"/>
           </a:p>
@@ -4823,7 +8638,7 @@
           <a:p>
             <a:fld id="{5AC7FDFF-27F4-416C-AAA5-054C421B7E35}" type="datetime1">
               <a:rPr lang="fr-FR" smtClean="0"/>
-              <a:t>24/12/2025</a:t>
+              <a:t>07/01/2026</a:t>
             </a:fld>
             <a:endParaRPr lang="fr-FR"/>
           </a:p>
@@ -4936,7 +8751,7 @@
           <a:p>
             <a:fld id="{FFD1D1DD-9E54-4704-9474-D58B50ABEC96}" type="datetime1">
               <a:rPr lang="fr-FR" smtClean="0"/>
-              <a:t>24/12/2025</a:t>
+              <a:t>07/01/2026</a:t>
             </a:fld>
             <a:endParaRPr lang="fr-FR"/>
           </a:p>
@@ -5247,7 +9062,7 @@
           <a:p>
             <a:fld id="{1A05297F-3CAB-463D-92DC-DBAC52BC76D8}" type="datetime1">
               <a:rPr lang="fr-FR" smtClean="0"/>
-              <a:t>24/12/2025</a:t>
+              <a:t>07/01/2026</a:t>
             </a:fld>
             <a:endParaRPr lang="fr-FR"/>
           </a:p>
@@ -5535,7 +9350,7 @@
           <a:p>
             <a:fld id="{78A6C159-C286-4F72-8EC5-4597CF01607E}" type="datetime1">
               <a:rPr lang="fr-FR" smtClean="0"/>
-              <a:t>24/12/2025</a:t>
+              <a:t>07/01/2026</a:t>
             </a:fld>
             <a:endParaRPr lang="fr-FR"/>
           </a:p>
@@ -5776,7 +9591,7 @@
           <a:p>
             <a:fld id="{04EAD4E5-CEC9-481A-97C7-CE2D7FC2BFAC}" type="datetime1">
               <a:rPr lang="fr-FR" smtClean="0"/>
-              <a:t>24/12/2025</a:t>
+              <a:t>07/01/2026</a:t>
             </a:fld>
             <a:endParaRPr lang="fr-FR"/>
           </a:p>
@@ -7292,14 +11107,14 @@
           <p:nvPr>
             <p:extLst>
               <p:ext uri="{D42A27DB-BD31-4B8C-83A1-F6EECF244321}">
-                <p14:modId xmlns:p14="http://schemas.microsoft.com/office/powerpoint/2010/main" val="1883320910"/>
+                <p14:modId xmlns:p14="http://schemas.microsoft.com/office/powerpoint/2010/main" val="1595901657"/>
               </p:ext>
             </p:extLst>
           </p:nvPr>
         </p:nvGraphicFramePr>
         <p:xfrm>
-          <a:off x="2551974" y="2296295"/>
-          <a:ext cx="2042160" cy="3200400"/>
+          <a:off x="2551974" y="2234709"/>
+          <a:ext cx="2042160" cy="3474720"/>
         </p:xfrm>
         <a:graphic>
           <a:graphicData uri="http://schemas.openxmlformats.org/drawingml/2006/table">
@@ -7456,6 +11271,46 @@
                         <a:cs typeface="+mn-cs"/>
                       </a:endParaRPr>
                     </a:p>
+                    <a:p>
+                      <a:pPr marL="0" marR="0" lvl="0" indent="0" algn="ctr" defTabSz="914400" rtl="0" eaLnBrk="1" fontAlgn="auto" latinLnBrk="0" hangingPunct="1">
+                        <a:lnSpc>
+                          <a:spcPct val="100000"/>
+                        </a:lnSpc>
+                        <a:spcBef>
+                          <a:spcPts val="0"/>
+                        </a:spcBef>
+                        <a:spcAft>
+                          <a:spcPts val="0"/>
+                        </a:spcAft>
+                        <a:buClrTx/>
+                        <a:buSzTx/>
+                        <a:buFontTx/>
+                        <a:buNone/>
+                        <a:tabLst/>
+                        <a:defRPr/>
+                      </a:pPr>
+                      <a:r>
+                        <a:rPr lang="fr-FR" sz="1800" b="0" kern="1200" dirty="0" err="1">
+                          <a:solidFill>
+                            <a:schemeClr val="dk1"/>
+                          </a:solidFill>
+                          <a:effectLst/>
+                          <a:latin typeface="+mn-lt"/>
+                          <a:ea typeface="+mn-ea"/>
+                          <a:cs typeface="+mn-cs"/>
+                        </a:rPr>
+                        <a:t>qfap_tags</a:t>
+                      </a:r>
+                      <a:endParaRPr lang="fr-FR" sz="1800" b="0" kern="1200" dirty="0">
+                        <a:solidFill>
+                          <a:schemeClr val="dk1"/>
+                        </a:solidFill>
+                        <a:effectLst/>
+                        <a:latin typeface="+mn-lt"/>
+                        <a:ea typeface="+mn-ea"/>
+                        <a:cs typeface="+mn-cs"/>
+                      </a:endParaRPr>
+                    </a:p>
                   </a:txBody>
                   <a:tcPr/>
                 </a:tc>
@@ -7484,13 +11339,13 @@
           <p:nvPr>
             <p:extLst>
               <p:ext uri="{D42A27DB-BD31-4B8C-83A1-F6EECF244321}">
-                <p14:modId xmlns:p14="http://schemas.microsoft.com/office/powerpoint/2010/main" val="1661362018"/>
+                <p14:modId xmlns:p14="http://schemas.microsoft.com/office/powerpoint/2010/main" val="2837378440"/>
               </p:ext>
             </p:extLst>
           </p:nvPr>
         </p:nvGraphicFramePr>
         <p:xfrm>
-          <a:off x="7932202" y="2844935"/>
+          <a:off x="7915566" y="2920509"/>
           <a:ext cx="2265680" cy="2103120"/>
         </p:xfrm>
         <a:graphic>
@@ -7650,8 +11505,8 @@
         </p:nvCxnSpPr>
         <p:spPr>
           <a:xfrm flipH="1">
-            <a:off x="4594134" y="3896495"/>
-            <a:ext cx="3338068" cy="0"/>
+            <a:off x="4594134" y="3972069"/>
+            <a:ext cx="3321432" cy="0"/>
           </a:xfrm>
           <a:prstGeom prst="line">
             <a:avLst/>
@@ -7827,7 +11682,7 @@
         </p:blipFill>
         <p:spPr>
           <a:xfrm rot="18961946" flipH="1">
-            <a:off x="4103141" y="2647549"/>
+            <a:off x="4022786" y="2490107"/>
             <a:ext cx="504282" cy="504282"/>
           </a:xfrm>
           <a:prstGeom prst="rect">
@@ -7863,7 +11718,7 @@
         </p:blipFill>
         <p:spPr>
           <a:xfrm rot="18961946" flipH="1">
-            <a:off x="9589218" y="3712674"/>
+            <a:off x="9730059" y="3176859"/>
             <a:ext cx="504282" cy="504282"/>
           </a:xfrm>
           <a:prstGeom prst="rect">
@@ -7899,7 +11754,7 @@
         </p:blipFill>
         <p:spPr>
           <a:xfrm rot="3830787">
-            <a:off x="4116792" y="4555513"/>
+            <a:off x="4120900" y="4471655"/>
             <a:ext cx="472096" cy="472096"/>
           </a:xfrm>
           <a:prstGeom prst="rect">
@@ -7925,6 +11780,311 @@
   <p:cSld>
     <p:spTree>
       <p:nvGrpSpPr>
+        <p:cNvPr id="1" name="">
+          <a:extLst>
+            <a:ext uri="{FF2B5EF4-FFF2-40B4-BE49-F238E27FC236}">
+              <a16:creationId xmlns:a16="http://schemas.microsoft.com/office/drawing/2014/main" id="{9CB1C362-D2DF-4524-3FE1-3E7B2E7198CE}"/>
+            </a:ext>
+          </a:extLst>
+        </p:cNvPr>
+        <p:cNvGrpSpPr/>
+        <p:nvPr/>
+      </p:nvGrpSpPr>
+      <p:grpSpPr>
+        <a:xfrm>
+          <a:off x="0" y="0"/>
+          <a:ext cx="0" cy="0"/>
+          <a:chOff x="0" y="0"/>
+          <a:chExt cx="0" cy="0"/>
+        </a:xfrm>
+      </p:grpSpPr>
+      <p:sp>
+        <p:nvSpPr>
+          <p:cNvPr id="2" name="Titre 1">
+            <a:extLst>
+              <a:ext uri="{FF2B5EF4-FFF2-40B4-BE49-F238E27FC236}">
+                <a16:creationId xmlns:a16="http://schemas.microsoft.com/office/drawing/2014/main" id="{1EC644C2-AC40-8E0F-0F7B-352FFEBA33C7}"/>
+              </a:ext>
+            </a:extLst>
+          </p:cNvPr>
+          <p:cNvSpPr>
+            <a:spLocks noGrp="1"/>
+          </p:cNvSpPr>
+          <p:nvPr>
+            <p:ph type="title"/>
+          </p:nvPr>
+        </p:nvSpPr>
+        <p:spPr/>
+        <p:txBody>
+          <a:bodyPr>
+            <a:normAutofit/>
+          </a:bodyPr>
+          <a:lstStyle/>
+          <a:p>
+            <a:r>
+              <a:rPr lang="fr-FR" dirty="0">
+                <a:latin typeface="Daytona" panose="020B0604030500040204" pitchFamily="34" charset="0"/>
+              </a:rPr>
+              <a:t>Insert / Update</a:t>
+            </a:r>
+          </a:p>
+        </p:txBody>
+      </p:sp>
+      <p:sp>
+        <p:nvSpPr>
+          <p:cNvPr id="12" name="Espace réservé du numéro de diapositive 11">
+            <a:extLst>
+              <a:ext uri="{FF2B5EF4-FFF2-40B4-BE49-F238E27FC236}">
+                <a16:creationId xmlns:a16="http://schemas.microsoft.com/office/drawing/2014/main" id="{2EA72AAF-A484-2A93-9B9C-D26A916F0460}"/>
+              </a:ext>
+            </a:extLst>
+          </p:cNvPr>
+          <p:cNvSpPr>
+            <a:spLocks noGrp="1"/>
+          </p:cNvSpPr>
+          <p:nvPr>
+            <p:ph type="sldNum" sz="quarter" idx="12"/>
+          </p:nvPr>
+        </p:nvSpPr>
+        <p:spPr/>
+        <p:txBody>
+          <a:bodyPr/>
+          <a:lstStyle/>
+          <a:p>
+            <a:fld id="{6997B004-CFCE-48D1-9298-DADD64B1EF73}" type="slidenum">
+              <a:rPr lang="fr-FR" smtClean="0"/>
+              <a:t>6</a:t>
+            </a:fld>
+            <a:endParaRPr lang="fr-FR"/>
+          </a:p>
+        </p:txBody>
+      </p:sp>
+      <p:graphicFrame>
+        <p:nvGraphicFramePr>
+          <p:cNvPr id="4" name="Diagramme 3">
+            <a:extLst>
+              <a:ext uri="{FF2B5EF4-FFF2-40B4-BE49-F238E27FC236}">
+                <a16:creationId xmlns:a16="http://schemas.microsoft.com/office/drawing/2014/main" id="{60D36398-6535-242D-762D-D7E2E21B6CC4}"/>
+              </a:ext>
+            </a:extLst>
+          </p:cNvPr>
+          <p:cNvGraphicFramePr/>
+          <p:nvPr>
+            <p:extLst>
+              <p:ext uri="{D42A27DB-BD31-4B8C-83A1-F6EECF244321}">
+                <p14:modId xmlns:p14="http://schemas.microsoft.com/office/powerpoint/2010/main" val="686644741"/>
+              </p:ext>
+            </p:extLst>
+          </p:nvPr>
+        </p:nvGraphicFramePr>
+        <p:xfrm>
+          <a:off x="922214" y="1905802"/>
+          <a:ext cx="10599225" cy="2951994"/>
+        </p:xfrm>
+        <a:graphic>
+          <a:graphicData uri="http://schemas.openxmlformats.org/drawingml/2006/diagram">
+            <dgm:relIds xmlns:dgm="http://schemas.openxmlformats.org/drawingml/2006/diagram" xmlns:r="http://schemas.openxmlformats.org/officeDocument/2006/relationships" r:dm="rId2" r:lo="rId3" r:qs="rId4" r:cs="rId5"/>
+          </a:graphicData>
+        </a:graphic>
+      </p:graphicFrame>
+      <p:pic>
+        <p:nvPicPr>
+          <p:cNvPr id="6" name="Image 5">
+            <a:extLst>
+              <a:ext uri="{FF2B5EF4-FFF2-40B4-BE49-F238E27FC236}">
+                <a16:creationId xmlns:a16="http://schemas.microsoft.com/office/drawing/2014/main" id="{C259F3F9-1210-0F7F-B616-F2192CAB7777}"/>
+              </a:ext>
+            </a:extLst>
+          </p:cNvPr>
+          <p:cNvPicPr>
+            <a:picLocks noChangeAspect="1"/>
+          </p:cNvPicPr>
+          <p:nvPr/>
+        </p:nvPicPr>
+        <p:blipFill>
+          <a:blip r:embed="rId7"/>
+          <a:stretch>
+            <a:fillRect/>
+          </a:stretch>
+        </p:blipFill>
+        <p:spPr>
+          <a:xfrm>
+            <a:off x="5123595" y="2640196"/>
+            <a:ext cx="250573" cy="240078"/>
+          </a:xfrm>
+          <a:prstGeom prst="rect">
+            <a:avLst/>
+          </a:prstGeom>
+        </p:spPr>
+      </p:pic>
+      <p:pic>
+        <p:nvPicPr>
+          <p:cNvPr id="9" name="Image 8">
+            <a:extLst>
+              <a:ext uri="{FF2B5EF4-FFF2-40B4-BE49-F238E27FC236}">
+                <a16:creationId xmlns:a16="http://schemas.microsoft.com/office/drawing/2014/main" id="{9995E565-2E66-15C2-1B55-573B9359A3AD}"/>
+              </a:ext>
+            </a:extLst>
+          </p:cNvPr>
+          <p:cNvPicPr>
+            <a:picLocks noChangeAspect="1"/>
+          </p:cNvPicPr>
+          <p:nvPr/>
+        </p:nvPicPr>
+        <p:blipFill>
+          <a:blip r:embed="rId8"/>
+          <a:stretch>
+            <a:fillRect/>
+          </a:stretch>
+        </p:blipFill>
+        <p:spPr>
+          <a:xfrm>
+            <a:off x="5123595" y="3977727"/>
+            <a:ext cx="232206" cy="247949"/>
+          </a:xfrm>
+          <a:prstGeom prst="rect">
+            <a:avLst/>
+          </a:prstGeom>
+        </p:spPr>
+      </p:pic>
+      <p:pic>
+        <p:nvPicPr>
+          <p:cNvPr id="11" name="Image 10">
+            <a:extLst>
+              <a:ext uri="{FF2B5EF4-FFF2-40B4-BE49-F238E27FC236}">
+                <a16:creationId xmlns:a16="http://schemas.microsoft.com/office/drawing/2014/main" id="{57B81CA7-19F0-C923-2064-6BF985097DBE}"/>
+              </a:ext>
+            </a:extLst>
+          </p:cNvPr>
+          <p:cNvPicPr>
+            <a:picLocks noChangeAspect="1"/>
+          </p:cNvPicPr>
+          <p:nvPr/>
+        </p:nvPicPr>
+        <p:blipFill>
+          <a:blip r:embed="rId7"/>
+          <a:stretch>
+            <a:fillRect/>
+          </a:stretch>
+        </p:blipFill>
+        <p:spPr>
+          <a:xfrm>
+            <a:off x="6970046" y="2079062"/>
+            <a:ext cx="250573" cy="240078"/>
+          </a:xfrm>
+          <a:prstGeom prst="rect">
+            <a:avLst/>
+          </a:prstGeom>
+        </p:spPr>
+      </p:pic>
+      <p:pic>
+        <p:nvPicPr>
+          <p:cNvPr id="13" name="Image 12">
+            <a:extLst>
+              <a:ext uri="{FF2B5EF4-FFF2-40B4-BE49-F238E27FC236}">
+                <a16:creationId xmlns:a16="http://schemas.microsoft.com/office/drawing/2014/main" id="{8D1FAE21-D77F-2056-8E53-B335A2AB08E9}"/>
+              </a:ext>
+            </a:extLst>
+          </p:cNvPr>
+          <p:cNvPicPr>
+            <a:picLocks noChangeAspect="1"/>
+          </p:cNvPicPr>
+          <p:nvPr/>
+        </p:nvPicPr>
+        <p:blipFill>
+          <a:blip r:embed="rId8"/>
+          <a:stretch>
+            <a:fillRect/>
+          </a:stretch>
+        </p:blipFill>
+        <p:spPr>
+          <a:xfrm>
+            <a:off x="6987768" y="2934305"/>
+            <a:ext cx="232206" cy="247949"/>
+          </a:xfrm>
+          <a:prstGeom prst="rect">
+            <a:avLst/>
+          </a:prstGeom>
+        </p:spPr>
+      </p:pic>
+      <p:pic>
+        <p:nvPicPr>
+          <p:cNvPr id="14" name="Image 13">
+            <a:extLst>
+              <a:ext uri="{FF2B5EF4-FFF2-40B4-BE49-F238E27FC236}">
+                <a16:creationId xmlns:a16="http://schemas.microsoft.com/office/drawing/2014/main" id="{78E058BC-7A80-24D2-D0DA-4E44AC6F4122}"/>
+              </a:ext>
+            </a:extLst>
+          </p:cNvPr>
+          <p:cNvPicPr>
+            <a:picLocks noChangeAspect="1"/>
+          </p:cNvPicPr>
+          <p:nvPr/>
+        </p:nvPicPr>
+        <p:blipFill>
+          <a:blip r:embed="rId7"/>
+          <a:stretch>
+            <a:fillRect/>
+          </a:stretch>
+        </p:blipFill>
+        <p:spPr>
+          <a:xfrm>
+            <a:off x="6987767" y="3512155"/>
+            <a:ext cx="250573" cy="240078"/>
+          </a:xfrm>
+          <a:prstGeom prst="rect">
+            <a:avLst/>
+          </a:prstGeom>
+        </p:spPr>
+      </p:pic>
+      <p:pic>
+        <p:nvPicPr>
+          <p:cNvPr id="16" name="Image 15">
+            <a:extLst>
+              <a:ext uri="{FF2B5EF4-FFF2-40B4-BE49-F238E27FC236}">
+                <a16:creationId xmlns:a16="http://schemas.microsoft.com/office/drawing/2014/main" id="{333A9AB6-56C9-8704-4049-6102A4D5D681}"/>
+              </a:ext>
+            </a:extLst>
+          </p:cNvPr>
+          <p:cNvPicPr>
+            <a:picLocks noChangeAspect="1"/>
+          </p:cNvPicPr>
+          <p:nvPr/>
+        </p:nvPicPr>
+        <p:blipFill>
+          <a:blip r:embed="rId8"/>
+          <a:stretch>
+            <a:fillRect/>
+          </a:stretch>
+        </p:blipFill>
+        <p:spPr>
+          <a:xfrm>
+            <a:off x="6987768" y="4454025"/>
+            <a:ext cx="232206" cy="247949"/>
+          </a:xfrm>
+          <a:prstGeom prst="rect">
+            <a:avLst/>
+          </a:prstGeom>
+        </p:spPr>
+      </p:pic>
+    </p:spTree>
+    <p:extLst>
+      <p:ext uri="{BB962C8B-B14F-4D97-AF65-F5344CB8AC3E}">
+        <p14:creationId xmlns:p14="http://schemas.microsoft.com/office/powerpoint/2010/main" val="572413027"/>
+      </p:ext>
+    </p:extLst>
+  </p:cSld>
+  <p:clrMapOvr>
+    <a:masterClrMapping/>
+  </p:clrMapOvr>
+</p:sld>
+</file>
+
+<file path=ppt/slides/slide7.xml><?xml version="1.0" encoding="utf-8"?>
+<p:sld xmlns:a="http://schemas.openxmlformats.org/drawingml/2006/main" xmlns:r="http://schemas.openxmlformats.org/officeDocument/2006/relationships" xmlns:p="http://schemas.openxmlformats.org/presentationml/2006/main">
+  <p:cSld>
+    <p:spTree>
+      <p:nvGrpSpPr>
         <p:cNvPr id="1" name=""/>
         <p:cNvGrpSpPr/>
         <p:nvPr/>
@@ -7953,7 +12113,12 @@
             <p:ph type="title"/>
           </p:nvPr>
         </p:nvSpPr>
-        <p:spPr/>
+        <p:spPr>
+          <a:xfrm>
+            <a:off x="158135" y="8380"/>
+            <a:ext cx="10515600" cy="1325563"/>
+          </a:xfrm>
+        </p:spPr>
         <p:txBody>
           <a:bodyPr/>
           <a:lstStyle/>
@@ -7982,13 +12147,13 @@
           <p:nvPr>
             <p:extLst>
               <p:ext uri="{D42A27DB-BD31-4B8C-83A1-F6EECF244321}">
-                <p14:modId xmlns:p14="http://schemas.microsoft.com/office/powerpoint/2010/main" val="3586075972"/>
+                <p14:modId xmlns:p14="http://schemas.microsoft.com/office/powerpoint/2010/main" val="2660784958"/>
               </p:ext>
             </p:extLst>
           </p:nvPr>
         </p:nvGraphicFramePr>
         <p:xfrm>
-          <a:off x="8492744" y="4670512"/>
+          <a:off x="6065232" y="4880522"/>
           <a:ext cx="2265680" cy="1559560"/>
         </p:xfrm>
         <a:graphic>
@@ -8096,14 +12261,14 @@
           <p:nvPr>
             <p:extLst>
               <p:ext uri="{D42A27DB-BD31-4B8C-83A1-F6EECF244321}">
-                <p14:modId xmlns:p14="http://schemas.microsoft.com/office/powerpoint/2010/main" val="953990526"/>
+                <p14:modId xmlns:p14="http://schemas.microsoft.com/office/powerpoint/2010/main" val="2072242656"/>
               </p:ext>
             </p:extLst>
           </p:nvPr>
         </p:nvGraphicFramePr>
         <p:xfrm>
-          <a:off x="964692" y="2052352"/>
-          <a:ext cx="2042160" cy="2651760"/>
+          <a:off x="3598920" y="1082995"/>
+          <a:ext cx="1936681" cy="2926080"/>
         </p:xfrm>
         <a:graphic>
           <a:graphicData uri="http://schemas.openxmlformats.org/drawingml/2006/table">
@@ -8112,7 +12277,7 @@
                 <a:tableStyleId>{5C22544A-7EE6-4342-B048-85BDC9FD1C3A}</a:tableStyleId>
               </a:tblPr>
               <a:tblGrid>
-                <a:gridCol w="2042160">
+                <a:gridCol w="1936681">
                   <a:extLst>
                     <a:ext uri="{9D8B030D-6E8A-4147-A177-3AD203B41FA5}">
                       <a16:colId xmlns:a16="http://schemas.microsoft.com/office/drawing/2014/main" val="1516608136"/>
@@ -8212,6 +12377,30 @@
                       </a:r>
                       <a:endParaRPr lang="fr-FR" dirty="0"/>
                     </a:p>
+                    <a:p>
+                      <a:pPr marL="0" marR="0" lvl="0" indent="0" algn="ctr" defTabSz="914400" rtl="0" eaLnBrk="1" fontAlgn="auto" latinLnBrk="0" hangingPunct="1">
+                        <a:lnSpc>
+                          <a:spcPct val="100000"/>
+                        </a:lnSpc>
+                        <a:spcBef>
+                          <a:spcPts val="0"/>
+                        </a:spcBef>
+                        <a:spcAft>
+                          <a:spcPts val="0"/>
+                        </a:spcAft>
+                        <a:buClrTx/>
+                        <a:buSzTx/>
+                        <a:buFontTx/>
+                        <a:buNone/>
+                        <a:tabLst/>
+                        <a:defRPr/>
+                      </a:pPr>
+                      <a:r>
+                        <a:rPr lang="fr-FR" dirty="0" err="1"/>
+                        <a:t>Categories_id</a:t>
+                      </a:r>
+                      <a:endParaRPr lang="fr-FR" dirty="0"/>
+                    </a:p>
                   </a:txBody>
                   <a:tcPr/>
                 </a:tc>
@@ -8240,13 +12429,13 @@
           <p:nvPr>
             <p:extLst>
               <p:ext uri="{D42A27DB-BD31-4B8C-83A1-F6EECF244321}">
-                <p14:modId xmlns:p14="http://schemas.microsoft.com/office/powerpoint/2010/main" val="2623937906"/>
+                <p14:modId xmlns:p14="http://schemas.microsoft.com/office/powerpoint/2010/main" val="1384031058"/>
               </p:ext>
             </p:extLst>
           </p:nvPr>
         </p:nvGraphicFramePr>
         <p:xfrm>
-          <a:off x="4760976" y="863600"/>
+          <a:off x="6776066" y="798080"/>
           <a:ext cx="2265680" cy="1828800"/>
         </p:xfrm>
         <a:graphic>
@@ -8366,13 +12555,13 @@
           <p:nvPr>
             <p:extLst>
               <p:ext uri="{D42A27DB-BD31-4B8C-83A1-F6EECF244321}">
-                <p14:modId xmlns:p14="http://schemas.microsoft.com/office/powerpoint/2010/main" val="85285661"/>
+                <p14:modId xmlns:p14="http://schemas.microsoft.com/office/powerpoint/2010/main" val="486397792"/>
               </p:ext>
             </p:extLst>
           </p:nvPr>
         </p:nvGraphicFramePr>
         <p:xfrm>
-          <a:off x="8492744" y="1272540"/>
+          <a:off x="9625584" y="1217127"/>
           <a:ext cx="2265680" cy="1010920"/>
         </p:xfrm>
         <a:graphic>
@@ -8403,7 +12592,7 @@
                       </a:r>
                       <a:r>
                         <a:rPr lang="fr-FR" dirty="0" err="1"/>
-                        <a:t>Cards</a:t>
+                        <a:t>Cards_locations</a:t>
                       </a:r>
                       <a:endParaRPr lang="fr-FR" dirty="0"/>
                     </a:p>
@@ -8481,7 +12670,7 @@
           <a:p>
             <a:fld id="{6997B004-CFCE-48D1-9298-DADD64B1EF73}" type="slidenum">
               <a:rPr lang="fr-FR" smtClean="0"/>
-              <a:t>6</a:t>
+              <a:t>7</a:t>
             </a:fld>
             <a:endParaRPr lang="fr-FR"/>
           </a:p>
@@ -8502,13 +12691,13 @@
           <p:nvPr>
             <p:extLst>
               <p:ext uri="{D42A27DB-BD31-4B8C-83A1-F6EECF244321}">
-                <p14:modId xmlns:p14="http://schemas.microsoft.com/office/powerpoint/2010/main" val="586695700"/>
+                <p14:modId xmlns:p14="http://schemas.microsoft.com/office/powerpoint/2010/main" val="3927257643"/>
               </p:ext>
             </p:extLst>
           </p:nvPr>
         </p:nvGraphicFramePr>
         <p:xfrm>
-          <a:off x="4760976" y="4947372"/>
+          <a:off x="6176992" y="3424998"/>
           <a:ext cx="2042160" cy="1005840"/>
         </p:xfrm>
         <a:graphic>
@@ -8603,48 +12792,8 @@
         </p:nvCxnSpPr>
         <p:spPr>
           <a:xfrm flipH="1">
-            <a:off x="3006852" y="1778000"/>
-            <a:ext cx="1754124" cy="1600232"/>
-          </a:xfrm>
-          <a:prstGeom prst="line">
-            <a:avLst/>
-          </a:prstGeom>
-        </p:spPr>
-        <p:style>
-          <a:lnRef idx="2">
-            <a:schemeClr val="accent1"/>
-          </a:lnRef>
-          <a:fillRef idx="0">
-            <a:schemeClr val="accent1"/>
-          </a:fillRef>
-          <a:effectRef idx="1">
-            <a:schemeClr val="accent1"/>
-          </a:effectRef>
-          <a:fontRef idx="minor">
-            <a:schemeClr val="tx1"/>
-          </a:fontRef>
-        </p:style>
-      </p:cxnSp>
-      <p:cxnSp>
-        <p:nvCxnSpPr>
-          <p:cNvPr id="20" name="Connecteur droit 19">
-            <a:extLst>
-              <a:ext uri="{FF2B5EF4-FFF2-40B4-BE49-F238E27FC236}">
-                <a16:creationId xmlns:a16="http://schemas.microsoft.com/office/drawing/2014/main" id="{F315A1BF-06B7-5A0F-4063-7B5A8E068CF2}"/>
-              </a:ext>
-            </a:extLst>
-          </p:cNvPr>
-          <p:cNvCxnSpPr>
-            <a:cxnSpLocks/>
-            <a:stCxn id="7" idx="1"/>
-            <a:endCxn id="13" idx="3"/>
-          </p:cNvCxnSpPr>
-          <p:nvPr/>
-        </p:nvCxnSpPr>
-        <p:spPr>
-          <a:xfrm flipH="1">
-            <a:off x="6803136" y="5450292"/>
-            <a:ext cx="1689608" cy="0"/>
+            <a:off x="5535601" y="1712480"/>
+            <a:ext cx="1240465" cy="833555"/>
           </a:xfrm>
           <a:prstGeom prst="line">
             <a:avLst/>
@@ -8683,8 +12832,8 @@
         </p:nvCxnSpPr>
         <p:spPr>
           <a:xfrm flipH="1" flipV="1">
-            <a:off x="3006852" y="3378232"/>
-            <a:ext cx="1754124" cy="2072060"/>
+            <a:off x="5535601" y="2546035"/>
+            <a:ext cx="641391" cy="1381883"/>
           </a:xfrm>
           <a:prstGeom prst="line">
             <a:avLst/>
@@ -8720,13 +12869,13 @@
           <p:nvPr>
             <p:extLst>
               <p:ext uri="{D42A27DB-BD31-4B8C-83A1-F6EECF244321}">
-                <p14:modId xmlns:p14="http://schemas.microsoft.com/office/powerpoint/2010/main" val="2838213312"/>
+                <p14:modId xmlns:p14="http://schemas.microsoft.com/office/powerpoint/2010/main" val="1168845532"/>
               </p:ext>
             </p:extLst>
           </p:nvPr>
         </p:nvGraphicFramePr>
         <p:xfrm>
-          <a:off x="8492744" y="3021364"/>
+          <a:off x="9625584" y="4364702"/>
           <a:ext cx="2265680" cy="1031640"/>
         </p:xfrm>
         <a:graphic>
@@ -8829,89 +12978,9 @@
           <p:nvPr/>
         </p:nvCxnSpPr>
         <p:spPr>
-          <a:xfrm flipH="1">
-            <a:off x="7026656" y="1778000"/>
-            <a:ext cx="1466088" cy="0"/>
-          </a:xfrm>
-          <a:prstGeom prst="line">
-            <a:avLst/>
-          </a:prstGeom>
-        </p:spPr>
-        <p:style>
-          <a:lnRef idx="2">
-            <a:schemeClr val="accent1"/>
-          </a:lnRef>
-          <a:fillRef idx="0">
-            <a:schemeClr val="accent1"/>
-          </a:fillRef>
-          <a:effectRef idx="1">
-            <a:schemeClr val="accent1"/>
-          </a:effectRef>
-          <a:fontRef idx="minor">
-            <a:schemeClr val="tx1"/>
-          </a:fontRef>
-        </p:style>
-      </p:cxnSp>
-      <p:cxnSp>
-        <p:nvCxnSpPr>
-          <p:cNvPr id="40" name="Connecteur droit 39">
-            <a:extLst>
-              <a:ext uri="{FF2B5EF4-FFF2-40B4-BE49-F238E27FC236}">
-                <a16:creationId xmlns:a16="http://schemas.microsoft.com/office/drawing/2014/main" id="{74B20830-1EE7-C7F2-20E2-E1DC5EAE8EC9}"/>
-              </a:ext>
-            </a:extLst>
-          </p:cNvPr>
-          <p:cNvCxnSpPr>
-            <a:cxnSpLocks/>
-            <a:stCxn id="11" idx="2"/>
-            <a:endCxn id="36" idx="0"/>
-          </p:cNvCxnSpPr>
-          <p:nvPr/>
-        </p:nvCxnSpPr>
-        <p:spPr>
-          <a:xfrm>
-            <a:off x="9625584" y="2283460"/>
-            <a:ext cx="0" cy="737904"/>
-          </a:xfrm>
-          <a:prstGeom prst="line">
-            <a:avLst/>
-          </a:prstGeom>
-        </p:spPr>
-        <p:style>
-          <a:lnRef idx="2">
-            <a:schemeClr val="accent1"/>
-          </a:lnRef>
-          <a:fillRef idx="0">
-            <a:schemeClr val="accent1"/>
-          </a:fillRef>
-          <a:effectRef idx="1">
-            <a:schemeClr val="accent1"/>
-          </a:effectRef>
-          <a:fontRef idx="minor">
-            <a:schemeClr val="tx1"/>
-          </a:fontRef>
-        </p:style>
-      </p:cxnSp>
-      <p:cxnSp>
-        <p:nvCxnSpPr>
-          <p:cNvPr id="67" name="Connecteur droit 66">
-            <a:extLst>
-              <a:ext uri="{FF2B5EF4-FFF2-40B4-BE49-F238E27FC236}">
-                <a16:creationId xmlns:a16="http://schemas.microsoft.com/office/drawing/2014/main" id="{ADCB905F-8B90-C0E9-DBB5-1547C1B6A4C7}"/>
-              </a:ext>
-            </a:extLst>
-          </p:cNvPr>
-          <p:cNvCxnSpPr>
-            <a:cxnSpLocks/>
-            <a:stCxn id="36" idx="2"/>
-            <a:endCxn id="7" idx="0"/>
-          </p:cNvCxnSpPr>
-          <p:nvPr/>
-        </p:nvCxnSpPr>
-        <p:spPr>
-          <a:xfrm>
-            <a:off x="9625584" y="4053004"/>
-            <a:ext cx="0" cy="617508"/>
+          <a:xfrm flipH="1" flipV="1">
+            <a:off x="9041746" y="1712480"/>
+            <a:ext cx="583838" cy="10107"/>
           </a:xfrm>
           <a:prstGeom prst="line">
             <a:avLst/>
@@ -9018,8 +13087,8 @@
         </p:nvSpPr>
         <p:spPr>
           <a:xfrm>
-            <a:off x="7833036" y="523256"/>
-            <a:ext cx="3116396" cy="307777"/>
+            <a:off x="8075368" y="440179"/>
+            <a:ext cx="3116396" cy="276999"/>
           </a:xfrm>
           <a:prstGeom prst="rect">
             <a:avLst/>
@@ -9033,25 +13102,25 @@
           <a:lstStyle/>
           <a:p>
             <a:r>
-              <a:rPr lang="fr-FR" sz="1400" dirty="0" err="1">
+              <a:rPr lang="fr-FR" sz="1200" dirty="0" err="1">
                 <a:latin typeface="Daytona" panose="020B0604030500040204" pitchFamily="34" charset="0"/>
               </a:rPr>
               <a:t>Primary</a:t>
             </a:r>
             <a:r>
-              <a:rPr lang="fr-FR" sz="1400" dirty="0">
+              <a:rPr lang="fr-FR" sz="1200" dirty="0">
                 <a:latin typeface="Daytona" panose="020B0604030500040204" pitchFamily="34" charset="0"/>
               </a:rPr>
               <a:t> key       </a:t>
             </a:r>
             <a:r>
-              <a:rPr lang="fr-FR" sz="1400" dirty="0" err="1">
+              <a:rPr lang="fr-FR" sz="1200" dirty="0" err="1">
                 <a:latin typeface="Daytona" panose="020B0604030500040204" pitchFamily="34" charset="0"/>
               </a:rPr>
               <a:t>Foreign</a:t>
             </a:r>
             <a:r>
-              <a:rPr lang="fr-FR" sz="1400" dirty="0">
+              <a:rPr lang="fr-FR" sz="1200" dirty="0">
                 <a:latin typeface="Daytona" panose="020B0604030500040204" pitchFamily="34" charset="0"/>
               </a:rPr>
               <a:t> key</a:t>
@@ -9087,7 +13156,7 @@
         </p:blipFill>
         <p:spPr>
           <a:xfrm rot="18961946" flipH="1">
-            <a:off x="10086583" y="4996608"/>
+            <a:off x="7733350" y="5216081"/>
             <a:ext cx="504282" cy="504282"/>
           </a:xfrm>
           <a:prstGeom prst="rect">
@@ -9123,7 +13192,7 @@
         </p:blipFill>
         <p:spPr>
           <a:xfrm rot="18961946" flipH="1">
-            <a:off x="2515859" y="2363093"/>
+            <a:off x="5096702" y="1356571"/>
             <a:ext cx="504282" cy="504282"/>
           </a:xfrm>
           <a:prstGeom prst="rect">
@@ -9159,7 +13228,7 @@
         </p:blipFill>
         <p:spPr>
           <a:xfrm rot="18961946" flipH="1">
-            <a:off x="6570390" y="1182699"/>
+            <a:off x="8503456" y="1122422"/>
             <a:ext cx="504282" cy="504282"/>
           </a:xfrm>
           <a:prstGeom prst="rect">
@@ -9195,7 +13264,7 @@
         </p:blipFill>
         <p:spPr>
           <a:xfrm rot="3830787">
-            <a:off x="2529510" y="4271057"/>
+            <a:off x="5129523" y="3311481"/>
             <a:ext cx="472096" cy="472096"/>
           </a:xfrm>
           <a:prstGeom prst="rect">
@@ -9205,10 +13274,10 @@
       </p:pic>
       <p:sp>
         <p:nvSpPr>
-          <p:cNvPr id="86" name="Accolade fermante 85">
+          <p:cNvPr id="90" name="Accolade fermante 89">
             <a:extLst>
               <a:ext uri="{FF2B5EF4-FFF2-40B4-BE49-F238E27FC236}">
-                <a16:creationId xmlns:a16="http://schemas.microsoft.com/office/drawing/2014/main" id="{651BA04D-943C-C727-2B59-1F4858F1D1EE}"/>
+                <a16:creationId xmlns:a16="http://schemas.microsoft.com/office/drawing/2014/main" id="{8EADCA15-509F-4DDF-3F44-123AAA89BBDA}"/>
               </a:ext>
             </a:extLst>
           </p:cNvPr>
@@ -9217,7 +13286,7 @@
         </p:nvSpPr>
         <p:spPr>
           <a:xfrm>
-            <a:off x="6182358" y="5390990"/>
+            <a:off x="11394958" y="1662861"/>
             <a:ext cx="90424" cy="493776"/>
           </a:xfrm>
           <a:prstGeom prst="rightBrace">
@@ -9252,10 +13321,10 @@
       </p:sp>
       <p:pic>
         <p:nvPicPr>
-          <p:cNvPr id="88" name="Image 87" descr="Une image contenant logo, symbole, Graphique, Police&#10;&#10;Le contenu généré par l’IA peut être incorrect.">
+          <p:cNvPr id="91" name="Image 90" descr="Une image contenant logo, symbole, Graphique, Police&#10;&#10;Le contenu généré par l’IA peut être incorrect.">
             <a:extLst>
               <a:ext uri="{FF2B5EF4-FFF2-40B4-BE49-F238E27FC236}">
-                <a16:creationId xmlns:a16="http://schemas.microsoft.com/office/drawing/2014/main" id="{57D98003-01A2-9384-14F5-AB4853D16F48}"/>
+                <a16:creationId xmlns:a16="http://schemas.microsoft.com/office/drawing/2014/main" id="{6560BE70-4CBC-5081-D63C-1E422B23DE4B}"/>
               </a:ext>
             </a:extLst>
           </p:cNvPr>
@@ -9278,7 +13347,7 @@
         </p:blipFill>
         <p:spPr>
           <a:xfrm rot="18961946" flipH="1">
-            <a:off x="6262958" y="5385736"/>
+            <a:off x="11475558" y="1657607"/>
             <a:ext cx="504282" cy="504282"/>
           </a:xfrm>
           <a:prstGeom prst="rect">
@@ -9288,10 +13357,10 @@
       </p:pic>
       <p:sp>
         <p:nvSpPr>
-          <p:cNvPr id="90" name="Accolade fermante 89">
+          <p:cNvPr id="92" name="Accolade fermante 91">
             <a:extLst>
               <a:ext uri="{FF2B5EF4-FFF2-40B4-BE49-F238E27FC236}">
-                <a16:creationId xmlns:a16="http://schemas.microsoft.com/office/drawing/2014/main" id="{8EADCA15-509F-4DDF-3F44-123AAA89BBDA}"/>
+                <a16:creationId xmlns:a16="http://schemas.microsoft.com/office/drawing/2014/main" id="{A3479C90-0FDC-909B-CD58-AE1F8494F205}"/>
               </a:ext>
             </a:extLst>
           </p:cNvPr>
@@ -9300,7 +13369,7 @@
         </p:nvSpPr>
         <p:spPr>
           <a:xfrm>
-            <a:off x="10221665" y="1734271"/>
+            <a:off x="11352730" y="4792933"/>
             <a:ext cx="90424" cy="493776"/>
           </a:xfrm>
           <a:prstGeom prst="rightBrace">
@@ -9335,10 +13404,10 @@
       </p:sp>
       <p:pic>
         <p:nvPicPr>
-          <p:cNvPr id="91" name="Image 90" descr="Une image contenant logo, symbole, Graphique, Police&#10;&#10;Le contenu généré par l’IA peut être incorrect.">
+          <p:cNvPr id="93" name="Image 92" descr="Une image contenant logo, symbole, Graphique, Police&#10;&#10;Le contenu généré par l’IA peut être incorrect.">
             <a:extLst>
               <a:ext uri="{FF2B5EF4-FFF2-40B4-BE49-F238E27FC236}">
-                <a16:creationId xmlns:a16="http://schemas.microsoft.com/office/drawing/2014/main" id="{6560BE70-4CBC-5081-D63C-1E422B23DE4B}"/>
+                <a16:creationId xmlns:a16="http://schemas.microsoft.com/office/drawing/2014/main" id="{228BF651-4665-4AD8-944C-A736A6AF1BB8}"/>
               </a:ext>
             </a:extLst>
           </p:cNvPr>
@@ -9361,7 +13430,7 @@
         </p:blipFill>
         <p:spPr>
           <a:xfrm rot="18961946" flipH="1">
-            <a:off x="10302265" y="1729017"/>
+            <a:off x="11433330" y="4787679"/>
             <a:ext cx="504282" cy="504282"/>
           </a:xfrm>
           <a:prstGeom prst="rect">
@@ -9369,28 +13438,236 @@
           </a:prstGeom>
         </p:spPr>
       </p:pic>
-      <p:sp>
-        <p:nvSpPr>
-          <p:cNvPr id="92" name="Accolade fermante 91">
+      <p:graphicFrame>
+        <p:nvGraphicFramePr>
+          <p:cNvPr id="54" name="Tableau 53">
             <a:extLst>
               <a:ext uri="{FF2B5EF4-FFF2-40B4-BE49-F238E27FC236}">
-                <a16:creationId xmlns:a16="http://schemas.microsoft.com/office/drawing/2014/main" id="{A3479C90-0FDC-909B-CD58-AE1F8494F205}"/>
+                <a16:creationId xmlns:a16="http://schemas.microsoft.com/office/drawing/2014/main" id="{35EC57F2-54CB-49A4-4C0A-5999544EFA3F}"/>
               </a:ext>
             </a:extLst>
           </p:cNvPr>
-          <p:cNvSpPr/>
+          <p:cNvGraphicFramePr>
+            <a:graphicFrameLocks noGrp="1"/>
+          </p:cNvGraphicFramePr>
+          <p:nvPr>
+            <p:extLst>
+              <p:ext uri="{D42A27DB-BD31-4B8C-83A1-F6EECF244321}">
+                <p14:modId xmlns:p14="http://schemas.microsoft.com/office/powerpoint/2010/main" val="538033628"/>
+              </p:ext>
+            </p:extLst>
+          </p:nvPr>
+        </p:nvGraphicFramePr>
+        <p:xfrm>
+          <a:off x="753739" y="2020615"/>
+          <a:ext cx="2042160" cy="1005840"/>
+        </p:xfrm>
+        <a:graphic>
+          <a:graphicData uri="http://schemas.openxmlformats.org/drawingml/2006/table">
+            <a:tbl>
+              <a:tblPr firstRow="1" bandRow="1">
+                <a:tableStyleId>{5C22544A-7EE6-4342-B048-85BDC9FD1C3A}</a:tableStyleId>
+              </a:tblPr>
+              <a:tblGrid>
+                <a:gridCol w="2042160">
+                  <a:extLst>
+                    <a:ext uri="{9D8B030D-6E8A-4147-A177-3AD203B41FA5}">
+                      <a16:colId xmlns:a16="http://schemas.microsoft.com/office/drawing/2014/main" val="1516608136"/>
+                    </a:ext>
+                  </a:extLst>
+                </a:gridCol>
+              </a:tblGrid>
+              <a:tr h="330812">
+                <a:tc>
+                  <a:txBody>
+                    <a:bodyPr/>
+                    <a:lstStyle/>
+                    <a:p>
+                      <a:pPr algn="ctr"/>
+                      <a:r>
+                        <a:rPr lang="fr-FR" dirty="0" err="1"/>
+                        <a:t>Event_categories</a:t>
+                      </a:r>
+                      <a:endParaRPr lang="fr-FR" dirty="0"/>
+                    </a:p>
+                  </a:txBody>
+                  <a:tcPr>
+                    <a:solidFill>
+                      <a:srgbClr val="0070C0"/>
+                    </a:solidFill>
+                  </a:tcPr>
+                </a:tc>
+                <a:extLst>
+                  <a:ext uri="{0D108BD9-81ED-4DB2-BD59-A6C34878D82A}">
+                    <a16:rowId xmlns:a16="http://schemas.microsoft.com/office/drawing/2014/main" val="1200805338"/>
+                  </a:ext>
+                </a:extLst>
+              </a:tr>
+              <a:tr h="370840">
+                <a:tc>
+                  <a:txBody>
+                    <a:bodyPr/>
+                    <a:lstStyle/>
+                    <a:p>
+                      <a:pPr algn="ctr"/>
+                      <a:r>
+                        <a:rPr lang="fr-FR" dirty="0" err="1"/>
+                        <a:t>Event_id</a:t>
+                      </a:r>
+                      <a:endParaRPr lang="fr-FR" dirty="0"/>
+                    </a:p>
+                    <a:p>
+                      <a:pPr algn="ctr"/>
+                      <a:r>
+                        <a:rPr lang="fr-FR" dirty="0" err="1"/>
+                        <a:t>Categories_id</a:t>
+                      </a:r>
+                      <a:endParaRPr lang="fr-FR" dirty="0"/>
+                    </a:p>
+                  </a:txBody>
+                  <a:tcPr/>
+                </a:tc>
+                <a:extLst>
+                  <a:ext uri="{0D108BD9-81ED-4DB2-BD59-A6C34878D82A}">
+                    <a16:rowId xmlns:a16="http://schemas.microsoft.com/office/drawing/2014/main" val="2098980139"/>
+                  </a:ext>
+                </a:extLst>
+              </a:tr>
+            </a:tbl>
+          </a:graphicData>
+        </a:graphic>
+      </p:graphicFrame>
+      <p:graphicFrame>
+        <p:nvGraphicFramePr>
+          <p:cNvPr id="55" name="Tableau 54">
+            <a:extLst>
+              <a:ext uri="{FF2B5EF4-FFF2-40B4-BE49-F238E27FC236}">
+                <a16:creationId xmlns:a16="http://schemas.microsoft.com/office/drawing/2014/main" id="{17281150-5637-5063-BE20-711C35EEFD59}"/>
+              </a:ext>
+            </a:extLst>
+          </p:cNvPr>
+          <p:cNvGraphicFramePr>
+            <a:graphicFrameLocks noGrp="1"/>
+          </p:cNvGraphicFramePr>
+          <p:nvPr>
+            <p:extLst>
+              <p:ext uri="{D42A27DB-BD31-4B8C-83A1-F6EECF244321}">
+                <p14:modId xmlns:p14="http://schemas.microsoft.com/office/powerpoint/2010/main" val="2304410733"/>
+              </p:ext>
+            </p:extLst>
+          </p:nvPr>
+        </p:nvGraphicFramePr>
+        <p:xfrm>
+          <a:off x="641979" y="5020222"/>
+          <a:ext cx="2265680" cy="1280160"/>
+        </p:xfrm>
+        <a:graphic>
+          <a:graphicData uri="http://schemas.openxmlformats.org/drawingml/2006/table">
+            <a:tbl>
+              <a:tblPr firstRow="1" bandRow="1">
+                <a:tableStyleId>{5C22544A-7EE6-4342-B048-85BDC9FD1C3A}</a:tableStyleId>
+              </a:tblPr>
+              <a:tblGrid>
+                <a:gridCol w="2265680">
+                  <a:extLst>
+                    <a:ext uri="{9D8B030D-6E8A-4147-A177-3AD203B41FA5}">
+                      <a16:colId xmlns:a16="http://schemas.microsoft.com/office/drawing/2014/main" val="1516608136"/>
+                    </a:ext>
+                  </a:extLst>
+                </a:gridCol>
+              </a:tblGrid>
+              <a:tr h="0">
+                <a:tc>
+                  <a:txBody>
+                    <a:bodyPr/>
+                    <a:lstStyle/>
+                    <a:p>
+                      <a:pPr algn="ctr"/>
+                      <a:r>
+                        <a:rPr lang="fr-FR" dirty="0" err="1"/>
+                        <a:t>Categories</a:t>
+                      </a:r>
+                      <a:r>
+                        <a:rPr lang="fr-FR" dirty="0"/>
+                        <a:t> </a:t>
+                      </a:r>
+                    </a:p>
+                  </a:txBody>
+                  <a:tcPr>
+                    <a:solidFill>
+                      <a:srgbClr val="FF0000"/>
+                    </a:solidFill>
+                  </a:tcPr>
+                </a:tc>
+                <a:extLst>
+                  <a:ext uri="{0D108BD9-81ED-4DB2-BD59-A6C34878D82A}">
+                    <a16:rowId xmlns:a16="http://schemas.microsoft.com/office/drawing/2014/main" val="1200805338"/>
+                  </a:ext>
+                </a:extLst>
+              </a:tr>
+              <a:tr h="370840">
+                <a:tc>
+                  <a:txBody>
+                    <a:bodyPr/>
+                    <a:lstStyle/>
+                    <a:p>
+                      <a:pPr algn="ctr"/>
+                      <a:r>
+                        <a:rPr lang="fr-FR" dirty="0" err="1"/>
+                        <a:t>Categories_id</a:t>
+                      </a:r>
+                      <a:endParaRPr lang="fr-FR" dirty="0"/>
+                    </a:p>
+                    <a:p>
+                      <a:pPr algn="ctr"/>
+                      <a:r>
+                        <a:rPr lang="fr-FR" dirty="0"/>
+                        <a:t>Name</a:t>
+                      </a:r>
+                    </a:p>
+                    <a:p>
+                      <a:pPr algn="ctr"/>
+                      <a:r>
+                        <a:rPr lang="fr-FR" dirty="0"/>
+                        <a:t>Description</a:t>
+                      </a:r>
+                    </a:p>
+                  </a:txBody>
+                  <a:tcPr/>
+                </a:tc>
+                <a:extLst>
+                  <a:ext uri="{0D108BD9-81ED-4DB2-BD59-A6C34878D82A}">
+                    <a16:rowId xmlns:a16="http://schemas.microsoft.com/office/drawing/2014/main" val="2098980139"/>
+                  </a:ext>
+                </a:extLst>
+              </a:tr>
+            </a:tbl>
+          </a:graphicData>
+        </a:graphic>
+      </p:graphicFrame>
+      <p:cxnSp>
+        <p:nvCxnSpPr>
+          <p:cNvPr id="58" name="Connecteur droit 57">
+            <a:extLst>
+              <a:ext uri="{FF2B5EF4-FFF2-40B4-BE49-F238E27FC236}">
+                <a16:creationId xmlns:a16="http://schemas.microsoft.com/office/drawing/2014/main" id="{4428999C-5CEE-5B54-049C-8B8815F5F7CC}"/>
+              </a:ext>
+            </a:extLst>
+          </p:cNvPr>
+          <p:cNvCxnSpPr>
+            <a:cxnSpLocks/>
+            <a:stCxn id="54" idx="3"/>
+            <a:endCxn id="8" idx="1"/>
+          </p:cNvCxnSpPr>
           <p:nvPr/>
-        </p:nvSpPr>
+        </p:nvCxnSpPr>
         <p:spPr>
           <a:xfrm>
-            <a:off x="10156953" y="3487869"/>
-            <a:ext cx="90424" cy="493776"/>
+            <a:off x="2795899" y="2523535"/>
+            <a:ext cx="803021" cy="22500"/>
           </a:xfrm>
-          <a:prstGeom prst="rightBrace">
-            <a:avLst>
-              <a:gd name="adj1" fmla="val 62479"/>
-              <a:gd name="adj2" fmla="val 50000"/>
-            </a:avLst>
+          <a:prstGeom prst="line">
+            <a:avLst/>
           </a:prstGeom>
         </p:spPr>
         <p:style>
@@ -9407,21 +13684,453 @@
             <a:schemeClr val="tx1"/>
           </a:fontRef>
         </p:style>
-        <p:txBody>
-          <a:bodyPr rtlCol="0" anchor="ctr"/>
-          <a:lstStyle/>
-          <a:p>
-            <a:pPr algn="ctr"/>
-            <a:endParaRPr lang="fr-FR"/>
-          </a:p>
-        </p:txBody>
-      </p:sp>
+      </p:cxnSp>
+      <p:cxnSp>
+        <p:nvCxnSpPr>
+          <p:cNvPr id="60" name="Connecteur droit 59">
+            <a:extLst>
+              <a:ext uri="{FF2B5EF4-FFF2-40B4-BE49-F238E27FC236}">
+                <a16:creationId xmlns:a16="http://schemas.microsoft.com/office/drawing/2014/main" id="{E2AE6BBD-0FF3-BEB6-8318-562E2B8A8912}"/>
+              </a:ext>
+            </a:extLst>
+          </p:cNvPr>
+          <p:cNvCxnSpPr>
+            <a:cxnSpLocks/>
+            <a:stCxn id="54" idx="2"/>
+            <a:endCxn id="55" idx="0"/>
+          </p:cNvCxnSpPr>
+          <p:nvPr/>
+        </p:nvCxnSpPr>
+        <p:spPr>
+          <a:xfrm>
+            <a:off x="1774819" y="3026455"/>
+            <a:ext cx="0" cy="1993767"/>
+          </a:xfrm>
+          <a:prstGeom prst="line">
+            <a:avLst/>
+          </a:prstGeom>
+        </p:spPr>
+        <p:style>
+          <a:lnRef idx="2">
+            <a:schemeClr val="accent1"/>
+          </a:lnRef>
+          <a:fillRef idx="0">
+            <a:schemeClr val="accent1"/>
+          </a:fillRef>
+          <a:effectRef idx="1">
+            <a:schemeClr val="accent1"/>
+          </a:effectRef>
+          <a:fontRef idx="minor">
+            <a:schemeClr val="tx1"/>
+          </a:fontRef>
+        </p:style>
+      </p:cxnSp>
+      <p:cxnSp>
+        <p:nvCxnSpPr>
+          <p:cNvPr id="62" name="Connecteur droit 61">
+            <a:extLst>
+              <a:ext uri="{FF2B5EF4-FFF2-40B4-BE49-F238E27FC236}">
+                <a16:creationId xmlns:a16="http://schemas.microsoft.com/office/drawing/2014/main" id="{7E5EEA18-3181-C4E6-3495-C5143E663552}"/>
+              </a:ext>
+            </a:extLst>
+          </p:cNvPr>
+          <p:cNvCxnSpPr>
+            <a:cxnSpLocks/>
+            <a:stCxn id="55" idx="3"/>
+            <a:endCxn id="63" idx="1"/>
+          </p:cNvCxnSpPr>
+          <p:nvPr/>
+        </p:nvCxnSpPr>
+        <p:spPr>
+          <a:xfrm>
+            <a:off x="2907659" y="5660302"/>
+            <a:ext cx="574679" cy="0"/>
+          </a:xfrm>
+          <a:prstGeom prst="line">
+            <a:avLst/>
+          </a:prstGeom>
+        </p:spPr>
+        <p:style>
+          <a:lnRef idx="2">
+            <a:schemeClr val="accent1"/>
+          </a:lnRef>
+          <a:fillRef idx="0">
+            <a:schemeClr val="accent1"/>
+          </a:fillRef>
+          <a:effectRef idx="1">
+            <a:schemeClr val="accent1"/>
+          </a:effectRef>
+          <a:fontRef idx="minor">
+            <a:schemeClr val="tx1"/>
+          </a:fontRef>
+        </p:style>
+      </p:cxnSp>
+      <p:graphicFrame>
+        <p:nvGraphicFramePr>
+          <p:cNvPr id="63" name="Tableau 62">
+            <a:extLst>
+              <a:ext uri="{FF2B5EF4-FFF2-40B4-BE49-F238E27FC236}">
+                <a16:creationId xmlns:a16="http://schemas.microsoft.com/office/drawing/2014/main" id="{B93F119E-DBC5-E082-E5DD-EECFF5C3C335}"/>
+              </a:ext>
+            </a:extLst>
+          </p:cNvPr>
+          <p:cNvGraphicFramePr>
+            <a:graphicFrameLocks noGrp="1"/>
+          </p:cNvGraphicFramePr>
+          <p:nvPr>
+            <p:extLst>
+              <p:ext uri="{D42A27DB-BD31-4B8C-83A1-F6EECF244321}">
+                <p14:modId xmlns:p14="http://schemas.microsoft.com/office/powerpoint/2010/main" val="2343390547"/>
+              </p:ext>
+            </p:extLst>
+          </p:nvPr>
+        </p:nvGraphicFramePr>
+        <p:xfrm>
+          <a:off x="3482338" y="5020222"/>
+          <a:ext cx="2042160" cy="1280160"/>
+        </p:xfrm>
+        <a:graphic>
+          <a:graphicData uri="http://schemas.openxmlformats.org/drawingml/2006/table">
+            <a:tbl>
+              <a:tblPr firstRow="1" bandRow="1">
+                <a:tableStyleId>{5C22544A-7EE6-4342-B048-85BDC9FD1C3A}</a:tableStyleId>
+              </a:tblPr>
+              <a:tblGrid>
+                <a:gridCol w="2042160">
+                  <a:extLst>
+                    <a:ext uri="{9D8B030D-6E8A-4147-A177-3AD203B41FA5}">
+                      <a16:colId xmlns:a16="http://schemas.microsoft.com/office/drawing/2014/main" val="1516608136"/>
+                    </a:ext>
+                  </a:extLst>
+                </a:gridCol>
+              </a:tblGrid>
+              <a:tr h="330812">
+                <a:tc>
+                  <a:txBody>
+                    <a:bodyPr/>
+                    <a:lstStyle/>
+                    <a:p>
+                      <a:pPr algn="ctr"/>
+                      <a:r>
+                        <a:rPr lang="fr-FR" dirty="0" err="1"/>
+                        <a:t>User_Categories_interest</a:t>
+                      </a:r>
+                      <a:endParaRPr lang="fr-FR" dirty="0"/>
+                    </a:p>
+                  </a:txBody>
+                  <a:tcPr>
+                    <a:solidFill>
+                      <a:srgbClr val="0070C0"/>
+                    </a:solidFill>
+                  </a:tcPr>
+                </a:tc>
+                <a:extLst>
+                  <a:ext uri="{0D108BD9-81ED-4DB2-BD59-A6C34878D82A}">
+                    <a16:rowId xmlns:a16="http://schemas.microsoft.com/office/drawing/2014/main" val="1200805338"/>
+                  </a:ext>
+                </a:extLst>
+              </a:tr>
+              <a:tr h="370840">
+                <a:tc>
+                  <a:txBody>
+                    <a:bodyPr/>
+                    <a:lstStyle/>
+                    <a:p>
+                      <a:pPr algn="ctr"/>
+                      <a:r>
+                        <a:rPr lang="fr-FR" dirty="0" err="1"/>
+                        <a:t>User_id</a:t>
+                      </a:r>
+                      <a:endParaRPr lang="fr-FR" dirty="0"/>
+                    </a:p>
+                    <a:p>
+                      <a:pPr algn="ctr"/>
+                      <a:r>
+                        <a:rPr lang="fr-FR" dirty="0" err="1"/>
+                        <a:t>Categories_id</a:t>
+                      </a:r>
+                      <a:endParaRPr lang="fr-FR" dirty="0"/>
+                    </a:p>
+                  </a:txBody>
+                  <a:tcPr/>
+                </a:tc>
+                <a:extLst>
+                  <a:ext uri="{0D108BD9-81ED-4DB2-BD59-A6C34878D82A}">
+                    <a16:rowId xmlns:a16="http://schemas.microsoft.com/office/drawing/2014/main" val="2098980139"/>
+                  </a:ext>
+                </a:extLst>
+              </a:tr>
+            </a:tbl>
+          </a:graphicData>
+        </a:graphic>
+      </p:graphicFrame>
+      <p:cxnSp>
+        <p:nvCxnSpPr>
+          <p:cNvPr id="82" name="Connecteur droit 81">
+            <a:extLst>
+              <a:ext uri="{FF2B5EF4-FFF2-40B4-BE49-F238E27FC236}">
+                <a16:creationId xmlns:a16="http://schemas.microsoft.com/office/drawing/2014/main" id="{E208CDBD-6E87-AD6C-1DB2-F9F7ABFD4FF0}"/>
+              </a:ext>
+            </a:extLst>
+          </p:cNvPr>
+          <p:cNvCxnSpPr>
+            <a:cxnSpLocks/>
+            <a:stCxn id="13" idx="2"/>
+            <a:endCxn id="7" idx="0"/>
+          </p:cNvCxnSpPr>
+          <p:nvPr/>
+        </p:nvCxnSpPr>
+        <p:spPr>
+          <a:xfrm>
+            <a:off x="7198072" y="4430838"/>
+            <a:ext cx="0" cy="449684"/>
+          </a:xfrm>
+          <a:prstGeom prst="line">
+            <a:avLst/>
+          </a:prstGeom>
+        </p:spPr>
+        <p:style>
+          <a:lnRef idx="2">
+            <a:schemeClr val="accent1"/>
+          </a:lnRef>
+          <a:fillRef idx="0">
+            <a:schemeClr val="accent1"/>
+          </a:fillRef>
+          <a:effectRef idx="1">
+            <a:schemeClr val="accent1"/>
+          </a:effectRef>
+          <a:fontRef idx="minor">
+            <a:schemeClr val="tx1"/>
+          </a:fontRef>
+        </p:style>
+      </p:cxnSp>
+      <p:cxnSp>
+        <p:nvCxnSpPr>
+          <p:cNvPr id="89" name="Connecteur droit 88">
+            <a:extLst>
+              <a:ext uri="{FF2B5EF4-FFF2-40B4-BE49-F238E27FC236}">
+                <a16:creationId xmlns:a16="http://schemas.microsoft.com/office/drawing/2014/main" id="{FB2965E9-FA5D-9136-8AD7-921FC59234FA}"/>
+              </a:ext>
+            </a:extLst>
+          </p:cNvPr>
+          <p:cNvCxnSpPr>
+            <a:cxnSpLocks/>
+            <a:stCxn id="63" idx="3"/>
+            <a:endCxn id="7" idx="1"/>
+          </p:cNvCxnSpPr>
+          <p:nvPr/>
+        </p:nvCxnSpPr>
+        <p:spPr>
+          <a:xfrm>
+            <a:off x="5524498" y="5660302"/>
+            <a:ext cx="540734" cy="0"/>
+          </a:xfrm>
+          <a:prstGeom prst="line">
+            <a:avLst/>
+          </a:prstGeom>
+        </p:spPr>
+        <p:style>
+          <a:lnRef idx="2">
+            <a:schemeClr val="accent1"/>
+          </a:lnRef>
+          <a:fillRef idx="0">
+            <a:schemeClr val="accent1"/>
+          </a:fillRef>
+          <a:effectRef idx="1">
+            <a:schemeClr val="accent1"/>
+          </a:effectRef>
+          <a:fontRef idx="minor">
+            <a:schemeClr val="tx1"/>
+          </a:fontRef>
+        </p:style>
+      </p:cxnSp>
       <p:pic>
         <p:nvPicPr>
-          <p:cNvPr id="93" name="Image 92" descr="Une image contenant logo, symbole, Graphique, Police&#10;&#10;Le contenu généré par l’IA peut être incorrect.">
+          <p:cNvPr id="97" name="Image 96" descr="Une image contenant Graphique, symbole, Police, graphisme&#10;&#10;Le contenu généré par l’IA peut être incorrect.">
             <a:extLst>
               <a:ext uri="{FF2B5EF4-FFF2-40B4-BE49-F238E27FC236}">
-                <a16:creationId xmlns:a16="http://schemas.microsoft.com/office/drawing/2014/main" id="{228BF651-4665-4AD8-944C-A736A6AF1BB8}"/>
+                <a16:creationId xmlns:a16="http://schemas.microsoft.com/office/drawing/2014/main" id="{23CF8D05-2510-FFDB-999F-3D8116D6114F}"/>
+              </a:ext>
+            </a:extLst>
+          </p:cNvPr>
+          <p:cNvPicPr>
+            <a:picLocks noChangeAspect="1"/>
+          </p:cNvPicPr>
+          <p:nvPr/>
+        </p:nvPicPr>
+        <p:blipFill>
+          <a:blip r:embed="rId2">
+            <a:extLst>
+              <a:ext uri="{28A0092B-C50C-407E-A947-70E740481C1C}">
+                <a14:useLocalDpi xmlns:a14="http://schemas.microsoft.com/office/drawing/2010/main" val="0"/>
+              </a:ext>
+            </a:extLst>
+          </a:blip>
+          <a:stretch>
+            <a:fillRect/>
+          </a:stretch>
+        </p:blipFill>
+        <p:spPr>
+          <a:xfrm rot="3830787">
+            <a:off x="5179886" y="3572082"/>
+            <a:ext cx="472096" cy="472096"/>
+          </a:xfrm>
+          <a:prstGeom prst="rect">
+            <a:avLst/>
+          </a:prstGeom>
+        </p:spPr>
+      </p:pic>
+      <p:cxnSp>
+        <p:nvCxnSpPr>
+          <p:cNvPr id="101" name="Connecteur : en angle 100">
+            <a:extLst>
+              <a:ext uri="{FF2B5EF4-FFF2-40B4-BE49-F238E27FC236}">
+                <a16:creationId xmlns:a16="http://schemas.microsoft.com/office/drawing/2014/main" id="{952C8DC1-F9B7-C5C3-52DB-B3223A2A2858}"/>
+              </a:ext>
+            </a:extLst>
+          </p:cNvPr>
+          <p:cNvCxnSpPr>
+            <a:cxnSpLocks/>
+            <a:stCxn id="7" idx="3"/>
+            <a:endCxn id="36" idx="2"/>
+          </p:cNvCxnSpPr>
+          <p:nvPr/>
+        </p:nvCxnSpPr>
+        <p:spPr>
+          <a:xfrm flipV="1">
+            <a:off x="8330912" y="5396342"/>
+            <a:ext cx="2427512" cy="263960"/>
+          </a:xfrm>
+          <a:prstGeom prst="bentConnector2">
+            <a:avLst/>
+          </a:prstGeom>
+        </p:spPr>
+        <p:style>
+          <a:lnRef idx="2">
+            <a:schemeClr val="accent1"/>
+          </a:lnRef>
+          <a:fillRef idx="0">
+            <a:schemeClr val="accent1"/>
+          </a:fillRef>
+          <a:effectRef idx="1">
+            <a:schemeClr val="accent1"/>
+          </a:effectRef>
+          <a:fontRef idx="minor">
+            <a:schemeClr val="tx1"/>
+          </a:fontRef>
+        </p:style>
+      </p:cxnSp>
+      <p:graphicFrame>
+        <p:nvGraphicFramePr>
+          <p:cNvPr id="9" name="Tableau 8">
+            <a:extLst>
+              <a:ext uri="{FF2B5EF4-FFF2-40B4-BE49-F238E27FC236}">
+                <a16:creationId xmlns:a16="http://schemas.microsoft.com/office/drawing/2014/main" id="{55A3F933-4705-22CB-F0A8-38F1C2B09340}"/>
+              </a:ext>
+            </a:extLst>
+          </p:cNvPr>
+          <p:cNvGraphicFramePr>
+            <a:graphicFrameLocks noGrp="1"/>
+          </p:cNvGraphicFramePr>
+          <p:nvPr>
+            <p:extLst>
+              <p:ext uri="{D42A27DB-BD31-4B8C-83A1-F6EECF244321}">
+                <p14:modId xmlns:p14="http://schemas.microsoft.com/office/powerpoint/2010/main" val="590960877"/>
+              </p:ext>
+            </p:extLst>
+          </p:nvPr>
+        </p:nvGraphicFramePr>
+        <p:xfrm>
+          <a:off x="9633566" y="2647758"/>
+          <a:ext cx="2265680" cy="1280160"/>
+        </p:xfrm>
+        <a:graphic>
+          <a:graphicData uri="http://schemas.openxmlformats.org/drawingml/2006/table">
+            <a:tbl>
+              <a:tblPr firstRow="1" bandRow="1">
+                <a:tableStyleId>{5C22544A-7EE6-4342-B048-85BDC9FD1C3A}</a:tableStyleId>
+              </a:tblPr>
+              <a:tblGrid>
+                <a:gridCol w="2265680">
+                  <a:extLst>
+                    <a:ext uri="{9D8B030D-6E8A-4147-A177-3AD203B41FA5}">
+                      <a16:colId xmlns:a16="http://schemas.microsoft.com/office/drawing/2014/main" val="1516608136"/>
+                    </a:ext>
+                  </a:extLst>
+                </a:gridCol>
+              </a:tblGrid>
+              <a:tr h="0">
+                <a:tc>
+                  <a:txBody>
+                    <a:bodyPr/>
+                    <a:lstStyle/>
+                    <a:p>
+                      <a:pPr algn="ctr"/>
+                      <a:r>
+                        <a:rPr lang="fr-FR" dirty="0" err="1"/>
+                        <a:t>Cards</a:t>
+                      </a:r>
+                      <a:endParaRPr lang="fr-FR" dirty="0"/>
+                    </a:p>
+                  </a:txBody>
+                  <a:tcPr>
+                    <a:solidFill>
+                      <a:srgbClr val="FF0000"/>
+                    </a:solidFill>
+                  </a:tcPr>
+                </a:tc>
+                <a:extLst>
+                  <a:ext uri="{0D108BD9-81ED-4DB2-BD59-A6C34878D82A}">
+                    <a16:rowId xmlns:a16="http://schemas.microsoft.com/office/drawing/2014/main" val="1200805338"/>
+                  </a:ext>
+                </a:extLst>
+              </a:tr>
+              <a:tr h="370840">
+                <a:tc>
+                  <a:txBody>
+                    <a:bodyPr/>
+                    <a:lstStyle/>
+                    <a:p>
+                      <a:pPr algn="ctr"/>
+                      <a:r>
+                        <a:rPr lang="fr-FR" dirty="0" err="1"/>
+                        <a:t>Card_id</a:t>
+                      </a:r>
+                      <a:endParaRPr lang="fr-FR" dirty="0"/>
+                    </a:p>
+                    <a:p>
+                      <a:pPr algn="ctr"/>
+                      <a:r>
+                        <a:rPr lang="fr-FR" dirty="0"/>
+                        <a:t>Name</a:t>
+                      </a:r>
+                    </a:p>
+                    <a:p>
+                      <a:pPr algn="ctr"/>
+                      <a:r>
+                        <a:rPr lang="fr-FR" dirty="0"/>
+                        <a:t>Description</a:t>
+                      </a:r>
+                    </a:p>
+                  </a:txBody>
+                  <a:tcPr/>
+                </a:tc>
+                <a:extLst>
+                  <a:ext uri="{0D108BD9-81ED-4DB2-BD59-A6C34878D82A}">
+                    <a16:rowId xmlns:a16="http://schemas.microsoft.com/office/drawing/2014/main" val="2098980139"/>
+                  </a:ext>
+                </a:extLst>
+              </a:tr>
+            </a:tbl>
+          </a:graphicData>
+        </a:graphic>
+      </p:graphicFrame>
+      <p:pic>
+        <p:nvPicPr>
+          <p:cNvPr id="14" name="Image 13" descr="Une image contenant logo, symbole, Graphique, Police&#10;&#10;Le contenu généré par l’IA peut être incorrect.">
+            <a:extLst>
+              <a:ext uri="{FF2B5EF4-FFF2-40B4-BE49-F238E27FC236}">
+                <a16:creationId xmlns:a16="http://schemas.microsoft.com/office/drawing/2014/main" id="{5F5D2469-F163-06AA-0E47-65C11FE97A68}"/>
               </a:ext>
             </a:extLst>
           </p:cNvPr>
@@ -9444,7 +14153,7 @@
         </p:blipFill>
         <p:spPr>
           <a:xfrm rot="18961946" flipH="1">
-            <a:off x="10237553" y="3482615"/>
+            <a:off x="2448330" y="5341572"/>
             <a:ext cx="504282" cy="504282"/>
           </a:xfrm>
           <a:prstGeom prst="rect">
@@ -9452,6 +14161,122 @@
           </a:prstGeom>
         </p:spPr>
       </p:pic>
+      <p:pic>
+        <p:nvPicPr>
+          <p:cNvPr id="16" name="Image 15" descr="Une image contenant logo, symbole, Graphique, Police&#10;&#10;Le contenu généré par l’IA peut être incorrect.">
+            <a:extLst>
+              <a:ext uri="{FF2B5EF4-FFF2-40B4-BE49-F238E27FC236}">
+                <a16:creationId xmlns:a16="http://schemas.microsoft.com/office/drawing/2014/main" id="{83F8FF8B-126D-C40E-7794-1D63B0923E97}"/>
+              </a:ext>
+            </a:extLst>
+          </p:cNvPr>
+          <p:cNvPicPr>
+            <a:picLocks noChangeAspect="1"/>
+          </p:cNvPicPr>
+          <p:nvPr/>
+        </p:nvPicPr>
+        <p:blipFill>
+          <a:blip r:embed="rId3">
+            <a:extLst>
+              <a:ext uri="{28A0092B-C50C-407E-A947-70E740481C1C}">
+                <a14:useLocalDpi xmlns:a14="http://schemas.microsoft.com/office/drawing/2010/main" val="0"/>
+              </a:ext>
+            </a:extLst>
+          </a:blip>
+          <a:stretch>
+            <a:fillRect/>
+          </a:stretch>
+        </p:blipFill>
+        <p:spPr>
+          <a:xfrm rot="18961946" flipH="1">
+            <a:off x="11296146" y="2974136"/>
+            <a:ext cx="504282" cy="504282"/>
+          </a:xfrm>
+          <a:prstGeom prst="rect">
+            <a:avLst/>
+          </a:prstGeom>
+        </p:spPr>
+      </p:pic>
+      <p:cxnSp>
+        <p:nvCxnSpPr>
+          <p:cNvPr id="18" name="Connecteur droit 17">
+            <a:extLst>
+              <a:ext uri="{FF2B5EF4-FFF2-40B4-BE49-F238E27FC236}">
+                <a16:creationId xmlns:a16="http://schemas.microsoft.com/office/drawing/2014/main" id="{ADE37535-3E9F-0E07-6A06-40BB69F740D1}"/>
+              </a:ext>
+            </a:extLst>
+          </p:cNvPr>
+          <p:cNvCxnSpPr>
+            <a:cxnSpLocks/>
+            <a:stCxn id="11" idx="2"/>
+            <a:endCxn id="9" idx="0"/>
+          </p:cNvCxnSpPr>
+          <p:nvPr/>
+        </p:nvCxnSpPr>
+        <p:spPr>
+          <a:xfrm>
+            <a:off x="10758424" y="2228047"/>
+            <a:ext cx="7982" cy="419711"/>
+          </a:xfrm>
+          <a:prstGeom prst="line">
+            <a:avLst/>
+          </a:prstGeom>
+        </p:spPr>
+        <p:style>
+          <a:lnRef idx="2">
+            <a:schemeClr val="accent1"/>
+          </a:lnRef>
+          <a:fillRef idx="0">
+            <a:schemeClr val="accent1"/>
+          </a:fillRef>
+          <a:effectRef idx="1">
+            <a:schemeClr val="accent1"/>
+          </a:effectRef>
+          <a:fontRef idx="minor">
+            <a:schemeClr val="tx1"/>
+          </a:fontRef>
+        </p:style>
+      </p:cxnSp>
+      <p:cxnSp>
+        <p:nvCxnSpPr>
+          <p:cNvPr id="21" name="Connecteur droit 20">
+            <a:extLst>
+              <a:ext uri="{FF2B5EF4-FFF2-40B4-BE49-F238E27FC236}">
+                <a16:creationId xmlns:a16="http://schemas.microsoft.com/office/drawing/2014/main" id="{E3BFDD50-D293-4798-4255-73CE09D6C94A}"/>
+              </a:ext>
+            </a:extLst>
+          </p:cNvPr>
+          <p:cNvCxnSpPr>
+            <a:cxnSpLocks/>
+            <a:stCxn id="9" idx="2"/>
+            <a:endCxn id="36" idx="0"/>
+          </p:cNvCxnSpPr>
+          <p:nvPr/>
+        </p:nvCxnSpPr>
+        <p:spPr>
+          <a:xfrm flipH="1">
+            <a:off x="10758424" y="3927918"/>
+            <a:ext cx="7982" cy="436784"/>
+          </a:xfrm>
+          <a:prstGeom prst="line">
+            <a:avLst/>
+          </a:prstGeom>
+        </p:spPr>
+        <p:style>
+          <a:lnRef idx="2">
+            <a:schemeClr val="accent1"/>
+          </a:lnRef>
+          <a:fillRef idx="0">
+            <a:schemeClr val="accent1"/>
+          </a:fillRef>
+          <a:effectRef idx="1">
+            <a:schemeClr val="accent1"/>
+          </a:effectRef>
+          <a:fontRef idx="minor">
+            <a:schemeClr val="tx1"/>
+          </a:fontRef>
+        </p:style>
+      </p:cxnSp>
     </p:spTree>
     <p:extLst>
       <p:ext uri="{BB962C8B-B14F-4D97-AF65-F5344CB8AC3E}">
@@ -9465,7 +14290,7 @@
 </p:sld>
 </file>
 
-<file path=ppt/slides/slide7.xml><?xml version="1.0" encoding="utf-8"?>
+<file path=ppt/slides/slide8.xml><?xml version="1.0" encoding="utf-8"?>
 <p:sld xmlns:a="http://schemas.openxmlformats.org/drawingml/2006/main" xmlns:r="http://schemas.openxmlformats.org/officeDocument/2006/relationships" xmlns:p="http://schemas.openxmlformats.org/presentationml/2006/main">
   <p:cSld>
     <p:spTree>
@@ -9567,7 +14392,7 @@
           <a:p>
             <a:fld id="{6997B004-CFCE-48D1-9298-DADD64B1EF73}" type="slidenum">
               <a:rPr lang="fr-FR" smtClean="0"/>
-              <a:t>7</a:t>
+              <a:t>8</a:t>
             </a:fld>
             <a:endParaRPr lang="fr-FR"/>
           </a:p>

--- a/MiCa-expo-app.pptx
+++ b/MiCa-expo-app.pptx
@@ -5,17 +5,21 @@
     <p:sldMasterId id="2147483648" r:id="rId1"/>
   </p:sldMasterIdLst>
   <p:notesMasterIdLst>
-    <p:notesMasterId r:id="rId10"/>
+    <p:notesMasterId r:id="rId14"/>
   </p:notesMasterIdLst>
   <p:sldIdLst>
     <p:sldId id="256" r:id="rId2"/>
-    <p:sldId id="257" r:id="rId3"/>
-    <p:sldId id="261" r:id="rId4"/>
-    <p:sldId id="259" r:id="rId5"/>
-    <p:sldId id="262" r:id="rId6"/>
-    <p:sldId id="264" r:id="rId7"/>
-    <p:sldId id="260" r:id="rId8"/>
-    <p:sldId id="263" r:id="rId9"/>
+    <p:sldId id="268" r:id="rId3"/>
+    <p:sldId id="257" r:id="rId4"/>
+    <p:sldId id="267" r:id="rId5"/>
+    <p:sldId id="261" r:id="rId6"/>
+    <p:sldId id="259" r:id="rId7"/>
+    <p:sldId id="266" r:id="rId8"/>
+    <p:sldId id="260" r:id="rId9"/>
+    <p:sldId id="262" r:id="rId10"/>
+    <p:sldId id="265" r:id="rId11"/>
+    <p:sldId id="264" r:id="rId12"/>
+    <p:sldId id="263" r:id="rId13"/>
   </p:sldIdLst>
   <p:sldSz cx="12192000" cy="6858000"/>
   <p:notesSz cx="6858000" cy="9144000"/>
@@ -6527,7 +6531,7 @@
           <a:p>
             <a:fld id="{32A3BFE3-4062-4AF1-ABFC-DCD65D5FEDDC}" type="datetimeFigureOut">
               <a:rPr lang="fr-FR" smtClean="0"/>
-              <a:t>07/01/2026</a:t>
+              <a:t>08/01/2026</a:t>
             </a:fld>
             <a:endParaRPr lang="fr-FR"/>
           </a:p>
@@ -6941,7 +6945,7 @@
           <a:p>
             <a:fld id="{E17A879C-0A64-469E-B8A2-BF5BD165327D}" type="datetime1">
               <a:rPr lang="fr-FR" smtClean="0"/>
-              <a:t>07/01/2026</a:t>
+              <a:t>08/01/2026</a:t>
             </a:fld>
             <a:endParaRPr lang="fr-FR"/>
           </a:p>
@@ -7139,7 +7143,7 @@
           <a:p>
             <a:fld id="{8E5A5641-7E66-483F-B0F2-069C9F76BD77}" type="datetime1">
               <a:rPr lang="fr-FR" smtClean="0"/>
-              <a:t>07/01/2026</a:t>
+              <a:t>08/01/2026</a:t>
             </a:fld>
             <a:endParaRPr lang="fr-FR"/>
           </a:p>
@@ -7347,7 +7351,7 @@
           <a:p>
             <a:fld id="{17124552-7DE6-47BF-985F-BA179E876D16}" type="datetime1">
               <a:rPr lang="fr-FR" smtClean="0"/>
-              <a:t>07/01/2026</a:t>
+              <a:t>08/01/2026</a:t>
             </a:fld>
             <a:endParaRPr lang="fr-FR"/>
           </a:p>
@@ -7545,7 +7549,7 @@
           <a:p>
             <a:fld id="{1A68892B-77F5-4CCA-9591-F24D93FDE34B}" type="datetime1">
               <a:rPr lang="fr-FR" smtClean="0"/>
-              <a:t>07/01/2026</a:t>
+              <a:t>08/01/2026</a:t>
             </a:fld>
             <a:endParaRPr lang="fr-FR"/>
           </a:p>
@@ -7820,7 +7824,7 @@
           <a:p>
             <a:fld id="{26018E9A-1945-4557-AEB5-4F18FF624DDF}" type="datetime1">
               <a:rPr lang="fr-FR" smtClean="0"/>
-              <a:t>07/01/2026</a:t>
+              <a:t>08/01/2026</a:t>
             </a:fld>
             <a:endParaRPr lang="fr-FR"/>
           </a:p>
@@ -8085,7 +8089,7 @@
           <a:p>
             <a:fld id="{A2165A06-8B1B-4E56-A989-A836DCD313FB}" type="datetime1">
               <a:rPr lang="fr-FR" smtClean="0"/>
-              <a:t>07/01/2026</a:t>
+              <a:t>08/01/2026</a:t>
             </a:fld>
             <a:endParaRPr lang="fr-FR"/>
           </a:p>
@@ -8497,7 +8501,7 @@
           <a:p>
             <a:fld id="{A10BF9B0-6586-4FA1-AD3E-0405E600628A}" type="datetime1">
               <a:rPr lang="fr-FR" smtClean="0"/>
-              <a:t>07/01/2026</a:t>
+              <a:t>08/01/2026</a:t>
             </a:fld>
             <a:endParaRPr lang="fr-FR"/>
           </a:p>
@@ -8638,7 +8642,7 @@
           <a:p>
             <a:fld id="{5AC7FDFF-27F4-416C-AAA5-054C421B7E35}" type="datetime1">
               <a:rPr lang="fr-FR" smtClean="0"/>
-              <a:t>07/01/2026</a:t>
+              <a:t>08/01/2026</a:t>
             </a:fld>
             <a:endParaRPr lang="fr-FR"/>
           </a:p>
@@ -8751,7 +8755,7 @@
           <a:p>
             <a:fld id="{FFD1D1DD-9E54-4704-9474-D58B50ABEC96}" type="datetime1">
               <a:rPr lang="fr-FR" smtClean="0"/>
-              <a:t>07/01/2026</a:t>
+              <a:t>08/01/2026</a:t>
             </a:fld>
             <a:endParaRPr lang="fr-FR"/>
           </a:p>
@@ -9062,7 +9066,7 @@
           <a:p>
             <a:fld id="{1A05297F-3CAB-463D-92DC-DBAC52BC76D8}" type="datetime1">
               <a:rPr lang="fr-FR" smtClean="0"/>
-              <a:t>07/01/2026</a:t>
+              <a:t>08/01/2026</a:t>
             </a:fld>
             <a:endParaRPr lang="fr-FR"/>
           </a:p>
@@ -9350,7 +9354,7 @@
           <a:p>
             <a:fld id="{78A6C159-C286-4F72-8EC5-4597CF01607E}" type="datetime1">
               <a:rPr lang="fr-FR" smtClean="0"/>
-              <a:t>07/01/2026</a:t>
+              <a:t>08/01/2026</a:t>
             </a:fld>
             <a:endParaRPr lang="fr-FR"/>
           </a:p>
@@ -9591,7 +9595,7 @@
           <a:p>
             <a:fld id="{04EAD4E5-CEC9-481A-97C7-CE2D7FC2BFAC}" type="datetime1">
               <a:rPr lang="fr-FR" smtClean="0"/>
-              <a:t>07/01/2026</a:t>
+              <a:t>08/01/2026</a:t>
             </a:fld>
             <a:endParaRPr lang="fr-FR"/>
           </a:p>
@@ -10087,398 +10091,7 @@
 </p:sld>
 </file>
 
-<file path=ppt/slides/slide2.xml><?xml version="1.0" encoding="utf-8"?>
-<p:sld xmlns:a="http://schemas.openxmlformats.org/drawingml/2006/main" xmlns:r="http://schemas.openxmlformats.org/officeDocument/2006/relationships" xmlns:p="http://schemas.openxmlformats.org/presentationml/2006/main">
-  <p:cSld>
-    <p:spTree>
-      <p:nvGrpSpPr>
-        <p:cNvPr id="1" name=""/>
-        <p:cNvGrpSpPr/>
-        <p:nvPr/>
-      </p:nvGrpSpPr>
-      <p:grpSpPr>
-        <a:xfrm>
-          <a:off x="0" y="0"/>
-          <a:ext cx="0" cy="0"/>
-          <a:chOff x="0" y="0"/>
-          <a:chExt cx="0" cy="0"/>
-        </a:xfrm>
-      </p:grpSpPr>
-      <p:sp>
-        <p:nvSpPr>
-          <p:cNvPr id="2" name="Titre 1">
-            <a:extLst>
-              <a:ext uri="{FF2B5EF4-FFF2-40B4-BE49-F238E27FC236}">
-                <a16:creationId xmlns:a16="http://schemas.microsoft.com/office/drawing/2014/main" id="{8ADCD5C7-E975-21FB-2CF5-3630C9DA7969}"/>
-              </a:ext>
-            </a:extLst>
-          </p:cNvPr>
-          <p:cNvSpPr>
-            <a:spLocks noGrp="1"/>
-          </p:cNvSpPr>
-          <p:nvPr>
-            <p:ph type="title"/>
-          </p:nvPr>
-        </p:nvSpPr>
-        <p:spPr/>
-        <p:txBody>
-          <a:bodyPr/>
-          <a:lstStyle/>
-          <a:p>
-            <a:r>
-              <a:rPr lang="fr-FR" dirty="0">
-                <a:latin typeface="Daytona" panose="020B0604030500040204" pitchFamily="34" charset="0"/>
-              </a:rPr>
-              <a:t>Contents</a:t>
-            </a:r>
-          </a:p>
-        </p:txBody>
-      </p:sp>
-      <p:sp>
-        <p:nvSpPr>
-          <p:cNvPr id="3" name="ZoneTexte 2">
-            <a:extLst>
-              <a:ext uri="{FF2B5EF4-FFF2-40B4-BE49-F238E27FC236}">
-                <a16:creationId xmlns:a16="http://schemas.microsoft.com/office/drawing/2014/main" id="{76FFEEBC-0E1D-82E0-4227-28EB63D14308}"/>
-              </a:ext>
-            </a:extLst>
-          </p:cNvPr>
-          <p:cNvSpPr txBox="1"/>
-          <p:nvPr/>
-        </p:nvSpPr>
-        <p:spPr>
-          <a:xfrm>
-            <a:off x="4024884" y="1690688"/>
-            <a:ext cx="4142232" cy="4801314"/>
-          </a:xfrm>
-          <a:prstGeom prst="rect">
-            <a:avLst/>
-          </a:prstGeom>
-          <a:noFill/>
-        </p:spPr>
-        <p:txBody>
-          <a:bodyPr wrap="square" rtlCol="0">
-            <a:spAutoFit/>
-          </a:bodyPr>
-          <a:lstStyle/>
-          <a:p>
-            <a:pPr marL="342900" indent="-342900">
-              <a:buFont typeface="+mj-lt"/>
-              <a:buAutoNum type="arabicPeriod"/>
-            </a:pPr>
-            <a:r>
-              <a:rPr lang="fr-FR" dirty="0" err="1">
-                <a:latin typeface="Daytona" panose="020B0604030500040204" pitchFamily="34" charset="0"/>
-              </a:rPr>
-              <a:t>Overview</a:t>
-            </a:r>
-            <a:endParaRPr lang="fr-FR" dirty="0">
-              <a:latin typeface="Daytona" panose="020B0604030500040204" pitchFamily="34" charset="0"/>
-            </a:endParaRPr>
-          </a:p>
-          <a:p>
-            <a:pPr marL="342900" indent="-342900">
-              <a:buFont typeface="+mj-lt"/>
-              <a:buAutoNum type="arabicPeriod"/>
-            </a:pPr>
-            <a:r>
-              <a:rPr lang="fr-FR" dirty="0">
-                <a:latin typeface="Daytona" panose="020B0604030500040204" pitchFamily="34" charset="0"/>
-              </a:rPr>
-              <a:t>Data-ETL</a:t>
-            </a:r>
-          </a:p>
-          <a:p>
-            <a:pPr marL="800100" lvl="1" indent="-342900">
-              <a:buFont typeface="+mj-lt"/>
-              <a:buAutoNum type="arabicPeriod"/>
-            </a:pPr>
-            <a:r>
-              <a:rPr lang="fr-FR" dirty="0">
-                <a:latin typeface="Daytona" panose="020B0604030500040204" pitchFamily="34" charset="0"/>
-              </a:rPr>
-              <a:t>Data </a:t>
-            </a:r>
-            <a:r>
-              <a:rPr lang="fr-FR" dirty="0" err="1">
-                <a:latin typeface="Daytona" panose="020B0604030500040204" pitchFamily="34" charset="0"/>
-              </a:rPr>
-              <a:t>models</a:t>
-            </a:r>
-            <a:endParaRPr lang="fr-FR" dirty="0">
-              <a:latin typeface="Daytona" panose="020B0604030500040204" pitchFamily="34" charset="0"/>
-            </a:endParaRPr>
-          </a:p>
-          <a:p>
-            <a:pPr marL="800100" lvl="1" indent="-342900">
-              <a:buFont typeface="+mj-lt"/>
-              <a:buAutoNum type="arabicPeriod"/>
-            </a:pPr>
-            <a:r>
-              <a:rPr lang="fr-FR" dirty="0" err="1">
-                <a:latin typeface="Daytona" panose="020B0604030500040204" pitchFamily="34" charset="0"/>
-              </a:rPr>
-              <a:t>postgreSQL</a:t>
-            </a:r>
-            <a:r>
-              <a:rPr lang="fr-FR" dirty="0">
-                <a:latin typeface="Daytona" panose="020B0604030500040204" pitchFamily="34" charset="0"/>
-              </a:rPr>
-              <a:t> </a:t>
-            </a:r>
-          </a:p>
-          <a:p>
-            <a:pPr marL="800100" lvl="1" indent="-342900">
-              <a:buFont typeface="+mj-lt"/>
-              <a:buAutoNum type="arabicPeriod"/>
-            </a:pPr>
-            <a:r>
-              <a:rPr lang="fr-FR" dirty="0" err="1">
-                <a:latin typeface="Daytona" panose="020B0604030500040204" pitchFamily="34" charset="0"/>
-              </a:rPr>
-              <a:t>Scheduler</a:t>
-            </a:r>
-            <a:endParaRPr lang="fr-FR" dirty="0">
-              <a:latin typeface="Daytona" panose="020B0604030500040204" pitchFamily="34" charset="0"/>
-            </a:endParaRPr>
-          </a:p>
-          <a:p>
-            <a:pPr marL="800100" lvl="1" indent="-342900">
-              <a:buFont typeface="+mj-lt"/>
-              <a:buAutoNum type="arabicPeriod"/>
-            </a:pPr>
-            <a:endParaRPr lang="fr-FR" dirty="0">
-              <a:latin typeface="Daytona" panose="020B0604030500040204" pitchFamily="34" charset="0"/>
-            </a:endParaRPr>
-          </a:p>
-          <a:p>
-            <a:pPr marL="342900" indent="-342900">
-              <a:buFont typeface="+mj-lt"/>
-              <a:buAutoNum type="arabicPeriod"/>
-            </a:pPr>
-            <a:r>
-              <a:rPr lang="fr-FR" dirty="0">
-                <a:latin typeface="Daytona" panose="020B0604030500040204" pitchFamily="34" charset="0"/>
-              </a:rPr>
-              <a:t>UI</a:t>
-            </a:r>
-          </a:p>
-          <a:p>
-            <a:pPr marL="800100" lvl="1" indent="-342900">
-              <a:buFont typeface="+mj-lt"/>
-              <a:buAutoNum type="arabicPeriod"/>
-            </a:pPr>
-            <a:r>
-              <a:rPr lang="fr-FR" dirty="0" err="1">
-                <a:latin typeface="Daytona" panose="020B0604030500040204" pitchFamily="34" charset="0"/>
-              </a:rPr>
-              <a:t>Research</a:t>
-            </a:r>
-            <a:r>
-              <a:rPr lang="fr-FR" dirty="0">
-                <a:latin typeface="Daytona" panose="020B0604030500040204" pitchFamily="34" charset="0"/>
-              </a:rPr>
-              <a:t> new </a:t>
-            </a:r>
-            <a:r>
-              <a:rPr lang="fr-FR" dirty="0" err="1">
-                <a:latin typeface="Daytona" panose="020B0604030500040204" pitchFamily="34" charset="0"/>
-              </a:rPr>
-              <a:t>exhibs</a:t>
-            </a:r>
-            <a:endParaRPr lang="fr-FR" dirty="0">
-              <a:latin typeface="Daytona" panose="020B0604030500040204" pitchFamily="34" charset="0"/>
-            </a:endParaRPr>
-          </a:p>
-          <a:p>
-            <a:pPr marL="1257300" lvl="2" indent="-342900">
-              <a:buFont typeface="+mj-lt"/>
-              <a:buAutoNum type="arabicPeriod"/>
-            </a:pPr>
-            <a:r>
-              <a:rPr lang="fr-FR" dirty="0" err="1">
-                <a:latin typeface="Daytona" panose="020B0604030500040204" pitchFamily="34" charset="0"/>
-              </a:rPr>
-              <a:t>Filtering</a:t>
-            </a:r>
-            <a:endParaRPr lang="fr-FR" dirty="0">
-              <a:latin typeface="Daytona" panose="020B0604030500040204" pitchFamily="34" charset="0"/>
-            </a:endParaRPr>
-          </a:p>
-          <a:p>
-            <a:pPr marL="1257300" lvl="2" indent="-342900">
-              <a:buFont typeface="+mj-lt"/>
-              <a:buAutoNum type="arabicPeriod"/>
-            </a:pPr>
-            <a:r>
-              <a:rPr lang="fr-FR" dirty="0">
-                <a:latin typeface="Daytona" panose="020B0604030500040204" pitchFamily="34" charset="0"/>
-              </a:rPr>
-              <a:t>Recommandations </a:t>
-            </a:r>
-          </a:p>
-          <a:p>
-            <a:pPr marL="800100" lvl="1" indent="-342900">
-              <a:buFont typeface="+mj-lt"/>
-              <a:buAutoNum type="arabicPeriod"/>
-            </a:pPr>
-            <a:r>
-              <a:rPr lang="fr-FR" dirty="0">
-                <a:latin typeface="Daytona" panose="020B0604030500040204" pitchFamily="34" charset="0"/>
-              </a:rPr>
-              <a:t>Consult </a:t>
-            </a:r>
-            <a:r>
-              <a:rPr lang="fr-FR" dirty="0" err="1">
-                <a:latin typeface="Daytona" panose="020B0604030500040204" pitchFamily="34" charset="0"/>
-              </a:rPr>
-              <a:t>chosen</a:t>
-            </a:r>
-            <a:r>
-              <a:rPr lang="fr-FR" dirty="0">
-                <a:latin typeface="Daytona" panose="020B0604030500040204" pitchFamily="34" charset="0"/>
-              </a:rPr>
-              <a:t> </a:t>
-            </a:r>
-            <a:r>
-              <a:rPr lang="fr-FR" dirty="0" err="1">
-                <a:latin typeface="Daytona" panose="020B0604030500040204" pitchFamily="34" charset="0"/>
-              </a:rPr>
-              <a:t>exhibs</a:t>
-            </a:r>
-            <a:endParaRPr lang="fr-FR" dirty="0">
-              <a:latin typeface="Daytona" panose="020B0604030500040204" pitchFamily="34" charset="0"/>
-            </a:endParaRPr>
-          </a:p>
-          <a:p>
-            <a:pPr marL="1257300" lvl="2" indent="-342900">
-              <a:buFont typeface="+mj-lt"/>
-              <a:buAutoNum type="arabicPeriod"/>
-            </a:pPr>
-            <a:r>
-              <a:rPr lang="fr-FR" dirty="0" err="1">
-                <a:latin typeface="Daytona" panose="020B0604030500040204" pitchFamily="34" charset="0"/>
-              </a:rPr>
-              <a:t>Map</a:t>
-            </a:r>
-            <a:r>
-              <a:rPr lang="fr-FR" dirty="0">
-                <a:latin typeface="Daytona" panose="020B0604030500040204" pitchFamily="34" charset="0"/>
-              </a:rPr>
-              <a:t> </a:t>
-            </a:r>
-          </a:p>
-          <a:p>
-            <a:pPr marL="1257300" lvl="2" indent="-342900">
-              <a:buFont typeface="+mj-lt"/>
-              <a:buAutoNum type="arabicPeriod"/>
-            </a:pPr>
-            <a:r>
-              <a:rPr lang="fr-FR" dirty="0" err="1">
-                <a:latin typeface="Daytona" panose="020B0604030500040204" pitchFamily="34" charset="0"/>
-              </a:rPr>
-              <a:t>Prioritize</a:t>
-            </a:r>
-            <a:endParaRPr lang="fr-FR" dirty="0">
-              <a:latin typeface="Daytona" panose="020B0604030500040204" pitchFamily="34" charset="0"/>
-            </a:endParaRPr>
-          </a:p>
-          <a:p>
-            <a:pPr marL="1257300" lvl="2" indent="-342900">
-              <a:buFont typeface="+mj-lt"/>
-              <a:buAutoNum type="arabicPeriod"/>
-            </a:pPr>
-            <a:r>
-              <a:rPr lang="fr-FR" dirty="0">
-                <a:latin typeface="Daytona" panose="020B0604030500040204" pitchFamily="34" charset="0"/>
-              </a:rPr>
-              <a:t>Agenda</a:t>
-            </a:r>
-          </a:p>
-          <a:p>
-            <a:pPr marL="1257300" lvl="2" indent="-342900">
-              <a:buFont typeface="+mj-lt"/>
-              <a:buAutoNum type="arabicPeriod"/>
-            </a:pPr>
-            <a:endParaRPr lang="fr-FR" dirty="0">
-              <a:latin typeface="Daytona" panose="020B0604030500040204" pitchFamily="34" charset="0"/>
-            </a:endParaRPr>
-          </a:p>
-          <a:p>
-            <a:pPr marL="342900" indent="-342900">
-              <a:buFont typeface="+mj-lt"/>
-              <a:buAutoNum type="arabicPeriod"/>
-            </a:pPr>
-            <a:r>
-              <a:rPr lang="fr-FR" dirty="0">
-                <a:latin typeface="Daytona" panose="020B0604030500040204" pitchFamily="34" charset="0"/>
-              </a:rPr>
-              <a:t> Go </a:t>
-            </a:r>
-            <a:r>
-              <a:rPr lang="fr-FR" dirty="0" err="1">
-                <a:latin typeface="Daytona" panose="020B0604030500040204" pitchFamily="34" charset="0"/>
-              </a:rPr>
-              <a:t>beyond</a:t>
-            </a:r>
-            <a:endParaRPr lang="fr-FR" dirty="0">
-              <a:latin typeface="Daytona" panose="020B0604030500040204" pitchFamily="34" charset="0"/>
-            </a:endParaRPr>
-          </a:p>
-          <a:p>
-            <a:pPr marL="342900" indent="-342900">
-              <a:buFont typeface="+mj-lt"/>
-              <a:buAutoNum type="arabicPeriod"/>
-            </a:pPr>
-            <a:endParaRPr lang="fr-FR" dirty="0">
-              <a:latin typeface="Daytona" panose="020B0604030500040204" pitchFamily="34" charset="0"/>
-            </a:endParaRPr>
-          </a:p>
-        </p:txBody>
-      </p:sp>
-      <p:sp>
-        <p:nvSpPr>
-          <p:cNvPr id="4" name="Espace réservé du numéro de diapositive 3">
-            <a:extLst>
-              <a:ext uri="{FF2B5EF4-FFF2-40B4-BE49-F238E27FC236}">
-                <a16:creationId xmlns:a16="http://schemas.microsoft.com/office/drawing/2014/main" id="{BD7E5806-3847-0954-2EDB-CBD0F432CA26}"/>
-              </a:ext>
-            </a:extLst>
-          </p:cNvPr>
-          <p:cNvSpPr>
-            <a:spLocks noGrp="1"/>
-          </p:cNvSpPr>
-          <p:nvPr>
-            <p:ph type="sldNum" sz="quarter" idx="12"/>
-          </p:nvPr>
-        </p:nvSpPr>
-        <p:spPr/>
-        <p:txBody>
-          <a:bodyPr/>
-          <a:lstStyle/>
-          <a:p>
-            <a:fld id="{6997B004-CFCE-48D1-9298-DADD64B1EF73}" type="slidenum">
-              <a:rPr lang="fr-FR" smtClean="0"/>
-              <a:t>2</a:t>
-            </a:fld>
-            <a:endParaRPr lang="fr-FR"/>
-          </a:p>
-        </p:txBody>
-      </p:sp>
-    </p:spTree>
-    <p:extLst>
-      <p:ext uri="{BB962C8B-B14F-4D97-AF65-F5344CB8AC3E}">
-        <p14:creationId xmlns:p14="http://schemas.microsoft.com/office/powerpoint/2010/main" val="3960785078"/>
-      </p:ext>
-    </p:extLst>
-  </p:cSld>
-  <p:clrMapOvr>
-    <a:masterClrMapping/>
-  </p:clrMapOvr>
-</p:sld>
-</file>
-
-<file path=ppt/slides/slide3.xml><?xml version="1.0" encoding="utf-8"?>
+<file path=ppt/slides/slide10.xml><?xml version="1.0" encoding="utf-8"?>
 <p:sld xmlns:a="http://schemas.openxmlformats.org/drawingml/2006/main" xmlns:r="http://schemas.openxmlformats.org/officeDocument/2006/relationships" xmlns:p="http://schemas.openxmlformats.org/presentationml/2006/main">
   <p:cSld>
     <p:spTree>
@@ -10486,7 +10099,7 @@
         <p:cNvPr id="1" name="">
           <a:extLst>
             <a:ext uri="{FF2B5EF4-FFF2-40B4-BE49-F238E27FC236}">
-              <a16:creationId xmlns:a16="http://schemas.microsoft.com/office/drawing/2014/main" id="{F1253650-8815-A25C-C179-356B64DB3FDB}"/>
+              <a16:creationId xmlns:a16="http://schemas.microsoft.com/office/drawing/2014/main" id="{8B776EA9-7546-E630-2948-D90018539B74}"/>
             </a:ext>
           </a:extLst>
         </p:cNvPr>
@@ -10506,555 +10119,7 @@
           <p:cNvPr id="2" name="Titre 1">
             <a:extLst>
               <a:ext uri="{FF2B5EF4-FFF2-40B4-BE49-F238E27FC236}">
-                <a16:creationId xmlns:a16="http://schemas.microsoft.com/office/drawing/2014/main" id="{E6C59FCF-41B7-1F67-9B41-604FC79677AC}"/>
-              </a:ext>
-            </a:extLst>
-          </p:cNvPr>
-          <p:cNvSpPr>
-            <a:spLocks noGrp="1"/>
-          </p:cNvSpPr>
-          <p:nvPr>
-            <p:ph type="title"/>
-          </p:nvPr>
-        </p:nvSpPr>
-        <p:spPr/>
-        <p:txBody>
-          <a:bodyPr/>
-          <a:lstStyle/>
-          <a:p>
-            <a:r>
-              <a:rPr lang="fr-FR" dirty="0">
-                <a:latin typeface="Daytona" panose="020B0604030500040204" pitchFamily="34" charset="0"/>
-              </a:rPr>
-              <a:t>1 - </a:t>
-            </a:r>
-            <a:r>
-              <a:rPr lang="fr-FR" dirty="0" err="1">
-                <a:latin typeface="Daytona" panose="020B0604030500040204" pitchFamily="34" charset="0"/>
-              </a:rPr>
-              <a:t>Overview</a:t>
-            </a:r>
-            <a:endParaRPr lang="fr-FR" dirty="0">
-              <a:latin typeface="Daytona" panose="020B0604030500040204" pitchFamily="34" charset="0"/>
-            </a:endParaRPr>
-          </a:p>
-        </p:txBody>
-      </p:sp>
-      <p:sp>
-        <p:nvSpPr>
-          <p:cNvPr id="4" name="Espace réservé du numéro de diapositive 3">
-            <a:extLst>
-              <a:ext uri="{FF2B5EF4-FFF2-40B4-BE49-F238E27FC236}">
-                <a16:creationId xmlns:a16="http://schemas.microsoft.com/office/drawing/2014/main" id="{849BA3D2-88AC-FAB9-ACFD-76F59F2D9F31}"/>
-              </a:ext>
-            </a:extLst>
-          </p:cNvPr>
-          <p:cNvSpPr>
-            <a:spLocks noGrp="1"/>
-          </p:cNvSpPr>
-          <p:nvPr>
-            <p:ph type="sldNum" sz="quarter" idx="12"/>
-          </p:nvPr>
-        </p:nvSpPr>
-        <p:spPr/>
-        <p:txBody>
-          <a:bodyPr/>
-          <a:lstStyle/>
-          <a:p>
-            <a:fld id="{6997B004-CFCE-48D1-9298-DADD64B1EF73}" type="slidenum">
-              <a:rPr lang="fr-FR" smtClean="0"/>
-              <a:t>3</a:t>
-            </a:fld>
-            <a:endParaRPr lang="fr-FR"/>
-          </a:p>
-        </p:txBody>
-      </p:sp>
-    </p:spTree>
-    <p:extLst>
-      <p:ext uri="{BB962C8B-B14F-4D97-AF65-F5344CB8AC3E}">
-        <p14:creationId xmlns:p14="http://schemas.microsoft.com/office/powerpoint/2010/main" val="1907491452"/>
-      </p:ext>
-    </p:extLst>
-  </p:cSld>
-  <p:clrMapOvr>
-    <a:masterClrMapping/>
-  </p:clrMapOvr>
-</p:sld>
-</file>
-
-<file path=ppt/slides/slide4.xml><?xml version="1.0" encoding="utf-8"?>
-<p:sld xmlns:a="http://schemas.openxmlformats.org/drawingml/2006/main" xmlns:r="http://schemas.openxmlformats.org/officeDocument/2006/relationships" xmlns:p="http://schemas.openxmlformats.org/presentationml/2006/main">
-  <p:cSld>
-    <p:bg>
-      <p:bgPr>
-        <a:solidFill>
-          <a:schemeClr val="bg1"/>
-        </a:solidFill>
-        <a:effectLst/>
-      </p:bgPr>
-    </p:bg>
-    <p:spTree>
-      <p:nvGrpSpPr>
-        <p:cNvPr id="1" name=""/>
-        <p:cNvGrpSpPr/>
-        <p:nvPr/>
-      </p:nvGrpSpPr>
-      <p:grpSpPr>
-        <a:xfrm>
-          <a:off x="0" y="0"/>
-          <a:ext cx="0" cy="0"/>
-          <a:chOff x="0" y="0"/>
-          <a:chExt cx="0" cy="0"/>
-        </a:xfrm>
-      </p:grpSpPr>
-      <p:sp useBgFill="1">
-        <p:nvSpPr>
-          <p:cNvPr id="18" name="Rectangle 17">
-            <a:extLst>
-              <a:ext uri="{FF2B5EF4-FFF2-40B4-BE49-F238E27FC236}">
-                <a16:creationId xmlns:a16="http://schemas.microsoft.com/office/drawing/2014/main" id="{D2854001-B4AF-4E18-9D2E-33E37F97A82D}"/>
-              </a:ext>
-              <a:ext uri="{C183D7F6-B498-43B3-948B-1728B52AA6E4}">
-                <adec:decorative xmlns:adec="http://schemas.microsoft.com/office/drawing/2017/decorative" val="1"/>
-              </a:ext>
-            </a:extLst>
-          </p:cNvPr>
-          <p:cNvSpPr>
-            <a:spLocks noGrp="1" noRot="1" noChangeAspect="1" noMove="1" noResize="1" noEditPoints="1" noAdjustHandles="1" noChangeArrowheads="1" noChangeShapeType="1" noTextEdit="1"/>
-          </p:cNvSpPr>
-          <p:nvPr>
-            <p:extLst>
-              <p:ext uri="{386F3935-93C4-4BCD-93E2-E3B085C9AB24}">
-                <p16:designElem xmlns:p16="http://schemas.microsoft.com/office/powerpoint/2015/main" val="1"/>
-              </p:ext>
-            </p:extLst>
-          </p:nvPr>
-        </p:nvSpPr>
-        <p:spPr>
-          <a:xfrm>
-            <a:off x="0" y="0"/>
-            <a:ext cx="12192000" cy="6858000"/>
-          </a:xfrm>
-          <a:prstGeom prst="rect">
-            <a:avLst/>
-          </a:prstGeom>
-          <a:ln>
-            <a:noFill/>
-          </a:ln>
-        </p:spPr>
-        <p:style>
-          <a:lnRef idx="2">
-            <a:schemeClr val="accent1">
-              <a:shade val="50000"/>
-            </a:schemeClr>
-          </a:lnRef>
-          <a:fillRef idx="1">
-            <a:schemeClr val="accent1"/>
-          </a:fillRef>
-          <a:effectRef idx="0">
-            <a:schemeClr val="accent1"/>
-          </a:effectRef>
-          <a:fontRef idx="minor">
-            <a:schemeClr val="lt1"/>
-          </a:fontRef>
-        </p:style>
-        <p:txBody>
-          <a:bodyPr rtlCol="0" anchor="ctr"/>
-          <a:lstStyle/>
-          <a:p>
-            <a:pPr algn="ctr"/>
-            <a:endParaRPr lang="en-US"/>
-          </a:p>
-        </p:txBody>
-      </p:sp>
-      <p:sp>
-        <p:nvSpPr>
-          <p:cNvPr id="2" name="Titre 1">
-            <a:extLst>
-              <a:ext uri="{FF2B5EF4-FFF2-40B4-BE49-F238E27FC236}">
-                <a16:creationId xmlns:a16="http://schemas.microsoft.com/office/drawing/2014/main" id="{153D1322-FC55-D51A-8EB9-8394E0A31187}"/>
-              </a:ext>
-            </a:extLst>
-          </p:cNvPr>
-          <p:cNvSpPr>
-            <a:spLocks noGrp="1"/>
-          </p:cNvSpPr>
-          <p:nvPr>
-            <p:ph type="title"/>
-          </p:nvPr>
-        </p:nvSpPr>
-        <p:spPr>
-          <a:xfrm>
-            <a:off x="612648" y="1078992"/>
-            <a:ext cx="6268770" cy="1536192"/>
-          </a:xfrm>
-        </p:spPr>
-        <p:txBody>
-          <a:bodyPr vert="horz" lIns="91440" tIns="45720" rIns="91440" bIns="45720" rtlCol="0" anchor="b">
-            <a:normAutofit/>
-          </a:bodyPr>
-          <a:lstStyle/>
-          <a:p>
-            <a:r>
-              <a:rPr lang="en-US" sz="5200" dirty="0">
-                <a:latin typeface="Daytona" panose="020B0604030500040204" pitchFamily="34" charset="0"/>
-              </a:rPr>
-              <a:t>DATA-ETL</a:t>
-            </a:r>
-          </a:p>
-        </p:txBody>
-      </p:sp>
-      <p:sp>
-        <p:nvSpPr>
-          <p:cNvPr id="20" name="Rectangle 19">
-            <a:extLst>
-              <a:ext uri="{FF2B5EF4-FFF2-40B4-BE49-F238E27FC236}">
-                <a16:creationId xmlns:a16="http://schemas.microsoft.com/office/drawing/2014/main" id="{8AEA628B-C8FF-4D0B-B111-F101F580B15D}"/>
-              </a:ext>
-              <a:ext uri="{C183D7F6-B498-43B3-948B-1728B52AA6E4}">
-                <adec:decorative xmlns:adec="http://schemas.microsoft.com/office/drawing/2017/decorative" val="1"/>
-              </a:ext>
-            </a:extLst>
-          </p:cNvPr>
-          <p:cNvSpPr>
-            <a:spLocks noGrp="1" noRot="1" noChangeAspect="1" noMove="1" noResize="1" noEditPoints="1" noAdjustHandles="1" noChangeArrowheads="1" noChangeShapeType="1" noTextEdit="1"/>
-          </p:cNvSpPr>
-          <p:nvPr>
-            <p:extLst>
-              <p:ext uri="{386F3935-93C4-4BCD-93E2-E3B085C9AB24}">
-                <p16:designElem xmlns:p16="http://schemas.microsoft.com/office/powerpoint/2015/main" val="1"/>
-              </p:ext>
-            </p:extLst>
-          </p:nvPr>
-        </p:nvSpPr>
-        <p:spPr>
-          <a:xfrm rot="5400000">
-            <a:off x="853202" y="363389"/>
-            <a:ext cx="73152" cy="548640"/>
-          </a:xfrm>
-          <a:prstGeom prst="rect">
-            <a:avLst/>
-          </a:prstGeom>
-          <a:solidFill>
-            <a:schemeClr val="accent2"/>
-          </a:solidFill>
-          <a:ln>
-            <a:noFill/>
-          </a:ln>
-        </p:spPr>
-        <p:style>
-          <a:lnRef idx="2">
-            <a:schemeClr val="accent1">
-              <a:shade val="50000"/>
-            </a:schemeClr>
-          </a:lnRef>
-          <a:fillRef idx="1">
-            <a:schemeClr val="accent1"/>
-          </a:fillRef>
-          <a:effectRef idx="0">
-            <a:schemeClr val="accent1"/>
-          </a:effectRef>
-          <a:fontRef idx="minor">
-            <a:schemeClr val="lt1"/>
-          </a:fontRef>
-        </p:style>
-        <p:txBody>
-          <a:bodyPr rtlCol="0" anchor="ctr"/>
-          <a:lstStyle/>
-          <a:p>
-            <a:pPr marL="0" marR="0" lvl="0" indent="0" algn="ctr" defTabSz="914400" rtl="0" eaLnBrk="1" fontAlgn="auto" latinLnBrk="0" hangingPunct="1">
-              <a:lnSpc>
-                <a:spcPct val="100000"/>
-              </a:lnSpc>
-              <a:spcBef>
-                <a:spcPts val="0"/>
-              </a:spcBef>
-              <a:spcAft>
-                <a:spcPts val="0"/>
-              </a:spcAft>
-              <a:buClrTx/>
-              <a:buSzTx/>
-              <a:buFontTx/>
-              <a:buNone/>
-              <a:tabLst/>
-              <a:defRPr/>
-            </a:pPr>
-            <a:endParaRPr kumimoji="0" lang="en-US" sz="1800" b="0" i="0" u="none" strike="noStrike" kern="1200" cap="none" spc="0" normalizeH="0" baseline="0" noProof="0">
-              <a:ln>
-                <a:noFill/>
-              </a:ln>
-              <a:solidFill>
-                <a:prstClr val="white"/>
-              </a:solidFill>
-              <a:effectLst/>
-              <a:uLnTx/>
-              <a:uFillTx/>
-              <a:latin typeface="Calibri" panose="020F0502020204030204"/>
-              <a:ea typeface="+mn-ea"/>
-              <a:cs typeface="+mn-cs"/>
-            </a:endParaRPr>
-          </a:p>
-        </p:txBody>
-      </p:sp>
-      <p:sp>
-        <p:nvSpPr>
-          <p:cNvPr id="22" name="Rectangle 21">
-            <a:extLst>
-              <a:ext uri="{FF2B5EF4-FFF2-40B4-BE49-F238E27FC236}">
-                <a16:creationId xmlns:a16="http://schemas.microsoft.com/office/drawing/2014/main" id="{42663BD0-064C-40FC-A331-F49FCA9536AA}"/>
-              </a:ext>
-              <a:ext uri="{C183D7F6-B498-43B3-948B-1728B52AA6E4}">
-                <adec:decorative xmlns:adec="http://schemas.microsoft.com/office/drawing/2017/decorative" val="1"/>
-              </a:ext>
-            </a:extLst>
-          </p:cNvPr>
-          <p:cNvSpPr>
-            <a:spLocks noGrp="1" noRot="1" noChangeAspect="1" noMove="1" noResize="1" noEditPoints="1" noAdjustHandles="1" noChangeArrowheads="1" noChangeShapeType="1" noTextEdit="1"/>
-          </p:cNvSpPr>
-          <p:nvPr>
-            <p:extLst>
-              <p:ext uri="{386F3935-93C4-4BCD-93E2-E3B085C9AB24}">
-                <p16:designElem xmlns:p16="http://schemas.microsoft.com/office/powerpoint/2015/main" val="1"/>
-              </p:ext>
-            </p:extLst>
-          </p:nvPr>
-        </p:nvSpPr>
-        <p:spPr>
-          <a:xfrm>
-            <a:off x="618506" y="2935541"/>
-            <a:ext cx="6217920" cy="18288"/>
-          </a:xfrm>
-          <a:prstGeom prst="rect">
-            <a:avLst/>
-          </a:prstGeom>
-          <a:solidFill>
-            <a:srgbClr val="D5D5D5"/>
-          </a:solidFill>
-          <a:ln w="3175">
-            <a:noFill/>
-          </a:ln>
-          <a:effectLst/>
-        </p:spPr>
-        <p:style>
-          <a:lnRef idx="2">
-            <a:schemeClr val="accent1">
-              <a:shade val="50000"/>
-            </a:schemeClr>
-          </a:lnRef>
-          <a:fillRef idx="1">
-            <a:schemeClr val="accent1"/>
-          </a:fillRef>
-          <a:effectRef idx="0">
-            <a:schemeClr val="accent1"/>
-          </a:effectRef>
-          <a:fontRef idx="minor">
-            <a:schemeClr val="lt1"/>
-          </a:fontRef>
-        </p:style>
-        <p:txBody>
-          <a:bodyPr rtlCol="0" anchor="ctr"/>
-          <a:lstStyle/>
-          <a:p>
-            <a:pPr algn="ctr"/>
-            <a:endParaRPr lang="en-US">
-              <a:solidFill>
-                <a:prstClr val="white"/>
-              </a:solidFill>
-              <a:latin typeface="Calibri" panose="020F0502020204030204"/>
-            </a:endParaRPr>
-          </a:p>
-        </p:txBody>
-      </p:sp>
-      <p:sp>
-        <p:nvSpPr>
-          <p:cNvPr id="4" name="Espace réservé du texte 3">
-            <a:extLst>
-              <a:ext uri="{FF2B5EF4-FFF2-40B4-BE49-F238E27FC236}">
-                <a16:creationId xmlns:a16="http://schemas.microsoft.com/office/drawing/2014/main" id="{C609B42D-92D6-15C2-6665-18917A2A7C80}"/>
-              </a:ext>
-            </a:extLst>
-          </p:cNvPr>
-          <p:cNvSpPr>
-            <a:spLocks noGrp="1"/>
-          </p:cNvSpPr>
-          <p:nvPr>
-            <p:ph type="body" sz="half" idx="2"/>
-          </p:nvPr>
-        </p:nvSpPr>
-        <p:spPr>
-          <a:xfrm>
-            <a:off x="639270" y="3355848"/>
-            <a:ext cx="6244957" cy="2825496"/>
-          </a:xfrm>
-        </p:spPr>
-        <p:txBody>
-          <a:bodyPr vert="horz" lIns="91440" tIns="45720" rIns="91440" bIns="45720" rtlCol="0">
-            <a:normAutofit/>
-          </a:bodyPr>
-          <a:lstStyle/>
-          <a:p>
-            <a:pPr marL="800100" lvl="1" indent="-228600">
-              <a:buFont typeface="Arial" panose="020B0604020202020204" pitchFamily="34" charset="0"/>
-              <a:buChar char="•"/>
-            </a:pPr>
-            <a:r>
-              <a:rPr lang="en-US" sz="2200" dirty="0">
-                <a:latin typeface="Daytona" panose="020B0604030500040204" pitchFamily="34" charset="0"/>
-              </a:rPr>
-              <a:t>Data models</a:t>
-            </a:r>
-          </a:p>
-          <a:p>
-            <a:pPr marL="800100" lvl="1" indent="-228600">
-              <a:buFont typeface="Arial" panose="020B0604020202020204" pitchFamily="34" charset="0"/>
-              <a:buChar char="•"/>
-            </a:pPr>
-            <a:r>
-              <a:rPr lang="en-US" sz="2200" dirty="0" err="1">
-                <a:latin typeface="Daytona" panose="020B0604030500040204" pitchFamily="34" charset="0"/>
-              </a:rPr>
-              <a:t>postgreSQL</a:t>
-            </a:r>
-            <a:r>
-              <a:rPr lang="en-US" sz="2200" dirty="0">
-                <a:latin typeface="Daytona" panose="020B0604030500040204" pitchFamily="34" charset="0"/>
-              </a:rPr>
-              <a:t> </a:t>
-            </a:r>
-          </a:p>
-          <a:p>
-            <a:pPr marL="800100" lvl="1" indent="-228600">
-              <a:buFont typeface="Arial" panose="020B0604020202020204" pitchFamily="34" charset="0"/>
-              <a:buChar char="•"/>
-            </a:pPr>
-            <a:r>
-              <a:rPr lang="en-US" sz="2200" dirty="0">
-                <a:latin typeface="Daytona" panose="020B0604030500040204" pitchFamily="34" charset="0"/>
-              </a:rPr>
-              <a:t>Scheduler</a:t>
-            </a:r>
-          </a:p>
-          <a:p>
-            <a:pPr indent="-228600">
-              <a:buFont typeface="Arial" panose="020B0604020202020204" pitchFamily="34" charset="0"/>
-              <a:buChar char="•"/>
-            </a:pPr>
-            <a:endParaRPr lang="en-US" sz="2200" dirty="0">
-              <a:latin typeface="Daytona" panose="020B0604030500040204" pitchFamily="34" charset="0"/>
-            </a:endParaRPr>
-          </a:p>
-        </p:txBody>
-      </p:sp>
-      <p:pic>
-        <p:nvPicPr>
-          <p:cNvPr id="10" name="Espace réservé pour une image  9" descr="Une image contenant diagramme, capture d’écran, texte&#10;&#10;Le contenu généré par l’IA peut être incorrect.">
-            <a:extLst>
-              <a:ext uri="{FF2B5EF4-FFF2-40B4-BE49-F238E27FC236}">
-                <a16:creationId xmlns:a16="http://schemas.microsoft.com/office/drawing/2014/main" id="{157656A8-1BEA-7FBE-371D-4F15153C8CD7}"/>
-              </a:ext>
-            </a:extLst>
-          </p:cNvPr>
-          <p:cNvPicPr>
-            <a:picLocks noGrp="1" noChangeAspect="1"/>
-          </p:cNvPicPr>
-          <p:nvPr>
-            <p:ph type="pic" idx="1"/>
-          </p:nvPr>
-        </p:nvPicPr>
-        <p:blipFill>
-          <a:blip r:embed="rId2">
-            <a:extLst>
-              <a:ext uri="{28A0092B-C50C-407E-A947-70E740481C1C}">
-                <a14:useLocalDpi xmlns:a14="http://schemas.microsoft.com/office/drawing/2010/main" val="0"/>
-              </a:ext>
-            </a:extLst>
-          </a:blip>
-          <a:srcRect r="1" b="4990"/>
-          <a:stretch>
-            <a:fillRect/>
-          </a:stretch>
-        </p:blipFill>
-        <p:spPr>
-          <a:xfrm>
-            <a:off x="7684007" y="343622"/>
-            <a:ext cx="4050792" cy="5577840"/>
-          </a:xfrm>
-          <a:prstGeom prst="rect">
-            <a:avLst/>
-          </a:prstGeom>
-        </p:spPr>
-      </p:pic>
-      <p:sp>
-        <p:nvSpPr>
-          <p:cNvPr id="14" name="Espace réservé du numéro de diapositive 13">
-            <a:extLst>
-              <a:ext uri="{FF2B5EF4-FFF2-40B4-BE49-F238E27FC236}">
-                <a16:creationId xmlns:a16="http://schemas.microsoft.com/office/drawing/2014/main" id="{07D20D63-0B2E-0BF9-2372-C46A8F38DB58}"/>
-              </a:ext>
-            </a:extLst>
-          </p:cNvPr>
-          <p:cNvSpPr>
-            <a:spLocks noGrp="1"/>
-          </p:cNvSpPr>
-          <p:nvPr>
-            <p:ph type="sldNum" sz="quarter" idx="12"/>
-          </p:nvPr>
-        </p:nvSpPr>
-        <p:spPr/>
-        <p:txBody>
-          <a:bodyPr/>
-          <a:lstStyle/>
-          <a:p>
-            <a:fld id="{6997B004-CFCE-48D1-9298-DADD64B1EF73}" type="slidenum">
-              <a:rPr lang="fr-FR" smtClean="0"/>
-              <a:t>4</a:t>
-            </a:fld>
-            <a:endParaRPr lang="fr-FR"/>
-          </a:p>
-        </p:txBody>
-      </p:sp>
-    </p:spTree>
-    <p:extLst>
-      <p:ext uri="{BB962C8B-B14F-4D97-AF65-F5344CB8AC3E}">
-        <p14:creationId xmlns:p14="http://schemas.microsoft.com/office/powerpoint/2010/main" val="826265893"/>
-      </p:ext>
-    </p:extLst>
-  </p:cSld>
-  <p:clrMapOvr>
-    <a:masterClrMapping/>
-  </p:clrMapOvr>
-</p:sld>
-</file>
-
-<file path=ppt/slides/slide5.xml><?xml version="1.0" encoding="utf-8"?>
-<p:sld xmlns:a="http://schemas.openxmlformats.org/drawingml/2006/main" xmlns:r="http://schemas.openxmlformats.org/officeDocument/2006/relationships" xmlns:p="http://schemas.openxmlformats.org/presentationml/2006/main">
-  <p:cSld>
-    <p:spTree>
-      <p:nvGrpSpPr>
-        <p:cNvPr id="1" name="">
-          <a:extLst>
-            <a:ext uri="{FF2B5EF4-FFF2-40B4-BE49-F238E27FC236}">
-              <a16:creationId xmlns:a16="http://schemas.microsoft.com/office/drawing/2014/main" id="{C65DABC7-65F1-5814-C3CD-96027E8F621B}"/>
-            </a:ext>
-          </a:extLst>
-        </p:cNvPr>
-        <p:cNvGrpSpPr/>
-        <p:nvPr/>
-      </p:nvGrpSpPr>
-      <p:grpSpPr>
-        <a:xfrm>
-          <a:off x="0" y="0"/>
-          <a:ext cx="0" cy="0"/>
-          <a:chOff x="0" y="0"/>
-          <a:chExt cx="0" cy="0"/>
-        </a:xfrm>
-      </p:grpSpPr>
-      <p:sp>
-        <p:nvSpPr>
-          <p:cNvPr id="2" name="Titre 1">
-            <a:extLst>
-              <a:ext uri="{FF2B5EF4-FFF2-40B4-BE49-F238E27FC236}">
-                <a16:creationId xmlns:a16="http://schemas.microsoft.com/office/drawing/2014/main" id="{4B91BFAE-D11B-19C7-4E4C-46C7B223C2B1}"/>
+                <a16:creationId xmlns:a16="http://schemas.microsoft.com/office/drawing/2014/main" id="{15905D30-F1B8-2C7C-2240-42B8975C1A52}"/>
               </a:ext>
             </a:extLst>
           </p:cNvPr>
@@ -11087,7 +10152,7 @@
               <a:rPr lang="fr-FR" dirty="0">
                 <a:latin typeface="Daytona" panose="020B0604030500040204" pitchFamily="34" charset="0"/>
               </a:rPr>
-              <a:t>V0.01</a:t>
+              <a:t>V0.02</a:t>
             </a:r>
           </a:p>
         </p:txBody>
@@ -11097,20 +10162,14 @@
           <p:cNvPr id="8" name="Tableau 7">
             <a:extLst>
               <a:ext uri="{FF2B5EF4-FFF2-40B4-BE49-F238E27FC236}">
-                <a16:creationId xmlns:a16="http://schemas.microsoft.com/office/drawing/2014/main" id="{1EE81099-F8D5-7443-2D76-BEB8A0C17CEE}"/>
+                <a16:creationId xmlns:a16="http://schemas.microsoft.com/office/drawing/2014/main" id="{6A41EC5D-36A4-E8B6-59E5-59CB41044E15}"/>
               </a:ext>
             </a:extLst>
           </p:cNvPr>
           <p:cNvGraphicFramePr>
             <a:graphicFrameLocks noGrp="1"/>
           </p:cNvGraphicFramePr>
-          <p:nvPr>
-            <p:extLst>
-              <p:ext uri="{D42A27DB-BD31-4B8C-83A1-F6EECF244321}">
-                <p14:modId xmlns:p14="http://schemas.microsoft.com/office/powerpoint/2010/main" val="1595901657"/>
-              </p:ext>
-            </p:extLst>
-          </p:nvPr>
+          <p:nvPr/>
         </p:nvGraphicFramePr>
         <p:xfrm>
           <a:off x="2551974" y="2234709"/>
@@ -11329,20 +10388,14 @@
           <p:cNvPr id="10" name="Tableau 9">
             <a:extLst>
               <a:ext uri="{FF2B5EF4-FFF2-40B4-BE49-F238E27FC236}">
-                <a16:creationId xmlns:a16="http://schemas.microsoft.com/office/drawing/2014/main" id="{0E904F2D-7220-7E16-6FD8-2B8C5DAE9924}"/>
+                <a16:creationId xmlns:a16="http://schemas.microsoft.com/office/drawing/2014/main" id="{E6D07677-1E98-D268-7C3B-4E6E3BFAC229}"/>
               </a:ext>
             </a:extLst>
           </p:cNvPr>
           <p:cNvGraphicFramePr>
             <a:graphicFrameLocks noGrp="1"/>
           </p:cNvGraphicFramePr>
-          <p:nvPr>
-            <p:extLst>
-              <p:ext uri="{D42A27DB-BD31-4B8C-83A1-F6EECF244321}">
-                <p14:modId xmlns:p14="http://schemas.microsoft.com/office/powerpoint/2010/main" val="2837378440"/>
-              </p:ext>
-            </p:extLst>
-          </p:nvPr>
+          <p:nvPr/>
         </p:nvGraphicFramePr>
         <p:xfrm>
           <a:off x="7915566" y="2920509"/>
@@ -11463,7 +10516,7 @@
           <p:cNvPr id="12" name="Espace réservé du numéro de diapositive 11">
             <a:extLst>
               <a:ext uri="{FF2B5EF4-FFF2-40B4-BE49-F238E27FC236}">
-                <a16:creationId xmlns:a16="http://schemas.microsoft.com/office/drawing/2014/main" id="{94398441-D567-B6C0-22E3-109CAFD8989F}"/>
+                <a16:creationId xmlns:a16="http://schemas.microsoft.com/office/drawing/2014/main" id="{C2133750-432D-25D6-EDA8-75E671422D3B}"/>
               </a:ext>
             </a:extLst>
           </p:cNvPr>
@@ -11481,7 +10534,7 @@
           <a:p>
             <a:fld id="{6997B004-CFCE-48D1-9298-DADD64B1EF73}" type="slidenum">
               <a:rPr lang="fr-FR" smtClean="0"/>
-              <a:t>5</a:t>
+              <a:t>10</a:t>
             </a:fld>
             <a:endParaRPr lang="fr-FR"/>
           </a:p>
@@ -11492,7 +10545,7 @@
           <p:cNvPr id="15" name="Connecteur droit 14">
             <a:extLst>
               <a:ext uri="{FF2B5EF4-FFF2-40B4-BE49-F238E27FC236}">
-                <a16:creationId xmlns:a16="http://schemas.microsoft.com/office/drawing/2014/main" id="{1B5B493A-0702-B02B-D209-236C6EB59760}"/>
+                <a16:creationId xmlns:a16="http://schemas.microsoft.com/office/drawing/2014/main" id="{7C7CD600-C095-2841-8D19-C696158A2DE5}"/>
               </a:ext>
             </a:extLst>
           </p:cNvPr>
@@ -11532,7 +10585,7 @@
           <p:cNvPr id="74" name="Image 73" descr="Une image contenant Graphique, symbole, Police, graphisme&#10;&#10;Le contenu généré par l’IA peut être incorrect.">
             <a:extLst>
               <a:ext uri="{FF2B5EF4-FFF2-40B4-BE49-F238E27FC236}">
-                <a16:creationId xmlns:a16="http://schemas.microsoft.com/office/drawing/2014/main" id="{6F272B34-1324-47B6-2868-EF1BCD0062BF}"/>
+                <a16:creationId xmlns:a16="http://schemas.microsoft.com/office/drawing/2014/main" id="{9ECB25BC-5915-06FC-F38B-EB4F4947059E}"/>
               </a:ext>
             </a:extLst>
           </p:cNvPr>
@@ -11568,7 +10621,7 @@
           <p:cNvPr id="76" name="Image 75" descr="Une image contenant logo, symbole, Graphique, Police&#10;&#10;Le contenu généré par l’IA peut être incorrect.">
             <a:extLst>
               <a:ext uri="{FF2B5EF4-FFF2-40B4-BE49-F238E27FC236}">
-                <a16:creationId xmlns:a16="http://schemas.microsoft.com/office/drawing/2014/main" id="{3FA05A07-364B-7D9F-5F86-7F72DB39CCCB}"/>
+                <a16:creationId xmlns:a16="http://schemas.microsoft.com/office/drawing/2014/main" id="{4B143614-269B-62FC-1400-7FCFA02F06F0}"/>
               </a:ext>
             </a:extLst>
           </p:cNvPr>
@@ -11604,7 +10657,7 @@
           <p:cNvPr id="77" name="ZoneTexte 76">
             <a:extLst>
               <a:ext uri="{FF2B5EF4-FFF2-40B4-BE49-F238E27FC236}">
-                <a16:creationId xmlns:a16="http://schemas.microsoft.com/office/drawing/2014/main" id="{1CA8B2FD-2D10-09DA-4B1F-3055FA22C7EA}"/>
+                <a16:creationId xmlns:a16="http://schemas.microsoft.com/office/drawing/2014/main" id="{107F7D18-E4A8-0018-2F24-CFE32593A8F0}"/>
               </a:ext>
             </a:extLst>
           </p:cNvPr>
@@ -11659,7 +10712,7 @@
           <p:cNvPr id="79" name="Image 78" descr="Une image contenant logo, symbole, Graphique, Police&#10;&#10;Le contenu généré par l’IA peut être incorrect.">
             <a:extLst>
               <a:ext uri="{FF2B5EF4-FFF2-40B4-BE49-F238E27FC236}">
-                <a16:creationId xmlns:a16="http://schemas.microsoft.com/office/drawing/2014/main" id="{57D60CC9-B481-3138-20AF-D1F88FBC2AB6}"/>
+                <a16:creationId xmlns:a16="http://schemas.microsoft.com/office/drawing/2014/main" id="{4C22B0DF-FEF3-0062-E563-F844631EE778}"/>
               </a:ext>
             </a:extLst>
           </p:cNvPr>
@@ -11695,7 +10748,7 @@
           <p:cNvPr id="80" name="Image 79" descr="Une image contenant logo, symbole, Graphique, Police&#10;&#10;Le contenu généré par l’IA peut être incorrect.">
             <a:extLst>
               <a:ext uri="{FF2B5EF4-FFF2-40B4-BE49-F238E27FC236}">
-                <a16:creationId xmlns:a16="http://schemas.microsoft.com/office/drawing/2014/main" id="{ACD6873D-B653-003D-5F27-230A1B852764}"/>
+                <a16:creationId xmlns:a16="http://schemas.microsoft.com/office/drawing/2014/main" id="{5FF20CE5-B8A4-4B9C-F71E-E643A09B6B96}"/>
               </a:ext>
             </a:extLst>
           </p:cNvPr>
@@ -11731,7 +10784,7 @@
           <p:cNvPr id="83" name="Image 82" descr="Une image contenant Graphique, symbole, Police, graphisme&#10;&#10;Le contenu généré par l’IA peut être incorrect.">
             <a:extLst>
               <a:ext uri="{FF2B5EF4-FFF2-40B4-BE49-F238E27FC236}">
-                <a16:creationId xmlns:a16="http://schemas.microsoft.com/office/drawing/2014/main" id="{1369E4F6-DA2F-6E14-347F-A3B81D22669F}"/>
+                <a16:creationId xmlns:a16="http://schemas.microsoft.com/office/drawing/2014/main" id="{F5DB805A-03D4-3C31-A4BF-5858BE222B9B}"/>
               </a:ext>
             </a:extLst>
           </p:cNvPr>
@@ -11765,7 +10818,7 @@
     </p:spTree>
     <p:extLst>
       <p:ext uri="{BB962C8B-B14F-4D97-AF65-F5344CB8AC3E}">
-        <p14:creationId xmlns:p14="http://schemas.microsoft.com/office/powerpoint/2010/main" val="2629751167"/>
+        <p14:creationId xmlns:p14="http://schemas.microsoft.com/office/powerpoint/2010/main" val="1188577128"/>
       </p:ext>
     </p:extLst>
   </p:cSld>
@@ -11775,7 +10828,7 @@
 </p:sld>
 </file>
 
-<file path=ppt/slides/slide6.xml><?xml version="1.0" encoding="utf-8"?>
+<file path=ppt/slides/slide11.xml><?xml version="1.0" encoding="utf-8"?>
 <p:sld xmlns:a="http://schemas.openxmlformats.org/drawingml/2006/main" xmlns:r="http://schemas.openxmlformats.org/officeDocument/2006/relationships" xmlns:p="http://schemas.openxmlformats.org/presentationml/2006/main">
   <p:cSld>
     <p:spTree>
@@ -11853,7 +10906,7 @@
           <a:p>
             <a:fld id="{6997B004-CFCE-48D1-9298-DADD64B1EF73}" type="slidenum">
               <a:rPr lang="fr-FR" smtClean="0"/>
-              <a:t>6</a:t>
+              <a:t>11</a:t>
             </a:fld>
             <a:endParaRPr lang="fr-FR"/>
           </a:p>
@@ -12080,7 +11133,6475 @@
 </p:sld>
 </file>
 
+<file path=ppt/slides/slide12.xml><?xml version="1.0" encoding="utf-8"?>
+<p:sld xmlns:a="http://schemas.openxmlformats.org/drawingml/2006/main" xmlns:r="http://schemas.openxmlformats.org/officeDocument/2006/relationships" xmlns:p="http://schemas.openxmlformats.org/presentationml/2006/main">
+  <p:cSld>
+    <p:spTree>
+      <p:nvGrpSpPr>
+        <p:cNvPr id="1" name="">
+          <a:extLst>
+            <a:ext uri="{FF2B5EF4-FFF2-40B4-BE49-F238E27FC236}">
+              <a16:creationId xmlns:a16="http://schemas.microsoft.com/office/drawing/2014/main" id="{4EEAB5E7-C3EA-4C4C-E8BD-E538BDC6A947}"/>
+            </a:ext>
+          </a:extLst>
+        </p:cNvPr>
+        <p:cNvGrpSpPr/>
+        <p:nvPr/>
+      </p:nvGrpSpPr>
+      <p:grpSpPr>
+        <a:xfrm>
+          <a:off x="0" y="0"/>
+          <a:ext cx="0" cy="0"/>
+          <a:chOff x="0" y="0"/>
+          <a:chExt cx="0" cy="0"/>
+        </a:xfrm>
+      </p:grpSpPr>
+      <p:sp>
+        <p:nvSpPr>
+          <p:cNvPr id="2" name="Titre 1">
+            <a:extLst>
+              <a:ext uri="{FF2B5EF4-FFF2-40B4-BE49-F238E27FC236}">
+                <a16:creationId xmlns:a16="http://schemas.microsoft.com/office/drawing/2014/main" id="{C57629D2-3683-9002-8C83-15FE9D74768F}"/>
+              </a:ext>
+            </a:extLst>
+          </p:cNvPr>
+          <p:cNvSpPr>
+            <a:spLocks noGrp="1"/>
+          </p:cNvSpPr>
+          <p:nvPr>
+            <p:ph type="title"/>
+          </p:nvPr>
+        </p:nvSpPr>
+        <p:spPr/>
+        <p:txBody>
+          <a:bodyPr>
+            <a:normAutofit/>
+          </a:bodyPr>
+          <a:lstStyle/>
+          <a:p>
+            <a:r>
+              <a:rPr lang="fr-FR" dirty="0">
+                <a:latin typeface="Daytona" panose="020B0604030500040204" pitchFamily="34" charset="0"/>
+              </a:rPr>
+              <a:t>New </a:t>
+            </a:r>
+            <a:r>
+              <a:rPr lang="fr-FR" dirty="0" err="1">
+                <a:latin typeface="Daytona" panose="020B0604030500040204" pitchFamily="34" charset="0"/>
+              </a:rPr>
+              <a:t>event</a:t>
+            </a:r>
+            <a:r>
+              <a:rPr lang="fr-FR" dirty="0">
+                <a:latin typeface="Daytona" panose="020B0604030500040204" pitchFamily="34" charset="0"/>
+              </a:rPr>
+              <a:t> </a:t>
+            </a:r>
+            <a:r>
+              <a:rPr lang="fr-FR" dirty="0" err="1">
+                <a:latin typeface="Daytona" panose="020B0604030500040204" pitchFamily="34" charset="0"/>
+              </a:rPr>
+              <a:t>incoming</a:t>
+            </a:r>
+            <a:r>
+              <a:rPr lang="fr-FR" dirty="0">
+                <a:latin typeface="Daytona" panose="020B0604030500040204" pitchFamily="34" charset="0"/>
+              </a:rPr>
+              <a:t> ? </a:t>
+            </a:r>
+          </a:p>
+        </p:txBody>
+      </p:sp>
+      <p:sp>
+        <p:nvSpPr>
+          <p:cNvPr id="12" name="Espace réservé du numéro de diapositive 11">
+            <a:extLst>
+              <a:ext uri="{FF2B5EF4-FFF2-40B4-BE49-F238E27FC236}">
+                <a16:creationId xmlns:a16="http://schemas.microsoft.com/office/drawing/2014/main" id="{F0786BB1-467A-3C0C-CE31-EC225AA41F57}"/>
+              </a:ext>
+            </a:extLst>
+          </p:cNvPr>
+          <p:cNvSpPr>
+            <a:spLocks noGrp="1"/>
+          </p:cNvSpPr>
+          <p:nvPr>
+            <p:ph type="sldNum" sz="quarter" idx="12"/>
+          </p:nvPr>
+        </p:nvSpPr>
+        <p:spPr/>
+        <p:txBody>
+          <a:bodyPr/>
+          <a:lstStyle/>
+          <a:p>
+            <a:fld id="{6997B004-CFCE-48D1-9298-DADD64B1EF73}" type="slidenum">
+              <a:rPr lang="fr-FR" smtClean="0"/>
+              <a:t>12</a:t>
+            </a:fld>
+            <a:endParaRPr lang="fr-FR"/>
+          </a:p>
+        </p:txBody>
+      </p:sp>
+      <p:graphicFrame>
+        <p:nvGraphicFramePr>
+          <p:cNvPr id="3" name="Diagramme 2">
+            <a:extLst>
+              <a:ext uri="{FF2B5EF4-FFF2-40B4-BE49-F238E27FC236}">
+                <a16:creationId xmlns:a16="http://schemas.microsoft.com/office/drawing/2014/main" id="{5F0A7F54-DD9B-76D1-E741-15B9E542462A}"/>
+              </a:ext>
+            </a:extLst>
+          </p:cNvPr>
+          <p:cNvGraphicFramePr/>
+          <p:nvPr>
+            <p:extLst>
+              <p:ext uri="{D42A27DB-BD31-4B8C-83A1-F6EECF244321}">
+                <p14:modId xmlns:p14="http://schemas.microsoft.com/office/powerpoint/2010/main" val="1961492512"/>
+              </p:ext>
+            </p:extLst>
+          </p:nvPr>
+        </p:nvGraphicFramePr>
+        <p:xfrm>
+          <a:off x="2032000" y="719666"/>
+          <a:ext cx="8128000" cy="5418667"/>
+        </p:xfrm>
+        <a:graphic>
+          <a:graphicData uri="http://schemas.openxmlformats.org/drawingml/2006/diagram">
+            <dgm:relIds xmlns:dgm="http://schemas.openxmlformats.org/drawingml/2006/diagram" xmlns:r="http://schemas.openxmlformats.org/officeDocument/2006/relationships" r:dm="rId2" r:lo="rId3" r:qs="rId4" r:cs="rId5"/>
+          </a:graphicData>
+        </a:graphic>
+      </p:graphicFrame>
+    </p:spTree>
+    <p:extLst>
+      <p:ext uri="{BB962C8B-B14F-4D97-AF65-F5344CB8AC3E}">
+        <p14:creationId xmlns:p14="http://schemas.microsoft.com/office/powerpoint/2010/main" val="3648777401"/>
+      </p:ext>
+    </p:extLst>
+  </p:cSld>
+  <p:clrMapOvr>
+    <a:masterClrMapping/>
+  </p:clrMapOvr>
+</p:sld>
+</file>
+
+<file path=ppt/slides/slide2.xml><?xml version="1.0" encoding="utf-8"?>
+<p:sld xmlns:a="http://schemas.openxmlformats.org/drawingml/2006/main" xmlns:r="http://schemas.openxmlformats.org/officeDocument/2006/relationships" xmlns:p="http://schemas.openxmlformats.org/presentationml/2006/main">
+  <p:cSld>
+    <p:spTree>
+      <p:nvGrpSpPr>
+        <p:cNvPr id="1" name=""/>
+        <p:cNvGrpSpPr/>
+        <p:nvPr/>
+      </p:nvGrpSpPr>
+      <p:grpSpPr>
+        <a:xfrm>
+          <a:off x="0" y="0"/>
+          <a:ext cx="0" cy="0"/>
+          <a:chOff x="0" y="0"/>
+          <a:chExt cx="0" cy="0"/>
+        </a:xfrm>
+      </p:grpSpPr>
+      <p:sp>
+        <p:nvSpPr>
+          <p:cNvPr id="2" name="Titre 1">
+            <a:extLst>
+              <a:ext uri="{FF2B5EF4-FFF2-40B4-BE49-F238E27FC236}">
+                <a16:creationId xmlns:a16="http://schemas.microsoft.com/office/drawing/2014/main" id="{3221F4AF-A26D-F256-5814-3BEB3C6BBCEA}"/>
+              </a:ext>
+            </a:extLst>
+          </p:cNvPr>
+          <p:cNvSpPr>
+            <a:spLocks noGrp="1"/>
+          </p:cNvSpPr>
+          <p:nvPr>
+            <p:ph type="title"/>
+          </p:nvPr>
+        </p:nvSpPr>
+        <p:spPr/>
+        <p:txBody>
+          <a:bodyPr/>
+          <a:lstStyle/>
+          <a:p>
+            <a:r>
+              <a:rPr lang="fr-FR" dirty="0" err="1">
+                <a:latin typeface="Daytona" panose="020B0604030500040204" pitchFamily="34" charset="0"/>
+              </a:rPr>
+              <a:t>Why</a:t>
+            </a:r>
+            <a:r>
+              <a:rPr lang="fr-FR" dirty="0">
+                <a:latin typeface="Daytona" panose="020B0604030500040204" pitchFamily="34" charset="0"/>
+              </a:rPr>
+              <a:t> are </a:t>
+            </a:r>
+            <a:r>
+              <a:rPr lang="fr-FR" dirty="0" err="1">
+                <a:latin typeface="Daytona" panose="020B0604030500040204" pitchFamily="34" charset="0"/>
+              </a:rPr>
+              <a:t>we</a:t>
+            </a:r>
+            <a:r>
+              <a:rPr lang="fr-FR" dirty="0">
+                <a:latin typeface="Daytona" panose="020B0604030500040204" pitchFamily="34" charset="0"/>
+              </a:rPr>
+              <a:t> </a:t>
+            </a:r>
+            <a:r>
+              <a:rPr lang="fr-FR" dirty="0" err="1">
+                <a:latin typeface="Daytona" panose="020B0604030500040204" pitchFamily="34" charset="0"/>
+              </a:rPr>
+              <a:t>here</a:t>
+            </a:r>
+            <a:r>
+              <a:rPr lang="fr-FR" dirty="0">
+                <a:latin typeface="Daytona" panose="020B0604030500040204" pitchFamily="34" charset="0"/>
+              </a:rPr>
+              <a:t> ? </a:t>
+            </a:r>
+          </a:p>
+        </p:txBody>
+      </p:sp>
+      <p:sp>
+        <p:nvSpPr>
+          <p:cNvPr id="3" name="Espace réservé du numéro de diapositive 2">
+            <a:extLst>
+              <a:ext uri="{FF2B5EF4-FFF2-40B4-BE49-F238E27FC236}">
+                <a16:creationId xmlns:a16="http://schemas.microsoft.com/office/drawing/2014/main" id="{F6A7120F-6A39-7555-AACA-B0A857219D87}"/>
+              </a:ext>
+            </a:extLst>
+          </p:cNvPr>
+          <p:cNvSpPr>
+            <a:spLocks noGrp="1"/>
+          </p:cNvSpPr>
+          <p:nvPr>
+            <p:ph type="sldNum" sz="quarter" idx="12"/>
+          </p:nvPr>
+        </p:nvSpPr>
+        <p:spPr/>
+        <p:txBody>
+          <a:bodyPr/>
+          <a:lstStyle/>
+          <a:p>
+            <a:fld id="{6997B004-CFCE-48D1-9298-DADD64B1EF73}" type="slidenum">
+              <a:rPr lang="fr-FR" smtClean="0"/>
+              <a:t>2</a:t>
+            </a:fld>
+            <a:endParaRPr lang="fr-FR"/>
+          </a:p>
+        </p:txBody>
+      </p:sp>
+    </p:spTree>
+    <p:extLst>
+      <p:ext uri="{BB962C8B-B14F-4D97-AF65-F5344CB8AC3E}">
+        <p14:creationId xmlns:p14="http://schemas.microsoft.com/office/powerpoint/2010/main" val="991645511"/>
+      </p:ext>
+    </p:extLst>
+  </p:cSld>
+  <p:clrMapOvr>
+    <a:masterClrMapping/>
+  </p:clrMapOvr>
+</p:sld>
+</file>
+
+<file path=ppt/slides/slide3.xml><?xml version="1.0" encoding="utf-8"?>
+<p:sld xmlns:a="http://schemas.openxmlformats.org/drawingml/2006/main" xmlns:r="http://schemas.openxmlformats.org/officeDocument/2006/relationships" xmlns:p="http://schemas.openxmlformats.org/presentationml/2006/main">
+  <p:cSld>
+    <p:spTree>
+      <p:nvGrpSpPr>
+        <p:cNvPr id="1" name=""/>
+        <p:cNvGrpSpPr/>
+        <p:nvPr/>
+      </p:nvGrpSpPr>
+      <p:grpSpPr>
+        <a:xfrm>
+          <a:off x="0" y="0"/>
+          <a:ext cx="0" cy="0"/>
+          <a:chOff x="0" y="0"/>
+          <a:chExt cx="0" cy="0"/>
+        </a:xfrm>
+      </p:grpSpPr>
+      <p:sp>
+        <p:nvSpPr>
+          <p:cNvPr id="2" name="Titre 1">
+            <a:extLst>
+              <a:ext uri="{FF2B5EF4-FFF2-40B4-BE49-F238E27FC236}">
+                <a16:creationId xmlns:a16="http://schemas.microsoft.com/office/drawing/2014/main" id="{8ADCD5C7-E975-21FB-2CF5-3630C9DA7969}"/>
+              </a:ext>
+            </a:extLst>
+          </p:cNvPr>
+          <p:cNvSpPr>
+            <a:spLocks noGrp="1"/>
+          </p:cNvSpPr>
+          <p:nvPr>
+            <p:ph type="title"/>
+          </p:nvPr>
+        </p:nvSpPr>
+        <p:spPr/>
+        <p:txBody>
+          <a:bodyPr/>
+          <a:lstStyle/>
+          <a:p>
+            <a:r>
+              <a:rPr lang="fr-FR" dirty="0">
+                <a:latin typeface="Daytona" panose="020B0604030500040204" pitchFamily="34" charset="0"/>
+              </a:rPr>
+              <a:t>Contents</a:t>
+            </a:r>
+          </a:p>
+        </p:txBody>
+      </p:sp>
+      <p:sp>
+        <p:nvSpPr>
+          <p:cNvPr id="3" name="ZoneTexte 2">
+            <a:extLst>
+              <a:ext uri="{FF2B5EF4-FFF2-40B4-BE49-F238E27FC236}">
+                <a16:creationId xmlns:a16="http://schemas.microsoft.com/office/drawing/2014/main" id="{76FFEEBC-0E1D-82E0-4227-28EB63D14308}"/>
+              </a:ext>
+            </a:extLst>
+          </p:cNvPr>
+          <p:cNvSpPr txBox="1"/>
+          <p:nvPr/>
+        </p:nvSpPr>
+        <p:spPr>
+          <a:xfrm>
+            <a:off x="4024884" y="1690688"/>
+            <a:ext cx="4142232" cy="4801314"/>
+          </a:xfrm>
+          <a:prstGeom prst="rect">
+            <a:avLst/>
+          </a:prstGeom>
+          <a:noFill/>
+        </p:spPr>
+        <p:txBody>
+          <a:bodyPr wrap="square" rtlCol="0">
+            <a:spAutoFit/>
+          </a:bodyPr>
+          <a:lstStyle/>
+          <a:p>
+            <a:pPr marL="342900" indent="-342900">
+              <a:buFont typeface="+mj-lt"/>
+              <a:buAutoNum type="arabicPeriod"/>
+            </a:pPr>
+            <a:r>
+              <a:rPr lang="fr-FR" dirty="0" err="1">
+                <a:latin typeface="Daytona" panose="020B0604030500040204" pitchFamily="34" charset="0"/>
+              </a:rPr>
+              <a:t>Overview</a:t>
+            </a:r>
+            <a:endParaRPr lang="fr-FR" dirty="0">
+              <a:latin typeface="Daytona" panose="020B0604030500040204" pitchFamily="34" charset="0"/>
+            </a:endParaRPr>
+          </a:p>
+          <a:p>
+            <a:pPr marL="342900" indent="-342900">
+              <a:buFont typeface="+mj-lt"/>
+              <a:buAutoNum type="arabicPeriod"/>
+            </a:pPr>
+            <a:r>
+              <a:rPr lang="fr-FR" dirty="0">
+                <a:latin typeface="Daytona" panose="020B0604030500040204" pitchFamily="34" charset="0"/>
+              </a:rPr>
+              <a:t>Data-ETL</a:t>
+            </a:r>
+          </a:p>
+          <a:p>
+            <a:pPr marL="800100" lvl="1" indent="-342900">
+              <a:buFont typeface="+mj-lt"/>
+              <a:buAutoNum type="arabicPeriod"/>
+            </a:pPr>
+            <a:r>
+              <a:rPr lang="fr-FR" dirty="0">
+                <a:latin typeface="Daytona" panose="020B0604030500040204" pitchFamily="34" charset="0"/>
+              </a:rPr>
+              <a:t>Data </a:t>
+            </a:r>
+            <a:r>
+              <a:rPr lang="fr-FR" dirty="0" err="1">
+                <a:latin typeface="Daytona" panose="020B0604030500040204" pitchFamily="34" charset="0"/>
+              </a:rPr>
+              <a:t>models</a:t>
+            </a:r>
+            <a:endParaRPr lang="fr-FR" dirty="0">
+              <a:latin typeface="Daytona" panose="020B0604030500040204" pitchFamily="34" charset="0"/>
+            </a:endParaRPr>
+          </a:p>
+          <a:p>
+            <a:pPr marL="800100" lvl="1" indent="-342900">
+              <a:buFont typeface="+mj-lt"/>
+              <a:buAutoNum type="arabicPeriod"/>
+            </a:pPr>
+            <a:r>
+              <a:rPr lang="fr-FR" dirty="0" err="1">
+                <a:latin typeface="Daytona" panose="020B0604030500040204" pitchFamily="34" charset="0"/>
+              </a:rPr>
+              <a:t>postgreSQL</a:t>
+            </a:r>
+            <a:r>
+              <a:rPr lang="fr-FR" dirty="0">
+                <a:latin typeface="Daytona" panose="020B0604030500040204" pitchFamily="34" charset="0"/>
+              </a:rPr>
+              <a:t> </a:t>
+            </a:r>
+          </a:p>
+          <a:p>
+            <a:pPr marL="800100" lvl="1" indent="-342900">
+              <a:buFont typeface="+mj-lt"/>
+              <a:buAutoNum type="arabicPeriod"/>
+            </a:pPr>
+            <a:r>
+              <a:rPr lang="fr-FR" dirty="0" err="1">
+                <a:latin typeface="Daytona" panose="020B0604030500040204" pitchFamily="34" charset="0"/>
+              </a:rPr>
+              <a:t>Scheduler</a:t>
+            </a:r>
+            <a:endParaRPr lang="fr-FR" dirty="0">
+              <a:latin typeface="Daytona" panose="020B0604030500040204" pitchFamily="34" charset="0"/>
+            </a:endParaRPr>
+          </a:p>
+          <a:p>
+            <a:pPr marL="800100" lvl="1" indent="-342900">
+              <a:buFont typeface="+mj-lt"/>
+              <a:buAutoNum type="arabicPeriod"/>
+            </a:pPr>
+            <a:endParaRPr lang="fr-FR" dirty="0">
+              <a:latin typeface="Daytona" panose="020B0604030500040204" pitchFamily="34" charset="0"/>
+            </a:endParaRPr>
+          </a:p>
+          <a:p>
+            <a:pPr marL="342900" indent="-342900">
+              <a:buFont typeface="+mj-lt"/>
+              <a:buAutoNum type="arabicPeriod"/>
+            </a:pPr>
+            <a:r>
+              <a:rPr lang="fr-FR" dirty="0">
+                <a:latin typeface="Daytona" panose="020B0604030500040204" pitchFamily="34" charset="0"/>
+              </a:rPr>
+              <a:t>UI</a:t>
+            </a:r>
+          </a:p>
+          <a:p>
+            <a:pPr marL="800100" lvl="1" indent="-342900">
+              <a:buFont typeface="+mj-lt"/>
+              <a:buAutoNum type="arabicPeriod"/>
+            </a:pPr>
+            <a:r>
+              <a:rPr lang="fr-FR" dirty="0" err="1">
+                <a:latin typeface="Daytona" panose="020B0604030500040204" pitchFamily="34" charset="0"/>
+              </a:rPr>
+              <a:t>Research</a:t>
+            </a:r>
+            <a:r>
+              <a:rPr lang="fr-FR" dirty="0">
+                <a:latin typeface="Daytona" panose="020B0604030500040204" pitchFamily="34" charset="0"/>
+              </a:rPr>
+              <a:t> new </a:t>
+            </a:r>
+            <a:r>
+              <a:rPr lang="fr-FR" dirty="0" err="1">
+                <a:latin typeface="Daytona" panose="020B0604030500040204" pitchFamily="34" charset="0"/>
+              </a:rPr>
+              <a:t>exhibs</a:t>
+            </a:r>
+            <a:endParaRPr lang="fr-FR" dirty="0">
+              <a:latin typeface="Daytona" panose="020B0604030500040204" pitchFamily="34" charset="0"/>
+            </a:endParaRPr>
+          </a:p>
+          <a:p>
+            <a:pPr marL="1257300" lvl="2" indent="-342900">
+              <a:buFont typeface="+mj-lt"/>
+              <a:buAutoNum type="arabicPeriod"/>
+            </a:pPr>
+            <a:r>
+              <a:rPr lang="fr-FR" dirty="0" err="1">
+                <a:latin typeface="Daytona" panose="020B0604030500040204" pitchFamily="34" charset="0"/>
+              </a:rPr>
+              <a:t>Filtering</a:t>
+            </a:r>
+            <a:endParaRPr lang="fr-FR" dirty="0">
+              <a:latin typeface="Daytona" panose="020B0604030500040204" pitchFamily="34" charset="0"/>
+            </a:endParaRPr>
+          </a:p>
+          <a:p>
+            <a:pPr marL="1257300" lvl="2" indent="-342900">
+              <a:buFont typeface="+mj-lt"/>
+              <a:buAutoNum type="arabicPeriod"/>
+            </a:pPr>
+            <a:r>
+              <a:rPr lang="fr-FR" dirty="0">
+                <a:latin typeface="Daytona" panose="020B0604030500040204" pitchFamily="34" charset="0"/>
+              </a:rPr>
+              <a:t>Recommandations </a:t>
+            </a:r>
+          </a:p>
+          <a:p>
+            <a:pPr marL="800100" lvl="1" indent="-342900">
+              <a:buFont typeface="+mj-lt"/>
+              <a:buAutoNum type="arabicPeriod"/>
+            </a:pPr>
+            <a:r>
+              <a:rPr lang="fr-FR" dirty="0">
+                <a:latin typeface="Daytona" panose="020B0604030500040204" pitchFamily="34" charset="0"/>
+              </a:rPr>
+              <a:t>Consult </a:t>
+            </a:r>
+            <a:r>
+              <a:rPr lang="fr-FR" dirty="0" err="1">
+                <a:latin typeface="Daytona" panose="020B0604030500040204" pitchFamily="34" charset="0"/>
+              </a:rPr>
+              <a:t>chosen</a:t>
+            </a:r>
+            <a:r>
+              <a:rPr lang="fr-FR" dirty="0">
+                <a:latin typeface="Daytona" panose="020B0604030500040204" pitchFamily="34" charset="0"/>
+              </a:rPr>
+              <a:t> </a:t>
+            </a:r>
+            <a:r>
+              <a:rPr lang="fr-FR" dirty="0" err="1">
+                <a:latin typeface="Daytona" panose="020B0604030500040204" pitchFamily="34" charset="0"/>
+              </a:rPr>
+              <a:t>exhibs</a:t>
+            </a:r>
+            <a:endParaRPr lang="fr-FR" dirty="0">
+              <a:latin typeface="Daytona" panose="020B0604030500040204" pitchFamily="34" charset="0"/>
+            </a:endParaRPr>
+          </a:p>
+          <a:p>
+            <a:pPr marL="1257300" lvl="2" indent="-342900">
+              <a:buFont typeface="+mj-lt"/>
+              <a:buAutoNum type="arabicPeriod"/>
+            </a:pPr>
+            <a:r>
+              <a:rPr lang="fr-FR" dirty="0" err="1">
+                <a:latin typeface="Daytona" panose="020B0604030500040204" pitchFamily="34" charset="0"/>
+              </a:rPr>
+              <a:t>Map</a:t>
+            </a:r>
+            <a:r>
+              <a:rPr lang="fr-FR" dirty="0">
+                <a:latin typeface="Daytona" panose="020B0604030500040204" pitchFamily="34" charset="0"/>
+              </a:rPr>
+              <a:t> </a:t>
+            </a:r>
+          </a:p>
+          <a:p>
+            <a:pPr marL="1257300" lvl="2" indent="-342900">
+              <a:buFont typeface="+mj-lt"/>
+              <a:buAutoNum type="arabicPeriod"/>
+            </a:pPr>
+            <a:r>
+              <a:rPr lang="fr-FR" dirty="0" err="1">
+                <a:latin typeface="Daytona" panose="020B0604030500040204" pitchFamily="34" charset="0"/>
+              </a:rPr>
+              <a:t>Prioritize</a:t>
+            </a:r>
+            <a:endParaRPr lang="fr-FR" dirty="0">
+              <a:latin typeface="Daytona" panose="020B0604030500040204" pitchFamily="34" charset="0"/>
+            </a:endParaRPr>
+          </a:p>
+          <a:p>
+            <a:pPr marL="1257300" lvl="2" indent="-342900">
+              <a:buFont typeface="+mj-lt"/>
+              <a:buAutoNum type="arabicPeriod"/>
+            </a:pPr>
+            <a:r>
+              <a:rPr lang="fr-FR" dirty="0">
+                <a:latin typeface="Daytona" panose="020B0604030500040204" pitchFamily="34" charset="0"/>
+              </a:rPr>
+              <a:t>Agenda</a:t>
+            </a:r>
+          </a:p>
+          <a:p>
+            <a:pPr marL="1257300" lvl="2" indent="-342900">
+              <a:buFont typeface="+mj-lt"/>
+              <a:buAutoNum type="arabicPeriod"/>
+            </a:pPr>
+            <a:endParaRPr lang="fr-FR" dirty="0">
+              <a:latin typeface="Daytona" panose="020B0604030500040204" pitchFamily="34" charset="0"/>
+            </a:endParaRPr>
+          </a:p>
+          <a:p>
+            <a:pPr marL="342900" indent="-342900">
+              <a:buFont typeface="+mj-lt"/>
+              <a:buAutoNum type="arabicPeriod"/>
+            </a:pPr>
+            <a:r>
+              <a:rPr lang="fr-FR" dirty="0">
+                <a:latin typeface="Daytona" panose="020B0604030500040204" pitchFamily="34" charset="0"/>
+              </a:rPr>
+              <a:t> Go </a:t>
+            </a:r>
+            <a:r>
+              <a:rPr lang="fr-FR" dirty="0" err="1">
+                <a:latin typeface="Daytona" panose="020B0604030500040204" pitchFamily="34" charset="0"/>
+              </a:rPr>
+              <a:t>beyond</a:t>
+            </a:r>
+            <a:endParaRPr lang="fr-FR" dirty="0">
+              <a:latin typeface="Daytona" panose="020B0604030500040204" pitchFamily="34" charset="0"/>
+            </a:endParaRPr>
+          </a:p>
+          <a:p>
+            <a:pPr marL="342900" indent="-342900">
+              <a:buFont typeface="+mj-lt"/>
+              <a:buAutoNum type="arabicPeriod"/>
+            </a:pPr>
+            <a:endParaRPr lang="fr-FR" dirty="0">
+              <a:latin typeface="Daytona" panose="020B0604030500040204" pitchFamily="34" charset="0"/>
+            </a:endParaRPr>
+          </a:p>
+        </p:txBody>
+      </p:sp>
+      <p:sp>
+        <p:nvSpPr>
+          <p:cNvPr id="4" name="Espace réservé du numéro de diapositive 3">
+            <a:extLst>
+              <a:ext uri="{FF2B5EF4-FFF2-40B4-BE49-F238E27FC236}">
+                <a16:creationId xmlns:a16="http://schemas.microsoft.com/office/drawing/2014/main" id="{BD7E5806-3847-0954-2EDB-CBD0F432CA26}"/>
+              </a:ext>
+            </a:extLst>
+          </p:cNvPr>
+          <p:cNvSpPr>
+            <a:spLocks noGrp="1"/>
+          </p:cNvSpPr>
+          <p:nvPr>
+            <p:ph type="sldNum" sz="quarter" idx="12"/>
+          </p:nvPr>
+        </p:nvSpPr>
+        <p:spPr/>
+        <p:txBody>
+          <a:bodyPr/>
+          <a:lstStyle/>
+          <a:p>
+            <a:fld id="{6997B004-CFCE-48D1-9298-DADD64B1EF73}" type="slidenum">
+              <a:rPr lang="fr-FR" smtClean="0"/>
+              <a:t>3</a:t>
+            </a:fld>
+            <a:endParaRPr lang="fr-FR"/>
+          </a:p>
+        </p:txBody>
+      </p:sp>
+    </p:spTree>
+    <p:extLst>
+      <p:ext uri="{BB962C8B-B14F-4D97-AF65-F5344CB8AC3E}">
+        <p14:creationId xmlns:p14="http://schemas.microsoft.com/office/powerpoint/2010/main" val="3960785078"/>
+      </p:ext>
+    </p:extLst>
+  </p:cSld>
+  <p:clrMapOvr>
+    <a:masterClrMapping/>
+  </p:clrMapOvr>
+</p:sld>
+</file>
+
+<file path=ppt/slides/slide4.xml><?xml version="1.0" encoding="utf-8"?>
+<p:sld xmlns:a="http://schemas.openxmlformats.org/drawingml/2006/main" xmlns:r="http://schemas.openxmlformats.org/officeDocument/2006/relationships" xmlns:p="http://schemas.openxmlformats.org/presentationml/2006/main">
+  <p:cSld>
+    <p:spTree>
+      <p:nvGrpSpPr>
+        <p:cNvPr id="1" name=""/>
+        <p:cNvGrpSpPr/>
+        <p:nvPr/>
+      </p:nvGrpSpPr>
+      <p:grpSpPr>
+        <a:xfrm>
+          <a:off x="0" y="0"/>
+          <a:ext cx="0" cy="0"/>
+          <a:chOff x="0" y="0"/>
+          <a:chExt cx="0" cy="0"/>
+        </a:xfrm>
+      </p:grpSpPr>
+      <p:sp>
+        <p:nvSpPr>
+          <p:cNvPr id="2" name="Titre 1">
+            <a:extLst>
+              <a:ext uri="{FF2B5EF4-FFF2-40B4-BE49-F238E27FC236}">
+                <a16:creationId xmlns:a16="http://schemas.microsoft.com/office/drawing/2014/main" id="{4AC0439E-0F7E-16E4-2ACB-37548339FA9F}"/>
+              </a:ext>
+            </a:extLst>
+          </p:cNvPr>
+          <p:cNvSpPr>
+            <a:spLocks noGrp="1"/>
+          </p:cNvSpPr>
+          <p:nvPr>
+            <p:ph type="title"/>
+          </p:nvPr>
+        </p:nvSpPr>
+        <p:spPr/>
+        <p:txBody>
+          <a:bodyPr/>
+          <a:lstStyle/>
+          <a:p>
+            <a:r>
+              <a:rPr lang="fr-FR" dirty="0" err="1">
+                <a:latin typeface="Daytona" panose="020B0604030500040204" pitchFamily="34" charset="0"/>
+              </a:rPr>
+              <a:t>Why</a:t>
+            </a:r>
+            <a:r>
+              <a:rPr lang="fr-FR" dirty="0">
+                <a:latin typeface="Daytona" panose="020B0604030500040204" pitchFamily="34" charset="0"/>
+              </a:rPr>
+              <a:t> </a:t>
+            </a:r>
+            <a:r>
+              <a:rPr lang="fr-FR" dirty="0" err="1">
+                <a:latin typeface="Daytona" panose="020B0604030500040204" pitchFamily="34" charset="0"/>
+              </a:rPr>
+              <a:t>is</a:t>
+            </a:r>
+            <a:r>
+              <a:rPr lang="fr-FR" dirty="0">
+                <a:latin typeface="Daytona" panose="020B0604030500040204" pitchFamily="34" charset="0"/>
+              </a:rPr>
+              <a:t> </a:t>
+            </a:r>
+            <a:r>
+              <a:rPr lang="fr-FR" dirty="0" err="1">
+                <a:latin typeface="Daytona" panose="020B0604030500040204" pitchFamily="34" charset="0"/>
+              </a:rPr>
+              <a:t>it</a:t>
+            </a:r>
+            <a:r>
+              <a:rPr lang="fr-FR" dirty="0">
+                <a:latin typeface="Daytona" panose="020B0604030500040204" pitchFamily="34" charset="0"/>
+              </a:rPr>
+              <a:t> </a:t>
+            </a:r>
+            <a:r>
+              <a:rPr lang="fr-FR" dirty="0" err="1">
+                <a:latin typeface="Daytona" panose="020B0604030500040204" pitchFamily="34" charset="0"/>
+              </a:rPr>
+              <a:t>sooooo</a:t>
+            </a:r>
+            <a:r>
+              <a:rPr lang="fr-FR" dirty="0">
+                <a:latin typeface="Daytona" panose="020B0604030500040204" pitchFamily="34" charset="0"/>
+              </a:rPr>
+              <a:t> long</a:t>
+            </a:r>
+          </a:p>
+        </p:txBody>
+      </p:sp>
+      <p:sp>
+        <p:nvSpPr>
+          <p:cNvPr id="3" name="Espace réservé du numéro de diapositive 2">
+            <a:extLst>
+              <a:ext uri="{FF2B5EF4-FFF2-40B4-BE49-F238E27FC236}">
+                <a16:creationId xmlns:a16="http://schemas.microsoft.com/office/drawing/2014/main" id="{A296EFB1-8ADA-EE74-43DB-AC691A97C2E5}"/>
+              </a:ext>
+            </a:extLst>
+          </p:cNvPr>
+          <p:cNvSpPr>
+            <a:spLocks noGrp="1"/>
+          </p:cNvSpPr>
+          <p:nvPr>
+            <p:ph type="sldNum" sz="quarter" idx="12"/>
+          </p:nvPr>
+        </p:nvSpPr>
+        <p:spPr/>
+        <p:txBody>
+          <a:bodyPr/>
+          <a:lstStyle/>
+          <a:p>
+            <a:fld id="{6997B004-CFCE-48D1-9298-DADD64B1EF73}" type="slidenum">
+              <a:rPr lang="fr-FR" smtClean="0"/>
+              <a:t>4</a:t>
+            </a:fld>
+            <a:endParaRPr lang="fr-FR"/>
+          </a:p>
+        </p:txBody>
+      </p:sp>
+      <p:pic>
+        <p:nvPicPr>
+          <p:cNvPr id="5" name="Image 4" descr="Une image contenant véhicule, Véhicule terrestre, roue, pneu&#10;&#10;Le contenu généré par l’IA peut être incorrect.">
+            <a:extLst>
+              <a:ext uri="{FF2B5EF4-FFF2-40B4-BE49-F238E27FC236}">
+                <a16:creationId xmlns:a16="http://schemas.microsoft.com/office/drawing/2014/main" id="{507D4244-6A10-E447-1E1D-C5C5DCC3CAEF}"/>
+              </a:ext>
+            </a:extLst>
+          </p:cNvPr>
+          <p:cNvPicPr>
+            <a:picLocks noChangeAspect="1"/>
+          </p:cNvPicPr>
+          <p:nvPr/>
+        </p:nvPicPr>
+        <p:blipFill>
+          <a:blip r:embed="rId2">
+            <a:extLst>
+              <a:ext uri="{28A0092B-C50C-407E-A947-70E740481C1C}">
+                <a14:useLocalDpi xmlns:a14="http://schemas.microsoft.com/office/drawing/2010/main" val="0"/>
+              </a:ext>
+            </a:extLst>
+          </a:blip>
+          <a:srcRect l="3391" t="2416" r="2406" b="3675"/>
+          <a:stretch>
+            <a:fillRect/>
+          </a:stretch>
+        </p:blipFill>
+        <p:spPr>
+          <a:xfrm>
+            <a:off x="3141785" y="1690688"/>
+            <a:ext cx="4806461" cy="4665662"/>
+          </a:xfrm>
+          <a:prstGeom prst="rect">
+            <a:avLst/>
+          </a:prstGeom>
+        </p:spPr>
+      </p:pic>
+      <p:sp>
+        <p:nvSpPr>
+          <p:cNvPr id="6" name="Rectangle 5">
+            <a:extLst>
+              <a:ext uri="{FF2B5EF4-FFF2-40B4-BE49-F238E27FC236}">
+                <a16:creationId xmlns:a16="http://schemas.microsoft.com/office/drawing/2014/main" id="{AD1ED98D-22D1-14CC-3561-DB0DC1D79248}"/>
+              </a:ext>
+            </a:extLst>
+          </p:cNvPr>
+          <p:cNvSpPr/>
+          <p:nvPr/>
+        </p:nvSpPr>
+        <p:spPr>
+          <a:xfrm>
+            <a:off x="2930770" y="2766218"/>
+            <a:ext cx="5298830" cy="1325563"/>
+          </a:xfrm>
+          <a:custGeom>
+            <a:avLst/>
+            <a:gdLst>
+              <a:gd name="connsiteX0" fmla="*/ 0 w 5298830"/>
+              <a:gd name="connsiteY0" fmla="*/ 0 h 1325563"/>
+              <a:gd name="connsiteX1" fmla="*/ 535771 w 5298830"/>
+              <a:gd name="connsiteY1" fmla="*/ 0 h 1325563"/>
+              <a:gd name="connsiteX2" fmla="*/ 1124529 w 5298830"/>
+              <a:gd name="connsiteY2" fmla="*/ 0 h 1325563"/>
+              <a:gd name="connsiteX3" fmla="*/ 1713288 w 5298830"/>
+              <a:gd name="connsiteY3" fmla="*/ 0 h 1325563"/>
+              <a:gd name="connsiteX4" fmla="*/ 2249059 w 5298830"/>
+              <a:gd name="connsiteY4" fmla="*/ 0 h 1325563"/>
+              <a:gd name="connsiteX5" fmla="*/ 2784830 w 5298830"/>
+              <a:gd name="connsiteY5" fmla="*/ 0 h 1325563"/>
+              <a:gd name="connsiteX6" fmla="*/ 3479565 w 5298830"/>
+              <a:gd name="connsiteY6" fmla="*/ 0 h 1325563"/>
+              <a:gd name="connsiteX7" fmla="*/ 3962347 w 5298830"/>
+              <a:gd name="connsiteY7" fmla="*/ 0 h 1325563"/>
+              <a:gd name="connsiteX8" fmla="*/ 4551106 w 5298830"/>
+              <a:gd name="connsiteY8" fmla="*/ 0 h 1325563"/>
+              <a:gd name="connsiteX9" fmla="*/ 5298830 w 5298830"/>
+              <a:gd name="connsiteY9" fmla="*/ 0 h 1325563"/>
+              <a:gd name="connsiteX10" fmla="*/ 5298830 w 5298830"/>
+              <a:gd name="connsiteY10" fmla="*/ 468366 h 1325563"/>
+              <a:gd name="connsiteX11" fmla="*/ 5298830 w 5298830"/>
+              <a:gd name="connsiteY11" fmla="*/ 883709 h 1325563"/>
+              <a:gd name="connsiteX12" fmla="*/ 5298830 w 5298830"/>
+              <a:gd name="connsiteY12" fmla="*/ 1325563 h 1325563"/>
+              <a:gd name="connsiteX13" fmla="*/ 4763059 w 5298830"/>
+              <a:gd name="connsiteY13" fmla="*/ 1325563 h 1325563"/>
+              <a:gd name="connsiteX14" fmla="*/ 4068324 w 5298830"/>
+              <a:gd name="connsiteY14" fmla="*/ 1325563 h 1325563"/>
+              <a:gd name="connsiteX15" fmla="*/ 3373588 w 5298830"/>
+              <a:gd name="connsiteY15" fmla="*/ 1325563 h 1325563"/>
+              <a:gd name="connsiteX16" fmla="*/ 2784830 w 5298830"/>
+              <a:gd name="connsiteY16" fmla="*/ 1325563 h 1325563"/>
+              <a:gd name="connsiteX17" fmla="*/ 2249059 w 5298830"/>
+              <a:gd name="connsiteY17" fmla="*/ 1325563 h 1325563"/>
+              <a:gd name="connsiteX18" fmla="*/ 1554323 w 5298830"/>
+              <a:gd name="connsiteY18" fmla="*/ 1325563 h 1325563"/>
+              <a:gd name="connsiteX19" fmla="*/ 912576 w 5298830"/>
+              <a:gd name="connsiteY19" fmla="*/ 1325563 h 1325563"/>
+              <a:gd name="connsiteX20" fmla="*/ 0 w 5298830"/>
+              <a:gd name="connsiteY20" fmla="*/ 1325563 h 1325563"/>
+              <a:gd name="connsiteX21" fmla="*/ 0 w 5298830"/>
+              <a:gd name="connsiteY21" fmla="*/ 910220 h 1325563"/>
+              <a:gd name="connsiteX22" fmla="*/ 0 w 5298830"/>
+              <a:gd name="connsiteY22" fmla="*/ 468366 h 1325563"/>
+              <a:gd name="connsiteX23" fmla="*/ 0 w 5298830"/>
+              <a:gd name="connsiteY23" fmla="*/ 0 h 1325563"/>
+            </a:gdLst>
+            <a:ahLst/>
+            <a:cxnLst>
+              <a:cxn ang="0">
+                <a:pos x="connsiteX0" y="connsiteY0"/>
+              </a:cxn>
+              <a:cxn ang="0">
+                <a:pos x="connsiteX1" y="connsiteY1"/>
+              </a:cxn>
+              <a:cxn ang="0">
+                <a:pos x="connsiteX2" y="connsiteY2"/>
+              </a:cxn>
+              <a:cxn ang="0">
+                <a:pos x="connsiteX3" y="connsiteY3"/>
+              </a:cxn>
+              <a:cxn ang="0">
+                <a:pos x="connsiteX4" y="connsiteY4"/>
+              </a:cxn>
+              <a:cxn ang="0">
+                <a:pos x="connsiteX5" y="connsiteY5"/>
+              </a:cxn>
+              <a:cxn ang="0">
+                <a:pos x="connsiteX6" y="connsiteY6"/>
+              </a:cxn>
+              <a:cxn ang="0">
+                <a:pos x="connsiteX7" y="connsiteY7"/>
+              </a:cxn>
+              <a:cxn ang="0">
+                <a:pos x="connsiteX8" y="connsiteY8"/>
+              </a:cxn>
+              <a:cxn ang="0">
+                <a:pos x="connsiteX9" y="connsiteY9"/>
+              </a:cxn>
+              <a:cxn ang="0">
+                <a:pos x="connsiteX10" y="connsiteY10"/>
+              </a:cxn>
+              <a:cxn ang="0">
+                <a:pos x="connsiteX11" y="connsiteY11"/>
+              </a:cxn>
+              <a:cxn ang="0">
+                <a:pos x="connsiteX12" y="connsiteY12"/>
+              </a:cxn>
+              <a:cxn ang="0">
+                <a:pos x="connsiteX13" y="connsiteY13"/>
+              </a:cxn>
+              <a:cxn ang="0">
+                <a:pos x="connsiteX14" y="connsiteY14"/>
+              </a:cxn>
+              <a:cxn ang="0">
+                <a:pos x="connsiteX15" y="connsiteY15"/>
+              </a:cxn>
+              <a:cxn ang="0">
+                <a:pos x="connsiteX16" y="connsiteY16"/>
+              </a:cxn>
+              <a:cxn ang="0">
+                <a:pos x="connsiteX17" y="connsiteY17"/>
+              </a:cxn>
+              <a:cxn ang="0">
+                <a:pos x="connsiteX18" y="connsiteY18"/>
+              </a:cxn>
+              <a:cxn ang="0">
+                <a:pos x="connsiteX19" y="connsiteY19"/>
+              </a:cxn>
+              <a:cxn ang="0">
+                <a:pos x="connsiteX20" y="connsiteY20"/>
+              </a:cxn>
+              <a:cxn ang="0">
+                <a:pos x="connsiteX21" y="connsiteY21"/>
+              </a:cxn>
+              <a:cxn ang="0">
+                <a:pos x="connsiteX22" y="connsiteY22"/>
+              </a:cxn>
+              <a:cxn ang="0">
+                <a:pos x="connsiteX23" y="connsiteY23"/>
+              </a:cxn>
+            </a:cxnLst>
+            <a:rect l="l" t="t" r="r" b="b"/>
+            <a:pathLst>
+              <a:path w="5298830" h="1325563" extrusionOk="0">
+                <a:moveTo>
+                  <a:pt x="0" y="0"/>
+                </a:moveTo>
+                <a:cubicBezTo>
+                  <a:pt x="165676" y="-53108"/>
+                  <a:pt x="327621" y="22874"/>
+                  <a:pt x="535771" y="0"/>
+                </a:cubicBezTo>
+                <a:cubicBezTo>
+                  <a:pt x="743921" y="-22874"/>
+                  <a:pt x="848573" y="10290"/>
+                  <a:pt x="1124529" y="0"/>
+                </a:cubicBezTo>
+                <a:cubicBezTo>
+                  <a:pt x="1400485" y="-10290"/>
+                  <a:pt x="1581699" y="60649"/>
+                  <a:pt x="1713288" y="0"/>
+                </a:cubicBezTo>
+                <a:cubicBezTo>
+                  <a:pt x="1844877" y="-60649"/>
+                  <a:pt x="2022503" y="14596"/>
+                  <a:pt x="2249059" y="0"/>
+                </a:cubicBezTo>
+                <a:cubicBezTo>
+                  <a:pt x="2475615" y="-14596"/>
+                  <a:pt x="2592105" y="45066"/>
+                  <a:pt x="2784830" y="0"/>
+                </a:cubicBezTo>
+                <a:cubicBezTo>
+                  <a:pt x="2977555" y="-45066"/>
+                  <a:pt x="3282116" y="80802"/>
+                  <a:pt x="3479565" y="0"/>
+                </a:cubicBezTo>
+                <a:cubicBezTo>
+                  <a:pt x="3677014" y="-80802"/>
+                  <a:pt x="3724231" y="29385"/>
+                  <a:pt x="3962347" y="0"/>
+                </a:cubicBezTo>
+                <a:cubicBezTo>
+                  <a:pt x="4200463" y="-29385"/>
+                  <a:pt x="4346346" y="52105"/>
+                  <a:pt x="4551106" y="0"/>
+                </a:cubicBezTo>
+                <a:cubicBezTo>
+                  <a:pt x="4755866" y="-52105"/>
+                  <a:pt x="5002855" y="10968"/>
+                  <a:pt x="5298830" y="0"/>
+                </a:cubicBezTo>
+                <a:cubicBezTo>
+                  <a:pt x="5325237" y="210237"/>
+                  <a:pt x="5254452" y="351764"/>
+                  <a:pt x="5298830" y="468366"/>
+                </a:cubicBezTo>
+                <a:cubicBezTo>
+                  <a:pt x="5343208" y="584968"/>
+                  <a:pt x="5252741" y="713220"/>
+                  <a:pt x="5298830" y="883709"/>
+                </a:cubicBezTo>
+                <a:cubicBezTo>
+                  <a:pt x="5344919" y="1054198"/>
+                  <a:pt x="5286182" y="1204053"/>
+                  <a:pt x="5298830" y="1325563"/>
+                </a:cubicBezTo>
+                <a:cubicBezTo>
+                  <a:pt x="5085836" y="1387689"/>
+                  <a:pt x="4889402" y="1279282"/>
+                  <a:pt x="4763059" y="1325563"/>
+                </a:cubicBezTo>
+                <a:cubicBezTo>
+                  <a:pt x="4636716" y="1371844"/>
+                  <a:pt x="4394726" y="1319868"/>
+                  <a:pt x="4068324" y="1325563"/>
+                </a:cubicBezTo>
+                <a:cubicBezTo>
+                  <a:pt x="3741922" y="1331258"/>
+                  <a:pt x="3577459" y="1269655"/>
+                  <a:pt x="3373588" y="1325563"/>
+                </a:cubicBezTo>
+                <a:cubicBezTo>
+                  <a:pt x="3169717" y="1381471"/>
+                  <a:pt x="2960585" y="1259939"/>
+                  <a:pt x="2784830" y="1325563"/>
+                </a:cubicBezTo>
+                <a:cubicBezTo>
+                  <a:pt x="2609075" y="1391187"/>
+                  <a:pt x="2381911" y="1273505"/>
+                  <a:pt x="2249059" y="1325563"/>
+                </a:cubicBezTo>
+                <a:cubicBezTo>
+                  <a:pt x="2116207" y="1377621"/>
+                  <a:pt x="1737067" y="1324963"/>
+                  <a:pt x="1554323" y="1325563"/>
+                </a:cubicBezTo>
+                <a:cubicBezTo>
+                  <a:pt x="1371579" y="1326163"/>
+                  <a:pt x="1106866" y="1296959"/>
+                  <a:pt x="912576" y="1325563"/>
+                </a:cubicBezTo>
+                <a:cubicBezTo>
+                  <a:pt x="718286" y="1354167"/>
+                  <a:pt x="200920" y="1230744"/>
+                  <a:pt x="0" y="1325563"/>
+                </a:cubicBezTo>
+                <a:cubicBezTo>
+                  <a:pt x="-44064" y="1201250"/>
+                  <a:pt x="5900" y="1009671"/>
+                  <a:pt x="0" y="910220"/>
+                </a:cubicBezTo>
+                <a:cubicBezTo>
+                  <a:pt x="-5900" y="810769"/>
+                  <a:pt x="38712" y="643894"/>
+                  <a:pt x="0" y="468366"/>
+                </a:cubicBezTo>
+                <a:cubicBezTo>
+                  <a:pt x="-38712" y="292838"/>
+                  <a:pt x="37151" y="105808"/>
+                  <a:pt x="0" y="0"/>
+                </a:cubicBezTo>
+                <a:close/>
+              </a:path>
+            </a:pathLst>
+          </a:custGeom>
+          <a:noFill/>
+          <a:ln>
+            <a:solidFill>
+              <a:schemeClr val="accent6"/>
+            </a:solidFill>
+            <a:extLst>
+              <a:ext uri="{C807C97D-BFC1-408E-A445-0C87EB9F89A2}">
+                <ask:lineSketchStyleProps xmlns:ask="http://schemas.microsoft.com/office/drawing/2018/sketchyshapes" sd="3491134403">
+                  <a:prstGeom prst="rect">
+                    <a:avLst/>
+                  </a:prstGeom>
+                  <ask:type>
+                    <ask:lineSketchScribble/>
+                  </ask:type>
+                </ask:lineSketchStyleProps>
+              </a:ext>
+            </a:extLst>
+          </a:ln>
+        </p:spPr>
+        <p:style>
+          <a:lnRef idx="2">
+            <a:schemeClr val="accent1">
+              <a:shade val="15000"/>
+            </a:schemeClr>
+          </a:lnRef>
+          <a:fillRef idx="1">
+            <a:schemeClr val="accent1"/>
+          </a:fillRef>
+          <a:effectRef idx="0">
+            <a:schemeClr val="accent1"/>
+          </a:effectRef>
+          <a:fontRef idx="minor">
+            <a:schemeClr val="lt1"/>
+          </a:fontRef>
+        </p:style>
+        <p:txBody>
+          <a:bodyPr rtlCol="0" anchor="ctr"/>
+          <a:lstStyle/>
+          <a:p>
+            <a:pPr algn="ctr"/>
+            <a:endParaRPr lang="fr-FR"/>
+          </a:p>
+        </p:txBody>
+      </p:sp>
+    </p:spTree>
+    <p:extLst>
+      <p:ext uri="{BB962C8B-B14F-4D97-AF65-F5344CB8AC3E}">
+        <p14:creationId xmlns:p14="http://schemas.microsoft.com/office/powerpoint/2010/main" val="952837038"/>
+      </p:ext>
+    </p:extLst>
+  </p:cSld>
+  <p:clrMapOvr>
+    <a:masterClrMapping/>
+  </p:clrMapOvr>
+</p:sld>
+</file>
+
+<file path=ppt/slides/slide5.xml><?xml version="1.0" encoding="utf-8"?>
+<p:sld xmlns:a="http://schemas.openxmlformats.org/drawingml/2006/main" xmlns:r="http://schemas.openxmlformats.org/officeDocument/2006/relationships" xmlns:p="http://schemas.openxmlformats.org/presentationml/2006/main">
+  <p:cSld>
+    <p:spTree>
+      <p:nvGrpSpPr>
+        <p:cNvPr id="1" name="">
+          <a:extLst>
+            <a:ext uri="{FF2B5EF4-FFF2-40B4-BE49-F238E27FC236}">
+              <a16:creationId xmlns:a16="http://schemas.microsoft.com/office/drawing/2014/main" id="{F1253650-8815-A25C-C179-356B64DB3FDB}"/>
+            </a:ext>
+          </a:extLst>
+        </p:cNvPr>
+        <p:cNvGrpSpPr/>
+        <p:nvPr/>
+      </p:nvGrpSpPr>
+      <p:grpSpPr>
+        <a:xfrm>
+          <a:off x="0" y="0"/>
+          <a:ext cx="0" cy="0"/>
+          <a:chOff x="0" y="0"/>
+          <a:chExt cx="0" cy="0"/>
+        </a:xfrm>
+      </p:grpSpPr>
+      <p:sp>
+        <p:nvSpPr>
+          <p:cNvPr id="2" name="Titre 1">
+            <a:extLst>
+              <a:ext uri="{FF2B5EF4-FFF2-40B4-BE49-F238E27FC236}">
+                <a16:creationId xmlns:a16="http://schemas.microsoft.com/office/drawing/2014/main" id="{E6C59FCF-41B7-1F67-9B41-604FC79677AC}"/>
+              </a:ext>
+            </a:extLst>
+          </p:cNvPr>
+          <p:cNvSpPr>
+            <a:spLocks noGrp="1"/>
+          </p:cNvSpPr>
+          <p:nvPr>
+            <p:ph type="title"/>
+          </p:nvPr>
+        </p:nvSpPr>
+        <p:spPr/>
+        <p:txBody>
+          <a:bodyPr/>
+          <a:lstStyle/>
+          <a:p>
+            <a:r>
+              <a:rPr lang="fr-FR" dirty="0">
+                <a:latin typeface="Daytona" panose="020B0604030500040204" pitchFamily="34" charset="0"/>
+              </a:rPr>
+              <a:t>1 - </a:t>
+            </a:r>
+            <a:r>
+              <a:rPr lang="fr-FR" dirty="0" err="1">
+                <a:latin typeface="Daytona" panose="020B0604030500040204" pitchFamily="34" charset="0"/>
+              </a:rPr>
+              <a:t>Overview</a:t>
+            </a:r>
+            <a:endParaRPr lang="fr-FR" dirty="0">
+              <a:latin typeface="Daytona" panose="020B0604030500040204" pitchFamily="34" charset="0"/>
+            </a:endParaRPr>
+          </a:p>
+        </p:txBody>
+      </p:sp>
+      <p:sp>
+        <p:nvSpPr>
+          <p:cNvPr id="4" name="Espace réservé du numéro de diapositive 3">
+            <a:extLst>
+              <a:ext uri="{FF2B5EF4-FFF2-40B4-BE49-F238E27FC236}">
+                <a16:creationId xmlns:a16="http://schemas.microsoft.com/office/drawing/2014/main" id="{849BA3D2-88AC-FAB9-ACFD-76F59F2D9F31}"/>
+              </a:ext>
+            </a:extLst>
+          </p:cNvPr>
+          <p:cNvSpPr>
+            <a:spLocks noGrp="1"/>
+          </p:cNvSpPr>
+          <p:nvPr>
+            <p:ph type="sldNum" sz="quarter" idx="12"/>
+          </p:nvPr>
+        </p:nvSpPr>
+        <p:spPr/>
+        <p:txBody>
+          <a:bodyPr/>
+          <a:lstStyle/>
+          <a:p>
+            <a:fld id="{6997B004-CFCE-48D1-9298-DADD64B1EF73}" type="slidenum">
+              <a:rPr lang="fr-FR" smtClean="0"/>
+              <a:t>5</a:t>
+            </a:fld>
+            <a:endParaRPr lang="fr-FR"/>
+          </a:p>
+        </p:txBody>
+      </p:sp>
+    </p:spTree>
+    <p:extLst>
+      <p:ext uri="{BB962C8B-B14F-4D97-AF65-F5344CB8AC3E}">
+        <p14:creationId xmlns:p14="http://schemas.microsoft.com/office/powerpoint/2010/main" val="1907491452"/>
+      </p:ext>
+    </p:extLst>
+  </p:cSld>
+  <p:clrMapOvr>
+    <a:masterClrMapping/>
+  </p:clrMapOvr>
+</p:sld>
+</file>
+
+<file path=ppt/slides/slide6.xml><?xml version="1.0" encoding="utf-8"?>
+<p:sld xmlns:a="http://schemas.openxmlformats.org/drawingml/2006/main" xmlns:r="http://schemas.openxmlformats.org/officeDocument/2006/relationships" xmlns:p="http://schemas.openxmlformats.org/presentationml/2006/main">
+  <p:cSld>
+    <p:bg>
+      <p:bgPr>
+        <a:solidFill>
+          <a:schemeClr val="bg1"/>
+        </a:solidFill>
+        <a:effectLst/>
+      </p:bgPr>
+    </p:bg>
+    <p:spTree>
+      <p:nvGrpSpPr>
+        <p:cNvPr id="1" name=""/>
+        <p:cNvGrpSpPr/>
+        <p:nvPr/>
+      </p:nvGrpSpPr>
+      <p:grpSpPr>
+        <a:xfrm>
+          <a:off x="0" y="0"/>
+          <a:ext cx="0" cy="0"/>
+          <a:chOff x="0" y="0"/>
+          <a:chExt cx="0" cy="0"/>
+        </a:xfrm>
+      </p:grpSpPr>
+      <p:sp useBgFill="1">
+        <p:nvSpPr>
+          <p:cNvPr id="18" name="Rectangle 17">
+            <a:extLst>
+              <a:ext uri="{FF2B5EF4-FFF2-40B4-BE49-F238E27FC236}">
+                <a16:creationId xmlns:a16="http://schemas.microsoft.com/office/drawing/2014/main" id="{D2854001-B4AF-4E18-9D2E-33E37F97A82D}"/>
+              </a:ext>
+              <a:ext uri="{C183D7F6-B498-43B3-948B-1728B52AA6E4}">
+                <adec:decorative xmlns:adec="http://schemas.microsoft.com/office/drawing/2017/decorative" val="1"/>
+              </a:ext>
+            </a:extLst>
+          </p:cNvPr>
+          <p:cNvSpPr>
+            <a:spLocks noGrp="1" noRot="1" noChangeAspect="1" noMove="1" noResize="1" noEditPoints="1" noAdjustHandles="1" noChangeArrowheads="1" noChangeShapeType="1" noTextEdit="1"/>
+          </p:cNvSpPr>
+          <p:nvPr>
+            <p:extLst>
+              <p:ext uri="{386F3935-93C4-4BCD-93E2-E3B085C9AB24}">
+                <p16:designElem xmlns:p16="http://schemas.microsoft.com/office/powerpoint/2015/main" val="1"/>
+              </p:ext>
+            </p:extLst>
+          </p:nvPr>
+        </p:nvSpPr>
+        <p:spPr>
+          <a:xfrm>
+            <a:off x="0" y="0"/>
+            <a:ext cx="12192000" cy="6858000"/>
+          </a:xfrm>
+          <a:prstGeom prst="rect">
+            <a:avLst/>
+          </a:prstGeom>
+          <a:ln>
+            <a:noFill/>
+          </a:ln>
+        </p:spPr>
+        <p:style>
+          <a:lnRef idx="2">
+            <a:schemeClr val="accent1">
+              <a:shade val="50000"/>
+            </a:schemeClr>
+          </a:lnRef>
+          <a:fillRef idx="1">
+            <a:schemeClr val="accent1"/>
+          </a:fillRef>
+          <a:effectRef idx="0">
+            <a:schemeClr val="accent1"/>
+          </a:effectRef>
+          <a:fontRef idx="minor">
+            <a:schemeClr val="lt1"/>
+          </a:fontRef>
+        </p:style>
+        <p:txBody>
+          <a:bodyPr rtlCol="0" anchor="ctr"/>
+          <a:lstStyle/>
+          <a:p>
+            <a:pPr algn="ctr"/>
+            <a:endParaRPr lang="en-US"/>
+          </a:p>
+        </p:txBody>
+      </p:sp>
+      <p:sp>
+        <p:nvSpPr>
+          <p:cNvPr id="2" name="Titre 1">
+            <a:extLst>
+              <a:ext uri="{FF2B5EF4-FFF2-40B4-BE49-F238E27FC236}">
+                <a16:creationId xmlns:a16="http://schemas.microsoft.com/office/drawing/2014/main" id="{153D1322-FC55-D51A-8EB9-8394E0A31187}"/>
+              </a:ext>
+            </a:extLst>
+          </p:cNvPr>
+          <p:cNvSpPr>
+            <a:spLocks noGrp="1"/>
+          </p:cNvSpPr>
+          <p:nvPr>
+            <p:ph type="title"/>
+          </p:nvPr>
+        </p:nvSpPr>
+        <p:spPr>
+          <a:xfrm>
+            <a:off x="612648" y="1078992"/>
+            <a:ext cx="6268770" cy="1536192"/>
+          </a:xfrm>
+        </p:spPr>
+        <p:txBody>
+          <a:bodyPr vert="horz" lIns="91440" tIns="45720" rIns="91440" bIns="45720" rtlCol="0" anchor="b">
+            <a:normAutofit/>
+          </a:bodyPr>
+          <a:lstStyle/>
+          <a:p>
+            <a:r>
+              <a:rPr lang="en-US" sz="5200" dirty="0">
+                <a:latin typeface="Daytona" panose="020B0604030500040204" pitchFamily="34" charset="0"/>
+              </a:rPr>
+              <a:t>DATA-ETL</a:t>
+            </a:r>
+          </a:p>
+        </p:txBody>
+      </p:sp>
+      <p:sp>
+        <p:nvSpPr>
+          <p:cNvPr id="20" name="Rectangle 19">
+            <a:extLst>
+              <a:ext uri="{FF2B5EF4-FFF2-40B4-BE49-F238E27FC236}">
+                <a16:creationId xmlns:a16="http://schemas.microsoft.com/office/drawing/2014/main" id="{8AEA628B-C8FF-4D0B-B111-F101F580B15D}"/>
+              </a:ext>
+              <a:ext uri="{C183D7F6-B498-43B3-948B-1728B52AA6E4}">
+                <adec:decorative xmlns:adec="http://schemas.microsoft.com/office/drawing/2017/decorative" val="1"/>
+              </a:ext>
+            </a:extLst>
+          </p:cNvPr>
+          <p:cNvSpPr>
+            <a:spLocks noGrp="1" noRot="1" noChangeAspect="1" noMove="1" noResize="1" noEditPoints="1" noAdjustHandles="1" noChangeArrowheads="1" noChangeShapeType="1" noTextEdit="1"/>
+          </p:cNvSpPr>
+          <p:nvPr>
+            <p:extLst>
+              <p:ext uri="{386F3935-93C4-4BCD-93E2-E3B085C9AB24}">
+                <p16:designElem xmlns:p16="http://schemas.microsoft.com/office/powerpoint/2015/main" val="1"/>
+              </p:ext>
+            </p:extLst>
+          </p:nvPr>
+        </p:nvSpPr>
+        <p:spPr>
+          <a:xfrm rot="5400000">
+            <a:off x="853202" y="363389"/>
+            <a:ext cx="73152" cy="548640"/>
+          </a:xfrm>
+          <a:prstGeom prst="rect">
+            <a:avLst/>
+          </a:prstGeom>
+          <a:solidFill>
+            <a:schemeClr val="accent2"/>
+          </a:solidFill>
+          <a:ln>
+            <a:noFill/>
+          </a:ln>
+        </p:spPr>
+        <p:style>
+          <a:lnRef idx="2">
+            <a:schemeClr val="accent1">
+              <a:shade val="50000"/>
+            </a:schemeClr>
+          </a:lnRef>
+          <a:fillRef idx="1">
+            <a:schemeClr val="accent1"/>
+          </a:fillRef>
+          <a:effectRef idx="0">
+            <a:schemeClr val="accent1"/>
+          </a:effectRef>
+          <a:fontRef idx="minor">
+            <a:schemeClr val="lt1"/>
+          </a:fontRef>
+        </p:style>
+        <p:txBody>
+          <a:bodyPr rtlCol="0" anchor="ctr"/>
+          <a:lstStyle/>
+          <a:p>
+            <a:pPr marL="0" marR="0" lvl="0" indent="0" algn="ctr" defTabSz="914400" rtl="0" eaLnBrk="1" fontAlgn="auto" latinLnBrk="0" hangingPunct="1">
+              <a:lnSpc>
+                <a:spcPct val="100000"/>
+              </a:lnSpc>
+              <a:spcBef>
+                <a:spcPts val="0"/>
+              </a:spcBef>
+              <a:spcAft>
+                <a:spcPts val="0"/>
+              </a:spcAft>
+              <a:buClrTx/>
+              <a:buSzTx/>
+              <a:buFontTx/>
+              <a:buNone/>
+              <a:tabLst/>
+              <a:defRPr/>
+            </a:pPr>
+            <a:endParaRPr kumimoji="0" lang="en-US" sz="1800" b="0" i="0" u="none" strike="noStrike" kern="1200" cap="none" spc="0" normalizeH="0" baseline="0" noProof="0">
+              <a:ln>
+                <a:noFill/>
+              </a:ln>
+              <a:solidFill>
+                <a:prstClr val="white"/>
+              </a:solidFill>
+              <a:effectLst/>
+              <a:uLnTx/>
+              <a:uFillTx/>
+              <a:latin typeface="Calibri" panose="020F0502020204030204"/>
+              <a:ea typeface="+mn-ea"/>
+              <a:cs typeface="+mn-cs"/>
+            </a:endParaRPr>
+          </a:p>
+        </p:txBody>
+      </p:sp>
+      <p:sp>
+        <p:nvSpPr>
+          <p:cNvPr id="22" name="Rectangle 21">
+            <a:extLst>
+              <a:ext uri="{FF2B5EF4-FFF2-40B4-BE49-F238E27FC236}">
+                <a16:creationId xmlns:a16="http://schemas.microsoft.com/office/drawing/2014/main" id="{42663BD0-064C-40FC-A331-F49FCA9536AA}"/>
+              </a:ext>
+              <a:ext uri="{C183D7F6-B498-43B3-948B-1728B52AA6E4}">
+                <adec:decorative xmlns:adec="http://schemas.microsoft.com/office/drawing/2017/decorative" val="1"/>
+              </a:ext>
+            </a:extLst>
+          </p:cNvPr>
+          <p:cNvSpPr>
+            <a:spLocks noGrp="1" noRot="1" noChangeAspect="1" noMove="1" noResize="1" noEditPoints="1" noAdjustHandles="1" noChangeArrowheads="1" noChangeShapeType="1" noTextEdit="1"/>
+          </p:cNvSpPr>
+          <p:nvPr>
+            <p:extLst>
+              <p:ext uri="{386F3935-93C4-4BCD-93E2-E3B085C9AB24}">
+                <p16:designElem xmlns:p16="http://schemas.microsoft.com/office/powerpoint/2015/main" val="1"/>
+              </p:ext>
+            </p:extLst>
+          </p:nvPr>
+        </p:nvSpPr>
+        <p:spPr>
+          <a:xfrm>
+            <a:off x="618506" y="2935541"/>
+            <a:ext cx="6217920" cy="18288"/>
+          </a:xfrm>
+          <a:prstGeom prst="rect">
+            <a:avLst/>
+          </a:prstGeom>
+          <a:solidFill>
+            <a:srgbClr val="D5D5D5"/>
+          </a:solidFill>
+          <a:ln w="3175">
+            <a:noFill/>
+          </a:ln>
+          <a:effectLst/>
+        </p:spPr>
+        <p:style>
+          <a:lnRef idx="2">
+            <a:schemeClr val="accent1">
+              <a:shade val="50000"/>
+            </a:schemeClr>
+          </a:lnRef>
+          <a:fillRef idx="1">
+            <a:schemeClr val="accent1"/>
+          </a:fillRef>
+          <a:effectRef idx="0">
+            <a:schemeClr val="accent1"/>
+          </a:effectRef>
+          <a:fontRef idx="minor">
+            <a:schemeClr val="lt1"/>
+          </a:fontRef>
+        </p:style>
+        <p:txBody>
+          <a:bodyPr rtlCol="0" anchor="ctr"/>
+          <a:lstStyle/>
+          <a:p>
+            <a:pPr algn="ctr"/>
+            <a:endParaRPr lang="en-US">
+              <a:solidFill>
+                <a:prstClr val="white"/>
+              </a:solidFill>
+              <a:latin typeface="Calibri" panose="020F0502020204030204"/>
+            </a:endParaRPr>
+          </a:p>
+        </p:txBody>
+      </p:sp>
+      <p:sp>
+        <p:nvSpPr>
+          <p:cNvPr id="4" name="Espace réservé du texte 3">
+            <a:extLst>
+              <a:ext uri="{FF2B5EF4-FFF2-40B4-BE49-F238E27FC236}">
+                <a16:creationId xmlns:a16="http://schemas.microsoft.com/office/drawing/2014/main" id="{C609B42D-92D6-15C2-6665-18917A2A7C80}"/>
+              </a:ext>
+            </a:extLst>
+          </p:cNvPr>
+          <p:cNvSpPr>
+            <a:spLocks noGrp="1"/>
+          </p:cNvSpPr>
+          <p:nvPr>
+            <p:ph type="body" sz="half" idx="2"/>
+          </p:nvPr>
+        </p:nvSpPr>
+        <p:spPr>
+          <a:xfrm>
+            <a:off x="639270" y="3355848"/>
+            <a:ext cx="6244957" cy="2825496"/>
+          </a:xfrm>
+        </p:spPr>
+        <p:txBody>
+          <a:bodyPr vert="horz" lIns="91440" tIns="45720" rIns="91440" bIns="45720" rtlCol="0">
+            <a:normAutofit/>
+          </a:bodyPr>
+          <a:lstStyle/>
+          <a:p>
+            <a:pPr marL="800100" lvl="1" indent="-228600">
+              <a:buFont typeface="Arial" panose="020B0604020202020204" pitchFamily="34" charset="0"/>
+              <a:buChar char="•"/>
+            </a:pPr>
+            <a:r>
+              <a:rPr lang="en-US" sz="2200" dirty="0">
+                <a:latin typeface="Daytona" panose="020B0604030500040204" pitchFamily="34" charset="0"/>
+              </a:rPr>
+              <a:t>Data models</a:t>
+            </a:r>
+          </a:p>
+          <a:p>
+            <a:pPr marL="800100" lvl="1" indent="-228600">
+              <a:buFont typeface="Arial" panose="020B0604020202020204" pitchFamily="34" charset="0"/>
+              <a:buChar char="•"/>
+            </a:pPr>
+            <a:r>
+              <a:rPr lang="en-US" sz="2200" dirty="0" err="1">
+                <a:latin typeface="Daytona" panose="020B0604030500040204" pitchFamily="34" charset="0"/>
+              </a:rPr>
+              <a:t>postgreSQL</a:t>
+            </a:r>
+            <a:r>
+              <a:rPr lang="en-US" sz="2200" dirty="0">
+                <a:latin typeface="Daytona" panose="020B0604030500040204" pitchFamily="34" charset="0"/>
+              </a:rPr>
+              <a:t> </a:t>
+            </a:r>
+          </a:p>
+          <a:p>
+            <a:pPr marL="800100" lvl="1" indent="-228600">
+              <a:buFont typeface="Arial" panose="020B0604020202020204" pitchFamily="34" charset="0"/>
+              <a:buChar char="•"/>
+            </a:pPr>
+            <a:r>
+              <a:rPr lang="en-US" sz="2200" dirty="0">
+                <a:latin typeface="Daytona" panose="020B0604030500040204" pitchFamily="34" charset="0"/>
+              </a:rPr>
+              <a:t>Scheduler</a:t>
+            </a:r>
+          </a:p>
+          <a:p>
+            <a:pPr indent="-228600">
+              <a:buFont typeface="Arial" panose="020B0604020202020204" pitchFamily="34" charset="0"/>
+              <a:buChar char="•"/>
+            </a:pPr>
+            <a:endParaRPr lang="en-US" sz="2200" dirty="0">
+              <a:latin typeface="Daytona" panose="020B0604030500040204" pitchFamily="34" charset="0"/>
+            </a:endParaRPr>
+          </a:p>
+        </p:txBody>
+      </p:sp>
+      <p:pic>
+        <p:nvPicPr>
+          <p:cNvPr id="10" name="Espace réservé pour une image  9" descr="Une image contenant diagramme, capture d’écran, texte&#10;&#10;Le contenu généré par l’IA peut être incorrect.">
+            <a:extLst>
+              <a:ext uri="{FF2B5EF4-FFF2-40B4-BE49-F238E27FC236}">
+                <a16:creationId xmlns:a16="http://schemas.microsoft.com/office/drawing/2014/main" id="{157656A8-1BEA-7FBE-371D-4F15153C8CD7}"/>
+              </a:ext>
+            </a:extLst>
+          </p:cNvPr>
+          <p:cNvPicPr>
+            <a:picLocks noGrp="1" noChangeAspect="1"/>
+          </p:cNvPicPr>
+          <p:nvPr>
+            <p:ph type="pic" idx="1"/>
+          </p:nvPr>
+        </p:nvPicPr>
+        <p:blipFill>
+          <a:blip r:embed="rId2">
+            <a:extLst>
+              <a:ext uri="{28A0092B-C50C-407E-A947-70E740481C1C}">
+                <a14:useLocalDpi xmlns:a14="http://schemas.microsoft.com/office/drawing/2010/main" val="0"/>
+              </a:ext>
+            </a:extLst>
+          </a:blip>
+          <a:srcRect r="1" b="4990"/>
+          <a:stretch>
+            <a:fillRect/>
+          </a:stretch>
+        </p:blipFill>
+        <p:spPr>
+          <a:xfrm>
+            <a:off x="7684007" y="343622"/>
+            <a:ext cx="4050792" cy="5577840"/>
+          </a:xfrm>
+          <a:prstGeom prst="rect">
+            <a:avLst/>
+          </a:prstGeom>
+        </p:spPr>
+      </p:pic>
+      <p:sp>
+        <p:nvSpPr>
+          <p:cNvPr id="14" name="Espace réservé du numéro de diapositive 13">
+            <a:extLst>
+              <a:ext uri="{FF2B5EF4-FFF2-40B4-BE49-F238E27FC236}">
+                <a16:creationId xmlns:a16="http://schemas.microsoft.com/office/drawing/2014/main" id="{07D20D63-0B2E-0BF9-2372-C46A8F38DB58}"/>
+              </a:ext>
+            </a:extLst>
+          </p:cNvPr>
+          <p:cNvSpPr>
+            <a:spLocks noGrp="1"/>
+          </p:cNvSpPr>
+          <p:nvPr>
+            <p:ph type="sldNum" sz="quarter" idx="12"/>
+          </p:nvPr>
+        </p:nvSpPr>
+        <p:spPr/>
+        <p:txBody>
+          <a:bodyPr/>
+          <a:lstStyle/>
+          <a:p>
+            <a:fld id="{6997B004-CFCE-48D1-9298-DADD64B1EF73}" type="slidenum">
+              <a:rPr lang="fr-FR" smtClean="0"/>
+              <a:t>6</a:t>
+            </a:fld>
+            <a:endParaRPr lang="fr-FR"/>
+          </a:p>
+        </p:txBody>
+      </p:sp>
+    </p:spTree>
+    <p:extLst>
+      <p:ext uri="{BB962C8B-B14F-4D97-AF65-F5344CB8AC3E}">
+        <p14:creationId xmlns:p14="http://schemas.microsoft.com/office/powerpoint/2010/main" val="826265893"/>
+      </p:ext>
+    </p:extLst>
+  </p:cSld>
+  <p:clrMapOvr>
+    <a:masterClrMapping/>
+  </p:clrMapOvr>
+</p:sld>
+</file>
+
 <file path=ppt/slides/slide7.xml><?xml version="1.0" encoding="utf-8"?>
+<p:sld xmlns:a="http://schemas.openxmlformats.org/drawingml/2006/main" xmlns:r="http://schemas.openxmlformats.org/officeDocument/2006/relationships" xmlns:p="http://schemas.openxmlformats.org/presentationml/2006/main">
+  <p:cSld>
+    <p:spTree>
+      <p:nvGrpSpPr>
+        <p:cNvPr id="1" name=""/>
+        <p:cNvGrpSpPr/>
+        <p:nvPr/>
+      </p:nvGrpSpPr>
+      <p:grpSpPr>
+        <a:xfrm>
+          <a:off x="0" y="0"/>
+          <a:ext cx="0" cy="0"/>
+          <a:chOff x="0" y="0"/>
+          <a:chExt cx="0" cy="0"/>
+        </a:xfrm>
+      </p:grpSpPr>
+      <p:sp>
+        <p:nvSpPr>
+          <p:cNvPr id="2" name="Titre 1">
+            <a:extLst>
+              <a:ext uri="{FF2B5EF4-FFF2-40B4-BE49-F238E27FC236}">
+                <a16:creationId xmlns:a16="http://schemas.microsoft.com/office/drawing/2014/main" id="{EACC0066-4EF2-CB9B-E956-E0B99A91ACAA}"/>
+              </a:ext>
+            </a:extLst>
+          </p:cNvPr>
+          <p:cNvSpPr>
+            <a:spLocks noGrp="1"/>
+          </p:cNvSpPr>
+          <p:nvPr>
+            <p:ph type="title"/>
+          </p:nvPr>
+        </p:nvSpPr>
+        <p:spPr>
+          <a:xfrm>
+            <a:off x="118872" y="106087"/>
+            <a:ext cx="10515600" cy="1325563"/>
+          </a:xfrm>
+        </p:spPr>
+        <p:txBody>
+          <a:bodyPr/>
+          <a:lstStyle/>
+          <a:p>
+            <a:r>
+              <a:rPr lang="fr-FR" dirty="0">
+                <a:latin typeface="Daytona" panose="020B0604030500040204" pitchFamily="34" charset="0"/>
+              </a:rPr>
+              <a:t>API – </a:t>
+            </a:r>
+            <a:r>
+              <a:rPr lang="fr-FR" dirty="0" err="1">
+                <a:latin typeface="Daytona" panose="020B0604030500040204" pitchFamily="34" charset="0"/>
+              </a:rPr>
+              <a:t>OpenData</a:t>
+            </a:r>
+            <a:r>
+              <a:rPr lang="fr-FR" dirty="0">
+                <a:latin typeface="Daytona" panose="020B0604030500040204" pitchFamily="34" charset="0"/>
+              </a:rPr>
+              <a:t> « Que-Faire-a-Paris »</a:t>
+            </a:r>
+          </a:p>
+        </p:txBody>
+      </p:sp>
+      <p:sp>
+        <p:nvSpPr>
+          <p:cNvPr id="3" name="Espace réservé du numéro de diapositive 2">
+            <a:extLst>
+              <a:ext uri="{FF2B5EF4-FFF2-40B4-BE49-F238E27FC236}">
+                <a16:creationId xmlns:a16="http://schemas.microsoft.com/office/drawing/2014/main" id="{EE7CB78A-4827-8D1A-4394-A7F9F7BF0055}"/>
+              </a:ext>
+            </a:extLst>
+          </p:cNvPr>
+          <p:cNvSpPr>
+            <a:spLocks noGrp="1"/>
+          </p:cNvSpPr>
+          <p:nvPr>
+            <p:ph type="sldNum" sz="quarter" idx="12"/>
+          </p:nvPr>
+        </p:nvSpPr>
+        <p:spPr/>
+        <p:txBody>
+          <a:bodyPr/>
+          <a:lstStyle/>
+          <a:p>
+            <a:fld id="{6997B004-CFCE-48D1-9298-DADD64B1EF73}" type="slidenum">
+              <a:rPr lang="fr-FR" smtClean="0"/>
+              <a:t>7</a:t>
+            </a:fld>
+            <a:endParaRPr lang="fr-FR"/>
+          </a:p>
+        </p:txBody>
+      </p:sp>
+      <p:sp>
+        <p:nvSpPr>
+          <p:cNvPr id="5" name="ZoneTexte 4">
+            <a:extLst>
+              <a:ext uri="{FF2B5EF4-FFF2-40B4-BE49-F238E27FC236}">
+                <a16:creationId xmlns:a16="http://schemas.microsoft.com/office/drawing/2014/main" id="{A21F0CD7-3C11-3BD3-2924-92590AF3316A}"/>
+              </a:ext>
+            </a:extLst>
+          </p:cNvPr>
+          <p:cNvSpPr txBox="1"/>
+          <p:nvPr/>
+        </p:nvSpPr>
+        <p:spPr>
+          <a:xfrm>
+            <a:off x="0" y="1276376"/>
+            <a:ext cx="6096000" cy="2633478"/>
+          </a:xfrm>
+          <a:prstGeom prst="rect">
+            <a:avLst/>
+          </a:prstGeom>
+          <a:noFill/>
+        </p:spPr>
+        <p:txBody>
+          <a:bodyPr wrap="square">
+            <a:spAutoFit/>
+          </a:bodyPr>
+          <a:lstStyle/>
+          <a:p>
+            <a:pPr algn="l">
+              <a:lnSpc>
+                <a:spcPts val="1050"/>
+              </a:lnSpc>
+              <a:buFont typeface="Arial" panose="020B0604020202020204" pitchFamily="34" charset="0"/>
+              <a:buChar char="•"/>
+            </a:pPr>
+            <a:r>
+              <a:rPr lang="fr-FR" sz="1100" b="0" i="0" dirty="0">
+                <a:solidFill>
+                  <a:srgbClr val="071F32"/>
+                </a:solidFill>
+                <a:effectLst/>
+                <a:latin typeface="inherit"/>
+              </a:rPr>
+              <a:t>"id":</a:t>
+            </a:r>
+            <a:r>
+              <a:rPr lang="fr-FR" sz="1100" b="0" i="0" dirty="0">
+                <a:solidFill>
+                  <a:srgbClr val="009900"/>
+                </a:solidFill>
+                <a:effectLst/>
+                <a:latin typeface="inherit"/>
+              </a:rPr>
+              <a:t>"11138"</a:t>
+            </a:r>
+            <a:r>
+              <a:rPr lang="fr-FR" sz="1100" b="0" i="0" dirty="0">
+                <a:solidFill>
+                  <a:srgbClr val="071F32"/>
+                </a:solidFill>
+                <a:effectLst/>
+                <a:latin typeface="inherit"/>
+              </a:rPr>
+              <a:t>,</a:t>
+            </a:r>
+          </a:p>
+          <a:p>
+            <a:pPr algn="l">
+              <a:lnSpc>
+                <a:spcPts val="1050"/>
+              </a:lnSpc>
+              <a:buFont typeface="Arial" panose="020B0604020202020204" pitchFamily="34" charset="0"/>
+              <a:buChar char="•"/>
+            </a:pPr>
+            <a:r>
+              <a:rPr lang="fr-FR" sz="1100" b="0" i="0" dirty="0">
+                <a:solidFill>
+                  <a:srgbClr val="071F32"/>
+                </a:solidFill>
+                <a:effectLst/>
+                <a:latin typeface="inherit"/>
+              </a:rPr>
+              <a:t>"event_id":</a:t>
+            </a:r>
+            <a:r>
+              <a:rPr lang="fr-FR" sz="1100" b="0" i="0" dirty="0">
+                <a:solidFill>
+                  <a:srgbClr val="0000FF"/>
+                </a:solidFill>
+                <a:effectLst/>
+                <a:latin typeface="inherit"/>
+              </a:rPr>
+              <a:t>4404</a:t>
+            </a:r>
+            <a:r>
+              <a:rPr lang="fr-FR" sz="1100" b="0" i="0" dirty="0">
+                <a:solidFill>
+                  <a:srgbClr val="071F32"/>
+                </a:solidFill>
+                <a:effectLst/>
+                <a:latin typeface="inherit"/>
+              </a:rPr>
+              <a:t>,</a:t>
+            </a:r>
+          </a:p>
+          <a:p>
+            <a:pPr algn="l">
+              <a:lnSpc>
+                <a:spcPts val="1050"/>
+              </a:lnSpc>
+              <a:buFont typeface="Arial" panose="020B0604020202020204" pitchFamily="34" charset="0"/>
+              <a:buChar char="•"/>
+            </a:pPr>
+            <a:r>
+              <a:rPr lang="fr-FR" sz="1100" b="0" i="0" dirty="0">
+                <a:solidFill>
+                  <a:srgbClr val="071F32"/>
+                </a:solidFill>
+                <a:effectLst/>
+                <a:latin typeface="inherit"/>
+              </a:rPr>
+              <a:t>"</a:t>
+            </a:r>
+            <a:r>
+              <a:rPr lang="fr-FR" sz="1100" b="0" i="0" dirty="0" err="1">
+                <a:solidFill>
+                  <a:srgbClr val="071F32"/>
+                </a:solidFill>
+                <a:effectLst/>
+                <a:latin typeface="inherit"/>
+              </a:rPr>
+              <a:t>url":</a:t>
+            </a:r>
+            <a:r>
+              <a:rPr lang="fr-FR" sz="1100" b="0" i="0" dirty="0" err="1">
+                <a:solidFill>
+                  <a:srgbClr val="009900"/>
+                </a:solidFill>
+                <a:effectLst/>
+                <a:latin typeface="inherit"/>
+              </a:rPr>
+              <a:t>"https</a:t>
+            </a:r>
+            <a:r>
+              <a:rPr lang="fr-FR" sz="1100" b="0" i="0" dirty="0">
+                <a:solidFill>
+                  <a:srgbClr val="009900"/>
+                </a:solidFill>
+                <a:effectLst/>
+                <a:latin typeface="inherit"/>
+              </a:rPr>
+              <a:t>://www.paris.fr/evenements/paris-12e-ou-donner-vos-vetements-a-paris-11138"</a:t>
+            </a:r>
+            <a:r>
+              <a:rPr lang="fr-FR" sz="1100" b="0" i="0" dirty="0">
+                <a:solidFill>
+                  <a:srgbClr val="071F32"/>
+                </a:solidFill>
+                <a:effectLst/>
+                <a:latin typeface="inherit"/>
+              </a:rPr>
+              <a:t>,</a:t>
+            </a:r>
+          </a:p>
+          <a:p>
+            <a:pPr algn="l">
+              <a:lnSpc>
+                <a:spcPts val="1050"/>
+              </a:lnSpc>
+              <a:buFont typeface="Arial" panose="020B0604020202020204" pitchFamily="34" charset="0"/>
+              <a:buChar char="•"/>
+            </a:pPr>
+            <a:r>
+              <a:rPr lang="fr-FR" sz="1100" b="0" i="0" dirty="0">
+                <a:solidFill>
+                  <a:srgbClr val="071F32"/>
+                </a:solidFill>
+                <a:effectLst/>
+                <a:latin typeface="inherit"/>
+              </a:rPr>
+              <a:t>"</a:t>
+            </a:r>
+            <a:r>
+              <a:rPr lang="fr-FR" sz="1100" b="0" i="0" dirty="0" err="1">
+                <a:solidFill>
+                  <a:srgbClr val="071F32"/>
+                </a:solidFill>
+                <a:effectLst/>
+                <a:latin typeface="inherit"/>
+              </a:rPr>
+              <a:t>title</a:t>
+            </a:r>
+            <a:r>
+              <a:rPr lang="fr-FR" sz="1100" b="0" i="0" dirty="0">
+                <a:solidFill>
+                  <a:srgbClr val="071F32"/>
+                </a:solidFill>
+                <a:effectLst/>
+                <a:latin typeface="inherit"/>
+              </a:rPr>
+              <a:t>":</a:t>
+            </a:r>
+            <a:r>
+              <a:rPr lang="fr-FR" sz="1100" b="0" i="0" dirty="0">
+                <a:solidFill>
+                  <a:srgbClr val="009900"/>
+                </a:solidFill>
+                <a:effectLst/>
+                <a:latin typeface="inherit"/>
+              </a:rPr>
+              <a:t>"Paris 12e : où donner vos vêtements à Paris ?"</a:t>
+            </a:r>
+            <a:r>
+              <a:rPr lang="fr-FR" sz="1100" b="0" i="0" dirty="0">
+                <a:solidFill>
+                  <a:srgbClr val="071F32"/>
+                </a:solidFill>
+                <a:effectLst/>
+                <a:latin typeface="inherit"/>
+              </a:rPr>
+              <a:t>,</a:t>
+            </a:r>
+          </a:p>
+          <a:p>
+            <a:pPr algn="l">
+              <a:lnSpc>
+                <a:spcPts val="1050"/>
+              </a:lnSpc>
+              <a:buFont typeface="Arial" panose="020B0604020202020204" pitchFamily="34" charset="0"/>
+              <a:buChar char="•"/>
+            </a:pPr>
+            <a:r>
+              <a:rPr lang="fr-FR" sz="1100" b="0" i="0" dirty="0">
+                <a:solidFill>
+                  <a:srgbClr val="071F32"/>
+                </a:solidFill>
+                <a:effectLst/>
+                <a:latin typeface="inherit"/>
+              </a:rPr>
+              <a:t>"lead_</a:t>
+            </a:r>
+            <a:r>
+              <a:rPr lang="fr-FR" sz="1100" b="0" i="0" dirty="0" err="1">
+                <a:solidFill>
+                  <a:srgbClr val="071F32"/>
+                </a:solidFill>
+                <a:effectLst/>
+                <a:latin typeface="inherit"/>
+              </a:rPr>
+              <a:t>text</a:t>
+            </a:r>
+            <a:r>
+              <a:rPr lang="fr-FR" sz="1100" b="0" i="0" dirty="0">
+                <a:solidFill>
+                  <a:srgbClr val="071F32"/>
+                </a:solidFill>
+                <a:effectLst/>
+                <a:latin typeface="inherit"/>
+              </a:rPr>
+              <a:t>":</a:t>
+            </a:r>
+            <a:r>
+              <a:rPr lang="fr-FR" sz="1100" b="0" i="0" dirty="0">
+                <a:solidFill>
+                  <a:srgbClr val="009900"/>
+                </a:solidFill>
+                <a:effectLst/>
+                <a:latin typeface="inherit"/>
+              </a:rPr>
+              <a:t>"Pulls, blousons, pantalons… Ne laissez plus vos vieux vêtements s'entasser dans les armoires, et ne les jetez pas non plus ! En donnant à ceux qui en ont besoin vous ferez une bonne action et vous donnerez une seconde vie à vos vêtements."</a:t>
+            </a:r>
+            <a:r>
+              <a:rPr lang="fr-FR" sz="1100" b="0" i="0" dirty="0">
+                <a:solidFill>
+                  <a:srgbClr val="071F32"/>
+                </a:solidFill>
+                <a:effectLst/>
+                <a:latin typeface="inherit"/>
+              </a:rPr>
+              <a:t>,</a:t>
+            </a:r>
+          </a:p>
+          <a:p>
+            <a:pPr algn="l">
+              <a:lnSpc>
+                <a:spcPts val="1050"/>
+              </a:lnSpc>
+              <a:buFont typeface="Arial" panose="020B0604020202020204" pitchFamily="34" charset="0"/>
+              <a:buChar char="•"/>
+            </a:pPr>
+            <a:r>
+              <a:rPr lang="fr-FR" sz="1100" b="0" i="0" dirty="0">
+                <a:solidFill>
+                  <a:srgbClr val="071F32"/>
+                </a:solidFill>
+                <a:effectLst/>
+                <a:latin typeface="inherit"/>
+              </a:rPr>
+              <a:t>"description":</a:t>
+            </a:r>
+            <a:r>
+              <a:rPr lang="fr-FR" sz="1100" b="0" i="0" dirty="0">
+                <a:solidFill>
+                  <a:srgbClr val="009900"/>
+                </a:solidFill>
+                <a:effectLst/>
+                <a:latin typeface="inherit"/>
+              </a:rPr>
+              <a:t>"&lt;p&gt;La &lt;a href="https://www.aurore.asso.fr/neufs et non périmés&lt;</a:t>
+            </a:r>
+            <a:r>
+              <a:rPr lang="fr-FR" sz="1100" b="0" i="0" dirty="0" err="1">
+                <a:solidFill>
+                  <a:srgbClr val="009900"/>
+                </a:solidFill>
+                <a:effectLst/>
+                <a:latin typeface="inherit"/>
+              </a:rPr>
+              <a:t>br</a:t>
+            </a:r>
+            <a:r>
+              <a:rPr lang="fr-FR" sz="1100" b="0" i="0" dirty="0">
+                <a:solidFill>
+                  <a:srgbClr val="009900"/>
+                </a:solidFill>
+                <a:effectLst/>
+                <a:latin typeface="inherit"/>
+              </a:rPr>
+              <a:t>&gt;&lt;/</a:t>
+            </a:r>
+            <a:r>
+              <a:rPr lang="fr-FR" sz="1100" b="0" i="0" dirty="0" err="1">
+                <a:solidFill>
+                  <a:srgbClr val="009900"/>
+                </a:solidFill>
+                <a:effectLst/>
+                <a:latin typeface="inherit"/>
+              </a:rPr>
+              <a:t>br</a:t>
+            </a:r>
+            <a:r>
+              <a:rPr lang="fr-FR" sz="1100" b="0" i="0" dirty="0">
+                <a:solidFill>
+                  <a:srgbClr val="009900"/>
+                </a:solidFill>
+                <a:effectLst/>
+                <a:latin typeface="inherit"/>
+              </a:rPr>
+              <a:t>&gt;&lt;/p&gt;"</a:t>
+            </a:r>
+            <a:r>
+              <a:rPr lang="fr-FR" sz="1100" b="0" i="0" dirty="0">
+                <a:solidFill>
+                  <a:srgbClr val="071F32"/>
+                </a:solidFill>
+                <a:effectLst/>
+                <a:latin typeface="inherit"/>
+              </a:rPr>
+              <a:t>,</a:t>
+            </a:r>
+          </a:p>
+          <a:p>
+            <a:pPr algn="l">
+              <a:lnSpc>
+                <a:spcPts val="1050"/>
+              </a:lnSpc>
+              <a:buFont typeface="Arial" panose="020B0604020202020204" pitchFamily="34" charset="0"/>
+              <a:buChar char="•"/>
+            </a:pPr>
+            <a:r>
+              <a:rPr lang="fr-FR" sz="1100" b="0" i="0" dirty="0">
+                <a:solidFill>
+                  <a:srgbClr val="071F32"/>
+                </a:solidFill>
+                <a:effectLst/>
+                <a:latin typeface="inherit"/>
+              </a:rPr>
+              <a:t>"date_start":</a:t>
+            </a:r>
+            <a:r>
+              <a:rPr lang="fr-FR" sz="1100" b="0" i="0" dirty="0" err="1">
+                <a:solidFill>
+                  <a:srgbClr val="CCCCCC"/>
+                </a:solidFill>
+                <a:effectLst/>
+                <a:latin typeface="inherit"/>
+              </a:rPr>
+              <a:t>null</a:t>
+            </a:r>
+            <a:r>
+              <a:rPr lang="fr-FR" sz="1100" b="0" i="0" dirty="0">
+                <a:solidFill>
+                  <a:srgbClr val="071F32"/>
+                </a:solidFill>
+                <a:effectLst/>
+                <a:latin typeface="inherit"/>
+              </a:rPr>
+              <a:t>,</a:t>
+            </a:r>
+          </a:p>
+          <a:p>
+            <a:pPr algn="l">
+              <a:lnSpc>
+                <a:spcPts val="1050"/>
+              </a:lnSpc>
+              <a:buFont typeface="Arial" panose="020B0604020202020204" pitchFamily="34" charset="0"/>
+              <a:buChar char="•"/>
+            </a:pPr>
+            <a:r>
+              <a:rPr lang="fr-FR" sz="1100" b="0" i="0" dirty="0">
+                <a:solidFill>
+                  <a:srgbClr val="071F32"/>
+                </a:solidFill>
+                <a:effectLst/>
+                <a:latin typeface="inherit"/>
+              </a:rPr>
+              <a:t>"date_end":</a:t>
+            </a:r>
+            <a:r>
+              <a:rPr lang="fr-FR" sz="1100" b="0" i="0" dirty="0" err="1">
+                <a:solidFill>
+                  <a:srgbClr val="CCCCCC"/>
+                </a:solidFill>
+                <a:effectLst/>
+                <a:latin typeface="inherit"/>
+              </a:rPr>
+              <a:t>null</a:t>
+            </a:r>
+            <a:r>
+              <a:rPr lang="fr-FR" sz="1100" b="0" i="0" dirty="0">
+                <a:solidFill>
+                  <a:srgbClr val="071F32"/>
+                </a:solidFill>
+                <a:effectLst/>
+                <a:latin typeface="inherit"/>
+              </a:rPr>
+              <a:t>,</a:t>
+            </a:r>
+          </a:p>
+          <a:p>
+            <a:pPr algn="l">
+              <a:lnSpc>
+                <a:spcPts val="1050"/>
+              </a:lnSpc>
+              <a:buFont typeface="Arial" panose="020B0604020202020204" pitchFamily="34" charset="0"/>
+              <a:buChar char="•"/>
+            </a:pPr>
+            <a:r>
+              <a:rPr lang="fr-FR" sz="1100" b="0" i="0" dirty="0">
+                <a:solidFill>
+                  <a:srgbClr val="071F32"/>
+                </a:solidFill>
+                <a:effectLst/>
+                <a:latin typeface="inherit"/>
+              </a:rPr>
+              <a:t>"occurrences":</a:t>
+            </a:r>
+            <a:r>
+              <a:rPr lang="fr-FR" sz="1100" b="0" i="0" dirty="0" err="1">
+                <a:solidFill>
+                  <a:srgbClr val="CCCCCC"/>
+                </a:solidFill>
+                <a:effectLst/>
+                <a:latin typeface="inherit"/>
+              </a:rPr>
+              <a:t>null</a:t>
+            </a:r>
+            <a:r>
+              <a:rPr lang="fr-FR" sz="1100" b="0" i="0" dirty="0">
+                <a:solidFill>
+                  <a:srgbClr val="071F32"/>
+                </a:solidFill>
+                <a:effectLst/>
+                <a:latin typeface="inherit"/>
+              </a:rPr>
+              <a:t>,</a:t>
+            </a:r>
+          </a:p>
+          <a:p>
+            <a:pPr algn="l">
+              <a:lnSpc>
+                <a:spcPts val="1050"/>
+              </a:lnSpc>
+              <a:buFont typeface="Arial" panose="020B0604020202020204" pitchFamily="34" charset="0"/>
+              <a:buChar char="•"/>
+            </a:pPr>
+            <a:r>
+              <a:rPr lang="fr-FR" sz="1100" b="0" i="0" dirty="0">
+                <a:solidFill>
+                  <a:srgbClr val="071F32"/>
+                </a:solidFill>
+                <a:effectLst/>
+                <a:latin typeface="inherit"/>
+              </a:rPr>
+              <a:t>"date_description":</a:t>
+            </a:r>
+            <a:r>
+              <a:rPr lang="fr-FR" sz="1100" b="0" i="0" dirty="0" err="1">
+                <a:solidFill>
+                  <a:srgbClr val="CCCCCC"/>
+                </a:solidFill>
+                <a:effectLst/>
+                <a:latin typeface="inherit"/>
+              </a:rPr>
+              <a:t>null</a:t>
+            </a:r>
+            <a:r>
+              <a:rPr lang="fr-FR" sz="1100" b="0" i="0" dirty="0">
+                <a:solidFill>
+                  <a:srgbClr val="071F32"/>
+                </a:solidFill>
+                <a:effectLst/>
+                <a:latin typeface="inherit"/>
+              </a:rPr>
+              <a:t>,</a:t>
+            </a:r>
+          </a:p>
+          <a:p>
+            <a:pPr algn="l">
+              <a:lnSpc>
+                <a:spcPts val="1050"/>
+              </a:lnSpc>
+              <a:buFont typeface="Arial" panose="020B0604020202020204" pitchFamily="34" charset="0"/>
+              <a:buChar char="•"/>
+            </a:pPr>
+            <a:r>
+              <a:rPr lang="fr-FR" sz="1100" b="0" i="0" dirty="0">
+                <a:solidFill>
+                  <a:srgbClr val="071F32"/>
+                </a:solidFill>
+                <a:effectLst/>
+                <a:latin typeface="inherit"/>
+              </a:rPr>
+              <a:t>"</a:t>
+            </a:r>
+            <a:r>
+              <a:rPr lang="fr-FR" sz="1100" b="0" i="0" dirty="0" err="1">
+                <a:solidFill>
+                  <a:srgbClr val="071F32"/>
+                </a:solidFill>
+                <a:effectLst/>
+                <a:latin typeface="inherit"/>
+              </a:rPr>
+              <a:t>cover_url":</a:t>
+            </a:r>
+            <a:r>
+              <a:rPr lang="fr-FR" sz="1100" b="0" i="0" dirty="0" err="1">
+                <a:solidFill>
+                  <a:srgbClr val="009900"/>
+                </a:solidFill>
+                <a:effectLst/>
+                <a:latin typeface="inherit"/>
+              </a:rPr>
+              <a:t>"https</a:t>
+            </a:r>
+            <a:r>
+              <a:rPr lang="fr-FR" sz="1100" b="0" i="0" dirty="0">
+                <a:solidFill>
+                  <a:srgbClr val="009900"/>
+                </a:solidFill>
+                <a:effectLst/>
+                <a:latin typeface="inherit"/>
+              </a:rPr>
+              <a:t>://cdn.paris.fr/qfapv4/2021/11/08/huge-9884909f7c8464401211b7ab907803d7.jpg"</a:t>
+            </a:r>
+            <a:r>
+              <a:rPr lang="fr-FR" sz="1100" b="0" i="0" dirty="0">
+                <a:solidFill>
+                  <a:srgbClr val="071F32"/>
+                </a:solidFill>
+                <a:effectLst/>
+                <a:latin typeface="inherit"/>
+              </a:rPr>
+              <a:t>,</a:t>
+            </a:r>
+          </a:p>
+          <a:p>
+            <a:pPr algn="l">
+              <a:lnSpc>
+                <a:spcPts val="1050"/>
+              </a:lnSpc>
+              <a:buFont typeface="Arial" panose="020B0604020202020204" pitchFamily="34" charset="0"/>
+              <a:buChar char="•"/>
+            </a:pPr>
+            <a:r>
+              <a:rPr lang="fr-FR" sz="1100" b="0" i="0" dirty="0">
+                <a:solidFill>
+                  <a:srgbClr val="071F32"/>
+                </a:solidFill>
+                <a:effectLst/>
+                <a:latin typeface="inherit"/>
+              </a:rPr>
+              <a:t>"</a:t>
+            </a:r>
+            <a:r>
+              <a:rPr lang="fr-FR" sz="1100" b="0" i="0" dirty="0" err="1">
+                <a:solidFill>
+                  <a:srgbClr val="071F32"/>
+                </a:solidFill>
+                <a:effectLst/>
+                <a:latin typeface="inherit"/>
+              </a:rPr>
+              <a:t>cover_alt":</a:t>
+            </a:r>
+            <a:r>
+              <a:rPr lang="fr-FR" sz="1100" b="0" i="0" dirty="0" err="1">
+                <a:solidFill>
+                  <a:srgbClr val="009900"/>
+                </a:solidFill>
+                <a:effectLst/>
+                <a:latin typeface="inherit"/>
+              </a:rPr>
+              <a:t>"vestiaire</a:t>
+            </a:r>
+            <a:r>
+              <a:rPr lang="fr-FR" sz="1100" b="0" i="0" dirty="0">
+                <a:solidFill>
+                  <a:srgbClr val="009900"/>
+                </a:solidFill>
+                <a:effectLst/>
+                <a:latin typeface="inherit"/>
+              </a:rPr>
+              <a:t>"</a:t>
+            </a:r>
+            <a:r>
+              <a:rPr lang="fr-FR" sz="1100" b="0" i="0" dirty="0">
+                <a:solidFill>
+                  <a:srgbClr val="071F32"/>
+                </a:solidFill>
+                <a:effectLst/>
+                <a:latin typeface="inherit"/>
+              </a:rPr>
+              <a:t>,</a:t>
+            </a:r>
+          </a:p>
+          <a:p>
+            <a:pPr algn="l">
+              <a:lnSpc>
+                <a:spcPts val="1050"/>
+              </a:lnSpc>
+              <a:buFont typeface="Arial" panose="020B0604020202020204" pitchFamily="34" charset="0"/>
+              <a:buChar char="•"/>
+            </a:pPr>
+            <a:r>
+              <a:rPr lang="fr-FR" sz="1100" b="0" i="0" dirty="0">
+                <a:solidFill>
+                  <a:srgbClr val="071F32"/>
+                </a:solidFill>
+                <a:effectLst/>
+                <a:latin typeface="inherit"/>
+              </a:rPr>
+              <a:t>"cover_</a:t>
+            </a:r>
+            <a:r>
+              <a:rPr lang="fr-FR" sz="1100" b="0" i="0" dirty="0" err="1">
+                <a:solidFill>
+                  <a:srgbClr val="071F32"/>
+                </a:solidFill>
+                <a:effectLst/>
+                <a:latin typeface="inherit"/>
+              </a:rPr>
+              <a:t>credit</a:t>
+            </a:r>
+            <a:r>
+              <a:rPr lang="fr-FR" sz="1100" b="0" i="0" dirty="0">
+                <a:solidFill>
+                  <a:srgbClr val="071F32"/>
+                </a:solidFill>
+                <a:effectLst/>
+                <a:latin typeface="inherit"/>
+              </a:rPr>
+              <a:t>":</a:t>
+            </a:r>
+            <a:r>
+              <a:rPr lang="fr-FR" sz="1100" b="0" i="0" dirty="0">
+                <a:solidFill>
+                  <a:srgbClr val="009900"/>
+                </a:solidFill>
+                <a:effectLst/>
+                <a:latin typeface="inherit"/>
+              </a:rPr>
+              <a:t>"Emilie Chaix / Ville de Paris"</a:t>
+            </a:r>
+            <a:r>
+              <a:rPr lang="fr-FR" sz="1100" b="0" i="0" dirty="0">
+                <a:solidFill>
+                  <a:srgbClr val="071F32"/>
+                </a:solidFill>
+                <a:effectLst/>
+                <a:latin typeface="inherit"/>
+              </a:rPr>
+              <a:t>,</a:t>
+            </a:r>
+          </a:p>
+          <a:p>
+            <a:pPr algn="l">
+              <a:lnSpc>
+                <a:spcPts val="1050"/>
+              </a:lnSpc>
+              <a:buFont typeface="Arial" panose="020B0604020202020204" pitchFamily="34" charset="0"/>
+              <a:buChar char="•"/>
+            </a:pPr>
+            <a:r>
+              <a:rPr lang="fr-FR" sz="1100" b="0" i="0" dirty="0">
+                <a:solidFill>
+                  <a:srgbClr val="071F32"/>
+                </a:solidFill>
+                <a:effectLst/>
+                <a:latin typeface="inherit"/>
+              </a:rPr>
+              <a:t>"locations":</a:t>
+            </a:r>
+          </a:p>
+          <a:p>
+            <a:pPr algn="l">
+              <a:lnSpc>
+                <a:spcPts val="1050"/>
+              </a:lnSpc>
+              <a:buFont typeface="Arial" panose="020B0604020202020204" pitchFamily="34" charset="0"/>
+              <a:buChar char="•"/>
+            </a:pPr>
+            <a:endParaRPr lang="fr-FR" sz="1100" b="0" i="0" dirty="0">
+              <a:solidFill>
+                <a:srgbClr val="071F32"/>
+              </a:solidFill>
+              <a:effectLst/>
+              <a:latin typeface="inherit"/>
+            </a:endParaRPr>
+          </a:p>
+        </p:txBody>
+      </p:sp>
+      <p:sp>
+        <p:nvSpPr>
+          <p:cNvPr id="7" name="ZoneTexte 6">
+            <a:extLst>
+              <a:ext uri="{FF2B5EF4-FFF2-40B4-BE49-F238E27FC236}">
+                <a16:creationId xmlns:a16="http://schemas.microsoft.com/office/drawing/2014/main" id="{E38259D6-1B1B-868E-5328-5B0A69D76F53}"/>
+              </a:ext>
+            </a:extLst>
+          </p:cNvPr>
+          <p:cNvSpPr txBox="1"/>
+          <p:nvPr/>
+        </p:nvSpPr>
+        <p:spPr>
+          <a:xfrm>
+            <a:off x="9319846" y="2344457"/>
+            <a:ext cx="6096000" cy="4352217"/>
+          </a:xfrm>
+          <a:prstGeom prst="rect">
+            <a:avLst/>
+          </a:prstGeom>
+          <a:noFill/>
+        </p:spPr>
+        <p:txBody>
+          <a:bodyPr wrap="square">
+            <a:spAutoFit/>
+          </a:bodyPr>
+          <a:lstStyle/>
+          <a:p>
+            <a:pPr algn="l">
+              <a:lnSpc>
+                <a:spcPts val="1050"/>
+              </a:lnSpc>
+              <a:buFont typeface="Arial" panose="020B0604020202020204" pitchFamily="34" charset="0"/>
+              <a:buChar char="•"/>
+            </a:pPr>
+            <a:endParaRPr lang="fr-FR" sz="1100" b="0" i="0" dirty="0">
+              <a:solidFill>
+                <a:srgbClr val="071F32"/>
+              </a:solidFill>
+              <a:effectLst/>
+              <a:latin typeface="inherit"/>
+            </a:endParaRPr>
+          </a:p>
+          <a:p>
+            <a:pPr algn="l">
+              <a:lnSpc>
+                <a:spcPts val="1050"/>
+              </a:lnSpc>
+              <a:buFont typeface="Arial" panose="020B0604020202020204" pitchFamily="34" charset="0"/>
+              <a:buChar char="•"/>
+            </a:pPr>
+            <a:r>
+              <a:rPr lang="fr-FR" sz="1100" b="0" i="0" dirty="0">
+                <a:solidFill>
+                  <a:srgbClr val="071F32"/>
+                </a:solidFill>
+                <a:effectLst/>
+                <a:latin typeface="inherit"/>
+              </a:rPr>
+              <a:t>"</a:t>
+            </a:r>
+            <a:r>
+              <a:rPr lang="fr-FR" sz="1100" b="0" i="0" dirty="0" err="1">
+                <a:solidFill>
+                  <a:srgbClr val="071F32"/>
+                </a:solidFill>
+                <a:effectLst/>
+                <a:latin typeface="inherit"/>
+              </a:rPr>
+              <a:t>accessibility</a:t>
+            </a:r>
+            <a:r>
+              <a:rPr lang="fr-FR" sz="1100" b="0" i="0" dirty="0">
+                <a:solidFill>
+                  <a:srgbClr val="071F32"/>
+                </a:solidFill>
+                <a:effectLst/>
+                <a:latin typeface="inherit"/>
+              </a:rPr>
+              <a:t>":</a:t>
+            </a:r>
+          </a:p>
+          <a:p>
+            <a:pPr algn="l">
+              <a:lnSpc>
+                <a:spcPts val="1050"/>
+              </a:lnSpc>
+              <a:buFont typeface="Arial" panose="020B0604020202020204" pitchFamily="34" charset="0"/>
+              <a:buChar char="•"/>
+            </a:pPr>
+            <a:r>
+              <a:rPr lang="fr-FR" sz="1100" b="0" i="0" dirty="0">
+                <a:solidFill>
+                  <a:srgbClr val="071F32"/>
+                </a:solidFill>
+                <a:effectLst/>
+                <a:latin typeface="inherit"/>
+              </a:rPr>
+              <a:t>{</a:t>
+            </a:r>
+          </a:p>
+          <a:p>
+            <a:pPr algn="l">
+              <a:lnSpc>
+                <a:spcPts val="1050"/>
+              </a:lnSpc>
+              <a:buFont typeface="Arial" panose="020B0604020202020204" pitchFamily="34" charset="0"/>
+              <a:buChar char="•"/>
+            </a:pPr>
+            <a:r>
+              <a:rPr lang="fr-FR" sz="1100" b="0" i="0" dirty="0">
+                <a:solidFill>
+                  <a:srgbClr val="071F32"/>
+                </a:solidFill>
+                <a:effectLst/>
+                <a:latin typeface="inherit"/>
+              </a:rPr>
+              <a:t>"blind":</a:t>
+            </a:r>
+            <a:r>
+              <a:rPr lang="fr-FR" sz="1100" b="0" i="0" dirty="0" err="1">
+                <a:solidFill>
+                  <a:srgbClr val="CCCCCC"/>
+                </a:solidFill>
+                <a:effectLst/>
+                <a:latin typeface="inherit"/>
+              </a:rPr>
+              <a:t>null</a:t>
+            </a:r>
+            <a:r>
+              <a:rPr lang="fr-FR" sz="1100" b="0" i="0" dirty="0">
+                <a:solidFill>
+                  <a:srgbClr val="071F32"/>
+                </a:solidFill>
+                <a:effectLst/>
+                <a:latin typeface="inherit"/>
+              </a:rPr>
+              <a:t>,</a:t>
+            </a:r>
+          </a:p>
+          <a:p>
+            <a:pPr algn="l">
+              <a:lnSpc>
+                <a:spcPts val="1050"/>
+              </a:lnSpc>
+              <a:buFont typeface="Arial" panose="020B0604020202020204" pitchFamily="34" charset="0"/>
+              <a:buChar char="•"/>
+            </a:pPr>
+            <a:r>
+              <a:rPr lang="fr-FR" sz="1100" b="0" i="0" dirty="0">
+                <a:solidFill>
+                  <a:srgbClr val="071F32"/>
+                </a:solidFill>
+                <a:effectLst/>
+                <a:latin typeface="inherit"/>
+              </a:rPr>
+              <a:t>"</a:t>
+            </a:r>
+            <a:r>
+              <a:rPr lang="fr-FR" sz="1100" b="0" i="0" dirty="0" err="1">
+                <a:solidFill>
+                  <a:srgbClr val="071F32"/>
+                </a:solidFill>
+                <a:effectLst/>
+                <a:latin typeface="inherit"/>
+              </a:rPr>
+              <a:t>pmr</a:t>
+            </a:r>
+            <a:r>
+              <a:rPr lang="fr-FR" sz="1100" b="0" i="0" dirty="0">
+                <a:solidFill>
+                  <a:srgbClr val="071F32"/>
+                </a:solidFill>
+                <a:effectLst/>
+                <a:latin typeface="inherit"/>
+              </a:rPr>
+              <a:t>":</a:t>
+            </a:r>
+            <a:r>
+              <a:rPr lang="fr-FR" sz="1100" b="0" i="0" dirty="0" err="1">
+                <a:solidFill>
+                  <a:srgbClr val="CCCCCC"/>
+                </a:solidFill>
+                <a:effectLst/>
+                <a:latin typeface="inherit"/>
+              </a:rPr>
+              <a:t>null</a:t>
+            </a:r>
+            <a:r>
+              <a:rPr lang="fr-FR" sz="1100" b="0" i="0" dirty="0">
+                <a:solidFill>
+                  <a:srgbClr val="071F32"/>
+                </a:solidFill>
+                <a:effectLst/>
+                <a:latin typeface="inherit"/>
+              </a:rPr>
+              <a:t>,</a:t>
+            </a:r>
+          </a:p>
+          <a:p>
+            <a:pPr algn="l">
+              <a:lnSpc>
+                <a:spcPts val="1050"/>
+              </a:lnSpc>
+              <a:buFont typeface="Arial" panose="020B0604020202020204" pitchFamily="34" charset="0"/>
+              <a:buChar char="•"/>
+            </a:pPr>
+            <a:r>
+              <a:rPr lang="fr-FR" sz="1100" b="0" i="0" dirty="0">
+                <a:solidFill>
+                  <a:srgbClr val="071F32"/>
+                </a:solidFill>
+                <a:effectLst/>
+                <a:latin typeface="inherit"/>
+              </a:rPr>
+              <a:t>"</a:t>
+            </a:r>
+            <a:r>
+              <a:rPr lang="fr-FR" sz="1100" b="0" i="0" dirty="0" err="1">
+                <a:solidFill>
+                  <a:srgbClr val="071F32"/>
+                </a:solidFill>
+                <a:effectLst/>
+                <a:latin typeface="inherit"/>
+              </a:rPr>
+              <a:t>deaf</a:t>
+            </a:r>
+            <a:r>
+              <a:rPr lang="fr-FR" sz="1100" b="0" i="0" dirty="0">
+                <a:solidFill>
+                  <a:srgbClr val="071F32"/>
+                </a:solidFill>
+                <a:effectLst/>
+                <a:latin typeface="inherit"/>
+              </a:rPr>
+              <a:t>":</a:t>
+            </a:r>
+            <a:r>
+              <a:rPr lang="fr-FR" sz="1100" b="0" i="0" dirty="0" err="1">
+                <a:solidFill>
+                  <a:srgbClr val="CCCCCC"/>
+                </a:solidFill>
+                <a:effectLst/>
+                <a:latin typeface="inherit"/>
+              </a:rPr>
+              <a:t>null</a:t>
+            </a:r>
+            <a:r>
+              <a:rPr lang="fr-FR" sz="1100" b="0" i="0" dirty="0">
+                <a:solidFill>
+                  <a:srgbClr val="071F32"/>
+                </a:solidFill>
+                <a:effectLst/>
+                <a:latin typeface="inherit"/>
+              </a:rPr>
+              <a:t>,</a:t>
+            </a:r>
+          </a:p>
+          <a:p>
+            <a:pPr algn="l">
+              <a:lnSpc>
+                <a:spcPts val="1050"/>
+              </a:lnSpc>
+              <a:buFont typeface="Arial" panose="020B0604020202020204" pitchFamily="34" charset="0"/>
+              <a:buChar char="•"/>
+            </a:pPr>
+            <a:r>
+              <a:rPr lang="fr-FR" sz="1100" b="0" i="0" dirty="0">
+                <a:solidFill>
+                  <a:srgbClr val="071F32"/>
+                </a:solidFill>
+                <a:effectLst/>
+                <a:latin typeface="inherit"/>
+              </a:rPr>
+              <a:t>"sign_</a:t>
+            </a:r>
+            <a:r>
+              <a:rPr lang="fr-FR" sz="1100" b="0" i="0" dirty="0" err="1">
+                <a:solidFill>
+                  <a:srgbClr val="071F32"/>
+                </a:solidFill>
+                <a:effectLst/>
+                <a:latin typeface="inherit"/>
+              </a:rPr>
+              <a:t>language</a:t>
+            </a:r>
+            <a:r>
+              <a:rPr lang="fr-FR" sz="1100" b="0" i="0" dirty="0">
+                <a:solidFill>
+                  <a:srgbClr val="071F32"/>
+                </a:solidFill>
+                <a:effectLst/>
+                <a:latin typeface="inherit"/>
+              </a:rPr>
+              <a:t>":</a:t>
+            </a:r>
+            <a:r>
+              <a:rPr lang="fr-FR" sz="1100" b="0" i="0" dirty="0" err="1">
+                <a:solidFill>
+                  <a:srgbClr val="CCCCCC"/>
+                </a:solidFill>
+                <a:effectLst/>
+                <a:latin typeface="inherit"/>
+              </a:rPr>
+              <a:t>null</a:t>
+            </a:r>
+            <a:r>
+              <a:rPr lang="fr-FR" sz="1100" b="0" i="0" dirty="0">
+                <a:solidFill>
+                  <a:srgbClr val="071F32"/>
+                </a:solidFill>
+                <a:effectLst/>
+                <a:latin typeface="inherit"/>
+              </a:rPr>
+              <a:t>,</a:t>
+            </a:r>
+          </a:p>
+          <a:p>
+            <a:pPr algn="l">
+              <a:lnSpc>
+                <a:spcPts val="1050"/>
+              </a:lnSpc>
+              <a:buFont typeface="Arial" panose="020B0604020202020204" pitchFamily="34" charset="0"/>
+              <a:buChar char="•"/>
+            </a:pPr>
+            <a:r>
+              <a:rPr lang="fr-FR" sz="1100" b="0" i="0" dirty="0">
+                <a:solidFill>
+                  <a:srgbClr val="071F32"/>
+                </a:solidFill>
+                <a:effectLst/>
+                <a:latin typeface="inherit"/>
+              </a:rPr>
+              <a:t>"mental":</a:t>
+            </a:r>
+            <a:r>
+              <a:rPr lang="fr-FR" sz="1100" b="0" i="0" dirty="0" err="1">
+                <a:solidFill>
+                  <a:srgbClr val="CCCCCC"/>
+                </a:solidFill>
+                <a:effectLst/>
+                <a:latin typeface="inherit"/>
+              </a:rPr>
+              <a:t>null</a:t>
+            </a:r>
+            <a:endParaRPr lang="fr-FR" sz="1100" b="0" i="0" dirty="0">
+              <a:solidFill>
+                <a:srgbClr val="071F32"/>
+              </a:solidFill>
+              <a:effectLst/>
+              <a:latin typeface="inherit"/>
+            </a:endParaRPr>
+          </a:p>
+          <a:p>
+            <a:pPr algn="l">
+              <a:lnSpc>
+                <a:spcPts val="1050"/>
+              </a:lnSpc>
+              <a:buFont typeface="Arial" panose="020B0604020202020204" pitchFamily="34" charset="0"/>
+              <a:buChar char="•"/>
+            </a:pPr>
+            <a:r>
+              <a:rPr lang="fr-FR" sz="1100" b="0" i="0" dirty="0">
+                <a:solidFill>
+                  <a:srgbClr val="071F32"/>
+                </a:solidFill>
+                <a:effectLst/>
+                <a:latin typeface="inherit"/>
+              </a:rPr>
+              <a:t>}</a:t>
+            </a:r>
+          </a:p>
+          <a:p>
+            <a:pPr algn="l">
+              <a:lnSpc>
+                <a:spcPts val="1050"/>
+              </a:lnSpc>
+              <a:buFont typeface="Arial" panose="020B0604020202020204" pitchFamily="34" charset="0"/>
+              <a:buChar char="•"/>
+            </a:pPr>
+            <a:r>
+              <a:rPr lang="fr-FR" sz="1100" b="0" i="0" dirty="0">
+                <a:solidFill>
+                  <a:srgbClr val="071F32"/>
+                </a:solidFill>
+                <a:effectLst/>
+                <a:latin typeface="inherit"/>
+              </a:rPr>
+              <a:t>,</a:t>
+            </a:r>
+          </a:p>
+          <a:p>
+            <a:pPr algn="l">
+              <a:lnSpc>
+                <a:spcPts val="1050"/>
+              </a:lnSpc>
+              <a:buFont typeface="Arial" panose="020B0604020202020204" pitchFamily="34" charset="0"/>
+              <a:buChar char="•"/>
+            </a:pPr>
+            <a:r>
+              <a:rPr lang="fr-FR" sz="1100" b="0" i="0" dirty="0">
+                <a:solidFill>
+                  <a:srgbClr val="071F32"/>
+                </a:solidFill>
+                <a:effectLst/>
+                <a:latin typeface="inherit"/>
+              </a:rPr>
+              <a:t>"address_street":</a:t>
+            </a:r>
+            <a:r>
+              <a:rPr lang="fr-FR" sz="1100" b="0" i="0" dirty="0">
+                <a:solidFill>
+                  <a:srgbClr val="009900"/>
+                </a:solidFill>
+                <a:effectLst/>
+                <a:latin typeface="inherit"/>
+              </a:rPr>
+              <a:t>"6-8 passage </a:t>
+            </a:r>
+            <a:r>
+              <a:rPr lang="fr-FR" sz="1100" b="0" i="0" dirty="0" err="1">
+                <a:solidFill>
+                  <a:srgbClr val="009900"/>
+                </a:solidFill>
+                <a:effectLst/>
+                <a:latin typeface="inherit"/>
+              </a:rPr>
+              <a:t>Raguinot</a:t>
+            </a:r>
+            <a:r>
+              <a:rPr lang="fr-FR" sz="1100" b="0" i="0" dirty="0">
+                <a:solidFill>
+                  <a:srgbClr val="009900"/>
+                </a:solidFill>
+                <a:effectLst/>
+                <a:latin typeface="inherit"/>
+              </a:rPr>
+              <a:t>"</a:t>
+            </a:r>
+            <a:r>
+              <a:rPr lang="fr-FR" sz="1100" b="0" i="0" dirty="0">
+                <a:solidFill>
+                  <a:srgbClr val="071F32"/>
+                </a:solidFill>
+                <a:effectLst/>
+                <a:latin typeface="inherit"/>
+              </a:rPr>
+              <a:t>,</a:t>
+            </a:r>
+          </a:p>
+          <a:p>
+            <a:pPr algn="l">
+              <a:lnSpc>
+                <a:spcPts val="1050"/>
+              </a:lnSpc>
+              <a:buFont typeface="Arial" panose="020B0604020202020204" pitchFamily="34" charset="0"/>
+              <a:buChar char="•"/>
+            </a:pPr>
+            <a:r>
+              <a:rPr lang="fr-FR" sz="1100" b="0" i="0" dirty="0">
+                <a:solidFill>
+                  <a:srgbClr val="071F32"/>
+                </a:solidFill>
+                <a:effectLst/>
+                <a:latin typeface="inherit"/>
+              </a:rPr>
+              <a:t>"address_zipCode":</a:t>
+            </a:r>
+            <a:r>
+              <a:rPr lang="fr-FR" sz="1100" b="0" i="0" dirty="0">
+                <a:solidFill>
+                  <a:srgbClr val="009900"/>
+                </a:solidFill>
+                <a:effectLst/>
+                <a:latin typeface="inherit"/>
+              </a:rPr>
+              <a:t>"75012"</a:t>
+            </a:r>
+            <a:r>
+              <a:rPr lang="fr-FR" sz="1100" b="0" i="0" dirty="0">
+                <a:solidFill>
+                  <a:srgbClr val="071F32"/>
+                </a:solidFill>
+                <a:effectLst/>
+                <a:latin typeface="inherit"/>
+              </a:rPr>
+              <a:t>,</a:t>
+            </a:r>
+          </a:p>
+          <a:p>
+            <a:pPr algn="l">
+              <a:lnSpc>
+                <a:spcPts val="1050"/>
+              </a:lnSpc>
+              <a:buFont typeface="Arial" panose="020B0604020202020204" pitchFamily="34" charset="0"/>
+              <a:buChar char="•"/>
+            </a:pPr>
+            <a:r>
+              <a:rPr lang="fr-FR" sz="1100" b="0" i="0" dirty="0">
+                <a:solidFill>
+                  <a:srgbClr val="071F32"/>
+                </a:solidFill>
+                <a:effectLst/>
+                <a:latin typeface="inherit"/>
+              </a:rPr>
+              <a:t>"address_</a:t>
+            </a:r>
+            <a:r>
+              <a:rPr lang="fr-FR" sz="1100" b="0" i="0" dirty="0" err="1">
+                <a:solidFill>
+                  <a:srgbClr val="071F32"/>
+                </a:solidFill>
+                <a:effectLst/>
+                <a:latin typeface="inherit"/>
+              </a:rPr>
+              <a:t>details</a:t>
+            </a:r>
+            <a:r>
+              <a:rPr lang="fr-FR" sz="1100" b="0" i="0" dirty="0">
+                <a:solidFill>
+                  <a:srgbClr val="071F32"/>
+                </a:solidFill>
+                <a:effectLst/>
+                <a:latin typeface="inherit"/>
+              </a:rPr>
+              <a:t>":</a:t>
+            </a:r>
+            <a:r>
+              <a:rPr lang="fr-FR" sz="1100" b="0" i="0" dirty="0" err="1">
+                <a:solidFill>
+                  <a:srgbClr val="CCCCCC"/>
+                </a:solidFill>
+                <a:effectLst/>
+                <a:latin typeface="inherit"/>
+              </a:rPr>
+              <a:t>null</a:t>
+            </a:r>
+            <a:r>
+              <a:rPr lang="fr-FR" sz="1100" b="0" i="0" dirty="0">
+                <a:solidFill>
+                  <a:srgbClr val="071F32"/>
+                </a:solidFill>
+                <a:effectLst/>
+                <a:latin typeface="inherit"/>
+              </a:rPr>
+              <a:t>,</a:t>
+            </a:r>
+          </a:p>
+          <a:p>
+            <a:pPr algn="l">
+              <a:lnSpc>
+                <a:spcPts val="1050"/>
+              </a:lnSpc>
+              <a:buFont typeface="Arial" panose="020B0604020202020204" pitchFamily="34" charset="0"/>
+              <a:buChar char="•"/>
+            </a:pPr>
+            <a:r>
+              <a:rPr lang="fr-FR" sz="1100" b="0" i="0" dirty="0">
+                <a:solidFill>
+                  <a:srgbClr val="071F32"/>
+                </a:solidFill>
+                <a:effectLst/>
+                <a:latin typeface="inherit"/>
+              </a:rPr>
+              <a:t>"address_</a:t>
+            </a:r>
+            <a:r>
+              <a:rPr lang="fr-FR" sz="1100" b="0" i="0" dirty="0" err="1">
+                <a:solidFill>
+                  <a:srgbClr val="071F32"/>
+                </a:solidFill>
+                <a:effectLst/>
+                <a:latin typeface="inherit"/>
+              </a:rPr>
+              <a:t>name</a:t>
+            </a:r>
+            <a:r>
+              <a:rPr lang="fr-FR" sz="1100" b="0" i="0" dirty="0">
+                <a:solidFill>
+                  <a:srgbClr val="071F32"/>
+                </a:solidFill>
+                <a:effectLst/>
+                <a:latin typeface="inherit"/>
+              </a:rPr>
+              <a:t>":</a:t>
+            </a:r>
+            <a:r>
+              <a:rPr lang="fr-FR" sz="1100" b="0" i="0" dirty="0">
+                <a:solidFill>
+                  <a:srgbClr val="009900"/>
+                </a:solidFill>
+                <a:effectLst/>
+                <a:latin typeface="inherit"/>
+              </a:rPr>
+              <a:t>"Halte Femme"</a:t>
+            </a:r>
+            <a:r>
+              <a:rPr lang="fr-FR" sz="1100" b="0" i="0" dirty="0">
+                <a:solidFill>
+                  <a:srgbClr val="071F32"/>
+                </a:solidFill>
+                <a:effectLst/>
+                <a:latin typeface="inherit"/>
+              </a:rPr>
+              <a:t>,</a:t>
+            </a:r>
+          </a:p>
+          <a:p>
+            <a:pPr algn="l">
+              <a:lnSpc>
+                <a:spcPts val="1050"/>
+              </a:lnSpc>
+              <a:buFont typeface="Arial" panose="020B0604020202020204" pitchFamily="34" charset="0"/>
+              <a:buChar char="•"/>
+            </a:pPr>
+            <a:r>
+              <a:rPr lang="fr-FR" sz="1100" b="0" i="0" dirty="0">
+                <a:solidFill>
+                  <a:srgbClr val="071F32"/>
+                </a:solidFill>
+                <a:effectLst/>
+                <a:latin typeface="inherit"/>
+              </a:rPr>
+              <a:t>"address_lat_lon":</a:t>
+            </a:r>
+            <a:r>
+              <a:rPr lang="fr-FR" sz="1100" b="0" i="0" dirty="0">
+                <a:solidFill>
+                  <a:srgbClr val="009900"/>
+                </a:solidFill>
+                <a:effectLst/>
+                <a:latin typeface="inherit"/>
+              </a:rPr>
+              <a:t>"0.0,0.0"</a:t>
+            </a:r>
+            <a:r>
+              <a:rPr lang="fr-FR" sz="1100" b="0" i="0" dirty="0">
+                <a:solidFill>
+                  <a:srgbClr val="071F32"/>
+                </a:solidFill>
+                <a:effectLst/>
+                <a:latin typeface="inherit"/>
+              </a:rPr>
+              <a:t>,</a:t>
+            </a:r>
+          </a:p>
+          <a:p>
+            <a:pPr algn="l">
+              <a:lnSpc>
+                <a:spcPts val="1050"/>
+              </a:lnSpc>
+              <a:buFont typeface="Arial" panose="020B0604020202020204" pitchFamily="34" charset="0"/>
+              <a:buChar char="•"/>
+            </a:pPr>
+            <a:r>
+              <a:rPr lang="fr-FR" sz="1100" b="0" i="0" dirty="0">
+                <a:solidFill>
+                  <a:srgbClr val="071F32"/>
+                </a:solidFill>
+                <a:effectLst/>
+                <a:latin typeface="inherit"/>
+              </a:rPr>
+              <a:t>"location_type":</a:t>
+            </a:r>
+            <a:r>
+              <a:rPr lang="fr-FR" sz="1100" b="0" i="0" dirty="0">
+                <a:solidFill>
+                  <a:srgbClr val="009900"/>
+                </a:solidFill>
+                <a:effectLst/>
+                <a:latin typeface="inherit"/>
+              </a:rPr>
+              <a:t>"</a:t>
+            </a:r>
+            <a:r>
+              <a:rPr lang="fr-FR" sz="1100" b="0" i="0" dirty="0" err="1">
+                <a:solidFill>
+                  <a:srgbClr val="009900"/>
+                </a:solidFill>
+                <a:effectLst/>
+                <a:latin typeface="inherit"/>
+              </a:rPr>
+              <a:t>address</a:t>
+            </a:r>
+            <a:r>
+              <a:rPr lang="fr-FR" sz="1100" b="0" i="0" dirty="0">
+                <a:solidFill>
+                  <a:srgbClr val="009900"/>
+                </a:solidFill>
+                <a:effectLst/>
+                <a:latin typeface="inherit"/>
+              </a:rPr>
+              <a:t>"</a:t>
+            </a:r>
+            <a:r>
+              <a:rPr lang="fr-FR" sz="1100" b="0" i="0" dirty="0">
+                <a:solidFill>
+                  <a:srgbClr val="071F32"/>
+                </a:solidFill>
+                <a:effectLst/>
+                <a:latin typeface="inherit"/>
+              </a:rPr>
+              <a:t>,</a:t>
+            </a:r>
+          </a:p>
+          <a:p>
+            <a:pPr algn="l">
+              <a:lnSpc>
+                <a:spcPts val="1050"/>
+              </a:lnSpc>
+              <a:buFont typeface="Arial" panose="020B0604020202020204" pitchFamily="34" charset="0"/>
+              <a:buChar char="•"/>
+            </a:pPr>
+            <a:r>
+              <a:rPr lang="fr-FR" sz="1100" b="0" i="0" dirty="0">
+                <a:solidFill>
+                  <a:srgbClr val="071F32"/>
+                </a:solidFill>
+                <a:effectLst/>
+                <a:latin typeface="inherit"/>
+              </a:rPr>
+              <a:t>"</a:t>
+            </a:r>
+            <a:r>
+              <a:rPr lang="fr-FR" sz="1100" b="0" i="0" dirty="0" err="1">
+                <a:solidFill>
+                  <a:srgbClr val="071F32"/>
+                </a:solidFill>
+                <a:effectLst/>
+                <a:latin typeface="inherit"/>
+              </a:rPr>
+              <a:t>address_city":</a:t>
+            </a:r>
+            <a:r>
+              <a:rPr lang="fr-FR" sz="1100" b="0" i="0" dirty="0" err="1">
+                <a:solidFill>
+                  <a:srgbClr val="009900"/>
+                </a:solidFill>
+                <a:effectLst/>
+                <a:latin typeface="inherit"/>
+              </a:rPr>
+              <a:t>"Paris</a:t>
+            </a:r>
+            <a:r>
+              <a:rPr lang="fr-FR" sz="1100" b="0" i="0" dirty="0">
+                <a:solidFill>
+                  <a:srgbClr val="009900"/>
+                </a:solidFill>
+                <a:effectLst/>
+                <a:latin typeface="inherit"/>
+              </a:rPr>
+              <a:t>"</a:t>
+            </a:r>
+            <a:endParaRPr lang="fr-FR" sz="1100" b="0" i="0" dirty="0">
+              <a:solidFill>
+                <a:srgbClr val="071F32"/>
+              </a:solidFill>
+              <a:effectLst/>
+              <a:latin typeface="inherit"/>
+            </a:endParaRPr>
+          </a:p>
+          <a:p>
+            <a:pPr algn="l">
+              <a:lnSpc>
+                <a:spcPts val="1050"/>
+              </a:lnSpc>
+              <a:buFont typeface="Arial" panose="020B0604020202020204" pitchFamily="34" charset="0"/>
+              <a:buChar char="•"/>
+            </a:pPr>
+            <a:r>
+              <a:rPr lang="fr-FR" sz="1100" b="0" i="0" dirty="0">
+                <a:solidFill>
+                  <a:srgbClr val="071F32"/>
+                </a:solidFill>
+                <a:effectLst/>
+                <a:latin typeface="inherit"/>
+              </a:rPr>
+              <a:t>}</a:t>
+            </a:r>
+          </a:p>
+          <a:p>
+            <a:pPr algn="l">
+              <a:lnSpc>
+                <a:spcPts val="1050"/>
+              </a:lnSpc>
+              <a:buFont typeface="Arial" panose="020B0604020202020204" pitchFamily="34" charset="0"/>
+              <a:buChar char="•"/>
+            </a:pPr>
+            <a:r>
+              <a:rPr lang="fr-FR" sz="1100" b="0" i="0" dirty="0">
+                <a:solidFill>
+                  <a:srgbClr val="071F32"/>
+                </a:solidFill>
+                <a:effectLst/>
+                <a:latin typeface="inherit"/>
+              </a:rPr>
+              <a:t>]</a:t>
+            </a:r>
+          </a:p>
+          <a:p>
+            <a:pPr algn="l">
+              <a:lnSpc>
+                <a:spcPts val="1050"/>
+              </a:lnSpc>
+              <a:buFont typeface="Arial" panose="020B0604020202020204" pitchFamily="34" charset="0"/>
+              <a:buChar char="•"/>
+            </a:pPr>
+            <a:r>
+              <a:rPr lang="fr-FR" sz="1100" b="0" i="0" dirty="0">
+                <a:solidFill>
+                  <a:srgbClr val="071F32"/>
+                </a:solidFill>
+                <a:effectLst/>
+                <a:latin typeface="inherit"/>
+              </a:rPr>
+              <a:t>,</a:t>
+            </a:r>
+          </a:p>
+          <a:p>
+            <a:pPr algn="l">
+              <a:lnSpc>
+                <a:spcPts val="1050"/>
+              </a:lnSpc>
+              <a:buFont typeface="Arial" panose="020B0604020202020204" pitchFamily="34" charset="0"/>
+              <a:buChar char="•"/>
+            </a:pPr>
+            <a:r>
+              <a:rPr lang="fr-FR" sz="1100" b="0" i="0" dirty="0">
+                <a:solidFill>
+                  <a:srgbClr val="071F32"/>
+                </a:solidFill>
+                <a:effectLst/>
+                <a:latin typeface="inherit"/>
+              </a:rPr>
+              <a:t>"address_</a:t>
+            </a:r>
+            <a:r>
+              <a:rPr lang="fr-FR" sz="1100" b="0" i="0" dirty="0" err="1">
+                <a:solidFill>
+                  <a:srgbClr val="071F32"/>
+                </a:solidFill>
+                <a:effectLst/>
+                <a:latin typeface="inherit"/>
+              </a:rPr>
+              <a:t>name</a:t>
+            </a:r>
+            <a:r>
+              <a:rPr lang="fr-FR" sz="1100" b="0" i="0" dirty="0">
+                <a:solidFill>
+                  <a:srgbClr val="071F32"/>
+                </a:solidFill>
+                <a:effectLst/>
+                <a:latin typeface="inherit"/>
+              </a:rPr>
+              <a:t>":</a:t>
+            </a:r>
+            <a:r>
+              <a:rPr lang="fr-FR" sz="1100" b="0" i="0" dirty="0">
+                <a:solidFill>
+                  <a:srgbClr val="009900"/>
+                </a:solidFill>
+                <a:effectLst/>
+                <a:latin typeface="inherit"/>
+              </a:rPr>
+              <a:t>"Halte Femme"</a:t>
+            </a:r>
+            <a:r>
+              <a:rPr lang="fr-FR" sz="1100" b="0" i="0" dirty="0">
+                <a:solidFill>
+                  <a:srgbClr val="071F32"/>
+                </a:solidFill>
+                <a:effectLst/>
+                <a:latin typeface="inherit"/>
+              </a:rPr>
+              <a:t>,</a:t>
+            </a:r>
+          </a:p>
+          <a:p>
+            <a:pPr algn="l">
+              <a:lnSpc>
+                <a:spcPts val="1050"/>
+              </a:lnSpc>
+              <a:buFont typeface="Arial" panose="020B0604020202020204" pitchFamily="34" charset="0"/>
+              <a:buChar char="•"/>
+            </a:pPr>
+            <a:r>
+              <a:rPr lang="fr-FR" sz="1100" b="0" i="0" dirty="0">
+                <a:solidFill>
+                  <a:srgbClr val="071F32"/>
+                </a:solidFill>
+                <a:effectLst/>
+                <a:latin typeface="inherit"/>
+              </a:rPr>
+              <a:t>"address_street":</a:t>
+            </a:r>
+            <a:r>
+              <a:rPr lang="fr-FR" sz="1100" b="0" i="0" dirty="0">
+                <a:solidFill>
+                  <a:srgbClr val="009900"/>
+                </a:solidFill>
+                <a:effectLst/>
+                <a:latin typeface="inherit"/>
+              </a:rPr>
+              <a:t>"6-8 passage </a:t>
+            </a:r>
+            <a:r>
+              <a:rPr lang="fr-FR" sz="1100" b="0" i="0" dirty="0" err="1">
+                <a:solidFill>
+                  <a:srgbClr val="009900"/>
+                </a:solidFill>
+                <a:effectLst/>
+                <a:latin typeface="inherit"/>
+              </a:rPr>
+              <a:t>Raguinot</a:t>
+            </a:r>
+            <a:r>
+              <a:rPr lang="fr-FR" sz="1100" b="0" i="0" dirty="0">
+                <a:solidFill>
+                  <a:srgbClr val="009900"/>
+                </a:solidFill>
+                <a:effectLst/>
+                <a:latin typeface="inherit"/>
+              </a:rPr>
+              <a:t>"</a:t>
+            </a:r>
+            <a:r>
+              <a:rPr lang="fr-FR" sz="1100" b="0" i="0" dirty="0">
+                <a:solidFill>
+                  <a:srgbClr val="071F32"/>
+                </a:solidFill>
+                <a:effectLst/>
+                <a:latin typeface="inherit"/>
+              </a:rPr>
+              <a:t>,</a:t>
+            </a:r>
+          </a:p>
+          <a:p>
+            <a:pPr algn="l">
+              <a:lnSpc>
+                <a:spcPts val="1050"/>
+              </a:lnSpc>
+              <a:buFont typeface="Arial" panose="020B0604020202020204" pitchFamily="34" charset="0"/>
+              <a:buChar char="•"/>
+            </a:pPr>
+            <a:r>
+              <a:rPr lang="fr-FR" sz="1100" b="0" i="0" dirty="0">
+                <a:solidFill>
+                  <a:srgbClr val="071F32"/>
+                </a:solidFill>
+                <a:effectLst/>
+                <a:latin typeface="inherit"/>
+              </a:rPr>
+              <a:t>"address_zipcode":</a:t>
+            </a:r>
+            <a:r>
+              <a:rPr lang="fr-FR" sz="1100" b="0" i="0" dirty="0">
+                <a:solidFill>
+                  <a:srgbClr val="009900"/>
+                </a:solidFill>
+                <a:effectLst/>
+                <a:latin typeface="inherit"/>
+              </a:rPr>
+              <a:t>"75012"</a:t>
+            </a:r>
+            <a:r>
+              <a:rPr lang="fr-FR" sz="1100" b="0" i="0" dirty="0">
+                <a:solidFill>
+                  <a:srgbClr val="071F32"/>
+                </a:solidFill>
+                <a:effectLst/>
+                <a:latin typeface="inherit"/>
+              </a:rPr>
+              <a:t>,</a:t>
+            </a:r>
+          </a:p>
+          <a:p>
+            <a:pPr algn="l">
+              <a:lnSpc>
+                <a:spcPts val="1050"/>
+              </a:lnSpc>
+              <a:buFont typeface="Arial" panose="020B0604020202020204" pitchFamily="34" charset="0"/>
+              <a:buChar char="•"/>
+            </a:pPr>
+            <a:r>
+              <a:rPr lang="fr-FR" sz="1100" b="0" i="0" dirty="0">
+                <a:solidFill>
+                  <a:srgbClr val="071F32"/>
+                </a:solidFill>
+                <a:effectLst/>
+                <a:latin typeface="inherit"/>
+              </a:rPr>
+              <a:t>"</a:t>
+            </a:r>
+            <a:r>
+              <a:rPr lang="fr-FR" sz="1100" b="0" i="0" dirty="0" err="1">
+                <a:solidFill>
+                  <a:srgbClr val="071F32"/>
+                </a:solidFill>
+                <a:effectLst/>
+                <a:latin typeface="inherit"/>
+              </a:rPr>
+              <a:t>address_city":</a:t>
+            </a:r>
+            <a:r>
+              <a:rPr lang="fr-FR" sz="1100" b="0" i="0" dirty="0" err="1">
+                <a:solidFill>
+                  <a:srgbClr val="009900"/>
+                </a:solidFill>
+                <a:effectLst/>
+                <a:latin typeface="inherit"/>
+              </a:rPr>
+              <a:t>"Paris</a:t>
+            </a:r>
+            <a:r>
+              <a:rPr lang="fr-FR" sz="1100" b="0" i="0" dirty="0">
+                <a:solidFill>
+                  <a:srgbClr val="009900"/>
+                </a:solidFill>
+                <a:effectLst/>
+                <a:latin typeface="inherit"/>
+              </a:rPr>
+              <a:t>"</a:t>
+            </a:r>
+            <a:r>
+              <a:rPr lang="fr-FR" sz="1100" b="0" i="0" dirty="0">
+                <a:solidFill>
+                  <a:srgbClr val="071F32"/>
+                </a:solidFill>
+                <a:effectLst/>
+                <a:latin typeface="inherit"/>
+              </a:rPr>
+              <a:t>,</a:t>
+            </a:r>
+          </a:p>
+          <a:p>
+            <a:pPr algn="l">
+              <a:lnSpc>
+                <a:spcPts val="1050"/>
+              </a:lnSpc>
+              <a:buFont typeface="Arial" panose="020B0604020202020204" pitchFamily="34" charset="0"/>
+              <a:buChar char="•"/>
+            </a:pPr>
+            <a:r>
+              <a:rPr lang="fr-FR" sz="1100" b="0" i="0" dirty="0">
+                <a:solidFill>
+                  <a:srgbClr val="071F32"/>
+                </a:solidFill>
+                <a:effectLst/>
+                <a:latin typeface="inherit"/>
+              </a:rPr>
+              <a:t>"</a:t>
+            </a:r>
+            <a:r>
+              <a:rPr lang="fr-FR" sz="1100" b="0" i="0" dirty="0" err="1">
+                <a:solidFill>
+                  <a:srgbClr val="071F32"/>
+                </a:solidFill>
+                <a:effectLst/>
+                <a:latin typeface="inherit"/>
+              </a:rPr>
+              <a:t>lat_lon</a:t>
+            </a:r>
+            <a:r>
+              <a:rPr lang="fr-FR" sz="1100" b="0" i="0" dirty="0">
+                <a:solidFill>
+                  <a:srgbClr val="071F32"/>
+                </a:solidFill>
+                <a:effectLst/>
+                <a:latin typeface="inherit"/>
+              </a:rPr>
+              <a:t>":</a:t>
+            </a:r>
+          </a:p>
+          <a:p>
+            <a:pPr algn="l">
+              <a:lnSpc>
+                <a:spcPts val="1050"/>
+              </a:lnSpc>
+              <a:buFont typeface="Arial" panose="020B0604020202020204" pitchFamily="34" charset="0"/>
+              <a:buChar char="•"/>
+            </a:pPr>
+            <a:r>
+              <a:rPr lang="fr-FR" sz="1100" b="0" i="0" dirty="0">
+                <a:solidFill>
+                  <a:srgbClr val="071F32"/>
+                </a:solidFill>
+                <a:effectLst/>
+                <a:latin typeface="inherit"/>
+              </a:rPr>
+              <a:t>{</a:t>
+            </a:r>
+          </a:p>
+          <a:p>
+            <a:pPr algn="l">
+              <a:lnSpc>
+                <a:spcPts val="1050"/>
+              </a:lnSpc>
+              <a:buFont typeface="Arial" panose="020B0604020202020204" pitchFamily="34" charset="0"/>
+              <a:buChar char="•"/>
+            </a:pPr>
+            <a:r>
+              <a:rPr lang="fr-FR" sz="1100" b="0" i="0" dirty="0">
+                <a:solidFill>
+                  <a:srgbClr val="071F32"/>
+                </a:solidFill>
+                <a:effectLst/>
+                <a:latin typeface="inherit"/>
+              </a:rPr>
+              <a:t>"lon":</a:t>
+            </a:r>
+            <a:r>
+              <a:rPr lang="fr-FR" sz="1100" b="0" i="0" dirty="0">
+                <a:solidFill>
+                  <a:srgbClr val="0000FF"/>
+                </a:solidFill>
+                <a:effectLst/>
+                <a:latin typeface="inherit"/>
+              </a:rPr>
+              <a:t>0</a:t>
+            </a:r>
+            <a:r>
+              <a:rPr lang="fr-FR" sz="1100" b="0" i="0" dirty="0">
+                <a:solidFill>
+                  <a:srgbClr val="071F32"/>
+                </a:solidFill>
+                <a:effectLst/>
+                <a:latin typeface="inherit"/>
+              </a:rPr>
+              <a:t>,</a:t>
+            </a:r>
+          </a:p>
+          <a:p>
+            <a:pPr algn="l">
+              <a:lnSpc>
+                <a:spcPts val="1050"/>
+              </a:lnSpc>
+              <a:buFont typeface="Arial" panose="020B0604020202020204" pitchFamily="34" charset="0"/>
+              <a:buChar char="•"/>
+            </a:pPr>
+            <a:r>
+              <a:rPr lang="fr-FR" sz="1100" b="0" i="0" dirty="0">
+                <a:solidFill>
+                  <a:srgbClr val="071F32"/>
+                </a:solidFill>
+                <a:effectLst/>
+                <a:latin typeface="inherit"/>
+              </a:rPr>
+              <a:t>"lat":</a:t>
+            </a:r>
+            <a:r>
+              <a:rPr lang="fr-FR" sz="1100" b="0" i="0" dirty="0">
+                <a:solidFill>
+                  <a:srgbClr val="0000FF"/>
+                </a:solidFill>
+                <a:effectLst/>
+                <a:latin typeface="inherit"/>
+              </a:rPr>
+              <a:t>0</a:t>
+            </a:r>
+            <a:endParaRPr lang="fr-FR" sz="1100" b="0" i="0" dirty="0">
+              <a:solidFill>
+                <a:srgbClr val="071F32"/>
+              </a:solidFill>
+              <a:effectLst/>
+              <a:latin typeface="inherit"/>
+            </a:endParaRPr>
+          </a:p>
+          <a:p>
+            <a:pPr algn="l">
+              <a:lnSpc>
+                <a:spcPts val="1050"/>
+              </a:lnSpc>
+              <a:buFont typeface="Arial" panose="020B0604020202020204" pitchFamily="34" charset="0"/>
+              <a:buChar char="•"/>
+            </a:pPr>
+            <a:r>
+              <a:rPr lang="fr-FR" sz="1100" b="0" i="0" dirty="0">
+                <a:solidFill>
+                  <a:srgbClr val="071F32"/>
+                </a:solidFill>
+                <a:effectLst/>
+                <a:latin typeface="inherit"/>
+              </a:rPr>
+              <a:t>}</a:t>
+            </a:r>
+          </a:p>
+          <a:p>
+            <a:pPr algn="l">
+              <a:lnSpc>
+                <a:spcPts val="1050"/>
+              </a:lnSpc>
+              <a:buFont typeface="Arial" panose="020B0604020202020204" pitchFamily="34" charset="0"/>
+              <a:buChar char="•"/>
+            </a:pPr>
+            <a:r>
+              <a:rPr lang="fr-FR" sz="1100" b="0" i="0" dirty="0">
+                <a:solidFill>
+                  <a:srgbClr val="071F32"/>
+                </a:solidFill>
+                <a:effectLst/>
+                <a:latin typeface="inherit"/>
+              </a:rPr>
+              <a:t>,</a:t>
+            </a:r>
+            <a:endParaRPr lang="fr-FR" sz="1100" dirty="0"/>
+          </a:p>
+        </p:txBody>
+      </p:sp>
+      <p:sp>
+        <p:nvSpPr>
+          <p:cNvPr id="9" name="ZoneTexte 8">
+            <a:extLst>
+              <a:ext uri="{FF2B5EF4-FFF2-40B4-BE49-F238E27FC236}">
+                <a16:creationId xmlns:a16="http://schemas.microsoft.com/office/drawing/2014/main" id="{A1D4F92C-B92D-6FA1-7120-284D83F3A0D9}"/>
+              </a:ext>
+            </a:extLst>
+          </p:cNvPr>
+          <p:cNvSpPr txBox="1"/>
+          <p:nvPr/>
+        </p:nvSpPr>
+        <p:spPr>
+          <a:xfrm>
+            <a:off x="1" y="3495541"/>
+            <a:ext cx="6471138" cy="3201133"/>
+          </a:xfrm>
+          <a:prstGeom prst="rect">
+            <a:avLst/>
+          </a:prstGeom>
+          <a:noFill/>
+        </p:spPr>
+        <p:txBody>
+          <a:bodyPr wrap="square">
+            <a:spAutoFit/>
+          </a:bodyPr>
+          <a:lstStyle/>
+          <a:p>
+            <a:pPr algn="l">
+              <a:lnSpc>
+                <a:spcPts val="1050"/>
+              </a:lnSpc>
+              <a:buFont typeface="Arial" panose="020B0604020202020204" pitchFamily="34" charset="0"/>
+              <a:buChar char="•"/>
+            </a:pPr>
+            <a:endParaRPr lang="fr-FR" sz="1100" b="0" i="0" dirty="0">
+              <a:solidFill>
+                <a:srgbClr val="071F32"/>
+              </a:solidFill>
+              <a:effectLst/>
+              <a:latin typeface="inherit"/>
+            </a:endParaRPr>
+          </a:p>
+          <a:p>
+            <a:pPr algn="l">
+              <a:lnSpc>
+                <a:spcPts val="1050"/>
+              </a:lnSpc>
+              <a:buFont typeface="Arial" panose="020B0604020202020204" pitchFamily="34" charset="0"/>
+              <a:buChar char="•"/>
+            </a:pPr>
+            <a:endParaRPr lang="fr-FR" sz="1100" b="0" i="0" dirty="0">
+              <a:solidFill>
+                <a:srgbClr val="071F32"/>
+              </a:solidFill>
+              <a:effectLst/>
+              <a:latin typeface="inherit"/>
+            </a:endParaRPr>
+          </a:p>
+          <a:p>
+            <a:pPr algn="l">
+              <a:lnSpc>
+                <a:spcPts val="1050"/>
+              </a:lnSpc>
+              <a:buFont typeface="Arial" panose="020B0604020202020204" pitchFamily="34" charset="0"/>
+              <a:buChar char="•"/>
+            </a:pPr>
+            <a:r>
+              <a:rPr lang="fr-FR" sz="1100" b="0" i="0" dirty="0">
+                <a:solidFill>
+                  <a:srgbClr val="071F32"/>
+                </a:solidFill>
+                <a:effectLst/>
+                <a:latin typeface="inherit"/>
+              </a:rPr>
+              <a:t>"</a:t>
+            </a:r>
+            <a:r>
+              <a:rPr lang="fr-FR" sz="1100" b="0" i="0" dirty="0" err="1">
+                <a:solidFill>
+                  <a:srgbClr val="071F32"/>
+                </a:solidFill>
+                <a:effectLst/>
+                <a:latin typeface="inherit"/>
+              </a:rPr>
+              <a:t>pmr</a:t>
+            </a:r>
+            <a:r>
+              <a:rPr lang="fr-FR" sz="1100" b="0" i="0" dirty="0">
+                <a:solidFill>
+                  <a:srgbClr val="071F32"/>
+                </a:solidFill>
+                <a:effectLst/>
+                <a:latin typeface="inherit"/>
+              </a:rPr>
+              <a:t>":</a:t>
+            </a:r>
+            <a:r>
+              <a:rPr lang="fr-FR" sz="1100" b="0" i="0" dirty="0" err="1">
+                <a:solidFill>
+                  <a:srgbClr val="CCCCCC"/>
+                </a:solidFill>
+                <a:effectLst/>
+                <a:latin typeface="inherit"/>
+              </a:rPr>
+              <a:t>null</a:t>
+            </a:r>
+            <a:r>
+              <a:rPr lang="fr-FR" sz="1100" b="0" i="0" dirty="0">
+                <a:solidFill>
+                  <a:srgbClr val="071F32"/>
+                </a:solidFill>
+                <a:effectLst/>
+                <a:latin typeface="inherit"/>
+              </a:rPr>
+              <a:t>,</a:t>
+            </a:r>
+          </a:p>
+          <a:p>
+            <a:pPr algn="l">
+              <a:lnSpc>
+                <a:spcPts val="1050"/>
+              </a:lnSpc>
+              <a:buFont typeface="Arial" panose="020B0604020202020204" pitchFamily="34" charset="0"/>
+              <a:buChar char="•"/>
+            </a:pPr>
+            <a:r>
+              <a:rPr lang="fr-FR" sz="1100" b="0" i="0" dirty="0">
+                <a:solidFill>
+                  <a:srgbClr val="071F32"/>
+                </a:solidFill>
+                <a:effectLst/>
+                <a:latin typeface="inherit"/>
+              </a:rPr>
+              <a:t>"blind":</a:t>
+            </a:r>
+            <a:r>
+              <a:rPr lang="fr-FR" sz="1100" b="0" i="0" dirty="0" err="1">
+                <a:solidFill>
+                  <a:srgbClr val="CCCCCC"/>
+                </a:solidFill>
+                <a:effectLst/>
+                <a:latin typeface="inherit"/>
+              </a:rPr>
+              <a:t>null</a:t>
+            </a:r>
+            <a:r>
+              <a:rPr lang="fr-FR" sz="1100" b="0" i="0" dirty="0">
+                <a:solidFill>
+                  <a:srgbClr val="071F32"/>
+                </a:solidFill>
+                <a:effectLst/>
+                <a:latin typeface="inherit"/>
+              </a:rPr>
+              <a:t>,</a:t>
+            </a:r>
+          </a:p>
+          <a:p>
+            <a:pPr algn="l">
+              <a:lnSpc>
+                <a:spcPts val="1050"/>
+              </a:lnSpc>
+              <a:buFont typeface="Arial" panose="020B0604020202020204" pitchFamily="34" charset="0"/>
+              <a:buChar char="•"/>
+            </a:pPr>
+            <a:r>
+              <a:rPr lang="fr-FR" sz="1100" b="0" i="0" dirty="0">
+                <a:solidFill>
+                  <a:srgbClr val="071F32"/>
+                </a:solidFill>
+                <a:effectLst/>
+                <a:latin typeface="inherit"/>
+              </a:rPr>
+              <a:t>"</a:t>
+            </a:r>
+            <a:r>
+              <a:rPr lang="fr-FR" sz="1100" b="0" i="0" dirty="0" err="1">
+                <a:solidFill>
+                  <a:srgbClr val="071F32"/>
+                </a:solidFill>
+                <a:effectLst/>
+                <a:latin typeface="inherit"/>
+              </a:rPr>
+              <a:t>deaf</a:t>
+            </a:r>
+            <a:r>
+              <a:rPr lang="fr-FR" sz="1100" b="0" i="0" dirty="0">
+                <a:solidFill>
+                  <a:srgbClr val="071F32"/>
+                </a:solidFill>
+                <a:effectLst/>
+                <a:latin typeface="inherit"/>
+              </a:rPr>
+              <a:t>":</a:t>
+            </a:r>
+            <a:r>
+              <a:rPr lang="fr-FR" sz="1100" b="0" i="0" dirty="0" err="1">
+                <a:solidFill>
+                  <a:srgbClr val="CCCCCC"/>
+                </a:solidFill>
+                <a:effectLst/>
+                <a:latin typeface="inherit"/>
+              </a:rPr>
+              <a:t>null</a:t>
+            </a:r>
+            <a:r>
+              <a:rPr lang="fr-FR" sz="1100" b="0" i="0" dirty="0">
+                <a:solidFill>
+                  <a:srgbClr val="071F32"/>
+                </a:solidFill>
+                <a:effectLst/>
+                <a:latin typeface="inherit"/>
+              </a:rPr>
+              <a:t>,</a:t>
+            </a:r>
+          </a:p>
+          <a:p>
+            <a:pPr algn="l">
+              <a:lnSpc>
+                <a:spcPts val="1050"/>
+              </a:lnSpc>
+              <a:buFont typeface="Arial" panose="020B0604020202020204" pitchFamily="34" charset="0"/>
+              <a:buChar char="•"/>
+            </a:pPr>
+            <a:r>
+              <a:rPr lang="fr-FR" sz="1100" b="0" i="0" dirty="0">
+                <a:solidFill>
+                  <a:srgbClr val="071F32"/>
+                </a:solidFill>
+                <a:effectLst/>
+                <a:latin typeface="inherit"/>
+              </a:rPr>
+              <a:t>"sign_</a:t>
+            </a:r>
+            <a:r>
+              <a:rPr lang="fr-FR" sz="1100" b="0" i="0" dirty="0" err="1">
+                <a:solidFill>
+                  <a:srgbClr val="071F32"/>
+                </a:solidFill>
+                <a:effectLst/>
+                <a:latin typeface="inherit"/>
+              </a:rPr>
+              <a:t>language</a:t>
+            </a:r>
+            <a:r>
+              <a:rPr lang="fr-FR" sz="1100" b="0" i="0" dirty="0">
+                <a:solidFill>
+                  <a:srgbClr val="071F32"/>
+                </a:solidFill>
+                <a:effectLst/>
+                <a:latin typeface="inherit"/>
+              </a:rPr>
+              <a:t>":</a:t>
+            </a:r>
+            <a:r>
+              <a:rPr lang="fr-FR" sz="1100" b="0" i="0" dirty="0" err="1">
+                <a:solidFill>
+                  <a:srgbClr val="CCCCCC"/>
+                </a:solidFill>
+                <a:effectLst/>
+                <a:latin typeface="inherit"/>
+              </a:rPr>
+              <a:t>null</a:t>
+            </a:r>
+            <a:r>
+              <a:rPr lang="fr-FR" sz="1100" b="0" i="0" dirty="0">
+                <a:solidFill>
+                  <a:srgbClr val="071F32"/>
+                </a:solidFill>
+                <a:effectLst/>
+                <a:latin typeface="inherit"/>
+              </a:rPr>
+              <a:t>,</a:t>
+            </a:r>
+          </a:p>
+          <a:p>
+            <a:pPr algn="l">
+              <a:lnSpc>
+                <a:spcPts val="1050"/>
+              </a:lnSpc>
+              <a:buFont typeface="Arial" panose="020B0604020202020204" pitchFamily="34" charset="0"/>
+              <a:buChar char="•"/>
+            </a:pPr>
+            <a:r>
+              <a:rPr lang="fr-FR" sz="1100" b="0" i="0" dirty="0">
+                <a:solidFill>
+                  <a:srgbClr val="071F32"/>
+                </a:solidFill>
+                <a:effectLst/>
+                <a:latin typeface="inherit"/>
+              </a:rPr>
+              <a:t>"mental":</a:t>
+            </a:r>
+            <a:r>
+              <a:rPr lang="fr-FR" sz="1100" b="0" i="0" dirty="0" err="1">
+                <a:solidFill>
+                  <a:srgbClr val="CCCCCC"/>
+                </a:solidFill>
+                <a:effectLst/>
+                <a:latin typeface="inherit"/>
+              </a:rPr>
+              <a:t>null</a:t>
+            </a:r>
+            <a:r>
+              <a:rPr lang="fr-FR" sz="1100" b="0" i="0" dirty="0">
+                <a:solidFill>
+                  <a:srgbClr val="071F32"/>
+                </a:solidFill>
+                <a:effectLst/>
+                <a:latin typeface="inherit"/>
+              </a:rPr>
+              <a:t>,</a:t>
+            </a:r>
+          </a:p>
+          <a:p>
+            <a:pPr algn="l">
+              <a:lnSpc>
+                <a:spcPts val="1050"/>
+              </a:lnSpc>
+              <a:buFont typeface="Arial" panose="020B0604020202020204" pitchFamily="34" charset="0"/>
+              <a:buChar char="•"/>
+            </a:pPr>
+            <a:r>
+              <a:rPr lang="fr-FR" sz="1100" b="0" i="0" dirty="0">
+                <a:solidFill>
+                  <a:srgbClr val="071F32"/>
+                </a:solidFill>
+                <a:effectLst/>
+                <a:latin typeface="inherit"/>
+              </a:rPr>
+              <a:t>"transport":</a:t>
+            </a:r>
+            <a:r>
+              <a:rPr lang="fr-FR" sz="1100" b="0" i="0" dirty="0" err="1">
+                <a:solidFill>
+                  <a:srgbClr val="CCCCCC"/>
+                </a:solidFill>
+                <a:effectLst/>
+                <a:latin typeface="inherit"/>
+              </a:rPr>
+              <a:t>null</a:t>
+            </a:r>
+            <a:r>
+              <a:rPr lang="fr-FR" sz="1100" b="0" i="0" dirty="0">
+                <a:solidFill>
+                  <a:srgbClr val="071F32"/>
+                </a:solidFill>
+                <a:effectLst/>
+                <a:latin typeface="inherit"/>
+              </a:rPr>
+              <a:t>,</a:t>
+            </a:r>
+          </a:p>
+          <a:p>
+            <a:pPr algn="l">
+              <a:lnSpc>
+                <a:spcPts val="1050"/>
+              </a:lnSpc>
+              <a:buFont typeface="Arial" panose="020B0604020202020204" pitchFamily="34" charset="0"/>
+              <a:buChar char="•"/>
+            </a:pPr>
+            <a:r>
+              <a:rPr lang="fr-FR" sz="1100" b="0" i="0" dirty="0">
+                <a:solidFill>
+                  <a:srgbClr val="071F32"/>
+                </a:solidFill>
+                <a:effectLst/>
+                <a:latin typeface="inherit"/>
+              </a:rPr>
+              <a:t>"</a:t>
+            </a:r>
+            <a:r>
+              <a:rPr lang="fr-FR" sz="1100" b="0" i="0" dirty="0" err="1">
+                <a:solidFill>
+                  <a:srgbClr val="071F32"/>
+                </a:solidFill>
+                <a:effectLst/>
+                <a:latin typeface="inherit"/>
+              </a:rPr>
+              <a:t>contact_url":</a:t>
+            </a:r>
+            <a:r>
+              <a:rPr lang="fr-FR" sz="1100" b="0" i="0" dirty="0" err="1">
+                <a:solidFill>
+                  <a:srgbClr val="009900"/>
+                </a:solidFill>
+                <a:effectLst/>
+                <a:latin typeface="inherit"/>
+              </a:rPr>
+              <a:t>"https</a:t>
+            </a:r>
+            <a:r>
+              <a:rPr lang="fr-FR" sz="1100" b="0" i="0" dirty="0">
+                <a:solidFill>
+                  <a:srgbClr val="009900"/>
+                </a:solidFill>
+                <a:effectLst/>
+                <a:latin typeface="inherit"/>
+              </a:rPr>
+              <a:t>://www.aurore.asso.fr/hauts-de-seine-paris-sud-est-iml/esi-halte-femmes"</a:t>
+            </a:r>
+            <a:r>
+              <a:rPr lang="fr-FR" sz="1100" b="0" i="0" dirty="0">
+                <a:solidFill>
+                  <a:srgbClr val="071F32"/>
+                </a:solidFill>
+                <a:effectLst/>
+                <a:latin typeface="inherit"/>
+              </a:rPr>
+              <a:t>,</a:t>
+            </a:r>
+          </a:p>
+          <a:p>
+            <a:pPr algn="l">
+              <a:lnSpc>
+                <a:spcPts val="1050"/>
+              </a:lnSpc>
+              <a:buFont typeface="Arial" panose="020B0604020202020204" pitchFamily="34" charset="0"/>
+              <a:buChar char="•"/>
+            </a:pPr>
+            <a:r>
+              <a:rPr lang="fr-FR" sz="1100" b="0" i="0" dirty="0">
+                <a:solidFill>
+                  <a:srgbClr val="071F32"/>
+                </a:solidFill>
+                <a:effectLst/>
+                <a:latin typeface="inherit"/>
+              </a:rPr>
+              <a:t>"contact_phone":</a:t>
+            </a:r>
+            <a:r>
+              <a:rPr lang="fr-FR" sz="1100" b="0" i="0" dirty="0" err="1">
+                <a:solidFill>
+                  <a:srgbClr val="CCCCCC"/>
+                </a:solidFill>
+                <a:effectLst/>
+                <a:latin typeface="inherit"/>
+              </a:rPr>
+              <a:t>null</a:t>
+            </a:r>
+            <a:r>
+              <a:rPr lang="fr-FR" sz="1100" b="0" i="0" dirty="0">
+                <a:solidFill>
+                  <a:srgbClr val="071F32"/>
+                </a:solidFill>
+                <a:effectLst/>
+                <a:latin typeface="inherit"/>
+              </a:rPr>
+              <a:t>,</a:t>
+            </a:r>
+          </a:p>
+          <a:p>
+            <a:pPr algn="l">
+              <a:lnSpc>
+                <a:spcPts val="1050"/>
+              </a:lnSpc>
+              <a:buFont typeface="Arial" panose="020B0604020202020204" pitchFamily="34" charset="0"/>
+              <a:buChar char="•"/>
+            </a:pPr>
+            <a:r>
+              <a:rPr lang="fr-FR" sz="1100" b="0" i="0" dirty="0">
+                <a:solidFill>
+                  <a:srgbClr val="071F32"/>
+                </a:solidFill>
+                <a:effectLst/>
+                <a:latin typeface="inherit"/>
+              </a:rPr>
+              <a:t>"contact_mail":</a:t>
+            </a:r>
+            <a:r>
+              <a:rPr lang="fr-FR" sz="1100" b="0" i="0" dirty="0" err="1">
+                <a:solidFill>
+                  <a:srgbClr val="CCCCCC"/>
+                </a:solidFill>
+                <a:effectLst/>
+                <a:latin typeface="inherit"/>
+              </a:rPr>
+              <a:t>null</a:t>
+            </a:r>
+            <a:r>
+              <a:rPr lang="fr-FR" sz="1100" b="0" i="0" dirty="0">
+                <a:solidFill>
+                  <a:srgbClr val="071F32"/>
+                </a:solidFill>
+                <a:effectLst/>
+                <a:latin typeface="inherit"/>
+              </a:rPr>
+              <a:t>,</a:t>
+            </a:r>
+          </a:p>
+          <a:p>
+            <a:pPr algn="l">
+              <a:lnSpc>
+                <a:spcPts val="1050"/>
+              </a:lnSpc>
+              <a:buFont typeface="Arial" panose="020B0604020202020204" pitchFamily="34" charset="0"/>
+              <a:buChar char="•"/>
+            </a:pPr>
+            <a:r>
+              <a:rPr lang="fr-FR" sz="1100" b="0" i="0" dirty="0">
+                <a:solidFill>
+                  <a:srgbClr val="071F32"/>
+                </a:solidFill>
+                <a:effectLst/>
+                <a:latin typeface="inherit"/>
+              </a:rPr>
+              <a:t>"contact_</a:t>
+            </a:r>
+            <a:r>
+              <a:rPr lang="fr-FR" sz="1100" b="0" i="0" dirty="0" err="1">
+                <a:solidFill>
+                  <a:srgbClr val="071F32"/>
+                </a:solidFill>
+                <a:effectLst/>
+                <a:latin typeface="inherit"/>
+              </a:rPr>
+              <a:t>facebook</a:t>
+            </a:r>
+            <a:r>
+              <a:rPr lang="fr-FR" sz="1100" b="0" i="0" dirty="0">
+                <a:solidFill>
+                  <a:srgbClr val="071F32"/>
+                </a:solidFill>
+                <a:effectLst/>
+                <a:latin typeface="inherit"/>
+              </a:rPr>
+              <a:t>":</a:t>
+            </a:r>
+            <a:r>
+              <a:rPr lang="fr-FR" sz="1100" b="0" i="0" dirty="0" err="1">
+                <a:solidFill>
+                  <a:srgbClr val="CCCCCC"/>
+                </a:solidFill>
+                <a:effectLst/>
+                <a:latin typeface="inherit"/>
+              </a:rPr>
+              <a:t>null</a:t>
+            </a:r>
+            <a:r>
+              <a:rPr lang="fr-FR" sz="1100" b="0" i="0" dirty="0">
+                <a:solidFill>
+                  <a:srgbClr val="071F32"/>
+                </a:solidFill>
+                <a:effectLst/>
+                <a:latin typeface="inherit"/>
+              </a:rPr>
+              <a:t>,</a:t>
+            </a:r>
+          </a:p>
+          <a:p>
+            <a:pPr algn="l">
+              <a:lnSpc>
+                <a:spcPts val="1050"/>
+              </a:lnSpc>
+              <a:buFont typeface="Arial" panose="020B0604020202020204" pitchFamily="34" charset="0"/>
+              <a:buChar char="•"/>
+            </a:pPr>
+            <a:r>
+              <a:rPr lang="fr-FR" sz="1100" b="0" i="0" dirty="0">
+                <a:solidFill>
+                  <a:srgbClr val="071F32"/>
+                </a:solidFill>
+                <a:effectLst/>
+                <a:latin typeface="inherit"/>
+              </a:rPr>
+              <a:t>"contact_twitter":</a:t>
+            </a:r>
+            <a:r>
+              <a:rPr lang="fr-FR" sz="1100" b="0" i="0" dirty="0" err="1">
+                <a:solidFill>
+                  <a:srgbClr val="CCCCCC"/>
+                </a:solidFill>
+                <a:effectLst/>
+                <a:latin typeface="inherit"/>
+              </a:rPr>
+              <a:t>null</a:t>
+            </a:r>
+            <a:r>
+              <a:rPr lang="fr-FR" sz="1100" b="0" i="0" dirty="0">
+                <a:solidFill>
+                  <a:srgbClr val="071F32"/>
+                </a:solidFill>
+                <a:effectLst/>
+                <a:latin typeface="inherit"/>
+              </a:rPr>
+              <a:t>,</a:t>
+            </a:r>
+          </a:p>
+          <a:p>
+            <a:pPr algn="l">
+              <a:lnSpc>
+                <a:spcPts val="1050"/>
+              </a:lnSpc>
+              <a:buFont typeface="Arial" panose="020B0604020202020204" pitchFamily="34" charset="0"/>
+              <a:buChar char="•"/>
+            </a:pPr>
+            <a:r>
+              <a:rPr lang="fr-FR" sz="1100" b="0" i="0" dirty="0">
+                <a:solidFill>
+                  <a:srgbClr val="071F32"/>
+                </a:solidFill>
+                <a:effectLst/>
+                <a:latin typeface="inherit"/>
+              </a:rPr>
+              <a:t>"</a:t>
+            </a:r>
+            <a:r>
+              <a:rPr lang="fr-FR" sz="1100" b="0" i="0" dirty="0" err="1">
+                <a:solidFill>
+                  <a:srgbClr val="071F32"/>
+                </a:solidFill>
+                <a:effectLst/>
+                <a:latin typeface="inherit"/>
+              </a:rPr>
+              <a:t>price_type":</a:t>
+            </a:r>
+            <a:r>
+              <a:rPr lang="fr-FR" sz="1100" b="0" i="0" dirty="0" err="1">
+                <a:solidFill>
+                  <a:srgbClr val="009900"/>
+                </a:solidFill>
+                <a:effectLst/>
+                <a:latin typeface="inherit"/>
+              </a:rPr>
+              <a:t>"gratuit</a:t>
+            </a:r>
+            <a:r>
+              <a:rPr lang="fr-FR" sz="1100" b="0" i="0" dirty="0">
+                <a:solidFill>
+                  <a:srgbClr val="009900"/>
+                </a:solidFill>
+                <a:effectLst/>
+                <a:latin typeface="inherit"/>
+              </a:rPr>
+              <a:t>"</a:t>
+            </a:r>
+            <a:r>
+              <a:rPr lang="fr-FR" sz="1100" b="0" i="0" dirty="0">
+                <a:solidFill>
+                  <a:srgbClr val="071F32"/>
+                </a:solidFill>
+                <a:effectLst/>
+                <a:latin typeface="inherit"/>
+              </a:rPr>
+              <a:t>,</a:t>
+            </a:r>
+          </a:p>
+          <a:p>
+            <a:pPr algn="l">
+              <a:lnSpc>
+                <a:spcPts val="1050"/>
+              </a:lnSpc>
+              <a:buFont typeface="Arial" panose="020B0604020202020204" pitchFamily="34" charset="0"/>
+              <a:buChar char="•"/>
+            </a:pPr>
+            <a:r>
+              <a:rPr lang="fr-FR" sz="1100" b="0" i="0" dirty="0">
+                <a:solidFill>
+                  <a:srgbClr val="071F32"/>
+                </a:solidFill>
+                <a:effectLst/>
+                <a:latin typeface="inherit"/>
+              </a:rPr>
+              <a:t>"price_</a:t>
+            </a:r>
+            <a:r>
+              <a:rPr lang="fr-FR" sz="1100" b="0" i="0" dirty="0" err="1">
+                <a:solidFill>
+                  <a:srgbClr val="071F32"/>
+                </a:solidFill>
+                <a:effectLst/>
+                <a:latin typeface="inherit"/>
+              </a:rPr>
+              <a:t>detail</a:t>
+            </a:r>
+            <a:r>
+              <a:rPr lang="fr-FR" sz="1100" b="0" i="0" dirty="0">
+                <a:solidFill>
+                  <a:srgbClr val="071F32"/>
+                </a:solidFill>
+                <a:effectLst/>
+                <a:latin typeface="inherit"/>
+              </a:rPr>
+              <a:t>":</a:t>
+            </a:r>
+            <a:r>
+              <a:rPr lang="fr-FR" sz="1100" b="0" i="0" dirty="0" err="1">
+                <a:solidFill>
+                  <a:srgbClr val="CCCCCC"/>
+                </a:solidFill>
+                <a:effectLst/>
+                <a:latin typeface="inherit"/>
+              </a:rPr>
+              <a:t>null</a:t>
+            </a:r>
+            <a:r>
+              <a:rPr lang="fr-FR" sz="1100" b="0" i="0" dirty="0">
+                <a:solidFill>
+                  <a:srgbClr val="071F32"/>
+                </a:solidFill>
+                <a:effectLst/>
+                <a:latin typeface="inherit"/>
+              </a:rPr>
+              <a:t>,</a:t>
+            </a:r>
+          </a:p>
+          <a:p>
+            <a:pPr algn="l">
+              <a:lnSpc>
+                <a:spcPts val="1050"/>
+              </a:lnSpc>
+              <a:buFont typeface="Arial" panose="020B0604020202020204" pitchFamily="34" charset="0"/>
+              <a:buChar char="•"/>
+            </a:pPr>
+            <a:r>
+              <a:rPr lang="fr-FR" sz="1100" b="0" i="0" dirty="0">
+                <a:solidFill>
+                  <a:srgbClr val="071F32"/>
+                </a:solidFill>
+                <a:effectLst/>
+                <a:latin typeface="inherit"/>
+              </a:rPr>
+              <a:t>"</a:t>
+            </a:r>
+            <a:r>
+              <a:rPr lang="fr-FR" sz="1100" b="0" i="0" dirty="0" err="1">
+                <a:solidFill>
+                  <a:srgbClr val="071F32"/>
+                </a:solidFill>
+                <a:effectLst/>
+                <a:latin typeface="inherit"/>
+              </a:rPr>
+              <a:t>access_type":</a:t>
+            </a:r>
+            <a:r>
+              <a:rPr lang="fr-FR" sz="1100" b="0" i="0" dirty="0" err="1">
+                <a:solidFill>
+                  <a:srgbClr val="009900"/>
+                </a:solidFill>
+                <a:effectLst/>
+                <a:latin typeface="inherit"/>
+              </a:rPr>
+              <a:t>"non</a:t>
+            </a:r>
+            <a:r>
+              <a:rPr lang="fr-FR" sz="1100" b="0" i="0" dirty="0">
+                <a:solidFill>
+                  <a:srgbClr val="009900"/>
+                </a:solidFill>
+                <a:effectLst/>
+                <a:latin typeface="inherit"/>
+              </a:rPr>
+              <a:t>"</a:t>
+            </a:r>
+            <a:r>
+              <a:rPr lang="fr-FR" sz="1100" b="0" i="0" dirty="0">
+                <a:solidFill>
+                  <a:srgbClr val="071F32"/>
+                </a:solidFill>
+                <a:effectLst/>
+                <a:latin typeface="inherit"/>
+              </a:rPr>
+              <a:t>,</a:t>
+            </a:r>
+          </a:p>
+          <a:p>
+            <a:pPr algn="l">
+              <a:lnSpc>
+                <a:spcPts val="1050"/>
+              </a:lnSpc>
+              <a:buFont typeface="Arial" panose="020B0604020202020204" pitchFamily="34" charset="0"/>
+              <a:buChar char="•"/>
+            </a:pPr>
+            <a:r>
+              <a:rPr lang="fr-FR" sz="1100" b="0" i="0" dirty="0">
+                <a:solidFill>
+                  <a:srgbClr val="071F32"/>
+                </a:solidFill>
+                <a:effectLst/>
+                <a:latin typeface="inherit"/>
+              </a:rPr>
+              <a:t>"access_</a:t>
+            </a:r>
+            <a:r>
+              <a:rPr lang="fr-FR" sz="1100" b="0" i="0" dirty="0" err="1">
+                <a:solidFill>
+                  <a:srgbClr val="071F32"/>
+                </a:solidFill>
+                <a:effectLst/>
+                <a:latin typeface="inherit"/>
+              </a:rPr>
+              <a:t>link</a:t>
+            </a:r>
+            <a:r>
+              <a:rPr lang="fr-FR" sz="1100" b="0" i="0" dirty="0">
+                <a:solidFill>
+                  <a:srgbClr val="071F32"/>
+                </a:solidFill>
+                <a:effectLst/>
+                <a:latin typeface="inherit"/>
+              </a:rPr>
+              <a:t>":</a:t>
+            </a:r>
+            <a:r>
+              <a:rPr lang="fr-FR" sz="1100" b="0" i="0" dirty="0" err="1">
+                <a:solidFill>
+                  <a:srgbClr val="CCCCCC"/>
+                </a:solidFill>
+                <a:effectLst/>
+                <a:latin typeface="inherit"/>
+              </a:rPr>
+              <a:t>null</a:t>
+            </a:r>
+            <a:r>
+              <a:rPr lang="fr-FR" sz="1100" b="0" i="0" dirty="0">
+                <a:solidFill>
+                  <a:srgbClr val="071F32"/>
+                </a:solidFill>
+                <a:effectLst/>
+                <a:latin typeface="inherit"/>
+              </a:rPr>
+              <a:t>,</a:t>
+            </a:r>
+          </a:p>
+          <a:p>
+            <a:pPr algn="l">
+              <a:lnSpc>
+                <a:spcPts val="1050"/>
+              </a:lnSpc>
+              <a:buFont typeface="Arial" panose="020B0604020202020204" pitchFamily="34" charset="0"/>
+              <a:buChar char="•"/>
+            </a:pPr>
+            <a:r>
+              <a:rPr lang="fr-FR" sz="1100" b="0" i="0" dirty="0">
+                <a:solidFill>
+                  <a:srgbClr val="071F32"/>
+                </a:solidFill>
+                <a:effectLst/>
+                <a:latin typeface="inherit"/>
+              </a:rPr>
+              <a:t>"access_link_</a:t>
+            </a:r>
+            <a:r>
+              <a:rPr lang="fr-FR" sz="1100" b="0" i="0" dirty="0" err="1">
+                <a:solidFill>
+                  <a:srgbClr val="071F32"/>
+                </a:solidFill>
+                <a:effectLst/>
+                <a:latin typeface="inherit"/>
+              </a:rPr>
+              <a:t>text</a:t>
+            </a:r>
+            <a:r>
+              <a:rPr lang="fr-FR" sz="1100" b="0" i="0" dirty="0">
+                <a:solidFill>
+                  <a:srgbClr val="071F32"/>
+                </a:solidFill>
+                <a:effectLst/>
+                <a:latin typeface="inherit"/>
+              </a:rPr>
+              <a:t>":</a:t>
+            </a:r>
+            <a:r>
+              <a:rPr lang="fr-FR" sz="1100" b="0" i="0" dirty="0" err="1">
+                <a:solidFill>
+                  <a:srgbClr val="CCCCCC"/>
+                </a:solidFill>
+                <a:effectLst/>
+                <a:latin typeface="inherit"/>
+              </a:rPr>
+              <a:t>null</a:t>
+            </a:r>
+            <a:r>
+              <a:rPr lang="fr-FR" sz="1100" b="0" i="0" dirty="0">
+                <a:solidFill>
+                  <a:srgbClr val="071F32"/>
+                </a:solidFill>
+                <a:effectLst/>
+                <a:latin typeface="inherit"/>
+              </a:rPr>
+              <a:t>,</a:t>
+            </a:r>
+          </a:p>
+          <a:p>
+            <a:pPr algn="l">
+              <a:lnSpc>
+                <a:spcPts val="1050"/>
+              </a:lnSpc>
+              <a:buFont typeface="Arial" panose="020B0604020202020204" pitchFamily="34" charset="0"/>
+              <a:buChar char="•"/>
+            </a:pPr>
+            <a:r>
+              <a:rPr lang="fr-FR" sz="1100" b="0" i="0" dirty="0">
+                <a:solidFill>
+                  <a:srgbClr val="071F32"/>
+                </a:solidFill>
+                <a:effectLst/>
+                <a:latin typeface="inherit"/>
+              </a:rPr>
+              <a:t>"updated_at":</a:t>
+            </a:r>
+            <a:r>
+              <a:rPr lang="fr-FR" sz="1100" b="0" i="0" dirty="0">
+                <a:solidFill>
+                  <a:srgbClr val="009900"/>
+                </a:solidFill>
+                <a:effectLst/>
+                <a:latin typeface="inherit"/>
+              </a:rPr>
+              <a:t>"2021-11-08T20:15:29+00:00"</a:t>
+            </a:r>
+            <a:r>
+              <a:rPr lang="fr-FR" sz="1100" b="0" i="0" dirty="0">
+                <a:solidFill>
+                  <a:srgbClr val="071F32"/>
+                </a:solidFill>
+                <a:effectLst/>
+                <a:latin typeface="inherit"/>
+              </a:rPr>
+              <a:t>,</a:t>
+            </a:r>
+          </a:p>
+          <a:p>
+            <a:pPr algn="l">
+              <a:lnSpc>
+                <a:spcPts val="1050"/>
+              </a:lnSpc>
+              <a:buFont typeface="Arial" panose="020B0604020202020204" pitchFamily="34" charset="0"/>
+              <a:buChar char="•"/>
+            </a:pPr>
+            <a:r>
+              <a:rPr lang="fr-FR" sz="1100" b="0" i="0" dirty="0">
+                <a:solidFill>
+                  <a:srgbClr val="071F32"/>
+                </a:solidFill>
+                <a:effectLst/>
+                <a:latin typeface="inherit"/>
+              </a:rPr>
+              <a:t>"image_couverture":</a:t>
+            </a:r>
+            <a:r>
+              <a:rPr lang="fr-FR" sz="1100" b="0" i="0" dirty="0" err="1">
+                <a:solidFill>
+                  <a:srgbClr val="CCCCCC"/>
+                </a:solidFill>
+                <a:effectLst/>
+                <a:latin typeface="inherit"/>
+              </a:rPr>
+              <a:t>null</a:t>
+            </a:r>
+            <a:r>
+              <a:rPr lang="fr-FR" sz="1100" b="0" i="0" dirty="0">
+                <a:solidFill>
+                  <a:srgbClr val="071F32"/>
+                </a:solidFill>
+                <a:effectLst/>
+                <a:latin typeface="inherit"/>
+              </a:rPr>
+              <a:t>,</a:t>
+            </a:r>
+          </a:p>
+          <a:p>
+            <a:pPr algn="l">
+              <a:lnSpc>
+                <a:spcPts val="1050"/>
+              </a:lnSpc>
+              <a:buFont typeface="Arial" panose="020B0604020202020204" pitchFamily="34" charset="0"/>
+              <a:buChar char="•"/>
+            </a:pPr>
+            <a:r>
+              <a:rPr lang="fr-FR" sz="1100" b="0" i="0" dirty="0">
+                <a:solidFill>
+                  <a:srgbClr val="071F32"/>
+                </a:solidFill>
+                <a:effectLst/>
+                <a:latin typeface="inherit"/>
+              </a:rPr>
+              <a:t>"programs":</a:t>
+            </a:r>
+            <a:r>
+              <a:rPr lang="fr-FR" sz="1100" b="0" i="0" dirty="0" err="1">
+                <a:solidFill>
+                  <a:srgbClr val="CCCCCC"/>
+                </a:solidFill>
+                <a:effectLst/>
+                <a:latin typeface="inherit"/>
+              </a:rPr>
+              <a:t>null</a:t>
+            </a:r>
+            <a:r>
+              <a:rPr lang="fr-FR" sz="1100" b="0" i="0" dirty="0">
+                <a:solidFill>
+                  <a:srgbClr val="071F32"/>
+                </a:solidFill>
+                <a:effectLst/>
+                <a:latin typeface="inherit"/>
+              </a:rPr>
+              <a:t>,</a:t>
+            </a:r>
+          </a:p>
+          <a:p>
+            <a:pPr algn="l">
+              <a:lnSpc>
+                <a:spcPts val="1050"/>
+              </a:lnSpc>
+              <a:buFont typeface="Arial" panose="020B0604020202020204" pitchFamily="34" charset="0"/>
+              <a:buChar char="•"/>
+            </a:pPr>
+            <a:r>
+              <a:rPr lang="fr-FR" sz="1100" b="0" i="0" dirty="0">
+                <a:solidFill>
+                  <a:srgbClr val="071F32"/>
+                </a:solidFill>
+                <a:effectLst/>
+                <a:latin typeface="inherit"/>
+              </a:rPr>
+              <a:t>"address_url":</a:t>
+            </a:r>
+            <a:r>
+              <a:rPr lang="fr-FR" sz="1100" b="0" i="0" dirty="0" err="1">
+                <a:solidFill>
+                  <a:srgbClr val="CCCCCC"/>
+                </a:solidFill>
+                <a:effectLst/>
+                <a:latin typeface="inherit"/>
+              </a:rPr>
+              <a:t>null</a:t>
+            </a:r>
+            <a:r>
+              <a:rPr lang="fr-FR" sz="1100" b="0" i="0" dirty="0">
+                <a:solidFill>
+                  <a:srgbClr val="071F32"/>
+                </a:solidFill>
+                <a:effectLst/>
+                <a:latin typeface="inherit"/>
+              </a:rPr>
+              <a:t>,</a:t>
+            </a:r>
+          </a:p>
+        </p:txBody>
+      </p:sp>
+      <p:sp>
+        <p:nvSpPr>
+          <p:cNvPr id="11" name="ZoneTexte 10">
+            <a:extLst>
+              <a:ext uri="{FF2B5EF4-FFF2-40B4-BE49-F238E27FC236}">
+                <a16:creationId xmlns:a16="http://schemas.microsoft.com/office/drawing/2014/main" id="{858B0FE1-2759-FEEC-A539-40AC330EDD5D}"/>
+              </a:ext>
+            </a:extLst>
+          </p:cNvPr>
+          <p:cNvSpPr txBox="1"/>
+          <p:nvPr/>
+        </p:nvSpPr>
+        <p:spPr>
+          <a:xfrm>
+            <a:off x="5609493" y="2541233"/>
+            <a:ext cx="6494584" cy="4352217"/>
+          </a:xfrm>
+          <a:prstGeom prst="rect">
+            <a:avLst/>
+          </a:prstGeom>
+          <a:noFill/>
+        </p:spPr>
+        <p:txBody>
+          <a:bodyPr wrap="square">
+            <a:spAutoFit/>
+          </a:bodyPr>
+          <a:lstStyle/>
+          <a:p>
+            <a:pPr algn="l">
+              <a:lnSpc>
+                <a:spcPts val="1050"/>
+              </a:lnSpc>
+              <a:buFont typeface="Arial" panose="020B0604020202020204" pitchFamily="34" charset="0"/>
+              <a:buChar char="•"/>
+            </a:pPr>
+            <a:r>
+              <a:rPr lang="fr-FR" sz="1100" b="0" i="0" dirty="0">
+                <a:solidFill>
+                  <a:srgbClr val="071F32"/>
+                </a:solidFill>
+                <a:effectLst/>
+                <a:latin typeface="inherit"/>
+              </a:rPr>
+              <a:t>"address_url_</a:t>
+            </a:r>
+            <a:r>
+              <a:rPr lang="fr-FR" sz="1100" b="0" i="0" dirty="0" err="1">
+                <a:solidFill>
+                  <a:srgbClr val="071F32"/>
+                </a:solidFill>
+                <a:effectLst/>
+                <a:latin typeface="inherit"/>
+              </a:rPr>
+              <a:t>text</a:t>
+            </a:r>
+            <a:r>
+              <a:rPr lang="fr-FR" sz="1100" b="0" i="0" dirty="0">
+                <a:solidFill>
+                  <a:srgbClr val="071F32"/>
+                </a:solidFill>
+                <a:effectLst/>
+                <a:latin typeface="inherit"/>
+              </a:rPr>
+              <a:t>":</a:t>
+            </a:r>
+            <a:r>
+              <a:rPr lang="fr-FR" sz="1100" b="0" i="0" dirty="0" err="1">
+                <a:solidFill>
+                  <a:srgbClr val="CCCCCC"/>
+                </a:solidFill>
+                <a:effectLst/>
+                <a:latin typeface="inherit"/>
+              </a:rPr>
+              <a:t>null</a:t>
+            </a:r>
+            <a:r>
+              <a:rPr lang="fr-FR" sz="1100" b="0" i="0" dirty="0">
+                <a:solidFill>
+                  <a:srgbClr val="071F32"/>
+                </a:solidFill>
+                <a:effectLst/>
+                <a:latin typeface="inherit"/>
+              </a:rPr>
+              <a:t>,</a:t>
+            </a:r>
+          </a:p>
+          <a:p>
+            <a:pPr algn="l">
+              <a:lnSpc>
+                <a:spcPts val="1050"/>
+              </a:lnSpc>
+              <a:buFont typeface="Arial" panose="020B0604020202020204" pitchFamily="34" charset="0"/>
+              <a:buChar char="•"/>
+            </a:pPr>
+            <a:r>
+              <a:rPr lang="fr-FR" sz="1100" b="0" i="0" dirty="0">
+                <a:solidFill>
+                  <a:srgbClr val="071F32"/>
+                </a:solidFill>
+                <a:effectLst/>
+                <a:latin typeface="inherit"/>
+              </a:rPr>
+              <a:t>"address_</a:t>
+            </a:r>
+            <a:r>
+              <a:rPr lang="fr-FR" sz="1100" b="0" i="0" dirty="0" err="1">
+                <a:solidFill>
+                  <a:srgbClr val="071F32"/>
+                </a:solidFill>
+                <a:effectLst/>
+                <a:latin typeface="inherit"/>
+              </a:rPr>
+              <a:t>text</a:t>
+            </a:r>
+            <a:r>
+              <a:rPr lang="fr-FR" sz="1100" b="0" i="0" dirty="0">
+                <a:solidFill>
+                  <a:srgbClr val="071F32"/>
+                </a:solidFill>
+                <a:effectLst/>
+                <a:latin typeface="inherit"/>
+              </a:rPr>
+              <a:t>":</a:t>
+            </a:r>
+            <a:r>
+              <a:rPr lang="fr-FR" sz="1100" b="0" i="0" dirty="0" err="1">
+                <a:solidFill>
+                  <a:srgbClr val="CCCCCC"/>
+                </a:solidFill>
+                <a:effectLst/>
+                <a:latin typeface="inherit"/>
+              </a:rPr>
+              <a:t>null</a:t>
+            </a:r>
+            <a:r>
+              <a:rPr lang="fr-FR" sz="1100" b="0" i="0" dirty="0">
+                <a:solidFill>
+                  <a:srgbClr val="071F32"/>
+                </a:solidFill>
+                <a:effectLst/>
+                <a:latin typeface="inherit"/>
+              </a:rPr>
+              <a:t>,</a:t>
+            </a:r>
+          </a:p>
+          <a:p>
+            <a:pPr algn="l">
+              <a:lnSpc>
+                <a:spcPts val="1050"/>
+              </a:lnSpc>
+              <a:buFont typeface="Arial" panose="020B0604020202020204" pitchFamily="34" charset="0"/>
+              <a:buChar char="•"/>
+            </a:pPr>
+            <a:r>
+              <a:rPr lang="fr-FR" sz="1100" b="0" i="0" dirty="0">
+                <a:solidFill>
+                  <a:srgbClr val="071F32"/>
+                </a:solidFill>
+                <a:effectLst/>
+                <a:latin typeface="inherit"/>
+              </a:rPr>
+              <a:t>"title_</a:t>
+            </a:r>
+            <a:r>
+              <a:rPr lang="fr-FR" sz="1100" b="0" i="0" dirty="0" err="1">
+                <a:solidFill>
+                  <a:srgbClr val="071F32"/>
+                </a:solidFill>
+                <a:effectLst/>
+                <a:latin typeface="inherit"/>
+              </a:rPr>
+              <a:t>event</a:t>
+            </a:r>
+            <a:r>
+              <a:rPr lang="fr-FR" sz="1100" b="0" i="0" dirty="0">
+                <a:solidFill>
+                  <a:srgbClr val="071F32"/>
+                </a:solidFill>
+                <a:effectLst/>
+                <a:latin typeface="inherit"/>
+              </a:rPr>
+              <a:t>":</a:t>
+            </a:r>
+            <a:r>
+              <a:rPr lang="fr-FR" sz="1100" b="0" i="0" dirty="0">
+                <a:solidFill>
+                  <a:srgbClr val="009900"/>
+                </a:solidFill>
+                <a:effectLst/>
+                <a:latin typeface="inherit"/>
+              </a:rPr>
+              <a:t>"Paris 12e : où donner vos vêtements à Paris ?"</a:t>
+            </a:r>
+            <a:r>
+              <a:rPr lang="fr-FR" sz="1100" b="0" i="0" dirty="0">
+                <a:solidFill>
+                  <a:srgbClr val="071F32"/>
+                </a:solidFill>
+                <a:effectLst/>
+                <a:latin typeface="inherit"/>
+              </a:rPr>
+              <a:t>,</a:t>
+            </a:r>
+          </a:p>
+          <a:p>
+            <a:pPr algn="l">
+              <a:lnSpc>
+                <a:spcPts val="1050"/>
+              </a:lnSpc>
+              <a:buFont typeface="Arial" panose="020B0604020202020204" pitchFamily="34" charset="0"/>
+              <a:buChar char="•"/>
+            </a:pPr>
+            <a:r>
+              <a:rPr lang="fr-FR" sz="1100" b="0" i="0" dirty="0">
+                <a:solidFill>
+                  <a:srgbClr val="071F32"/>
+                </a:solidFill>
+                <a:effectLst/>
+                <a:latin typeface="inherit"/>
+              </a:rPr>
+              <a:t>"</a:t>
+            </a:r>
+            <a:r>
+              <a:rPr lang="fr-FR" sz="1100" b="0" i="0" dirty="0" err="1">
+                <a:solidFill>
+                  <a:srgbClr val="071F32"/>
+                </a:solidFill>
+                <a:effectLst/>
+                <a:latin typeface="inherit"/>
+              </a:rPr>
+              <a:t>audience":</a:t>
+            </a:r>
+            <a:r>
+              <a:rPr lang="fr-FR" sz="1100" b="0" i="0" dirty="0" err="1">
+                <a:solidFill>
+                  <a:srgbClr val="009900"/>
+                </a:solidFill>
+                <a:effectLst/>
+                <a:latin typeface="inherit"/>
+              </a:rPr>
+              <a:t>"Tout</a:t>
+            </a:r>
+            <a:r>
+              <a:rPr lang="fr-FR" sz="1100" b="0" i="0" dirty="0">
+                <a:solidFill>
+                  <a:srgbClr val="009900"/>
+                </a:solidFill>
+                <a:effectLst/>
+                <a:latin typeface="inherit"/>
+              </a:rPr>
+              <a:t> public."</a:t>
+            </a:r>
+            <a:r>
+              <a:rPr lang="fr-FR" sz="1100" b="0" i="0" dirty="0">
+                <a:solidFill>
+                  <a:srgbClr val="071F32"/>
+                </a:solidFill>
+                <a:effectLst/>
+                <a:latin typeface="inherit"/>
+              </a:rPr>
+              <a:t>,</a:t>
+            </a:r>
+          </a:p>
+          <a:p>
+            <a:pPr algn="l">
+              <a:lnSpc>
+                <a:spcPts val="1050"/>
+              </a:lnSpc>
+              <a:buFont typeface="Arial" panose="020B0604020202020204" pitchFamily="34" charset="0"/>
+              <a:buChar char="•"/>
+            </a:pPr>
+            <a:r>
+              <a:rPr lang="fr-FR" sz="1100" b="0" i="0" dirty="0">
+                <a:solidFill>
+                  <a:srgbClr val="071F32"/>
+                </a:solidFill>
+                <a:effectLst/>
+                <a:latin typeface="inherit"/>
+              </a:rPr>
+              <a:t>"</a:t>
+            </a:r>
+            <a:r>
+              <a:rPr lang="fr-FR" sz="1100" b="0" i="0" dirty="0" err="1">
+                <a:solidFill>
+                  <a:srgbClr val="071F32"/>
+                </a:solidFill>
+                <a:effectLst/>
+                <a:latin typeface="inherit"/>
+              </a:rPr>
+              <a:t>childrens</a:t>
+            </a:r>
+            <a:r>
+              <a:rPr lang="fr-FR" sz="1100" b="0" i="0" dirty="0">
+                <a:solidFill>
+                  <a:srgbClr val="071F32"/>
+                </a:solidFill>
+                <a:effectLst/>
+                <a:latin typeface="inherit"/>
+              </a:rPr>
+              <a:t>":</a:t>
+            </a:r>
+            <a:r>
+              <a:rPr lang="fr-FR" sz="1100" b="0" i="0" dirty="0" err="1">
+                <a:solidFill>
+                  <a:srgbClr val="CCCCCC"/>
+                </a:solidFill>
+                <a:effectLst/>
+                <a:latin typeface="inherit"/>
+              </a:rPr>
+              <a:t>null</a:t>
+            </a:r>
+            <a:r>
+              <a:rPr lang="fr-FR" sz="1100" b="0" i="0" dirty="0">
+                <a:solidFill>
+                  <a:srgbClr val="071F32"/>
+                </a:solidFill>
+                <a:effectLst/>
+                <a:latin typeface="inherit"/>
+              </a:rPr>
+              <a:t>,</a:t>
+            </a:r>
+          </a:p>
+          <a:p>
+            <a:pPr algn="l">
+              <a:lnSpc>
+                <a:spcPts val="1050"/>
+              </a:lnSpc>
+              <a:buFont typeface="Arial" panose="020B0604020202020204" pitchFamily="34" charset="0"/>
+              <a:buChar char="•"/>
+            </a:pPr>
+            <a:r>
+              <a:rPr lang="fr-FR" sz="1100" b="0" i="0" dirty="0">
+                <a:solidFill>
+                  <a:srgbClr val="071F32"/>
+                </a:solidFill>
+                <a:effectLst/>
+                <a:latin typeface="inherit"/>
+              </a:rPr>
+              <a:t>"</a:t>
+            </a:r>
+            <a:r>
+              <a:rPr lang="fr-FR" sz="1100" b="0" i="0" dirty="0" err="1">
+                <a:solidFill>
+                  <a:srgbClr val="071F32"/>
+                </a:solidFill>
+                <a:effectLst/>
+                <a:latin typeface="inherit"/>
+              </a:rPr>
+              <a:t>group":</a:t>
+            </a:r>
+            <a:r>
+              <a:rPr lang="fr-FR" sz="1100" b="0" i="0" dirty="0" err="1">
+                <a:solidFill>
+                  <a:srgbClr val="009900"/>
+                </a:solidFill>
+                <a:effectLst/>
+                <a:latin typeface="inherit"/>
+              </a:rPr>
+              <a:t>"Agenda</a:t>
+            </a:r>
+            <a:r>
+              <a:rPr lang="fr-FR" sz="1100" b="0" i="0" dirty="0">
+                <a:solidFill>
+                  <a:srgbClr val="009900"/>
+                </a:solidFill>
+                <a:effectLst/>
+                <a:latin typeface="inherit"/>
+              </a:rPr>
+              <a:t>"</a:t>
+            </a:r>
+            <a:r>
+              <a:rPr lang="fr-FR" sz="1100" b="0" i="0" dirty="0">
+                <a:solidFill>
+                  <a:srgbClr val="071F32"/>
+                </a:solidFill>
+                <a:effectLst/>
+                <a:latin typeface="inherit"/>
+              </a:rPr>
+              <a:t>,</a:t>
+            </a:r>
+          </a:p>
+          <a:p>
+            <a:pPr algn="l">
+              <a:lnSpc>
+                <a:spcPts val="1050"/>
+              </a:lnSpc>
+              <a:buFont typeface="Arial" panose="020B0604020202020204" pitchFamily="34" charset="0"/>
+              <a:buChar char="•"/>
+            </a:pPr>
+            <a:r>
+              <a:rPr lang="fr-FR" sz="1100" b="0" i="0" dirty="0">
+                <a:solidFill>
+                  <a:srgbClr val="071F32"/>
+                </a:solidFill>
+                <a:effectLst/>
+                <a:latin typeface="inherit"/>
+              </a:rPr>
+              <a:t>"locale":</a:t>
+            </a:r>
+            <a:r>
+              <a:rPr lang="fr-FR" sz="1100" b="0" i="0" dirty="0">
+                <a:solidFill>
+                  <a:srgbClr val="009900"/>
+                </a:solidFill>
+                <a:effectLst/>
+                <a:latin typeface="inherit"/>
+              </a:rPr>
+              <a:t>"</a:t>
+            </a:r>
+            <a:r>
+              <a:rPr lang="fr-FR" sz="1100" b="0" i="0" dirty="0" err="1">
+                <a:solidFill>
+                  <a:srgbClr val="009900"/>
+                </a:solidFill>
+                <a:effectLst/>
+                <a:latin typeface="inherit"/>
+              </a:rPr>
+              <a:t>fr</a:t>
+            </a:r>
+            <a:r>
+              <a:rPr lang="fr-FR" sz="1100" b="0" i="0" dirty="0">
+                <a:solidFill>
+                  <a:srgbClr val="009900"/>
+                </a:solidFill>
+                <a:effectLst/>
+                <a:latin typeface="inherit"/>
+              </a:rPr>
+              <a:t>"</a:t>
+            </a:r>
+            <a:r>
+              <a:rPr lang="fr-FR" sz="1100" b="0" i="0" dirty="0">
+                <a:solidFill>
+                  <a:srgbClr val="071F32"/>
+                </a:solidFill>
+                <a:effectLst/>
+                <a:latin typeface="inherit"/>
+              </a:rPr>
+              <a:t>,</a:t>
+            </a:r>
+          </a:p>
+          <a:p>
+            <a:pPr algn="l">
+              <a:lnSpc>
+                <a:spcPts val="1050"/>
+              </a:lnSpc>
+              <a:buFont typeface="Arial" panose="020B0604020202020204" pitchFamily="34" charset="0"/>
+              <a:buChar char="•"/>
+            </a:pPr>
+            <a:r>
+              <a:rPr lang="fr-FR" sz="1100" b="0" i="0" dirty="0">
+                <a:solidFill>
+                  <a:srgbClr val="071F32"/>
+                </a:solidFill>
+                <a:effectLst/>
+                <a:latin typeface="inherit"/>
+              </a:rPr>
+              <a:t>"rank":</a:t>
+            </a:r>
+            <a:r>
+              <a:rPr lang="fr-FR" sz="1100" b="0" i="0" dirty="0">
+                <a:solidFill>
+                  <a:srgbClr val="0000FF"/>
+                </a:solidFill>
+                <a:effectLst/>
+                <a:latin typeface="inherit"/>
+              </a:rPr>
+              <a:t>433.86</a:t>
+            </a:r>
+            <a:r>
+              <a:rPr lang="fr-FR" sz="1100" b="0" i="0" dirty="0">
+                <a:solidFill>
+                  <a:srgbClr val="071F32"/>
+                </a:solidFill>
+                <a:effectLst/>
+                <a:latin typeface="inherit"/>
+              </a:rPr>
+              <a:t>,</a:t>
+            </a:r>
+          </a:p>
+          <a:p>
+            <a:pPr algn="l">
+              <a:lnSpc>
+                <a:spcPts val="1050"/>
+              </a:lnSpc>
+              <a:buFont typeface="Arial" panose="020B0604020202020204" pitchFamily="34" charset="0"/>
+              <a:buChar char="•"/>
+            </a:pPr>
+            <a:r>
+              <a:rPr lang="fr-FR" sz="1100" b="0" i="0" dirty="0">
+                <a:solidFill>
+                  <a:srgbClr val="071F32"/>
+                </a:solidFill>
+                <a:effectLst/>
+                <a:latin typeface="inherit"/>
+              </a:rPr>
+              <a:t>"weight":</a:t>
+            </a:r>
+            <a:r>
+              <a:rPr lang="fr-FR" sz="1100" b="0" i="0" dirty="0">
+                <a:solidFill>
+                  <a:srgbClr val="0000FF"/>
+                </a:solidFill>
+                <a:effectLst/>
+                <a:latin typeface="inherit"/>
+              </a:rPr>
+              <a:t>1</a:t>
+            </a:r>
+            <a:r>
+              <a:rPr lang="fr-FR" sz="1100" b="0" i="0" dirty="0">
+                <a:solidFill>
+                  <a:srgbClr val="071F32"/>
+                </a:solidFill>
+                <a:effectLst/>
+                <a:latin typeface="inherit"/>
+              </a:rPr>
+              <a:t>,</a:t>
+            </a:r>
+          </a:p>
+          <a:p>
+            <a:pPr algn="l">
+              <a:lnSpc>
+                <a:spcPts val="1050"/>
+              </a:lnSpc>
+              <a:buFont typeface="Arial" panose="020B0604020202020204" pitchFamily="34" charset="0"/>
+              <a:buChar char="•"/>
+            </a:pPr>
+            <a:r>
+              <a:rPr lang="fr-FR" sz="1100" b="0" i="0" dirty="0">
+                <a:solidFill>
+                  <a:srgbClr val="071F32"/>
+                </a:solidFill>
+                <a:effectLst/>
+                <a:latin typeface="inherit"/>
+              </a:rPr>
+              <a:t>"qfap_tags":</a:t>
+            </a:r>
+            <a:r>
+              <a:rPr lang="fr-FR" sz="1100" b="0" i="0" dirty="0" err="1">
+                <a:solidFill>
+                  <a:srgbClr val="CCCCCC"/>
+                </a:solidFill>
+                <a:effectLst/>
+                <a:latin typeface="inherit"/>
+              </a:rPr>
+              <a:t>null</a:t>
+            </a:r>
+            <a:r>
+              <a:rPr lang="fr-FR" sz="1100" b="0" i="0" dirty="0">
+                <a:solidFill>
+                  <a:srgbClr val="071F32"/>
+                </a:solidFill>
+                <a:effectLst/>
+                <a:latin typeface="inherit"/>
+              </a:rPr>
+              <a:t>,</a:t>
+            </a:r>
+          </a:p>
+          <a:p>
+            <a:pPr algn="l">
+              <a:lnSpc>
+                <a:spcPts val="1050"/>
+              </a:lnSpc>
+              <a:buFont typeface="Arial" panose="020B0604020202020204" pitchFamily="34" charset="0"/>
+              <a:buChar char="•"/>
+            </a:pPr>
+            <a:r>
+              <a:rPr lang="fr-FR" sz="1100" b="0" i="0" dirty="0">
+                <a:solidFill>
+                  <a:srgbClr val="071F32"/>
+                </a:solidFill>
+                <a:effectLst/>
+                <a:latin typeface="inherit"/>
+              </a:rPr>
+              <a:t>"universe_tags":</a:t>
+            </a:r>
+            <a:r>
+              <a:rPr lang="fr-FR" sz="1100" b="0" i="0" dirty="0" err="1">
+                <a:solidFill>
+                  <a:srgbClr val="CCCCCC"/>
+                </a:solidFill>
+                <a:effectLst/>
+                <a:latin typeface="inherit"/>
+              </a:rPr>
+              <a:t>null</a:t>
+            </a:r>
+            <a:r>
+              <a:rPr lang="fr-FR" sz="1100" b="0" i="0" dirty="0">
+                <a:solidFill>
+                  <a:srgbClr val="071F32"/>
+                </a:solidFill>
+                <a:effectLst/>
+                <a:latin typeface="inherit"/>
+              </a:rPr>
+              <a:t>,</a:t>
+            </a:r>
+          </a:p>
+          <a:p>
+            <a:pPr algn="l">
+              <a:lnSpc>
+                <a:spcPts val="1050"/>
+              </a:lnSpc>
+              <a:buFont typeface="Arial" panose="020B0604020202020204" pitchFamily="34" charset="0"/>
+              <a:buChar char="•"/>
+            </a:pPr>
+            <a:r>
+              <a:rPr lang="fr-FR" sz="1100" b="0" i="0" dirty="0">
+                <a:solidFill>
+                  <a:srgbClr val="071F32"/>
+                </a:solidFill>
+                <a:effectLst/>
+                <a:latin typeface="inherit"/>
+              </a:rPr>
+              <a:t>"event_indoor":</a:t>
+            </a:r>
+            <a:r>
+              <a:rPr lang="fr-FR" sz="1100" b="0" i="0" dirty="0">
+                <a:solidFill>
+                  <a:srgbClr val="0000FF"/>
+                </a:solidFill>
+                <a:effectLst/>
+                <a:latin typeface="inherit"/>
+              </a:rPr>
+              <a:t>1</a:t>
+            </a:r>
+            <a:r>
+              <a:rPr lang="fr-FR" sz="1100" b="0" i="0" dirty="0">
+                <a:solidFill>
+                  <a:srgbClr val="071F32"/>
+                </a:solidFill>
+                <a:effectLst/>
+                <a:latin typeface="inherit"/>
+              </a:rPr>
+              <a:t>,</a:t>
+            </a:r>
+          </a:p>
+          <a:p>
+            <a:pPr algn="l">
+              <a:lnSpc>
+                <a:spcPts val="1050"/>
+              </a:lnSpc>
+              <a:buFont typeface="Arial" panose="020B0604020202020204" pitchFamily="34" charset="0"/>
+              <a:buChar char="•"/>
+            </a:pPr>
+            <a:r>
+              <a:rPr lang="fr-FR" sz="1100" b="0" i="0" dirty="0">
+                <a:solidFill>
+                  <a:srgbClr val="071F32"/>
+                </a:solidFill>
+                <a:effectLst/>
+                <a:latin typeface="inherit"/>
+              </a:rPr>
+              <a:t>"event_pets_allowed":</a:t>
+            </a:r>
+            <a:r>
+              <a:rPr lang="fr-FR" sz="1100" b="0" i="0" dirty="0">
+                <a:solidFill>
+                  <a:srgbClr val="0000FF"/>
+                </a:solidFill>
+                <a:effectLst/>
+                <a:latin typeface="inherit"/>
+              </a:rPr>
+              <a:t>0</a:t>
+            </a:r>
+            <a:r>
+              <a:rPr lang="fr-FR" sz="1100" b="0" i="0" dirty="0">
+                <a:solidFill>
+                  <a:srgbClr val="071F32"/>
+                </a:solidFill>
+                <a:effectLst/>
+                <a:latin typeface="inherit"/>
+              </a:rPr>
+              <a:t>,</a:t>
+            </a:r>
+          </a:p>
+          <a:p>
+            <a:pPr algn="l">
+              <a:lnSpc>
+                <a:spcPts val="1050"/>
+              </a:lnSpc>
+              <a:buFont typeface="Arial" panose="020B0604020202020204" pitchFamily="34" charset="0"/>
+              <a:buChar char="•"/>
+            </a:pPr>
+            <a:r>
+              <a:rPr lang="fr-FR" sz="1100" b="0" i="0" dirty="0">
+                <a:solidFill>
+                  <a:srgbClr val="071F32"/>
+                </a:solidFill>
+                <a:effectLst/>
+                <a:latin typeface="inherit"/>
+              </a:rPr>
+              <a:t>"contact_organisation_</a:t>
+            </a:r>
+            <a:r>
+              <a:rPr lang="fr-FR" sz="1100" b="0" i="0" dirty="0" err="1">
+                <a:solidFill>
+                  <a:srgbClr val="071F32"/>
+                </a:solidFill>
+                <a:effectLst/>
+                <a:latin typeface="inherit"/>
+              </a:rPr>
+              <a:t>name</a:t>
+            </a:r>
+            <a:r>
+              <a:rPr lang="fr-FR" sz="1100" b="0" i="0" dirty="0">
+                <a:solidFill>
+                  <a:srgbClr val="071F32"/>
+                </a:solidFill>
+                <a:effectLst/>
+                <a:latin typeface="inherit"/>
+              </a:rPr>
+              <a:t>":</a:t>
+            </a:r>
+            <a:r>
+              <a:rPr lang="fr-FR" sz="1100" b="0" i="0" dirty="0" err="1">
+                <a:solidFill>
+                  <a:srgbClr val="CCCCCC"/>
+                </a:solidFill>
+                <a:effectLst/>
+                <a:latin typeface="inherit"/>
+              </a:rPr>
+              <a:t>null</a:t>
+            </a:r>
+            <a:r>
+              <a:rPr lang="fr-FR" sz="1100" b="0" i="0" dirty="0">
+                <a:solidFill>
+                  <a:srgbClr val="071F32"/>
+                </a:solidFill>
+                <a:effectLst/>
+                <a:latin typeface="inherit"/>
+              </a:rPr>
+              <a:t>,</a:t>
+            </a:r>
+          </a:p>
+          <a:p>
+            <a:pPr algn="l">
+              <a:lnSpc>
+                <a:spcPts val="1050"/>
+              </a:lnSpc>
+              <a:buFont typeface="Arial" panose="020B0604020202020204" pitchFamily="34" charset="0"/>
+              <a:buChar char="•"/>
+            </a:pPr>
+            <a:r>
+              <a:rPr lang="fr-FR" sz="1100" b="0" i="0" dirty="0">
+                <a:solidFill>
+                  <a:srgbClr val="071F32"/>
+                </a:solidFill>
+                <a:effectLst/>
+                <a:latin typeface="inherit"/>
+              </a:rPr>
+              <a:t>"contact_url_</a:t>
+            </a:r>
+            <a:r>
+              <a:rPr lang="fr-FR" sz="1100" b="0" i="0" dirty="0" err="1">
+                <a:solidFill>
+                  <a:srgbClr val="071F32"/>
+                </a:solidFill>
+                <a:effectLst/>
+                <a:latin typeface="inherit"/>
+              </a:rPr>
+              <a:t>text</a:t>
+            </a:r>
+            <a:r>
+              <a:rPr lang="fr-FR" sz="1100" b="0" i="0" dirty="0">
+                <a:solidFill>
+                  <a:srgbClr val="071F32"/>
+                </a:solidFill>
+                <a:effectLst/>
+                <a:latin typeface="inherit"/>
+              </a:rPr>
+              <a:t>":</a:t>
+            </a:r>
+            <a:r>
+              <a:rPr lang="fr-FR" sz="1100" b="0" i="0" dirty="0">
+                <a:solidFill>
+                  <a:srgbClr val="009900"/>
+                </a:solidFill>
+                <a:effectLst/>
+                <a:latin typeface="inherit"/>
+              </a:rPr>
+              <a:t>"Halte Femme"</a:t>
+            </a:r>
+            <a:r>
+              <a:rPr lang="fr-FR" sz="1100" b="0" i="0" dirty="0">
+                <a:solidFill>
+                  <a:srgbClr val="071F32"/>
+                </a:solidFill>
+                <a:effectLst/>
+                <a:latin typeface="inherit"/>
+              </a:rPr>
+              <a:t>,</a:t>
+            </a:r>
+          </a:p>
+          <a:p>
+            <a:pPr algn="l">
+              <a:lnSpc>
+                <a:spcPts val="1050"/>
+              </a:lnSpc>
+              <a:buFont typeface="Arial" panose="020B0604020202020204" pitchFamily="34" charset="0"/>
+              <a:buChar char="•"/>
+            </a:pPr>
+            <a:r>
+              <a:rPr lang="fr-FR" sz="1100" b="0" i="0" dirty="0">
+                <a:solidFill>
+                  <a:srgbClr val="071F32"/>
+                </a:solidFill>
+                <a:effectLst/>
+                <a:latin typeface="inherit"/>
+              </a:rPr>
+              <a:t>"contact_</a:t>
+            </a:r>
+            <a:r>
+              <a:rPr lang="fr-FR" sz="1100" b="0" i="0" dirty="0" err="1">
+                <a:solidFill>
+                  <a:srgbClr val="071F32"/>
+                </a:solidFill>
+                <a:effectLst/>
+                <a:latin typeface="inherit"/>
+              </a:rPr>
+              <a:t>vimeo</a:t>
+            </a:r>
+            <a:r>
+              <a:rPr lang="fr-FR" sz="1100" b="0" i="0" dirty="0">
+                <a:solidFill>
+                  <a:srgbClr val="071F32"/>
+                </a:solidFill>
+                <a:effectLst/>
+                <a:latin typeface="inherit"/>
+              </a:rPr>
+              <a:t>":</a:t>
+            </a:r>
+            <a:r>
+              <a:rPr lang="fr-FR" sz="1100" b="0" i="0" dirty="0" err="1">
+                <a:solidFill>
+                  <a:srgbClr val="CCCCCC"/>
+                </a:solidFill>
+                <a:effectLst/>
+                <a:latin typeface="inherit"/>
+              </a:rPr>
+              <a:t>null</a:t>
+            </a:r>
+            <a:r>
+              <a:rPr lang="fr-FR" sz="1100" b="0" i="0" dirty="0">
+                <a:solidFill>
+                  <a:srgbClr val="071F32"/>
+                </a:solidFill>
+                <a:effectLst/>
+                <a:latin typeface="inherit"/>
+              </a:rPr>
+              <a:t>,</a:t>
+            </a:r>
+          </a:p>
+          <a:p>
+            <a:pPr algn="l">
+              <a:lnSpc>
+                <a:spcPts val="1050"/>
+              </a:lnSpc>
+              <a:buFont typeface="Arial" panose="020B0604020202020204" pitchFamily="34" charset="0"/>
+              <a:buChar char="•"/>
+            </a:pPr>
+            <a:r>
+              <a:rPr lang="fr-FR" sz="1100" b="0" i="0" dirty="0">
+                <a:solidFill>
+                  <a:srgbClr val="071F32"/>
+                </a:solidFill>
+                <a:effectLst/>
+                <a:latin typeface="inherit"/>
+              </a:rPr>
+              <a:t>"contact_</a:t>
+            </a:r>
+            <a:r>
+              <a:rPr lang="fr-FR" sz="1100" b="0" i="0" dirty="0" err="1">
+                <a:solidFill>
+                  <a:srgbClr val="071F32"/>
+                </a:solidFill>
+                <a:effectLst/>
+                <a:latin typeface="inherit"/>
+              </a:rPr>
+              <a:t>deezer</a:t>
+            </a:r>
+            <a:r>
+              <a:rPr lang="fr-FR" sz="1100" b="0" i="0" dirty="0">
+                <a:solidFill>
+                  <a:srgbClr val="071F32"/>
+                </a:solidFill>
+                <a:effectLst/>
+                <a:latin typeface="inherit"/>
+              </a:rPr>
+              <a:t>":</a:t>
+            </a:r>
+            <a:r>
+              <a:rPr lang="fr-FR" sz="1100" b="0" i="0" dirty="0" err="1">
+                <a:solidFill>
+                  <a:srgbClr val="CCCCCC"/>
+                </a:solidFill>
+                <a:effectLst/>
+                <a:latin typeface="inherit"/>
+              </a:rPr>
+              <a:t>null</a:t>
+            </a:r>
+            <a:r>
+              <a:rPr lang="fr-FR" sz="1100" b="0" i="0" dirty="0">
+                <a:solidFill>
+                  <a:srgbClr val="071F32"/>
+                </a:solidFill>
+                <a:effectLst/>
+                <a:latin typeface="inherit"/>
+              </a:rPr>
+              <a:t>,</a:t>
+            </a:r>
+          </a:p>
+          <a:p>
+            <a:pPr algn="l">
+              <a:lnSpc>
+                <a:spcPts val="1050"/>
+              </a:lnSpc>
+              <a:buFont typeface="Arial" panose="020B0604020202020204" pitchFamily="34" charset="0"/>
+              <a:buChar char="•"/>
+            </a:pPr>
+            <a:r>
+              <a:rPr lang="fr-FR" sz="1100" b="0" i="0" dirty="0">
+                <a:solidFill>
+                  <a:srgbClr val="071F32"/>
+                </a:solidFill>
+                <a:effectLst/>
+                <a:latin typeface="inherit"/>
+              </a:rPr>
+              <a:t>"contact_</a:t>
+            </a:r>
+            <a:r>
+              <a:rPr lang="fr-FR" sz="1100" b="0" i="0" dirty="0" err="1">
+                <a:solidFill>
+                  <a:srgbClr val="071F32"/>
+                </a:solidFill>
+                <a:effectLst/>
+                <a:latin typeface="inherit"/>
+              </a:rPr>
+              <a:t>tiktok</a:t>
+            </a:r>
+            <a:r>
+              <a:rPr lang="fr-FR" sz="1100" b="0" i="0" dirty="0">
+                <a:solidFill>
+                  <a:srgbClr val="071F32"/>
+                </a:solidFill>
+                <a:effectLst/>
+                <a:latin typeface="inherit"/>
+              </a:rPr>
+              <a:t>":</a:t>
+            </a:r>
+            <a:r>
+              <a:rPr lang="fr-FR" sz="1100" b="0" i="0" dirty="0" err="1">
+                <a:solidFill>
+                  <a:srgbClr val="CCCCCC"/>
+                </a:solidFill>
+                <a:effectLst/>
+                <a:latin typeface="inherit"/>
+              </a:rPr>
+              <a:t>null</a:t>
+            </a:r>
+            <a:r>
+              <a:rPr lang="fr-FR" sz="1100" b="0" i="0" dirty="0">
+                <a:solidFill>
+                  <a:srgbClr val="071F32"/>
+                </a:solidFill>
+                <a:effectLst/>
+                <a:latin typeface="inherit"/>
+              </a:rPr>
+              <a:t>,</a:t>
+            </a:r>
+          </a:p>
+          <a:p>
+            <a:pPr algn="l">
+              <a:lnSpc>
+                <a:spcPts val="1050"/>
+              </a:lnSpc>
+              <a:buFont typeface="Arial" panose="020B0604020202020204" pitchFamily="34" charset="0"/>
+              <a:buChar char="•"/>
+            </a:pPr>
+            <a:r>
+              <a:rPr lang="fr-FR" sz="1100" b="0" i="0" dirty="0">
+                <a:solidFill>
+                  <a:srgbClr val="071F32"/>
+                </a:solidFill>
+                <a:effectLst/>
+                <a:latin typeface="inherit"/>
+              </a:rPr>
+              <a:t>"contact_</a:t>
+            </a:r>
+            <a:r>
+              <a:rPr lang="fr-FR" sz="1100" b="0" i="0" dirty="0" err="1">
+                <a:solidFill>
+                  <a:srgbClr val="071F32"/>
+                </a:solidFill>
+                <a:effectLst/>
+                <a:latin typeface="inherit"/>
+              </a:rPr>
+              <a:t>twitch</a:t>
+            </a:r>
+            <a:r>
+              <a:rPr lang="fr-FR" sz="1100" b="0" i="0" dirty="0">
+                <a:solidFill>
+                  <a:srgbClr val="071F32"/>
+                </a:solidFill>
+                <a:effectLst/>
+                <a:latin typeface="inherit"/>
+              </a:rPr>
+              <a:t>":</a:t>
+            </a:r>
+            <a:r>
+              <a:rPr lang="fr-FR" sz="1100" b="0" i="0" dirty="0" err="1">
+                <a:solidFill>
+                  <a:srgbClr val="CCCCCC"/>
+                </a:solidFill>
+                <a:effectLst/>
+                <a:latin typeface="inherit"/>
+              </a:rPr>
+              <a:t>null</a:t>
+            </a:r>
+            <a:r>
+              <a:rPr lang="fr-FR" sz="1100" b="0" i="0" dirty="0">
+                <a:solidFill>
+                  <a:srgbClr val="071F32"/>
+                </a:solidFill>
+                <a:effectLst/>
+                <a:latin typeface="inherit"/>
+              </a:rPr>
+              <a:t>,</a:t>
+            </a:r>
+          </a:p>
+          <a:p>
+            <a:pPr algn="l">
+              <a:lnSpc>
+                <a:spcPts val="1050"/>
+              </a:lnSpc>
+              <a:buFont typeface="Arial" panose="020B0604020202020204" pitchFamily="34" charset="0"/>
+              <a:buChar char="•"/>
+            </a:pPr>
+            <a:r>
+              <a:rPr lang="fr-FR" sz="1100" b="0" i="0" dirty="0">
+                <a:solidFill>
+                  <a:srgbClr val="071F32"/>
+                </a:solidFill>
+                <a:effectLst/>
+                <a:latin typeface="inherit"/>
+              </a:rPr>
+              <a:t>"contact_</a:t>
+            </a:r>
+            <a:r>
+              <a:rPr lang="fr-FR" sz="1100" b="0" i="0" dirty="0" err="1">
+                <a:solidFill>
+                  <a:srgbClr val="071F32"/>
+                </a:solidFill>
+                <a:effectLst/>
+                <a:latin typeface="inherit"/>
+              </a:rPr>
+              <a:t>spotify</a:t>
+            </a:r>
+            <a:r>
+              <a:rPr lang="fr-FR" sz="1100" b="0" i="0" dirty="0">
+                <a:solidFill>
+                  <a:srgbClr val="071F32"/>
+                </a:solidFill>
+                <a:effectLst/>
+                <a:latin typeface="inherit"/>
+              </a:rPr>
+              <a:t>":</a:t>
+            </a:r>
+            <a:r>
+              <a:rPr lang="fr-FR" sz="1100" b="0" i="0" dirty="0" err="1">
+                <a:solidFill>
+                  <a:srgbClr val="CCCCCC"/>
+                </a:solidFill>
+                <a:effectLst/>
+                <a:latin typeface="inherit"/>
+              </a:rPr>
+              <a:t>null</a:t>
+            </a:r>
+            <a:r>
+              <a:rPr lang="fr-FR" sz="1100" b="0" i="0" dirty="0">
+                <a:solidFill>
+                  <a:srgbClr val="071F32"/>
+                </a:solidFill>
+                <a:effectLst/>
+                <a:latin typeface="inherit"/>
+              </a:rPr>
+              <a:t>,</a:t>
+            </a:r>
+          </a:p>
+          <a:p>
+            <a:pPr algn="l">
+              <a:lnSpc>
+                <a:spcPts val="1050"/>
+              </a:lnSpc>
+              <a:buFont typeface="Arial" panose="020B0604020202020204" pitchFamily="34" charset="0"/>
+              <a:buChar char="•"/>
+            </a:pPr>
+            <a:r>
+              <a:rPr lang="fr-FR" sz="1100" b="0" i="0" dirty="0">
+                <a:solidFill>
+                  <a:srgbClr val="071F32"/>
+                </a:solidFill>
+                <a:effectLst/>
+                <a:latin typeface="inherit"/>
+              </a:rPr>
+              <a:t>"contact_</a:t>
+            </a:r>
+            <a:r>
+              <a:rPr lang="fr-FR" sz="1100" b="0" i="0" dirty="0" err="1">
+                <a:solidFill>
+                  <a:srgbClr val="071F32"/>
+                </a:solidFill>
+                <a:effectLst/>
+                <a:latin typeface="inherit"/>
+              </a:rPr>
+              <a:t>youtube</a:t>
+            </a:r>
+            <a:r>
+              <a:rPr lang="fr-FR" sz="1100" b="0" i="0" dirty="0">
+                <a:solidFill>
+                  <a:srgbClr val="071F32"/>
+                </a:solidFill>
+                <a:effectLst/>
+                <a:latin typeface="inherit"/>
+              </a:rPr>
+              <a:t>":</a:t>
+            </a:r>
+            <a:r>
+              <a:rPr lang="fr-FR" sz="1100" b="0" i="0" dirty="0" err="1">
+                <a:solidFill>
+                  <a:srgbClr val="CCCCCC"/>
+                </a:solidFill>
+                <a:effectLst/>
+                <a:latin typeface="inherit"/>
+              </a:rPr>
+              <a:t>null</a:t>
+            </a:r>
+            <a:r>
+              <a:rPr lang="fr-FR" sz="1100" b="0" i="0" dirty="0">
+                <a:solidFill>
+                  <a:srgbClr val="071F32"/>
+                </a:solidFill>
+                <a:effectLst/>
+                <a:latin typeface="inherit"/>
+              </a:rPr>
+              <a:t>,</a:t>
+            </a:r>
+          </a:p>
+          <a:p>
+            <a:pPr algn="l">
+              <a:lnSpc>
+                <a:spcPts val="1050"/>
+              </a:lnSpc>
+              <a:buFont typeface="Arial" panose="020B0604020202020204" pitchFamily="34" charset="0"/>
+              <a:buChar char="•"/>
+            </a:pPr>
+            <a:r>
+              <a:rPr lang="fr-FR" sz="1100" b="0" i="0" dirty="0">
+                <a:solidFill>
+                  <a:srgbClr val="071F32"/>
+                </a:solidFill>
+                <a:effectLst/>
+                <a:latin typeface="inherit"/>
+              </a:rPr>
+              <a:t>"contact_</a:t>
+            </a:r>
+            <a:r>
+              <a:rPr lang="fr-FR" sz="1100" b="0" i="0" dirty="0" err="1">
+                <a:solidFill>
+                  <a:srgbClr val="071F32"/>
+                </a:solidFill>
+                <a:effectLst/>
+                <a:latin typeface="inherit"/>
+              </a:rPr>
+              <a:t>bandcamp</a:t>
+            </a:r>
+            <a:r>
+              <a:rPr lang="fr-FR" sz="1100" b="0" i="0" dirty="0">
+                <a:solidFill>
+                  <a:srgbClr val="071F32"/>
+                </a:solidFill>
+                <a:effectLst/>
+                <a:latin typeface="inherit"/>
+              </a:rPr>
+              <a:t>":</a:t>
+            </a:r>
+            <a:r>
+              <a:rPr lang="fr-FR" sz="1100" b="0" i="0" dirty="0" err="1">
+                <a:solidFill>
+                  <a:srgbClr val="CCCCCC"/>
+                </a:solidFill>
+                <a:effectLst/>
+                <a:latin typeface="inherit"/>
+              </a:rPr>
+              <a:t>null</a:t>
+            </a:r>
+            <a:r>
+              <a:rPr lang="fr-FR" sz="1100" b="0" i="0" dirty="0">
+                <a:solidFill>
+                  <a:srgbClr val="071F32"/>
+                </a:solidFill>
+                <a:effectLst/>
+                <a:latin typeface="inherit"/>
+              </a:rPr>
+              <a:t>,</a:t>
+            </a:r>
+          </a:p>
+          <a:p>
+            <a:pPr algn="l">
+              <a:lnSpc>
+                <a:spcPts val="1050"/>
+              </a:lnSpc>
+              <a:buFont typeface="Arial" panose="020B0604020202020204" pitchFamily="34" charset="0"/>
+              <a:buChar char="•"/>
+            </a:pPr>
+            <a:r>
+              <a:rPr lang="fr-FR" sz="1100" b="0" i="0" dirty="0">
+                <a:solidFill>
+                  <a:srgbClr val="071F32"/>
+                </a:solidFill>
+                <a:effectLst/>
+                <a:latin typeface="inherit"/>
+              </a:rPr>
+              <a:t>"contact_</a:t>
+            </a:r>
+            <a:r>
+              <a:rPr lang="fr-FR" sz="1100" b="0" i="0" dirty="0" err="1">
+                <a:solidFill>
+                  <a:srgbClr val="071F32"/>
+                </a:solidFill>
+                <a:effectLst/>
+                <a:latin typeface="inherit"/>
+              </a:rPr>
+              <a:t>linkedin</a:t>
+            </a:r>
+            <a:r>
+              <a:rPr lang="fr-FR" sz="1100" b="0" i="0" dirty="0">
+                <a:solidFill>
+                  <a:srgbClr val="071F32"/>
+                </a:solidFill>
+                <a:effectLst/>
+                <a:latin typeface="inherit"/>
+              </a:rPr>
+              <a:t>":</a:t>
+            </a:r>
+            <a:r>
+              <a:rPr lang="fr-FR" sz="1100" b="0" i="0" dirty="0" err="1">
+                <a:solidFill>
+                  <a:srgbClr val="CCCCCC"/>
+                </a:solidFill>
+                <a:effectLst/>
+                <a:latin typeface="inherit"/>
+              </a:rPr>
+              <a:t>null</a:t>
+            </a:r>
+            <a:r>
+              <a:rPr lang="fr-FR" sz="1100" b="0" i="0" dirty="0">
+                <a:solidFill>
+                  <a:srgbClr val="071F32"/>
+                </a:solidFill>
+                <a:effectLst/>
+                <a:latin typeface="inherit"/>
+              </a:rPr>
+              <a:t>,</a:t>
+            </a:r>
+          </a:p>
+          <a:p>
+            <a:pPr algn="l">
+              <a:lnSpc>
+                <a:spcPts val="1050"/>
+              </a:lnSpc>
+              <a:buFont typeface="Arial" panose="020B0604020202020204" pitchFamily="34" charset="0"/>
+              <a:buChar char="•"/>
+            </a:pPr>
+            <a:r>
+              <a:rPr lang="fr-FR" sz="1100" b="0" i="0" dirty="0">
+                <a:solidFill>
+                  <a:srgbClr val="071F32"/>
+                </a:solidFill>
+                <a:effectLst/>
+                <a:latin typeface="inherit"/>
+              </a:rPr>
+              <a:t>"contact_</a:t>
+            </a:r>
+            <a:r>
+              <a:rPr lang="fr-FR" sz="1100" b="0" i="0" dirty="0" err="1">
+                <a:solidFill>
+                  <a:srgbClr val="071F32"/>
+                </a:solidFill>
+                <a:effectLst/>
+                <a:latin typeface="inherit"/>
+              </a:rPr>
+              <a:t>snapchat</a:t>
+            </a:r>
+            <a:r>
+              <a:rPr lang="fr-FR" sz="1100" b="0" i="0" dirty="0">
+                <a:solidFill>
+                  <a:srgbClr val="071F32"/>
+                </a:solidFill>
+                <a:effectLst/>
+                <a:latin typeface="inherit"/>
+              </a:rPr>
+              <a:t>":</a:t>
+            </a:r>
+            <a:r>
+              <a:rPr lang="fr-FR" sz="1100" b="0" i="0" dirty="0" err="1">
+                <a:solidFill>
+                  <a:srgbClr val="CCCCCC"/>
+                </a:solidFill>
+                <a:effectLst/>
+                <a:latin typeface="inherit"/>
+              </a:rPr>
+              <a:t>null</a:t>
+            </a:r>
+            <a:r>
+              <a:rPr lang="fr-FR" sz="1100" b="0" i="0" dirty="0">
+                <a:solidFill>
+                  <a:srgbClr val="071F32"/>
+                </a:solidFill>
+                <a:effectLst/>
+                <a:latin typeface="inherit"/>
+              </a:rPr>
+              <a:t>,</a:t>
+            </a:r>
+          </a:p>
+          <a:p>
+            <a:pPr algn="l">
+              <a:lnSpc>
+                <a:spcPts val="1050"/>
+              </a:lnSpc>
+              <a:buFont typeface="Arial" panose="020B0604020202020204" pitchFamily="34" charset="0"/>
+              <a:buChar char="•"/>
+            </a:pPr>
+            <a:r>
+              <a:rPr lang="fr-FR" sz="1100" b="0" i="0" dirty="0">
+                <a:solidFill>
+                  <a:srgbClr val="071F32"/>
+                </a:solidFill>
+                <a:effectLst/>
+                <a:latin typeface="inherit"/>
+              </a:rPr>
+              <a:t>"contact_</a:t>
+            </a:r>
+            <a:r>
+              <a:rPr lang="fr-FR" sz="1100" b="0" i="0" dirty="0" err="1">
+                <a:solidFill>
+                  <a:srgbClr val="071F32"/>
+                </a:solidFill>
+                <a:effectLst/>
+                <a:latin typeface="inherit"/>
+              </a:rPr>
+              <a:t>whatsapp</a:t>
+            </a:r>
+            <a:r>
+              <a:rPr lang="fr-FR" sz="1100" b="0" i="0" dirty="0">
+                <a:solidFill>
+                  <a:srgbClr val="071F32"/>
+                </a:solidFill>
+                <a:effectLst/>
+                <a:latin typeface="inherit"/>
+              </a:rPr>
+              <a:t>":</a:t>
+            </a:r>
+            <a:r>
+              <a:rPr lang="fr-FR" sz="1100" b="0" i="0" dirty="0" err="1">
+                <a:solidFill>
+                  <a:srgbClr val="CCCCCC"/>
+                </a:solidFill>
+                <a:effectLst/>
+                <a:latin typeface="inherit"/>
+              </a:rPr>
+              <a:t>null</a:t>
+            </a:r>
+            <a:r>
+              <a:rPr lang="fr-FR" sz="1100" b="0" i="0" dirty="0">
+                <a:solidFill>
+                  <a:srgbClr val="071F32"/>
+                </a:solidFill>
+                <a:effectLst/>
+                <a:latin typeface="inherit"/>
+              </a:rPr>
+              <a:t>,</a:t>
+            </a:r>
+          </a:p>
+          <a:p>
+            <a:pPr algn="l">
+              <a:lnSpc>
+                <a:spcPts val="1050"/>
+              </a:lnSpc>
+              <a:buFont typeface="Arial" panose="020B0604020202020204" pitchFamily="34" charset="0"/>
+              <a:buChar char="•"/>
+            </a:pPr>
+            <a:r>
+              <a:rPr lang="fr-FR" sz="1100" b="0" i="0" dirty="0">
+                <a:solidFill>
+                  <a:srgbClr val="071F32"/>
+                </a:solidFill>
+                <a:effectLst/>
+                <a:latin typeface="inherit"/>
+              </a:rPr>
+              <a:t>"contact_</a:t>
+            </a:r>
+            <a:r>
+              <a:rPr lang="fr-FR" sz="1100" b="0" i="0" dirty="0" err="1">
+                <a:solidFill>
+                  <a:srgbClr val="071F32"/>
+                </a:solidFill>
+                <a:effectLst/>
+                <a:latin typeface="inherit"/>
+              </a:rPr>
+              <a:t>instagram</a:t>
+            </a:r>
+            <a:r>
+              <a:rPr lang="fr-FR" sz="1100" b="0" i="0" dirty="0">
+                <a:solidFill>
+                  <a:srgbClr val="071F32"/>
+                </a:solidFill>
+                <a:effectLst/>
+                <a:latin typeface="inherit"/>
+              </a:rPr>
+              <a:t>":</a:t>
+            </a:r>
+            <a:r>
+              <a:rPr lang="fr-FR" sz="1100" b="0" i="0" dirty="0" err="1">
+                <a:solidFill>
+                  <a:srgbClr val="CCCCCC"/>
+                </a:solidFill>
+                <a:effectLst/>
+                <a:latin typeface="inherit"/>
+              </a:rPr>
+              <a:t>null</a:t>
+            </a:r>
+            <a:r>
+              <a:rPr lang="fr-FR" sz="1100" b="0" i="0" dirty="0">
+                <a:solidFill>
+                  <a:srgbClr val="071F32"/>
+                </a:solidFill>
+                <a:effectLst/>
+                <a:latin typeface="inherit"/>
+              </a:rPr>
+              <a:t>,</a:t>
+            </a:r>
+          </a:p>
+          <a:p>
+            <a:pPr algn="l">
+              <a:lnSpc>
+                <a:spcPts val="1050"/>
+              </a:lnSpc>
+              <a:buFont typeface="Arial" panose="020B0604020202020204" pitchFamily="34" charset="0"/>
+              <a:buChar char="•"/>
+            </a:pPr>
+            <a:r>
+              <a:rPr lang="fr-FR" sz="1100" b="0" i="0" dirty="0">
+                <a:solidFill>
+                  <a:srgbClr val="071F32"/>
+                </a:solidFill>
+                <a:effectLst/>
+                <a:latin typeface="inherit"/>
+              </a:rPr>
+              <a:t>"contact_</a:t>
+            </a:r>
+            <a:r>
+              <a:rPr lang="fr-FR" sz="1100" b="0" i="0" dirty="0" err="1">
+                <a:solidFill>
+                  <a:srgbClr val="071F32"/>
+                </a:solidFill>
+                <a:effectLst/>
+                <a:latin typeface="inherit"/>
+              </a:rPr>
+              <a:t>messenger</a:t>
+            </a:r>
+            <a:r>
+              <a:rPr lang="fr-FR" sz="1100" b="0" i="0" dirty="0">
+                <a:solidFill>
+                  <a:srgbClr val="071F32"/>
+                </a:solidFill>
+                <a:effectLst/>
+                <a:latin typeface="inherit"/>
+              </a:rPr>
+              <a:t>":</a:t>
+            </a:r>
+            <a:r>
+              <a:rPr lang="fr-FR" sz="1100" b="0" i="0" dirty="0" err="1">
+                <a:solidFill>
+                  <a:srgbClr val="CCCCCC"/>
+                </a:solidFill>
+                <a:effectLst/>
+                <a:latin typeface="inherit"/>
+              </a:rPr>
+              <a:t>null</a:t>
+            </a:r>
+            <a:r>
+              <a:rPr lang="fr-FR" sz="1100" b="0" i="0" dirty="0">
+                <a:solidFill>
+                  <a:srgbClr val="071F32"/>
+                </a:solidFill>
+                <a:effectLst/>
+                <a:latin typeface="inherit"/>
+              </a:rPr>
+              <a:t>,</a:t>
+            </a:r>
+          </a:p>
+          <a:p>
+            <a:pPr algn="l">
+              <a:lnSpc>
+                <a:spcPts val="1050"/>
+              </a:lnSpc>
+              <a:buFont typeface="Arial" panose="020B0604020202020204" pitchFamily="34" charset="0"/>
+              <a:buChar char="•"/>
+            </a:pPr>
+            <a:r>
+              <a:rPr lang="fr-FR" sz="1100" b="0" i="0" dirty="0">
+                <a:solidFill>
+                  <a:srgbClr val="071F32"/>
+                </a:solidFill>
+                <a:effectLst/>
+                <a:latin typeface="inherit"/>
+              </a:rPr>
+              <a:t>"contact_</a:t>
+            </a:r>
+            <a:r>
+              <a:rPr lang="fr-FR" sz="1100" b="0" i="0" dirty="0" err="1">
+                <a:solidFill>
+                  <a:srgbClr val="071F32"/>
+                </a:solidFill>
+                <a:effectLst/>
+                <a:latin typeface="inherit"/>
+              </a:rPr>
+              <a:t>pinterest</a:t>
+            </a:r>
+            <a:r>
+              <a:rPr lang="fr-FR" sz="1100" b="0" i="0" dirty="0">
+                <a:solidFill>
+                  <a:srgbClr val="071F32"/>
+                </a:solidFill>
+                <a:effectLst/>
+                <a:latin typeface="inherit"/>
+              </a:rPr>
+              <a:t>":</a:t>
+            </a:r>
+            <a:r>
+              <a:rPr lang="fr-FR" sz="1100" b="0" i="0" dirty="0" err="1">
+                <a:solidFill>
+                  <a:srgbClr val="CCCCCC"/>
+                </a:solidFill>
+                <a:effectLst/>
+                <a:latin typeface="inherit"/>
+              </a:rPr>
+              <a:t>null</a:t>
+            </a:r>
+            <a:r>
+              <a:rPr lang="fr-FR" sz="1100" b="0" i="0" dirty="0">
+                <a:solidFill>
+                  <a:srgbClr val="071F32"/>
+                </a:solidFill>
+                <a:effectLst/>
+                <a:latin typeface="inherit"/>
+              </a:rPr>
+              <a:t>,</a:t>
+            </a:r>
+          </a:p>
+          <a:p>
+            <a:pPr algn="l">
+              <a:lnSpc>
+                <a:spcPts val="1050"/>
+              </a:lnSpc>
+              <a:buFont typeface="Arial" panose="020B0604020202020204" pitchFamily="34" charset="0"/>
+              <a:buChar char="•"/>
+            </a:pPr>
+            <a:r>
+              <a:rPr lang="fr-FR" sz="1100" b="0" i="0" dirty="0">
+                <a:solidFill>
+                  <a:srgbClr val="071F32"/>
+                </a:solidFill>
+                <a:effectLst/>
+                <a:latin typeface="inherit"/>
+              </a:rPr>
+              <a:t>"contact_</a:t>
+            </a:r>
+            <a:r>
+              <a:rPr lang="fr-FR" sz="1100" b="0" i="0" dirty="0" err="1">
+                <a:solidFill>
+                  <a:srgbClr val="071F32"/>
+                </a:solidFill>
+                <a:effectLst/>
+                <a:latin typeface="inherit"/>
+              </a:rPr>
+              <a:t>soundcloud</a:t>
+            </a:r>
+            <a:r>
+              <a:rPr lang="fr-FR" sz="1100" b="0" i="0" dirty="0">
+                <a:solidFill>
+                  <a:srgbClr val="071F32"/>
+                </a:solidFill>
+                <a:effectLst/>
+                <a:latin typeface="inherit"/>
+              </a:rPr>
+              <a:t>":</a:t>
+            </a:r>
+            <a:r>
+              <a:rPr lang="fr-FR" sz="1100" b="0" i="0" dirty="0" err="1">
+                <a:solidFill>
+                  <a:srgbClr val="CCCCCC"/>
+                </a:solidFill>
+                <a:effectLst/>
+                <a:latin typeface="inherit"/>
+              </a:rPr>
+              <a:t>null</a:t>
+            </a:r>
+            <a:r>
+              <a:rPr lang="fr-FR" sz="1100" b="0" i="0" dirty="0">
+                <a:solidFill>
+                  <a:srgbClr val="071F32"/>
+                </a:solidFill>
+                <a:effectLst/>
+                <a:latin typeface="inherit"/>
+              </a:rPr>
+              <a:t>,</a:t>
+            </a:r>
+          </a:p>
+          <a:p>
+            <a:pPr algn="l">
+              <a:lnSpc>
+                <a:spcPts val="1050"/>
+              </a:lnSpc>
+              <a:buFont typeface="Arial" panose="020B0604020202020204" pitchFamily="34" charset="0"/>
+              <a:buChar char="•"/>
+            </a:pPr>
+            <a:r>
+              <a:rPr lang="fr-FR" sz="1100" b="0" i="0" dirty="0">
+                <a:solidFill>
+                  <a:srgbClr val="071F32"/>
+                </a:solidFill>
+                <a:effectLst/>
+                <a:latin typeface="inherit"/>
+              </a:rPr>
+              <a:t>"univers":</a:t>
+            </a:r>
+            <a:r>
+              <a:rPr lang="fr-FR" sz="1100" b="0" i="0" dirty="0" err="1">
+                <a:solidFill>
+                  <a:srgbClr val="CCCCCC"/>
+                </a:solidFill>
+                <a:effectLst/>
+                <a:latin typeface="inherit"/>
+              </a:rPr>
+              <a:t>null</a:t>
+            </a:r>
+            <a:endParaRPr lang="fr-FR" sz="1100" dirty="0"/>
+          </a:p>
+        </p:txBody>
+      </p:sp>
+      <p:sp>
+        <p:nvSpPr>
+          <p:cNvPr id="12" name="ZoneTexte 11">
+            <a:extLst>
+              <a:ext uri="{FF2B5EF4-FFF2-40B4-BE49-F238E27FC236}">
+                <a16:creationId xmlns:a16="http://schemas.microsoft.com/office/drawing/2014/main" id="{FD349C9F-2CDB-50E3-EF82-4F1AFEF7645E}"/>
+              </a:ext>
+            </a:extLst>
+          </p:cNvPr>
+          <p:cNvSpPr txBox="1"/>
+          <p:nvPr/>
+        </p:nvSpPr>
+        <p:spPr>
+          <a:xfrm>
+            <a:off x="6242304" y="1276376"/>
+            <a:ext cx="6278880" cy="584775"/>
+          </a:xfrm>
+          <a:prstGeom prst="rect">
+            <a:avLst/>
+          </a:prstGeom>
+          <a:noFill/>
+        </p:spPr>
+        <p:txBody>
+          <a:bodyPr wrap="square" rtlCol="0">
+            <a:spAutoFit/>
+          </a:bodyPr>
+          <a:lstStyle/>
+          <a:p>
+            <a:pPr marL="285750" indent="-285750">
+              <a:buFont typeface="Arial" panose="020B0604020202020204" pitchFamily="34" charset="0"/>
+              <a:buChar char="•"/>
+            </a:pPr>
+            <a:r>
+              <a:rPr lang="fr-FR" sz="3200" b="1" dirty="0"/>
+              <a:t>69 </a:t>
+            </a:r>
+            <a:r>
+              <a:rPr lang="fr-FR" sz="3200" b="1" dirty="0" err="1"/>
+              <a:t>columns</a:t>
+            </a:r>
+            <a:endParaRPr lang="fr-FR" sz="3200" b="1" dirty="0"/>
+          </a:p>
+        </p:txBody>
+      </p:sp>
+    </p:spTree>
+    <p:extLst>
+      <p:ext uri="{BB962C8B-B14F-4D97-AF65-F5344CB8AC3E}">
+        <p14:creationId xmlns:p14="http://schemas.microsoft.com/office/powerpoint/2010/main" val="137499945"/>
+      </p:ext>
+    </p:extLst>
+  </p:cSld>
+  <p:clrMapOvr>
+    <a:masterClrMapping/>
+  </p:clrMapOvr>
+</p:sld>
+</file>
+
+<file path=ppt/slides/slide8.xml><?xml version="1.0" encoding="utf-8"?>
 <p:sld xmlns:a="http://schemas.openxmlformats.org/drawingml/2006/main" xmlns:r="http://schemas.openxmlformats.org/officeDocument/2006/relationships" xmlns:p="http://schemas.openxmlformats.org/presentationml/2006/main">
   <p:cSld>
     <p:spTree>
@@ -12670,7 +18191,7 @@
           <a:p>
             <a:fld id="{6997B004-CFCE-48D1-9298-DADD64B1EF73}" type="slidenum">
               <a:rPr lang="fr-FR" smtClean="0"/>
-              <a:t>7</a:t>
+              <a:t>8</a:t>
             </a:fld>
             <a:endParaRPr lang="fr-FR"/>
           </a:p>
@@ -14290,7 +19811,7 @@
 </p:sld>
 </file>
 
-<file path=ppt/slides/slide8.xml><?xml version="1.0" encoding="utf-8"?>
+<file path=ppt/slides/slide9.xml><?xml version="1.0" encoding="utf-8"?>
 <p:sld xmlns:a="http://schemas.openxmlformats.org/drawingml/2006/main" xmlns:r="http://schemas.openxmlformats.org/officeDocument/2006/relationships" xmlns:p="http://schemas.openxmlformats.org/presentationml/2006/main">
   <p:cSld>
     <p:spTree>
@@ -14298,7 +19819,7 @@
         <p:cNvPr id="1" name="">
           <a:extLst>
             <a:ext uri="{FF2B5EF4-FFF2-40B4-BE49-F238E27FC236}">
-              <a16:creationId xmlns:a16="http://schemas.microsoft.com/office/drawing/2014/main" id="{4EEAB5E7-C3EA-4C4C-E8BD-E538BDC6A947}"/>
+              <a16:creationId xmlns:a16="http://schemas.microsoft.com/office/drawing/2014/main" id="{C65DABC7-65F1-5814-C3CD-96027E8F621B}"/>
             </a:ext>
           </a:extLst>
         </p:cNvPr>
@@ -14318,7 +19839,7 @@
           <p:cNvPr id="2" name="Titre 1">
             <a:extLst>
               <a:ext uri="{FF2B5EF4-FFF2-40B4-BE49-F238E27FC236}">
-                <a16:creationId xmlns:a16="http://schemas.microsoft.com/office/drawing/2014/main" id="{C57629D2-3683-9002-8C83-15FE9D74768F}"/>
+                <a16:creationId xmlns:a16="http://schemas.microsoft.com/office/drawing/2014/main" id="{4B91BFAE-D11B-19C7-4E4C-46C7B223C2B1}"/>
               </a:ext>
             </a:extLst>
           </p:cNvPr>
@@ -14340,41 +19861,260 @@
               <a:rPr lang="fr-FR" dirty="0">
                 <a:latin typeface="Daytona" panose="020B0604030500040204" pitchFamily="34" charset="0"/>
               </a:rPr>
-              <a:t>New </a:t>
-            </a:r>
-            <a:r>
-              <a:rPr lang="fr-FR" dirty="0" err="1">
-                <a:latin typeface="Daytona" panose="020B0604030500040204" pitchFamily="34" charset="0"/>
-              </a:rPr>
-              <a:t>event</a:t>
-            </a:r>
-            <a:r>
+              <a:t>Data model</a:t>
+            </a:r>
+            <a:br>
               <a:rPr lang="fr-FR" dirty="0">
                 <a:latin typeface="Daytona" panose="020B0604030500040204" pitchFamily="34" charset="0"/>
               </a:rPr>
-              <a:t> </a:t>
-            </a:r>
-            <a:r>
-              <a:rPr lang="fr-FR" dirty="0" err="1">
-                <a:latin typeface="Daytona" panose="020B0604030500040204" pitchFamily="34" charset="0"/>
-              </a:rPr>
-              <a:t>incoming</a:t>
-            </a:r>
+            </a:br>
             <a:r>
               <a:rPr lang="fr-FR" dirty="0">
                 <a:latin typeface="Daytona" panose="020B0604030500040204" pitchFamily="34" charset="0"/>
               </a:rPr>
-              <a:t> ? </a:t>
+              <a:t>V0.01</a:t>
             </a:r>
           </a:p>
         </p:txBody>
       </p:sp>
+      <p:graphicFrame>
+        <p:nvGraphicFramePr>
+          <p:cNvPr id="8" name="Tableau 7">
+            <a:extLst>
+              <a:ext uri="{FF2B5EF4-FFF2-40B4-BE49-F238E27FC236}">
+                <a16:creationId xmlns:a16="http://schemas.microsoft.com/office/drawing/2014/main" id="{1EE81099-F8D5-7443-2D76-BEB8A0C17CEE}"/>
+              </a:ext>
+            </a:extLst>
+          </p:cNvPr>
+          <p:cNvGraphicFramePr>
+            <a:graphicFrameLocks noGrp="1"/>
+          </p:cNvGraphicFramePr>
+          <p:nvPr>
+            <p:extLst>
+              <p:ext uri="{D42A27DB-BD31-4B8C-83A1-F6EECF244321}">
+                <p14:modId xmlns:p14="http://schemas.microsoft.com/office/powerpoint/2010/main" val="1832527804"/>
+              </p:ext>
+            </p:extLst>
+          </p:nvPr>
+        </p:nvGraphicFramePr>
+        <p:xfrm>
+          <a:off x="4767741" y="1690688"/>
+          <a:ext cx="2042160" cy="4023360"/>
+        </p:xfrm>
+        <a:graphic>
+          <a:graphicData uri="http://schemas.openxmlformats.org/drawingml/2006/table">
+            <a:tbl>
+              <a:tblPr firstRow="1" bandRow="1">
+                <a:tableStyleId>{5C22544A-7EE6-4342-B048-85BDC9FD1C3A}</a:tableStyleId>
+              </a:tblPr>
+              <a:tblGrid>
+                <a:gridCol w="2042160">
+                  <a:extLst>
+                    <a:ext uri="{9D8B030D-6E8A-4147-A177-3AD203B41FA5}">
+                      <a16:colId xmlns:a16="http://schemas.microsoft.com/office/drawing/2014/main" val="1516608136"/>
+                    </a:ext>
+                  </a:extLst>
+                </a:gridCol>
+              </a:tblGrid>
+              <a:tr h="330812">
+                <a:tc>
+                  <a:txBody>
+                    <a:bodyPr/>
+                    <a:lstStyle/>
+                    <a:p>
+                      <a:pPr algn="ctr"/>
+                      <a:r>
+                        <a:rPr lang="fr-FR" dirty="0"/>
+                        <a:t>Events</a:t>
+                      </a:r>
+                    </a:p>
+                  </a:txBody>
+                  <a:tcPr>
+                    <a:solidFill>
+                      <a:srgbClr val="0070C0"/>
+                    </a:solidFill>
+                  </a:tcPr>
+                </a:tc>
+                <a:extLst>
+                  <a:ext uri="{0D108BD9-81ED-4DB2-BD59-A6C34878D82A}">
+                    <a16:rowId xmlns:a16="http://schemas.microsoft.com/office/drawing/2014/main" val="1200805338"/>
+                  </a:ext>
+                </a:extLst>
+              </a:tr>
+              <a:tr h="370840">
+                <a:tc>
+                  <a:txBody>
+                    <a:bodyPr/>
+                    <a:lstStyle/>
+                    <a:p>
+                      <a:pPr algn="ctr"/>
+                      <a:r>
+                        <a:rPr lang="fr-FR" dirty="0" err="1"/>
+                        <a:t>Event_id</a:t>
+                      </a:r>
+                      <a:endParaRPr lang="fr-FR" dirty="0"/>
+                    </a:p>
+                    <a:p>
+                      <a:pPr algn="ctr"/>
+                      <a:r>
+                        <a:rPr lang="fr-FR" dirty="0"/>
+                        <a:t>url</a:t>
+                      </a:r>
+                    </a:p>
+                    <a:p>
+                      <a:pPr algn="ctr"/>
+                      <a:r>
+                        <a:rPr lang="fr-FR" dirty="0" err="1"/>
+                        <a:t>Title</a:t>
+                      </a:r>
+                      <a:endParaRPr lang="fr-FR" dirty="0"/>
+                    </a:p>
+                    <a:p>
+                      <a:pPr algn="ctr"/>
+                      <a:r>
+                        <a:rPr lang="fr-FR" dirty="0"/>
+                        <a:t>Description</a:t>
+                      </a:r>
+                    </a:p>
+                    <a:p>
+                      <a:pPr algn="ctr"/>
+                      <a:r>
+                        <a:rPr lang="fr-FR" dirty="0" err="1"/>
+                        <a:t>Date_start</a:t>
+                      </a:r>
+                      <a:endParaRPr lang="fr-FR" dirty="0"/>
+                    </a:p>
+                    <a:p>
+                      <a:pPr algn="ctr"/>
+                      <a:r>
+                        <a:rPr lang="fr-FR" dirty="0" err="1"/>
+                        <a:t>Date_end</a:t>
+                      </a:r>
+                      <a:endParaRPr lang="fr-FR" dirty="0"/>
+                    </a:p>
+                    <a:p>
+                      <a:pPr algn="ctr"/>
+                      <a:r>
+                        <a:rPr lang="fr-FR" dirty="0" err="1"/>
+                        <a:t>Updated_at</a:t>
+                      </a:r>
+                      <a:endParaRPr lang="fr-FR" dirty="0"/>
+                    </a:p>
+                    <a:p>
+                      <a:pPr algn="ctr"/>
+                      <a:r>
+                        <a:rPr lang="fr-FR" sz="1800" b="0" kern="1200" dirty="0" err="1">
+                          <a:solidFill>
+                            <a:schemeClr val="dk1"/>
+                          </a:solidFill>
+                          <a:effectLst/>
+                          <a:latin typeface="+mn-lt"/>
+                          <a:ea typeface="+mn-ea"/>
+                          <a:cs typeface="+mn-cs"/>
+                        </a:rPr>
+                        <a:t>flag_interest</a:t>
+                      </a:r>
+                      <a:endParaRPr lang="fr-FR" sz="1800" b="0" kern="1200" dirty="0">
+                        <a:solidFill>
+                          <a:schemeClr val="dk1"/>
+                        </a:solidFill>
+                        <a:effectLst/>
+                        <a:latin typeface="+mn-lt"/>
+                        <a:ea typeface="+mn-ea"/>
+                        <a:cs typeface="+mn-cs"/>
+                      </a:endParaRPr>
+                    </a:p>
+                    <a:p>
+                      <a:pPr marL="0" marR="0" lvl="0" indent="0" algn="ctr" defTabSz="914400" rtl="0" eaLnBrk="1" fontAlgn="auto" latinLnBrk="0" hangingPunct="1">
+                        <a:lnSpc>
+                          <a:spcPct val="100000"/>
+                        </a:lnSpc>
+                        <a:spcBef>
+                          <a:spcPts val="0"/>
+                        </a:spcBef>
+                        <a:spcAft>
+                          <a:spcPts val="0"/>
+                        </a:spcAft>
+                        <a:buClrTx/>
+                        <a:buSzTx/>
+                        <a:buFontTx/>
+                        <a:buNone/>
+                        <a:tabLst/>
+                        <a:defRPr/>
+                      </a:pPr>
+                      <a:r>
+                        <a:rPr lang="fr-FR" sz="1800" b="0" kern="1200" dirty="0" err="1">
+                          <a:solidFill>
+                            <a:schemeClr val="dk1"/>
+                          </a:solidFill>
+                          <a:effectLst/>
+                          <a:latin typeface="+mn-lt"/>
+                          <a:ea typeface="+mn-ea"/>
+                          <a:cs typeface="+mn-cs"/>
+                        </a:rPr>
+                        <a:t>qfap_tags</a:t>
+                      </a:r>
+                      <a:endParaRPr lang="fr-FR" sz="1800" b="0" kern="1200" dirty="0">
+                        <a:solidFill>
+                          <a:schemeClr val="dk1"/>
+                        </a:solidFill>
+                        <a:effectLst/>
+                        <a:latin typeface="+mn-lt"/>
+                        <a:ea typeface="+mn-ea"/>
+                        <a:cs typeface="+mn-cs"/>
+                      </a:endParaRPr>
+                    </a:p>
+                    <a:p>
+                      <a:pPr algn="ctr"/>
+                      <a:r>
+                        <a:rPr lang="fr-FR" dirty="0" err="1"/>
+                        <a:t>Address_name</a:t>
+                      </a:r>
+                      <a:endParaRPr lang="fr-FR" dirty="0"/>
+                    </a:p>
+                    <a:p>
+                      <a:pPr algn="ctr"/>
+                      <a:r>
+                        <a:rPr lang="fr-FR" dirty="0" err="1"/>
+                        <a:t>Address_city</a:t>
+                      </a:r>
+                      <a:endParaRPr lang="fr-FR" dirty="0"/>
+                    </a:p>
+                    <a:p>
+                      <a:pPr algn="ctr"/>
+                      <a:r>
+                        <a:rPr lang="fr-FR" dirty="0" err="1"/>
+                        <a:t>Address_zipcode</a:t>
+                      </a:r>
+                      <a:endParaRPr lang="fr-FR" dirty="0"/>
+                    </a:p>
+                    <a:p>
+                      <a:pPr algn="ctr"/>
+                      <a:r>
+                        <a:rPr lang="fr-FR" dirty="0" err="1"/>
+                        <a:t>Lat_lon</a:t>
+                      </a:r>
+                      <a:endParaRPr lang="fr-FR" dirty="0"/>
+                    </a:p>
+                  </a:txBody>
+                  <a:tcPr/>
+                </a:tc>
+                <a:extLst>
+                  <a:ext uri="{0D108BD9-81ED-4DB2-BD59-A6C34878D82A}">
+                    <a16:rowId xmlns:a16="http://schemas.microsoft.com/office/drawing/2014/main" val="2098980139"/>
+                  </a:ext>
+                </a:extLst>
+              </a:tr>
+            </a:tbl>
+          </a:graphicData>
+        </a:graphic>
+      </p:graphicFrame>
       <p:sp>
         <p:nvSpPr>
           <p:cNvPr id="12" name="Espace réservé du numéro de diapositive 11">
             <a:extLst>
               <a:ext uri="{FF2B5EF4-FFF2-40B4-BE49-F238E27FC236}">
-                <a16:creationId xmlns:a16="http://schemas.microsoft.com/office/drawing/2014/main" id="{F0786BB1-467A-3C0C-CE31-EC225AA41F57}"/>
+                <a16:creationId xmlns:a16="http://schemas.microsoft.com/office/drawing/2014/main" id="{94398441-D567-B6C0-22E3-109CAFD8989F}"/>
               </a:ext>
             </a:extLst>
           </p:cNvPr>
@@ -14392,44 +20132,143 @@
           <a:p>
             <a:fld id="{6997B004-CFCE-48D1-9298-DADD64B1EF73}" type="slidenum">
               <a:rPr lang="fr-FR" smtClean="0"/>
-              <a:t>8</a:t>
+              <a:t>9</a:t>
             </a:fld>
             <a:endParaRPr lang="fr-FR"/>
           </a:p>
         </p:txBody>
       </p:sp>
-      <p:graphicFrame>
-        <p:nvGraphicFramePr>
-          <p:cNvPr id="3" name="Diagramme 2">
+      <p:pic>
+        <p:nvPicPr>
+          <p:cNvPr id="74" name="Image 73" descr="Une image contenant Graphique, symbole, Police, graphisme&#10;&#10;Le contenu généré par l’IA peut être incorrect.">
             <a:extLst>
               <a:ext uri="{FF2B5EF4-FFF2-40B4-BE49-F238E27FC236}">
-                <a16:creationId xmlns:a16="http://schemas.microsoft.com/office/drawing/2014/main" id="{5F0A7F54-DD9B-76D1-E741-15B9E542462A}"/>
+                <a16:creationId xmlns:a16="http://schemas.microsoft.com/office/drawing/2014/main" id="{6F272B34-1324-47B6-2868-EF1BCD0062BF}"/>
               </a:ext>
             </a:extLst>
           </p:cNvPr>
-          <p:cNvGraphicFramePr/>
-          <p:nvPr>
-            <p:extLst>
-              <p:ext uri="{D42A27DB-BD31-4B8C-83A1-F6EECF244321}">
-                <p14:modId xmlns:p14="http://schemas.microsoft.com/office/powerpoint/2010/main" val="1961492512"/>
-              </p:ext>
-            </p:extLst>
-          </p:nvPr>
-        </p:nvGraphicFramePr>
-        <p:xfrm>
-          <a:off x="2032000" y="719666"/>
-          <a:ext cx="8128000" cy="5418667"/>
-        </p:xfrm>
-        <a:graphic>
-          <a:graphicData uri="http://schemas.openxmlformats.org/drawingml/2006/diagram">
-            <dgm:relIds xmlns:dgm="http://schemas.openxmlformats.org/drawingml/2006/diagram" xmlns:r="http://schemas.openxmlformats.org/officeDocument/2006/relationships" r:dm="rId2" r:lo="rId3" r:qs="rId4" r:cs="rId5"/>
-          </a:graphicData>
-        </a:graphic>
-      </p:graphicFrame>
+          <p:cNvPicPr>
+            <a:picLocks noChangeAspect="1"/>
+          </p:cNvPicPr>
+          <p:nvPr/>
+        </p:nvPicPr>
+        <p:blipFill>
+          <a:blip r:embed="rId2">
+            <a:extLst>
+              <a:ext uri="{28A0092B-C50C-407E-A947-70E740481C1C}">
+                <a14:useLocalDpi xmlns:a14="http://schemas.microsoft.com/office/drawing/2010/main" val="0"/>
+              </a:ext>
+            </a:extLst>
+          </a:blip>
+          <a:stretch>
+            <a:fillRect/>
+          </a:stretch>
+        </p:blipFill>
+        <p:spPr>
+          <a:xfrm rot="3830787">
+            <a:off x="9300373" y="-106001"/>
+            <a:ext cx="767628" cy="767628"/>
+          </a:xfrm>
+          <a:prstGeom prst="rect">
+            <a:avLst/>
+          </a:prstGeom>
+        </p:spPr>
+      </p:pic>
+      <p:pic>
+        <p:nvPicPr>
+          <p:cNvPr id="76" name="Image 75" descr="Une image contenant logo, symbole, Graphique, Police&#10;&#10;Le contenu généré par l’IA peut être incorrect.">
+            <a:extLst>
+              <a:ext uri="{FF2B5EF4-FFF2-40B4-BE49-F238E27FC236}">
+                <a16:creationId xmlns:a16="http://schemas.microsoft.com/office/drawing/2014/main" id="{3FA05A07-364B-7D9F-5F86-7F72DB39CCCB}"/>
+              </a:ext>
+            </a:extLst>
+          </p:cNvPr>
+          <p:cNvPicPr>
+            <a:picLocks noChangeAspect="1"/>
+          </p:cNvPicPr>
+          <p:nvPr/>
+        </p:nvPicPr>
+        <p:blipFill>
+          <a:blip r:embed="rId3">
+            <a:extLst>
+              <a:ext uri="{28A0092B-C50C-407E-A947-70E740481C1C}">
+                <a14:useLocalDpi xmlns:a14="http://schemas.microsoft.com/office/drawing/2010/main" val="0"/>
+              </a:ext>
+            </a:extLst>
+          </a:blip>
+          <a:stretch>
+            <a:fillRect/>
+          </a:stretch>
+        </p:blipFill>
+        <p:spPr>
+          <a:xfrm rot="18961946" flipH="1">
+            <a:off x="8010952" y="-151956"/>
+            <a:ext cx="859536" cy="859536"/>
+          </a:xfrm>
+          <a:prstGeom prst="rect">
+            <a:avLst/>
+          </a:prstGeom>
+        </p:spPr>
+      </p:pic>
+      <p:sp>
+        <p:nvSpPr>
+          <p:cNvPr id="77" name="ZoneTexte 76">
+            <a:extLst>
+              <a:ext uri="{FF2B5EF4-FFF2-40B4-BE49-F238E27FC236}">
+                <a16:creationId xmlns:a16="http://schemas.microsoft.com/office/drawing/2014/main" id="{1CA8B2FD-2D10-09DA-4B1F-3055FA22C7EA}"/>
+              </a:ext>
+            </a:extLst>
+          </p:cNvPr>
+          <p:cNvSpPr txBox="1"/>
+          <p:nvPr/>
+        </p:nvSpPr>
+        <p:spPr>
+          <a:xfrm>
+            <a:off x="7833036" y="523256"/>
+            <a:ext cx="3116396" cy="307777"/>
+          </a:xfrm>
+          <a:prstGeom prst="rect">
+            <a:avLst/>
+          </a:prstGeom>
+          <a:noFill/>
+        </p:spPr>
+        <p:txBody>
+          <a:bodyPr wrap="square" rtlCol="0">
+            <a:spAutoFit/>
+          </a:bodyPr>
+          <a:lstStyle/>
+          <a:p>
+            <a:r>
+              <a:rPr lang="fr-FR" sz="1400" dirty="0" err="1">
+                <a:latin typeface="Daytona" panose="020B0604030500040204" pitchFamily="34" charset="0"/>
+              </a:rPr>
+              <a:t>Primary</a:t>
+            </a:r>
+            <a:r>
+              <a:rPr lang="fr-FR" sz="1400" dirty="0">
+                <a:latin typeface="Daytona" panose="020B0604030500040204" pitchFamily="34" charset="0"/>
+              </a:rPr>
+              <a:t> key       </a:t>
+            </a:r>
+            <a:r>
+              <a:rPr lang="fr-FR" sz="1400" dirty="0" err="1">
+                <a:latin typeface="Daytona" panose="020B0604030500040204" pitchFamily="34" charset="0"/>
+              </a:rPr>
+              <a:t>Foreign</a:t>
+            </a:r>
+            <a:r>
+              <a:rPr lang="fr-FR" sz="1400" dirty="0">
+                <a:latin typeface="Daytona" panose="020B0604030500040204" pitchFamily="34" charset="0"/>
+              </a:rPr>
+              <a:t> key</a:t>
+            </a:r>
+          </a:p>
+        </p:txBody>
+      </p:sp>
     </p:spTree>
     <p:extLst>
       <p:ext uri="{BB962C8B-B14F-4D97-AF65-F5344CB8AC3E}">
-        <p14:creationId xmlns:p14="http://schemas.microsoft.com/office/powerpoint/2010/main" val="3648777401"/>
+        <p14:creationId xmlns:p14="http://schemas.microsoft.com/office/powerpoint/2010/main" val="2629751167"/>
       </p:ext>
     </p:extLst>
   </p:cSld>
